--- a/SolutionItems/Documents/Connect2Effect/Presentation.pptx
+++ b/SolutionItems/Documents/Connect2Effect/Presentation.pptx
@@ -120,6 +120,9 @@
     <p:ext uri="{EFAFB233-063F-42B5-8137-9DF3F51BA10A}">
       <p15:sldGuideLst xmlns:p15="http://schemas.microsoft.com/office/powerpoint/2012/main"/>
     </p:ext>
+    <p:ext uri="{2D200454-40CA-4A62-9FC3-DE9A4176ACB9}">
+      <p15:notesGuideLst xmlns:p15="http://schemas.microsoft.com/office/powerpoint/2012/main"/>
+    </p:ext>
   </p:extLst>
 </p:presentation>
 </file>
@@ -151,6 +154,40 @@
   </mc:AlternateContent>
   <c:chart>
     <c:title>
+      <c:tx>
+        <c:rich>
+          <a:bodyPr rot="0" spcFirstLastPara="1" vertOverflow="ellipsis" vert="horz" wrap="square" anchor="ctr" anchorCtr="1"/>
+          <a:lstStyle/>
+          <a:p>
+            <a:pPr>
+              <a:defRPr sz="1862" b="1" i="0" u="none" strike="noStrike" kern="1200" spc="0" baseline="0">
+                <a:solidFill>
+                  <a:schemeClr val="tx1">
+                    <a:lumMod val="65000"/>
+                    <a:lumOff val="35000"/>
+                  </a:schemeClr>
+                </a:solidFill>
+                <a:latin typeface="+mn-lt"/>
+                <a:ea typeface="+mn-ea"/>
+                <a:cs typeface="+mn-cs"/>
+              </a:defRPr>
+            </a:pPr>
+            <a:r>
+              <a:rPr lang="en-US" dirty="0" smtClean="0"/>
+              <a:t>Income Distribution</a:t>
+            </a:r>
+            <a:r>
+              <a:rPr lang="en-US" baseline="0" dirty="0" smtClean="0"/>
+              <a:t> - </a:t>
+            </a:r>
+            <a:r>
+              <a:rPr lang="en-US" dirty="0" smtClean="0"/>
+              <a:t>Before</a:t>
+            </a:r>
+            <a:endParaRPr lang="en-US" dirty="0"/>
+          </a:p>
+        </c:rich>
+      </c:tx>
       <c:layout/>
       <c:overlay val="0"/>
       <c:spPr>
@@ -205,7 +242,7 @@
             <c:bubble3D val="0"/>
             <c:spPr>
               <a:solidFill>
-                <a:schemeClr val="accent1"/>
+                <a:schemeClr val="accent2"/>
               </a:solidFill>
               <a:ln w="19050">
                 <a:solidFill>
@@ -220,7 +257,7 @@
             <c:bubble3D val="0"/>
             <c:spPr>
               <a:solidFill>
-                <a:schemeClr val="accent2"/>
+                <a:schemeClr val="accent1"/>
               </a:solidFill>
               <a:ln w="19050">
                 <a:solidFill>
@@ -431,9 +468,14 @@
               </a:defRPr>
             </a:pPr>
             <a:r>
-              <a:rPr lang="en-US" b="1"/>
-              <a:t>Income</a:t>
+              <a:rPr lang="en-US" sz="1800" b="1" i="0" baseline="0" dirty="0" smtClean="0">
+                <a:effectLst/>
+              </a:rPr>
+              <a:t>Income Distribution - After</a:t>
             </a:r>
+            <a:endParaRPr lang="en-US" dirty="0">
+              <a:effectLst/>
+            </a:endParaRPr>
           </a:p>
         </c:rich>
       </c:tx>
@@ -491,7 +533,7 @@
             <c:bubble3D val="0"/>
             <c:spPr>
               <a:solidFill>
-                <a:schemeClr val="accent1"/>
+                <a:schemeClr val="accent2"/>
               </a:solidFill>
               <a:ln w="19050">
                 <a:solidFill>
@@ -506,7 +548,7 @@
             <c:bubble3D val="0"/>
             <c:spPr>
               <a:solidFill>
-                <a:schemeClr val="accent2"/>
+                <a:schemeClr val="accent1"/>
               </a:solidFill>
               <a:ln w="19050">
                 <a:solidFill>
@@ -4444,7 +4486,7 @@
           <a:p>
             <a:fld id="{12B5BE10-3D62-4B6A-AD5D-ECEC1F21CBDA}" type="datetimeFigureOut">
               <a:rPr lang="en-US" smtClean="0"/>
-              <a:t>2/18/2017</a:t>
+              <a:t>2/20/2017</a:t>
             </a:fld>
             <a:endParaRPr lang="en-US"/>
           </a:p>
@@ -4609,7 +4651,7 @@
           <a:p>
             <a:fld id="{3052636E-F41E-48B7-8DE1-3F6AC60893EC}" type="datetimeFigureOut">
               <a:rPr lang="en-US" smtClean="0"/>
-              <a:t>2/18/2017</a:t>
+              <a:t>2/20/2017</a:t>
             </a:fld>
             <a:endParaRPr lang="en-US"/>
           </a:p>
@@ -5027,7 +5069,7 @@
                 <a:ea typeface="+mn-ea"/>
                 <a:cs typeface="+mn-cs"/>
               </a:rPr>
-              <a:t> the</a:t>
+              <a:t> the </a:t>
             </a:r>
             <a:r>
               <a:rPr lang="en-US" sz="1200" b="0" i="0" kern="1200" dirty="0" smtClean="0">
@@ -5039,11 +5081,34 @@
                 <a:ea typeface="+mn-ea"/>
                 <a:cs typeface="+mn-cs"/>
               </a:rPr>
-              <a:t> economy by empowering organizations that are seeking benefit over profit.</a:t>
+              <a:t>economy by empowering organizations that are seeking benefit over profit.</a:t>
             </a:r>
           </a:p>
           <a:p>
-            <a:endParaRPr lang="en-US" dirty="0"/>
+            <a:endParaRPr lang="en-US" sz="1200" b="0" i="0" kern="1200" dirty="0" smtClean="0">
+              <a:solidFill>
+                <a:schemeClr val="tx1"/>
+              </a:solidFill>
+              <a:effectLst/>
+              <a:latin typeface="+mn-lt"/>
+              <a:ea typeface="+mn-ea"/>
+              <a:cs typeface="+mn-cs"/>
+            </a:endParaRPr>
+          </a:p>
+          <a:p>
+            <a:r>
+              <a:rPr lang="en-US" dirty="0" smtClean="0"/>
+              <a:t>(Sustainable and productive economy)</a:t>
+            </a:r>
+            <a:endParaRPr lang="en-US" sz="1200" b="0" i="0" kern="1200" dirty="0" smtClean="0">
+              <a:solidFill>
+                <a:schemeClr val="tx1"/>
+              </a:solidFill>
+              <a:effectLst/>
+              <a:latin typeface="+mn-lt"/>
+              <a:ea typeface="+mn-ea"/>
+              <a:cs typeface="+mn-cs"/>
+            </a:endParaRPr>
           </a:p>
         </p:txBody>
       </p:sp>
@@ -5160,31 +5225,7 @@
                 <a:ea typeface="+mn-ea"/>
                 <a:cs typeface="+mn-cs"/>
               </a:rPr>
-              <a:t>Define categories for organizations to determine the benefits.</a:t>
-            </a:r>
-            <a:r>
-              <a:rPr lang="en-US" sz="1200" b="0" i="0" kern="1200" baseline="0" dirty="0" smtClean="0">
-                <a:solidFill>
-                  <a:schemeClr val="tx1"/>
-                </a:solidFill>
-                <a:effectLst/>
-                <a:latin typeface="+mn-lt"/>
-                <a:ea typeface="+mn-ea"/>
-                <a:cs typeface="+mn-cs"/>
-              </a:rPr>
-              <a:t> </a:t>
-            </a:r>
-            <a:r>
-              <a:rPr lang="en-US" sz="1200" b="0" i="0" kern="1200" dirty="0" smtClean="0">
-                <a:solidFill>
-                  <a:schemeClr val="tx1"/>
-                </a:solidFill>
-                <a:effectLst/>
-                <a:latin typeface="+mn-lt"/>
-                <a:ea typeface="+mn-ea"/>
-                <a:cs typeface="+mn-cs"/>
-              </a:rPr>
-              <a:t>For instance </a:t>
+              <a:t>Define categories for organizations to determine the benefits. For instance </a:t>
             </a:r>
             <a:r>
               <a:rPr lang="en-US" sz="1200" b="1" i="0" kern="1200" dirty="0" smtClean="0">
@@ -5247,7 +5288,43 @@
                 <a:ea typeface="+mn-ea"/>
                 <a:cs typeface="+mn-cs"/>
               </a:rPr>
-              <a:t>Rate each item</a:t>
+              <a:t>Enter ratings for</a:t>
+            </a:r>
+            <a:r>
+              <a:rPr lang="en-US" sz="1200" b="0" i="0" kern="1200" baseline="0" dirty="0" smtClean="0">
+                <a:solidFill>
+                  <a:schemeClr val="tx1"/>
+                </a:solidFill>
+                <a:effectLst/>
+                <a:latin typeface="+mn-lt"/>
+                <a:ea typeface="+mn-ea"/>
+                <a:cs typeface="+mn-cs"/>
+              </a:rPr>
+              <a:t> </a:t>
+            </a:r>
+            <a:r>
+              <a:rPr lang="en-US" sz="1200" b="0" i="0" kern="1200" dirty="0" smtClean="0">
+                <a:solidFill>
+                  <a:schemeClr val="tx1"/>
+                </a:solidFill>
+                <a:effectLst/>
+                <a:latin typeface="+mn-lt"/>
+                <a:ea typeface="+mn-ea"/>
+                <a:cs typeface="+mn-cs"/>
+              </a:rPr>
+              <a:t>each </a:t>
+            </a:r>
+            <a:r>
+              <a:rPr lang="en-US" sz="1200" b="0" i="0" kern="1200" dirty="0" smtClean="0">
+                <a:solidFill>
+                  <a:schemeClr val="tx1"/>
+                </a:solidFill>
+                <a:effectLst/>
+                <a:latin typeface="+mn-lt"/>
+                <a:ea typeface="+mn-ea"/>
+                <a:cs typeface="+mn-cs"/>
+              </a:rPr>
+              <a:t>item</a:t>
             </a:r>
             <a:r>
               <a:rPr lang="en-US" sz="1200" b="0" i="0" kern="1200" baseline="0" dirty="0" smtClean="0">
@@ -5283,7 +5360,7 @@
                 <a:ea typeface="+mn-ea"/>
                 <a:cs typeface="+mn-cs"/>
               </a:rPr>
-              <a:t> License in our case.</a:t>
+              <a:t> In this case, each license.</a:t>
             </a:r>
             <a:endParaRPr lang="en-US" sz="1200" b="0" i="0" kern="1200" dirty="0" smtClean="0">
               <a:solidFill>
@@ -5334,7 +5411,7 @@
                 <a:ea typeface="+mn-ea"/>
                 <a:cs typeface="+mn-cs"/>
               </a:rPr>
-              <a:t>based on their (license</a:t>
+              <a:t>based on their preference</a:t>
             </a:r>
             <a:r>
               <a:rPr lang="en-US" sz="1200" b="0" i="0" kern="1200" baseline="0" dirty="0" smtClean="0">
@@ -5346,20 +5423,17 @@
                 <a:ea typeface="+mn-ea"/>
                 <a:cs typeface="+mn-cs"/>
               </a:rPr>
-              <a:t>) </a:t>
+              <a:t> in these categories.</a:t>
             </a:r>
-            <a:r>
-              <a:rPr lang="en-US" sz="1200" b="0" i="0" kern="1200" dirty="0" smtClean="0">
-                <a:solidFill>
-                  <a:schemeClr val="tx1"/>
-                </a:solidFill>
-                <a:effectLst/>
-                <a:latin typeface="+mn-lt"/>
-                <a:ea typeface="+mn-ea"/>
-                <a:cs typeface="+mn-cs"/>
-              </a:rPr>
-              <a:t>preference.</a:t>
-            </a:r>
+            <a:endParaRPr lang="en-US" sz="1200" b="0" i="0" kern="1200" dirty="0" smtClean="0">
+              <a:solidFill>
+                <a:schemeClr val="tx1"/>
+              </a:solidFill>
+              <a:effectLst/>
+              <a:latin typeface="+mn-lt"/>
+              <a:ea typeface="+mn-ea"/>
+              <a:cs typeface="+mn-cs"/>
+            </a:endParaRPr>
           </a:p>
           <a:p>
             <a:pPr marL="0" indent="0">
@@ -5391,7 +5465,19 @@
                 <a:ea typeface="+mn-ea"/>
                 <a:cs typeface="+mn-cs"/>
               </a:rPr>
-              <a:t>More benefits to society means more income from the pool.</a:t>
+              <a:t>More benefits to society means more income from this</a:t>
+            </a:r>
+            <a:r>
+              <a:rPr lang="en-US" sz="1200" b="0" i="0" kern="1200" baseline="0" dirty="0" smtClean="0">
+                <a:solidFill>
+                  <a:schemeClr val="tx1"/>
+                </a:solidFill>
+                <a:effectLst/>
+                <a:latin typeface="+mn-lt"/>
+                <a:ea typeface="+mn-ea"/>
+                <a:cs typeface="+mn-cs"/>
+              </a:rPr>
+              <a:t> pool.</a:t>
             </a:r>
           </a:p>
           <a:p>
@@ -5399,7 +5485,15 @@
               <a:buFont typeface="+mj-lt"/>
               <a:buNone/>
             </a:pPr>
-            <a:endParaRPr lang="en-US" dirty="0"/>
+            <a:endParaRPr lang="en-US" sz="1200" b="0" i="0" kern="1200" dirty="0" smtClean="0">
+              <a:solidFill>
+                <a:schemeClr val="tx1"/>
+              </a:solidFill>
+              <a:effectLst/>
+              <a:latin typeface="+mn-lt"/>
+              <a:ea typeface="+mn-ea"/>
+              <a:cs typeface="+mn-cs"/>
+            </a:endParaRPr>
           </a:p>
         </p:txBody>
       </p:sp>
@@ -5723,7 +5817,7 @@
                 <a:ea typeface="+mn-ea"/>
                 <a:cs typeface="+mn-cs"/>
               </a:rPr>
-              <a:t> these ratings, now open source organizations would have more income than proprietary ones.</a:t>
+              <a:t> these results, now open source organizations would have much more income than proprietary ones.</a:t>
             </a:r>
             <a:endParaRPr lang="en-US" dirty="0" smtClean="0"/>
           </a:p>
@@ -5911,7 +6005,7 @@
                 <a:ea typeface="+mn-ea"/>
                 <a:cs typeface="+mn-cs"/>
               </a:rPr>
-              <a:t>with an estimation of 80 ~ 90%</a:t>
+              <a:t>with an estimation of 80 ~ 90%.</a:t>
             </a:r>
             <a:endParaRPr lang="en-US" sz="1200" b="0" i="0" kern="1200" baseline="0" dirty="0" smtClean="0">
               <a:solidFill>
@@ -5953,7 +6047,7 @@
                 <a:ea typeface="+mn-ea"/>
                 <a:cs typeface="+mn-cs"/>
               </a:rPr>
-              <a:t>Which means we can reach to our goals as a society much faster.</a:t>
+              <a:t>This means we can reach to our goals as a society much faster.</a:t>
             </a:r>
           </a:p>
           <a:p>
@@ -6343,7 +6437,7 @@
           <a:p>
             <a:fld id="{B9F1B7B5-E762-4288-8599-01B681E65152}" type="datetimeFigureOut">
               <a:rPr lang="en-US" smtClean="0"/>
-              <a:t>2/18/2017</a:t>
+              <a:t>2/20/2017</a:t>
             </a:fld>
             <a:endParaRPr lang="en-US"/>
           </a:p>
@@ -6520,7 +6614,7 @@
           <a:p>
             <a:fld id="{B9F1B7B5-E762-4288-8599-01B681E65152}" type="datetimeFigureOut">
               <a:rPr lang="en-US" smtClean="0"/>
-              <a:t>2/18/2017</a:t>
+              <a:t>2/20/2017</a:t>
             </a:fld>
             <a:endParaRPr lang="en-US"/>
           </a:p>
@@ -6700,7 +6794,7 @@
           <a:p>
             <a:fld id="{B9F1B7B5-E762-4288-8599-01B681E65152}" type="datetimeFigureOut">
               <a:rPr lang="en-US" smtClean="0"/>
-              <a:t>2/18/2017</a:t>
+              <a:t>2/20/2017</a:t>
             </a:fld>
             <a:endParaRPr lang="en-US"/>
           </a:p>
@@ -6846,7 +6940,7 @@
           <a:p>
             <a:fld id="{B9F1B7B5-E762-4288-8599-01B681E65152}" type="datetimeFigureOut">
               <a:rPr lang="en-US" smtClean="0"/>
-              <a:t>2/18/2017</a:t>
+              <a:t>2/20/2017</a:t>
             </a:fld>
             <a:endParaRPr lang="en-US"/>
           </a:p>
@@ -7269,7 +7363,7 @@
           <a:p>
             <a:fld id="{B9F1B7B5-E762-4288-8599-01B681E65152}" type="datetimeFigureOut">
               <a:rPr lang="en-US" smtClean="0"/>
-              <a:t>2/18/2017</a:t>
+              <a:t>2/20/2017</a:t>
             </a:fld>
             <a:endParaRPr lang="en-US"/>
           </a:p>
@@ -7508,7 +7602,7 @@
           <a:p>
             <a:fld id="{B9F1B7B5-E762-4288-8599-01B681E65152}" type="datetimeFigureOut">
               <a:rPr lang="en-US" smtClean="0"/>
-              <a:t>2/18/2017</a:t>
+              <a:t>2/20/2017</a:t>
             </a:fld>
             <a:endParaRPr lang="en-US"/>
           </a:p>
@@ -7882,7 +7976,7 @@
           <a:p>
             <a:fld id="{B9F1B7B5-E762-4288-8599-01B681E65152}" type="datetimeFigureOut">
               <a:rPr lang="en-US" smtClean="0"/>
-              <a:t>2/18/2017</a:t>
+              <a:t>2/20/2017</a:t>
             </a:fld>
             <a:endParaRPr lang="en-US"/>
           </a:p>
@@ -8000,7 +8094,7 @@
           <a:p>
             <a:fld id="{B9F1B7B5-E762-4288-8599-01B681E65152}" type="datetimeFigureOut">
               <a:rPr lang="en-US" smtClean="0"/>
-              <a:t>2/18/2017</a:t>
+              <a:t>2/20/2017</a:t>
             </a:fld>
             <a:endParaRPr lang="en-US"/>
           </a:p>
@@ -8095,7 +8189,7 @@
           <a:p>
             <a:fld id="{B9F1B7B5-E762-4288-8599-01B681E65152}" type="datetimeFigureOut">
               <a:rPr lang="en-US" smtClean="0"/>
-              <a:t>2/18/2017</a:t>
+              <a:t>2/20/2017</a:t>
             </a:fld>
             <a:endParaRPr lang="en-US"/>
           </a:p>
@@ -8372,7 +8466,7 @@
           <a:p>
             <a:fld id="{B9F1B7B5-E762-4288-8599-01B681E65152}" type="datetimeFigureOut">
               <a:rPr lang="en-US" smtClean="0"/>
-              <a:t>2/18/2017</a:t>
+              <a:t>2/20/2017</a:t>
             </a:fld>
             <a:endParaRPr lang="en-US"/>
           </a:p>
@@ -8625,7 +8719,7 @@
           <a:p>
             <a:fld id="{B9F1B7B5-E762-4288-8599-01B681E65152}" type="datetimeFigureOut">
               <a:rPr lang="en-US" smtClean="0"/>
-              <a:t>2/18/2017</a:t>
+              <a:t>2/20/2017</a:t>
             </a:fld>
             <a:endParaRPr lang="en-US"/>
           </a:p>
@@ -8776,11 +8870,7 @@
             <a:pPr lvl="1"/>
             <a:r>
               <a:rPr lang="en-US" dirty="0" smtClean="0"/>
-              <a:t>Second </a:t>
-            </a:r>
-            <a:r>
-              <a:rPr lang="en-US" dirty="0" smtClean="0"/>
-              <a:t>level</a:t>
+              <a:t>Second level</a:t>
             </a:r>
           </a:p>
           <a:p>
@@ -8794,11 +8884,7 @@
             <a:pPr lvl="3"/>
             <a:r>
               <a:rPr lang="en-US" dirty="0" smtClean="0"/>
-              <a:t>Fourth </a:t>
-            </a:r>
-            <a:r>
-              <a:rPr lang="en-US" dirty="0" smtClean="0"/>
-              <a:t>level</a:t>
+              <a:t>Fourth level</a:t>
             </a:r>
           </a:p>
           <a:p>
@@ -8846,7 +8932,7 @@
           <a:p>
             <a:fld id="{B9F1B7B5-E762-4288-8599-01B681E65152}" type="datetimeFigureOut">
               <a:rPr lang="en-US" smtClean="0"/>
-              <a:t>2/18/2017</a:t>
+              <a:t>2/20/2017</a:t>
             </a:fld>
             <a:endParaRPr lang="en-US"/>
           </a:p>
@@ -9496,11 +9582,7 @@
           <a:p>
             <a:r>
               <a:rPr lang="en-US" dirty="0" smtClean="0"/>
-              <a:t>Intro: </a:t>
-            </a:r>
-            <a:r>
-              <a:rPr lang="en-US" dirty="0"/>
-              <a:t>Sustainable and productive economy</a:t>
+              <a:t>Intro</a:t>
             </a:r>
             <a:endParaRPr lang="en-US" dirty="0"/>
           </a:p>
@@ -9596,23 +9678,6 @@
       </p:sp>
       <p:sp>
         <p:nvSpPr>
-          <p:cNvPr id="3" name=" 2"/>
-          <p:cNvSpPr>
-            <a:spLocks noGrp="1"/>
-          </p:cNvSpPr>
-          <p:nvPr>
-            <p:ph idx="4294967295"/>
-          </p:nvPr>
-        </p:nvSpPr>
-        <p:spPr>
-          <a:xfrm>
-            <a:off x="838200" y="1473200"/>
-            <a:ext cx="11023600" cy="4703763"/>
-          </a:xfrm>
-        </p:spPr>
-      </p:sp>
-      <p:sp>
-        <p:nvSpPr>
           <p:cNvPr id="31" name="Shape 4"/>
           <p:cNvSpPr/>
           <p:nvPr/>
@@ -9663,1123 +9728,35 @@
       </p:sp>
       <p:grpSp>
         <p:nvGrpSpPr>
-          <p:cNvPr id="58" name="Group 57"/>
+          <p:cNvPr id="4" name="Group 3"/>
           <p:cNvGrpSpPr/>
           <p:nvPr/>
         </p:nvGrpSpPr>
         <p:grpSpPr>
           <a:xfrm>
-            <a:off x="6994323" y="1480781"/>
-            <a:ext cx="3969743" cy="4550768"/>
-            <a:chOff x="6994323" y="1480781"/>
-            <a:chExt cx="3969743" cy="4550768"/>
+            <a:off x="1047725" y="1480781"/>
+            <a:ext cx="10096550" cy="4550768"/>
+            <a:chOff x="867516" y="1480781"/>
+            <a:chExt cx="10096550" cy="4550768"/>
           </a:xfrm>
         </p:grpSpPr>
-        <p:sp>
-          <p:nvSpPr>
-            <p:cNvPr id="37" name="Freeform 36"/>
-            <p:cNvSpPr>
-              <a:spLocks noChangeAspect="1"/>
-            </p:cNvSpPr>
-            <p:nvPr/>
-          </p:nvSpPr>
-          <p:spPr>
-            <a:xfrm>
-              <a:off x="7507974" y="3002623"/>
-              <a:ext cx="1439994" cy="1439994"/>
-            </a:xfrm>
-            <a:custGeom>
-              <a:avLst/>
-              <a:gdLst>
-                <a:gd name="connsiteX0" fmla="*/ 0 w 1439994"/>
-                <a:gd name="connsiteY0" fmla="*/ 719997 h 1439994"/>
-                <a:gd name="connsiteX1" fmla="*/ 719997 w 1439994"/>
-                <a:gd name="connsiteY1" fmla="*/ 0 h 1439994"/>
-                <a:gd name="connsiteX2" fmla="*/ 1439994 w 1439994"/>
-                <a:gd name="connsiteY2" fmla="*/ 719997 h 1439994"/>
-                <a:gd name="connsiteX3" fmla="*/ 719997 w 1439994"/>
-                <a:gd name="connsiteY3" fmla="*/ 1439994 h 1439994"/>
-                <a:gd name="connsiteX4" fmla="*/ 0 w 1439994"/>
-                <a:gd name="connsiteY4" fmla="*/ 719997 h 1439994"/>
-              </a:gdLst>
-              <a:ahLst/>
-              <a:cxnLst>
-                <a:cxn ang="0">
-                  <a:pos x="connsiteX0" y="connsiteY0"/>
-                </a:cxn>
-                <a:cxn ang="0">
-                  <a:pos x="connsiteX1" y="connsiteY1"/>
-                </a:cxn>
-                <a:cxn ang="0">
-                  <a:pos x="connsiteX2" y="connsiteY2"/>
-                </a:cxn>
-                <a:cxn ang="0">
-                  <a:pos x="connsiteX3" y="connsiteY3"/>
-                </a:cxn>
-                <a:cxn ang="0">
-                  <a:pos x="connsiteX4" y="connsiteY4"/>
-                </a:cxn>
-              </a:cxnLst>
-              <a:rect l="l" t="t" r="r" b="b"/>
-              <a:pathLst>
-                <a:path w="1439994" h="1439994">
-                  <a:moveTo>
-                    <a:pt x="0" y="719997"/>
-                  </a:moveTo>
-                  <a:cubicBezTo>
-                    <a:pt x="0" y="322354"/>
-                    <a:pt x="322354" y="0"/>
-                    <a:pt x="719997" y="0"/>
-                  </a:cubicBezTo>
-                  <a:cubicBezTo>
-                    <a:pt x="1117640" y="0"/>
-                    <a:pt x="1439994" y="322354"/>
-                    <a:pt x="1439994" y="719997"/>
-                  </a:cubicBezTo>
-                  <a:cubicBezTo>
-                    <a:pt x="1439994" y="1117640"/>
-                    <a:pt x="1117640" y="1439994"/>
-                    <a:pt x="719997" y="1439994"/>
-                  </a:cubicBezTo>
-                  <a:cubicBezTo>
-                    <a:pt x="322354" y="1439994"/>
-                    <a:pt x="0" y="1117640"/>
-                    <a:pt x="0" y="719997"/>
-                  </a:cubicBezTo>
-                  <a:close/>
-                </a:path>
-              </a:pathLst>
-            </a:custGeom>
-          </p:spPr>
-          <p:style>
-            <a:lnRef idx="2">
-              <a:schemeClr val="lt1">
-                <a:hueOff val="0"/>
-                <a:satOff val="0"/>
-                <a:lumOff val="0"/>
-                <a:alphaOff val="0"/>
-              </a:schemeClr>
-            </a:lnRef>
-            <a:fillRef idx="1">
-              <a:schemeClr val="accent1">
-                <a:hueOff val="0"/>
-                <a:satOff val="0"/>
-                <a:lumOff val="0"/>
-                <a:alphaOff val="0"/>
-              </a:schemeClr>
-            </a:fillRef>
-            <a:effectRef idx="0">
-              <a:schemeClr val="accent1">
-                <a:hueOff val="0"/>
-                <a:satOff val="0"/>
-                <a:lumOff val="0"/>
-                <a:alphaOff val="0"/>
-              </a:schemeClr>
-            </a:effectRef>
-            <a:fontRef idx="minor">
-              <a:schemeClr val="lt1"/>
-            </a:fontRef>
-          </p:style>
-          <p:txBody>
-            <a:bodyPr spcFirstLastPara="0" vert="horz" wrap="square" lIns="221042" tIns="221042" rIns="221042" bIns="221042" numCol="1" spcCol="1270" anchor="ctr" anchorCtr="0">
-              <a:noAutofit/>
-            </a:bodyPr>
-            <a:lstStyle/>
-            <a:p>
-              <a:pPr lvl="0" algn="ctr" defTabSz="711200">
-                <a:lnSpc>
-                  <a:spcPct val="90000"/>
-                </a:lnSpc>
-                <a:spcBef>
-                  <a:spcPct val="0"/>
-                </a:spcBef>
-                <a:spcAft>
-                  <a:spcPct val="35000"/>
-                </a:spcAft>
-              </a:pPr>
-              <a:r>
-                <a:rPr lang="en-US" sz="1600" b="1" kern="1200" dirty="0" smtClean="0"/>
-                <a:t>Windows</a:t>
-              </a:r>
-              <a:endParaRPr lang="en-US" sz="1200" b="1" kern="1200" dirty="0"/>
-            </a:p>
-          </p:txBody>
-        </p:sp>
-        <p:sp>
-          <p:nvSpPr>
-            <p:cNvPr id="38" name="Left Arrow 37"/>
-            <p:cNvSpPr/>
-            <p:nvPr/>
-          </p:nvSpPr>
-          <p:spPr>
-            <a:xfrm rot="16200000">
-              <a:off x="7914753" y="2446559"/>
-              <a:ext cx="631286" cy="460842"/>
-            </a:xfrm>
-            <a:prstGeom prst="leftArrow">
-              <a:avLst>
-                <a:gd name="adj1" fmla="val 60000"/>
-                <a:gd name="adj2" fmla="val 50000"/>
-              </a:avLst>
-            </a:prstGeom>
-          </p:spPr>
-          <p:style>
-            <a:lnRef idx="0">
-              <a:schemeClr val="lt1">
-                <a:hueOff val="0"/>
-                <a:satOff val="0"/>
-                <a:lumOff val="0"/>
-                <a:alphaOff val="0"/>
-              </a:schemeClr>
-            </a:lnRef>
-            <a:fillRef idx="1">
-              <a:schemeClr val="accent2">
-                <a:hueOff val="0"/>
-                <a:satOff val="0"/>
-                <a:lumOff val="0"/>
-                <a:alphaOff val="0"/>
-              </a:schemeClr>
-            </a:fillRef>
-            <a:effectRef idx="0">
-              <a:schemeClr val="accent2">
-                <a:hueOff val="0"/>
-                <a:satOff val="0"/>
-                <a:lumOff val="0"/>
-                <a:alphaOff val="0"/>
-              </a:schemeClr>
-            </a:effectRef>
-            <a:fontRef idx="minor">
-              <a:schemeClr val="lt1">
-                <a:hueOff val="0"/>
-                <a:satOff val="0"/>
-                <a:lumOff val="0"/>
-                <a:alphaOff val="0"/>
-              </a:schemeClr>
-            </a:fontRef>
-          </p:style>
-        </p:sp>
-        <p:sp>
-          <p:nvSpPr>
-            <p:cNvPr id="39" name="Freeform 38"/>
-            <p:cNvSpPr/>
-            <p:nvPr/>
-          </p:nvSpPr>
-          <p:spPr>
-            <a:xfrm>
-              <a:off x="7462326" y="2003972"/>
-              <a:ext cx="1536140" cy="540000"/>
-            </a:xfrm>
-            <a:custGeom>
-              <a:avLst/>
-              <a:gdLst>
-                <a:gd name="connsiteX0" fmla="*/ 0 w 1536140"/>
-                <a:gd name="connsiteY0" fmla="*/ 61462 h 614616"/>
-                <a:gd name="connsiteX1" fmla="*/ 61462 w 1536140"/>
-                <a:gd name="connsiteY1" fmla="*/ 0 h 614616"/>
-                <a:gd name="connsiteX2" fmla="*/ 1474678 w 1536140"/>
-                <a:gd name="connsiteY2" fmla="*/ 0 h 614616"/>
-                <a:gd name="connsiteX3" fmla="*/ 1536140 w 1536140"/>
-                <a:gd name="connsiteY3" fmla="*/ 61462 h 614616"/>
-                <a:gd name="connsiteX4" fmla="*/ 1536140 w 1536140"/>
-                <a:gd name="connsiteY4" fmla="*/ 553154 h 614616"/>
-                <a:gd name="connsiteX5" fmla="*/ 1474678 w 1536140"/>
-                <a:gd name="connsiteY5" fmla="*/ 614616 h 614616"/>
-                <a:gd name="connsiteX6" fmla="*/ 61462 w 1536140"/>
-                <a:gd name="connsiteY6" fmla="*/ 614616 h 614616"/>
-                <a:gd name="connsiteX7" fmla="*/ 0 w 1536140"/>
-                <a:gd name="connsiteY7" fmla="*/ 553154 h 614616"/>
-                <a:gd name="connsiteX8" fmla="*/ 0 w 1536140"/>
-                <a:gd name="connsiteY8" fmla="*/ 61462 h 614616"/>
-              </a:gdLst>
-              <a:ahLst/>
-              <a:cxnLst>
-                <a:cxn ang="0">
-                  <a:pos x="connsiteX0" y="connsiteY0"/>
-                </a:cxn>
-                <a:cxn ang="0">
-                  <a:pos x="connsiteX1" y="connsiteY1"/>
-                </a:cxn>
-                <a:cxn ang="0">
-                  <a:pos x="connsiteX2" y="connsiteY2"/>
-                </a:cxn>
-                <a:cxn ang="0">
-                  <a:pos x="connsiteX3" y="connsiteY3"/>
-                </a:cxn>
-                <a:cxn ang="0">
-                  <a:pos x="connsiteX4" y="connsiteY4"/>
-                </a:cxn>
-                <a:cxn ang="0">
-                  <a:pos x="connsiteX5" y="connsiteY5"/>
-                </a:cxn>
-                <a:cxn ang="0">
-                  <a:pos x="connsiteX6" y="connsiteY6"/>
-                </a:cxn>
-                <a:cxn ang="0">
-                  <a:pos x="connsiteX7" y="connsiteY7"/>
-                </a:cxn>
-                <a:cxn ang="0">
-                  <a:pos x="connsiteX8" y="connsiteY8"/>
-                </a:cxn>
-              </a:cxnLst>
-              <a:rect l="l" t="t" r="r" b="b"/>
-              <a:pathLst>
-                <a:path w="1536140" h="614616">
-                  <a:moveTo>
-                    <a:pt x="0" y="61462"/>
-                  </a:moveTo>
-                  <a:cubicBezTo>
-                    <a:pt x="0" y="27517"/>
-                    <a:pt x="27517" y="0"/>
-                    <a:pt x="61462" y="0"/>
-                  </a:cubicBezTo>
-                  <a:lnTo>
-                    <a:pt x="1474678" y="0"/>
-                  </a:lnTo>
-                  <a:cubicBezTo>
-                    <a:pt x="1508623" y="0"/>
-                    <a:pt x="1536140" y="27517"/>
-                    <a:pt x="1536140" y="61462"/>
-                  </a:cubicBezTo>
-                  <a:lnTo>
-                    <a:pt x="1536140" y="553154"/>
-                  </a:lnTo>
-                  <a:cubicBezTo>
-                    <a:pt x="1536140" y="587099"/>
-                    <a:pt x="1508623" y="614616"/>
-                    <a:pt x="1474678" y="614616"/>
-                  </a:cubicBezTo>
-                  <a:lnTo>
-                    <a:pt x="61462" y="614616"/>
-                  </a:lnTo>
-                  <a:cubicBezTo>
-                    <a:pt x="27517" y="614616"/>
-                    <a:pt x="0" y="587099"/>
-                    <a:pt x="0" y="553154"/>
-                  </a:cubicBezTo>
-                  <a:lnTo>
-                    <a:pt x="0" y="61462"/>
-                  </a:lnTo>
-                  <a:close/>
-                </a:path>
-              </a:pathLst>
-            </a:custGeom>
-          </p:spPr>
-          <p:style>
-            <a:lnRef idx="2">
-              <a:schemeClr val="lt1">
-                <a:hueOff val="0"/>
-                <a:satOff val="0"/>
-                <a:lumOff val="0"/>
-                <a:alphaOff val="0"/>
-              </a:schemeClr>
-            </a:lnRef>
-            <a:fillRef idx="1">
-              <a:schemeClr val="accent2">
-                <a:hueOff val="0"/>
-                <a:satOff val="0"/>
-                <a:lumOff val="0"/>
-                <a:alphaOff val="0"/>
-              </a:schemeClr>
-            </a:fillRef>
-            <a:effectRef idx="0">
-              <a:schemeClr val="accent2">
-                <a:hueOff val="0"/>
-                <a:satOff val="0"/>
-                <a:lumOff val="0"/>
-                <a:alphaOff val="0"/>
-              </a:schemeClr>
-            </a:effectRef>
-            <a:fontRef idx="minor">
-              <a:schemeClr val="lt1"/>
-            </a:fontRef>
-          </p:style>
-          <p:txBody>
-            <a:bodyPr spcFirstLastPara="0" vert="horz" wrap="square" lIns="56101" tIns="56101" rIns="56101" bIns="56101" numCol="1" spcCol="1270" anchor="t" anchorCtr="0">
-              <a:noAutofit/>
-            </a:bodyPr>
-            <a:lstStyle/>
-            <a:p>
-              <a:pPr lvl="0" algn="ctr" defTabSz="889000">
-                <a:lnSpc>
-                  <a:spcPct val="90000"/>
-                </a:lnSpc>
-                <a:spcBef>
-                  <a:spcPct val="0"/>
-                </a:spcBef>
-                <a:spcAft>
-                  <a:spcPct val="35000"/>
-                </a:spcAft>
-              </a:pPr>
-              <a:r>
-                <a:rPr lang="en-US" kern="1200" dirty="0" smtClean="0"/>
-                <a:t>EULA</a:t>
-              </a:r>
-              <a:endParaRPr lang="en-US" sz="3800" kern="1200" dirty="0"/>
-            </a:p>
-          </p:txBody>
-        </p:sp>
-        <p:sp>
-          <p:nvSpPr>
-            <p:cNvPr id="30" name="Shape 29"/>
-            <p:cNvSpPr>
-              <a:spLocks noChangeAspect="1"/>
-            </p:cNvSpPr>
-            <p:nvPr/>
-          </p:nvSpPr>
-          <p:spPr>
-            <a:xfrm>
-              <a:off x="8407110" y="4375549"/>
-              <a:ext cx="1656000" cy="1656000"/>
-            </a:xfrm>
-            <a:prstGeom prst="gear9">
-              <a:avLst/>
-            </a:prstGeom>
-            <a:solidFill>
-              <a:schemeClr val="accent6"/>
-            </a:solidFill>
-          </p:spPr>
-          <p:style>
-            <a:lnRef idx="2">
-              <a:schemeClr val="lt1">
-                <a:hueOff val="0"/>
-                <a:satOff val="0"/>
-                <a:lumOff val="0"/>
-                <a:alphaOff val="0"/>
-              </a:schemeClr>
-            </a:lnRef>
-            <a:fillRef idx="1">
-              <a:schemeClr val="accent1">
-                <a:hueOff val="0"/>
-                <a:satOff val="0"/>
-                <a:lumOff val="0"/>
-                <a:alphaOff val="0"/>
-              </a:schemeClr>
-            </a:fillRef>
-            <a:effectRef idx="0">
-              <a:schemeClr val="accent1">
-                <a:hueOff val="0"/>
-                <a:satOff val="0"/>
-                <a:lumOff val="0"/>
-                <a:alphaOff val="0"/>
-              </a:schemeClr>
-            </a:effectRef>
-            <a:fontRef idx="minor">
-              <a:schemeClr val="lt1"/>
-            </a:fontRef>
-          </p:style>
-          <p:txBody>
-            <a:bodyPr anchor="ctr"/>
-            <a:lstStyle/>
-            <a:p>
-              <a:pPr algn="ctr"/>
-              <a:r>
-                <a:rPr lang="en-US" sz="2000" dirty="0" smtClean="0"/>
-                <a:t>Fund</a:t>
-              </a:r>
-              <a:endParaRPr lang="en-US" dirty="0"/>
-            </a:p>
-          </p:txBody>
-        </p:sp>
-        <p:sp>
-          <p:nvSpPr>
-            <p:cNvPr id="18" name="TextBox 17"/>
-            <p:cNvSpPr txBox="1"/>
-            <p:nvPr/>
-          </p:nvSpPr>
-          <p:spPr>
-            <a:xfrm flipH="1">
-              <a:off x="6994323" y="1480781"/>
-              <a:ext cx="648000" cy="646331"/>
-            </a:xfrm>
-            <a:prstGeom prst="rect">
-              <a:avLst/>
-            </a:prstGeom>
-          </p:spPr>
-          <p:style>
-            <a:lnRef idx="0">
-              <a:schemeClr val="accent4"/>
-            </a:lnRef>
-            <a:fillRef idx="3">
-              <a:schemeClr val="accent4"/>
-            </a:fillRef>
-            <a:effectRef idx="3">
-              <a:schemeClr val="accent4"/>
-            </a:effectRef>
-            <a:fontRef idx="minor">
-              <a:schemeClr val="lt1"/>
-            </a:fontRef>
-          </p:style>
-          <p:txBody>
-            <a:bodyPr wrap="square" rtlCol="0" anchor="ctr" anchorCtr="1">
-              <a:spAutoFit/>
-            </a:bodyPr>
-            <a:lstStyle/>
-            <a:p>
-              <a:pPr algn="ctr"/>
-              <a:r>
-                <a:rPr lang="en-US" sz="3600" dirty="0" smtClean="0"/>
-                <a:t>3</a:t>
-              </a:r>
-              <a:endParaRPr lang="en-US" sz="1400" dirty="0"/>
-            </a:p>
-          </p:txBody>
-        </p:sp>
-        <p:sp>
-          <p:nvSpPr>
-            <p:cNvPr id="41" name="Freeform 40"/>
-            <p:cNvSpPr>
-              <a:spLocks noChangeAspect="1"/>
-            </p:cNvSpPr>
-            <p:nvPr/>
-          </p:nvSpPr>
-          <p:spPr>
-            <a:xfrm>
-              <a:off x="9344069" y="3002400"/>
-              <a:ext cx="1619997" cy="1619997"/>
-            </a:xfrm>
-            <a:custGeom>
-              <a:avLst/>
-              <a:gdLst>
-                <a:gd name="connsiteX0" fmla="*/ 0 w 1619997"/>
-                <a:gd name="connsiteY0" fmla="*/ 809999 h 1619997"/>
-                <a:gd name="connsiteX1" fmla="*/ 809999 w 1619997"/>
-                <a:gd name="connsiteY1" fmla="*/ 0 h 1619997"/>
-                <a:gd name="connsiteX2" fmla="*/ 1619998 w 1619997"/>
-                <a:gd name="connsiteY2" fmla="*/ 809999 h 1619997"/>
-                <a:gd name="connsiteX3" fmla="*/ 809999 w 1619997"/>
-                <a:gd name="connsiteY3" fmla="*/ 1619998 h 1619997"/>
-                <a:gd name="connsiteX4" fmla="*/ 0 w 1619997"/>
-                <a:gd name="connsiteY4" fmla="*/ 809999 h 1619997"/>
-              </a:gdLst>
-              <a:ahLst/>
-              <a:cxnLst>
-                <a:cxn ang="0">
-                  <a:pos x="connsiteX0" y="connsiteY0"/>
-                </a:cxn>
-                <a:cxn ang="0">
-                  <a:pos x="connsiteX1" y="connsiteY1"/>
-                </a:cxn>
-                <a:cxn ang="0">
-                  <a:pos x="connsiteX2" y="connsiteY2"/>
-                </a:cxn>
-                <a:cxn ang="0">
-                  <a:pos x="connsiteX3" y="connsiteY3"/>
-                </a:cxn>
-                <a:cxn ang="0">
-                  <a:pos x="connsiteX4" y="connsiteY4"/>
-                </a:cxn>
-              </a:cxnLst>
-              <a:rect l="l" t="t" r="r" b="b"/>
-              <a:pathLst>
-                <a:path w="1619997" h="1619997">
-                  <a:moveTo>
-                    <a:pt x="0" y="809999"/>
-                  </a:moveTo>
-                  <a:cubicBezTo>
-                    <a:pt x="0" y="362649"/>
-                    <a:pt x="362649" y="0"/>
-                    <a:pt x="809999" y="0"/>
-                  </a:cubicBezTo>
-                  <a:cubicBezTo>
-                    <a:pt x="1257349" y="0"/>
-                    <a:pt x="1619998" y="362649"/>
-                    <a:pt x="1619998" y="809999"/>
-                  </a:cubicBezTo>
-                  <a:cubicBezTo>
-                    <a:pt x="1619998" y="1257349"/>
-                    <a:pt x="1257349" y="1619998"/>
-                    <a:pt x="809999" y="1619998"/>
-                  </a:cubicBezTo>
-                  <a:cubicBezTo>
-                    <a:pt x="362649" y="1619998"/>
-                    <a:pt x="0" y="1257349"/>
-                    <a:pt x="0" y="809999"/>
-                  </a:cubicBezTo>
-                  <a:close/>
-                </a:path>
-              </a:pathLst>
-            </a:custGeom>
-          </p:spPr>
-          <p:style>
-            <a:lnRef idx="2">
-              <a:schemeClr val="lt1">
-                <a:hueOff val="0"/>
-                <a:satOff val="0"/>
-                <a:lumOff val="0"/>
-                <a:alphaOff val="0"/>
-              </a:schemeClr>
-            </a:lnRef>
-            <a:fillRef idx="1">
-              <a:schemeClr val="accent1">
-                <a:hueOff val="0"/>
-                <a:satOff val="0"/>
-                <a:lumOff val="0"/>
-                <a:alphaOff val="0"/>
-              </a:schemeClr>
-            </a:fillRef>
-            <a:effectRef idx="0">
-              <a:schemeClr val="accent1">
-                <a:hueOff val="0"/>
-                <a:satOff val="0"/>
-                <a:lumOff val="0"/>
-                <a:alphaOff val="0"/>
-              </a:schemeClr>
-            </a:effectRef>
-            <a:fontRef idx="minor">
-              <a:schemeClr val="lt1"/>
-            </a:fontRef>
-          </p:style>
-          <p:txBody>
-            <a:bodyPr spcFirstLastPara="0" vert="horz" wrap="square" lIns="247403" tIns="247403" rIns="247403" bIns="247403" numCol="1" spcCol="1270" anchor="ctr" anchorCtr="0">
-              <a:noAutofit/>
-            </a:bodyPr>
-            <a:lstStyle/>
-            <a:p>
-              <a:pPr lvl="0" algn="ctr" defTabSz="711200">
-                <a:lnSpc>
-                  <a:spcPct val="90000"/>
-                </a:lnSpc>
-                <a:spcBef>
-                  <a:spcPct val="0"/>
-                </a:spcBef>
-                <a:spcAft>
-                  <a:spcPct val="35000"/>
-                </a:spcAft>
-              </a:pPr>
-              <a:r>
-                <a:rPr lang="en-US" sz="1600" b="1" kern="1200" dirty="0" smtClean="0"/>
-                <a:t>Linux</a:t>
-              </a:r>
-              <a:endParaRPr lang="en-US" sz="1200" b="1" kern="1200" dirty="0"/>
-            </a:p>
-          </p:txBody>
-        </p:sp>
-        <p:sp>
-          <p:nvSpPr>
-            <p:cNvPr id="42" name="Left Arrow 41"/>
-            <p:cNvSpPr/>
-            <p:nvPr/>
-          </p:nvSpPr>
-          <p:spPr>
-            <a:xfrm rot="16222788">
-              <a:off x="9839426" y="2446193"/>
-              <a:ext cx="630000" cy="460842"/>
-            </a:xfrm>
-            <a:prstGeom prst="leftArrow">
-              <a:avLst>
-                <a:gd name="adj1" fmla="val 60000"/>
-                <a:gd name="adj2" fmla="val 50000"/>
-              </a:avLst>
-            </a:prstGeom>
-          </p:spPr>
-          <p:style>
-            <a:lnRef idx="0">
-              <a:schemeClr val="lt1">
-                <a:hueOff val="0"/>
-                <a:satOff val="0"/>
-                <a:lumOff val="0"/>
-                <a:alphaOff val="0"/>
-              </a:schemeClr>
-            </a:lnRef>
-            <a:fillRef idx="1">
-              <a:schemeClr val="accent2">
-                <a:hueOff val="0"/>
-                <a:satOff val="0"/>
-                <a:lumOff val="0"/>
-                <a:alphaOff val="0"/>
-              </a:schemeClr>
-            </a:fillRef>
-            <a:effectRef idx="0">
-              <a:schemeClr val="accent2">
-                <a:hueOff val="0"/>
-                <a:satOff val="0"/>
-                <a:lumOff val="0"/>
-                <a:alphaOff val="0"/>
-              </a:schemeClr>
-            </a:effectRef>
-            <a:fontRef idx="minor">
-              <a:schemeClr val="lt1">
-                <a:hueOff val="0"/>
-                <a:satOff val="0"/>
-                <a:lumOff val="0"/>
-                <a:alphaOff val="0"/>
-              </a:schemeClr>
-            </a:fontRef>
-          </p:style>
-        </p:sp>
-        <p:sp>
-          <p:nvSpPr>
-            <p:cNvPr id="43" name="Freeform 42"/>
-            <p:cNvSpPr/>
-            <p:nvPr/>
-          </p:nvSpPr>
-          <p:spPr>
-            <a:xfrm>
-              <a:off x="9345776" y="2003972"/>
-              <a:ext cx="1536140" cy="540000"/>
-            </a:xfrm>
-            <a:custGeom>
-              <a:avLst/>
-              <a:gdLst>
-                <a:gd name="connsiteX0" fmla="*/ 0 w 1536140"/>
-                <a:gd name="connsiteY0" fmla="*/ 61462 h 614616"/>
-                <a:gd name="connsiteX1" fmla="*/ 61462 w 1536140"/>
-                <a:gd name="connsiteY1" fmla="*/ 0 h 614616"/>
-                <a:gd name="connsiteX2" fmla="*/ 1474678 w 1536140"/>
-                <a:gd name="connsiteY2" fmla="*/ 0 h 614616"/>
-                <a:gd name="connsiteX3" fmla="*/ 1536140 w 1536140"/>
-                <a:gd name="connsiteY3" fmla="*/ 61462 h 614616"/>
-                <a:gd name="connsiteX4" fmla="*/ 1536140 w 1536140"/>
-                <a:gd name="connsiteY4" fmla="*/ 553154 h 614616"/>
-                <a:gd name="connsiteX5" fmla="*/ 1474678 w 1536140"/>
-                <a:gd name="connsiteY5" fmla="*/ 614616 h 614616"/>
-                <a:gd name="connsiteX6" fmla="*/ 61462 w 1536140"/>
-                <a:gd name="connsiteY6" fmla="*/ 614616 h 614616"/>
-                <a:gd name="connsiteX7" fmla="*/ 0 w 1536140"/>
-                <a:gd name="connsiteY7" fmla="*/ 553154 h 614616"/>
-                <a:gd name="connsiteX8" fmla="*/ 0 w 1536140"/>
-                <a:gd name="connsiteY8" fmla="*/ 61462 h 614616"/>
-              </a:gdLst>
-              <a:ahLst/>
-              <a:cxnLst>
-                <a:cxn ang="0">
-                  <a:pos x="connsiteX0" y="connsiteY0"/>
-                </a:cxn>
-                <a:cxn ang="0">
-                  <a:pos x="connsiteX1" y="connsiteY1"/>
-                </a:cxn>
-                <a:cxn ang="0">
-                  <a:pos x="connsiteX2" y="connsiteY2"/>
-                </a:cxn>
-                <a:cxn ang="0">
-                  <a:pos x="connsiteX3" y="connsiteY3"/>
-                </a:cxn>
-                <a:cxn ang="0">
-                  <a:pos x="connsiteX4" y="connsiteY4"/>
-                </a:cxn>
-                <a:cxn ang="0">
-                  <a:pos x="connsiteX5" y="connsiteY5"/>
-                </a:cxn>
-                <a:cxn ang="0">
-                  <a:pos x="connsiteX6" y="connsiteY6"/>
-                </a:cxn>
-                <a:cxn ang="0">
-                  <a:pos x="connsiteX7" y="connsiteY7"/>
-                </a:cxn>
-                <a:cxn ang="0">
-                  <a:pos x="connsiteX8" y="connsiteY8"/>
-                </a:cxn>
-              </a:cxnLst>
-              <a:rect l="l" t="t" r="r" b="b"/>
-              <a:pathLst>
-                <a:path w="1536140" h="614616">
-                  <a:moveTo>
-                    <a:pt x="0" y="61462"/>
-                  </a:moveTo>
-                  <a:cubicBezTo>
-                    <a:pt x="0" y="27517"/>
-                    <a:pt x="27517" y="0"/>
-                    <a:pt x="61462" y="0"/>
-                  </a:cubicBezTo>
-                  <a:lnTo>
-                    <a:pt x="1474678" y="0"/>
-                  </a:lnTo>
-                  <a:cubicBezTo>
-                    <a:pt x="1508623" y="0"/>
-                    <a:pt x="1536140" y="27517"/>
-                    <a:pt x="1536140" y="61462"/>
-                  </a:cubicBezTo>
-                  <a:lnTo>
-                    <a:pt x="1536140" y="553154"/>
-                  </a:lnTo>
-                  <a:cubicBezTo>
-                    <a:pt x="1536140" y="587099"/>
-                    <a:pt x="1508623" y="614616"/>
-                    <a:pt x="1474678" y="614616"/>
-                  </a:cubicBezTo>
-                  <a:lnTo>
-                    <a:pt x="61462" y="614616"/>
-                  </a:lnTo>
-                  <a:cubicBezTo>
-                    <a:pt x="27517" y="614616"/>
-                    <a:pt x="0" y="587099"/>
-                    <a:pt x="0" y="553154"/>
-                  </a:cubicBezTo>
-                  <a:lnTo>
-                    <a:pt x="0" y="61462"/>
-                  </a:lnTo>
-                  <a:close/>
-                </a:path>
-              </a:pathLst>
-            </a:custGeom>
-          </p:spPr>
-          <p:style>
-            <a:lnRef idx="2">
-              <a:schemeClr val="lt1">
-                <a:hueOff val="0"/>
-                <a:satOff val="0"/>
-                <a:lumOff val="0"/>
-                <a:alphaOff val="0"/>
-              </a:schemeClr>
-            </a:lnRef>
-            <a:fillRef idx="1">
-              <a:schemeClr val="accent2">
-                <a:hueOff val="0"/>
-                <a:satOff val="0"/>
-                <a:lumOff val="0"/>
-                <a:alphaOff val="0"/>
-              </a:schemeClr>
-            </a:fillRef>
-            <a:effectRef idx="0">
-              <a:schemeClr val="accent2">
-                <a:hueOff val="0"/>
-                <a:satOff val="0"/>
-                <a:lumOff val="0"/>
-                <a:alphaOff val="0"/>
-              </a:schemeClr>
-            </a:effectRef>
-            <a:fontRef idx="minor">
-              <a:schemeClr val="lt1"/>
-            </a:fontRef>
-          </p:style>
-          <p:txBody>
-            <a:bodyPr spcFirstLastPara="0" vert="horz" wrap="square" lIns="52291" tIns="52291" rIns="52291" bIns="52291" numCol="1" spcCol="1270" anchor="t" anchorCtr="0">
-              <a:noAutofit/>
-            </a:bodyPr>
-            <a:lstStyle/>
-            <a:p>
-              <a:pPr lvl="0" algn="ctr" defTabSz="800100">
-                <a:lnSpc>
-                  <a:spcPct val="90000"/>
-                </a:lnSpc>
-                <a:spcBef>
-                  <a:spcPct val="0"/>
-                </a:spcBef>
-                <a:spcAft>
-                  <a:spcPct val="35000"/>
-                </a:spcAft>
-              </a:pPr>
-              <a:r>
-                <a:rPr lang="en-US" sz="1800" kern="1200" dirty="0" smtClean="0"/>
-                <a:t>GPL-3.0</a:t>
-              </a:r>
-              <a:endParaRPr lang="en-US" sz="2000" kern="1200" dirty="0"/>
-            </a:p>
-          </p:txBody>
-        </p:sp>
-        <p:sp>
-          <p:nvSpPr>
-            <p:cNvPr id="20" name="Curved Down Arrow 19"/>
-            <p:cNvSpPr>
-              <a:spLocks noChangeAspect="1"/>
-            </p:cNvSpPr>
-            <p:nvPr/>
-          </p:nvSpPr>
-          <p:spPr>
-            <a:xfrm rot="14467320">
-              <a:off x="7324532" y="4756917"/>
-              <a:ext cx="1208471" cy="508268"/>
-            </a:xfrm>
-            <a:prstGeom prst="curvedDownArrow">
-              <a:avLst/>
-            </a:prstGeom>
-          </p:spPr>
-          <p:style>
-            <a:lnRef idx="2">
-              <a:schemeClr val="accent6">
-                <a:shade val="50000"/>
-              </a:schemeClr>
-            </a:lnRef>
-            <a:fillRef idx="1">
-              <a:schemeClr val="accent6"/>
-            </a:fillRef>
-            <a:effectRef idx="0">
-              <a:schemeClr val="accent6"/>
-            </a:effectRef>
-            <a:fontRef idx="minor">
-              <a:schemeClr val="lt1"/>
-            </a:fontRef>
-          </p:style>
-          <p:txBody>
-            <a:bodyPr rtlCol="0" anchor="ctr"/>
-            <a:lstStyle/>
-            <a:p>
-              <a:pPr algn="ctr"/>
-              <a:endParaRPr lang="en-US">
-                <a:solidFill>
-                  <a:schemeClr val="tx1"/>
-                </a:solidFill>
-              </a:endParaRPr>
-            </a:p>
-          </p:txBody>
-        </p:sp>
-        <p:sp>
-          <p:nvSpPr>
-            <p:cNvPr id="21" name="Curved Right Arrow 20"/>
-            <p:cNvSpPr>
-              <a:spLocks noChangeAspect="1"/>
-            </p:cNvSpPr>
-            <p:nvPr/>
-          </p:nvSpPr>
-          <p:spPr>
-            <a:xfrm rot="12482011">
-              <a:off x="10377000" y="4578113"/>
-              <a:ext cx="524916" cy="1250873"/>
-            </a:xfrm>
-            <a:prstGeom prst="curvedRightArrow">
-              <a:avLst/>
-            </a:prstGeom>
-          </p:spPr>
-          <p:style>
-            <a:lnRef idx="2">
-              <a:schemeClr val="accent6">
-                <a:shade val="50000"/>
-              </a:schemeClr>
-            </a:lnRef>
-            <a:fillRef idx="1">
-              <a:schemeClr val="accent6"/>
-            </a:fillRef>
-            <a:effectRef idx="0">
-              <a:schemeClr val="accent6"/>
-            </a:effectRef>
-            <a:fontRef idx="minor">
-              <a:schemeClr val="lt1"/>
-            </a:fontRef>
-          </p:style>
-          <p:txBody>
-            <a:bodyPr rtlCol="0" anchor="ctr"/>
-            <a:lstStyle/>
-            <a:p>
-              <a:pPr algn="ctr"/>
-              <a:endParaRPr lang="en-US">
-                <a:solidFill>
-                  <a:schemeClr val="tx1"/>
-                </a:solidFill>
-              </a:endParaRPr>
-            </a:p>
-          </p:txBody>
-        </p:sp>
-        <p:cxnSp>
-          <p:nvCxnSpPr>
-            <p:cNvPr id="22" name="Straight Arrow Connector 21"/>
-            <p:cNvCxnSpPr/>
-            <p:nvPr/>
-          </p:nvCxnSpPr>
-          <p:spPr>
-            <a:xfrm>
-              <a:off x="9582495" y="3259594"/>
-              <a:ext cx="166002" cy="183009"/>
-            </a:xfrm>
-            <a:prstGeom prst="straightConnector1">
-              <a:avLst/>
-            </a:prstGeom>
-            <a:ln>
-              <a:solidFill>
-                <a:schemeClr val="tx1">
-                  <a:lumMod val="75000"/>
-                  <a:lumOff val="25000"/>
-                </a:schemeClr>
-              </a:solidFill>
-              <a:prstDash val="sysDot"/>
-              <a:headEnd type="triangle"/>
-              <a:tailEnd type="none"/>
-            </a:ln>
-          </p:spPr>
-          <p:style>
-            <a:lnRef idx="3">
-              <a:schemeClr val="dk1"/>
-            </a:lnRef>
-            <a:fillRef idx="0">
-              <a:schemeClr val="dk1"/>
-            </a:fillRef>
-            <a:effectRef idx="2">
-              <a:schemeClr val="dk1"/>
-            </a:effectRef>
-            <a:fontRef idx="minor">
-              <a:schemeClr val="tx1"/>
-            </a:fontRef>
-          </p:style>
-        </p:cxnSp>
-        <p:cxnSp>
-          <p:nvCxnSpPr>
-            <p:cNvPr id="23" name="Straight Arrow Connector 22"/>
-            <p:cNvCxnSpPr/>
-            <p:nvPr/>
-          </p:nvCxnSpPr>
-          <p:spPr>
-            <a:xfrm flipV="1">
-              <a:off x="10533685" y="3237919"/>
-              <a:ext cx="187781" cy="180890"/>
-            </a:xfrm>
-            <a:prstGeom prst="straightConnector1">
-              <a:avLst/>
-            </a:prstGeom>
-            <a:ln>
-              <a:solidFill>
-                <a:schemeClr val="tx1">
-                  <a:lumMod val="75000"/>
-                  <a:lumOff val="25000"/>
-                </a:schemeClr>
-              </a:solidFill>
-              <a:prstDash val="sysDot"/>
-              <a:headEnd type="none"/>
-              <a:tailEnd type="triangle"/>
-            </a:ln>
-          </p:spPr>
-          <p:style>
-            <a:lnRef idx="3">
-              <a:schemeClr val="dk1"/>
-            </a:lnRef>
-            <a:fillRef idx="0">
-              <a:schemeClr val="dk1"/>
-            </a:fillRef>
-            <a:effectRef idx="2">
-              <a:schemeClr val="dk1"/>
-            </a:effectRef>
-            <a:fontRef idx="minor">
-              <a:schemeClr val="tx1"/>
-            </a:fontRef>
-          </p:style>
-        </p:cxnSp>
-        <p:cxnSp>
-          <p:nvCxnSpPr>
-            <p:cNvPr id="24" name="Straight Arrow Connector 23"/>
-            <p:cNvCxnSpPr/>
-            <p:nvPr/>
-          </p:nvCxnSpPr>
-          <p:spPr>
-            <a:xfrm flipV="1">
-              <a:off x="9573944" y="4164665"/>
-              <a:ext cx="183103" cy="194555"/>
-            </a:xfrm>
-            <a:prstGeom prst="straightConnector1">
-              <a:avLst/>
-            </a:prstGeom>
-            <a:ln>
-              <a:solidFill>
-                <a:schemeClr val="tx1">
-                  <a:lumMod val="75000"/>
-                  <a:lumOff val="25000"/>
-                </a:schemeClr>
-              </a:solidFill>
-              <a:prstDash val="sysDot"/>
-              <a:headEnd type="triangle"/>
-              <a:tailEnd type="none"/>
-            </a:ln>
-          </p:spPr>
-          <p:style>
-            <a:lnRef idx="3">
-              <a:schemeClr val="dk1"/>
-            </a:lnRef>
-            <a:fillRef idx="0">
-              <a:schemeClr val="dk1"/>
-            </a:fillRef>
-            <a:effectRef idx="2">
-              <a:schemeClr val="dk1"/>
-            </a:effectRef>
-            <a:fontRef idx="minor">
-              <a:schemeClr val="tx1"/>
-            </a:fontRef>
-          </p:style>
-        </p:cxnSp>
-        <p:cxnSp>
-          <p:nvCxnSpPr>
-            <p:cNvPr id="25" name="Straight Arrow Connector 24"/>
-            <p:cNvCxnSpPr/>
-            <p:nvPr/>
-          </p:nvCxnSpPr>
-          <p:spPr>
-            <a:xfrm flipH="1" flipV="1">
-              <a:off x="10510582" y="4164665"/>
-              <a:ext cx="210884" cy="210884"/>
-            </a:xfrm>
-            <a:prstGeom prst="straightConnector1">
-              <a:avLst/>
-            </a:prstGeom>
-            <a:ln>
-              <a:solidFill>
-                <a:schemeClr val="tx1">
-                  <a:lumMod val="75000"/>
-                  <a:lumOff val="25000"/>
-                </a:schemeClr>
-              </a:solidFill>
-              <a:prstDash val="sysDot"/>
-              <a:headEnd type="triangle"/>
-              <a:tailEnd type="none"/>
-            </a:ln>
-          </p:spPr>
-          <p:style>
-            <a:lnRef idx="3">
-              <a:schemeClr val="dk1"/>
-            </a:lnRef>
-            <a:fillRef idx="0">
-              <a:schemeClr val="dk1"/>
-            </a:fillRef>
-            <a:effectRef idx="2">
-              <a:schemeClr val="dk1"/>
-            </a:effectRef>
-            <a:fontRef idx="minor">
-              <a:schemeClr val="tx1"/>
-            </a:fontRef>
-          </p:style>
-        </p:cxnSp>
-        <p:sp>
-          <p:nvSpPr>
-            <p:cNvPr id="32" name="5-Point Star 31"/>
-            <p:cNvSpPr>
-              <a:spLocks noChangeAspect="1"/>
-            </p:cNvSpPr>
-            <p:nvPr/>
-          </p:nvSpPr>
-          <p:spPr>
-            <a:xfrm>
-              <a:off x="8118363" y="2258032"/>
-              <a:ext cx="228600" cy="228600"/>
-            </a:xfrm>
-            <a:prstGeom prst="star5">
-              <a:avLst/>
-            </a:prstGeom>
-          </p:spPr>
-          <p:style>
-            <a:lnRef idx="2">
-              <a:schemeClr val="accent2"/>
-            </a:lnRef>
-            <a:fillRef idx="1">
-              <a:schemeClr val="lt1"/>
-            </a:fillRef>
-            <a:effectRef idx="0">
-              <a:schemeClr val="accent2"/>
-            </a:effectRef>
-            <a:fontRef idx="minor">
-              <a:schemeClr val="dk1"/>
-            </a:fontRef>
-          </p:style>
-          <p:txBody>
-            <a:bodyPr rtlCol="0" anchor="ctr"/>
-            <a:lstStyle/>
-            <a:p>
-              <a:pPr algn="ctr"/>
-              <a:endParaRPr lang="en-US"/>
-            </a:p>
-          </p:txBody>
-        </p:sp>
         <p:grpSp>
           <p:nvGrpSpPr>
-            <p:cNvPr id="46" name="Group 45"/>
+            <p:cNvPr id="58" name="Group 57"/>
             <p:cNvGrpSpPr/>
             <p:nvPr/>
           </p:nvGrpSpPr>
           <p:grpSpPr>
             <a:xfrm>
-              <a:off x="9808699" y="2252966"/>
-              <a:ext cx="688269" cy="228600"/>
-              <a:chOff x="9793821" y="2398076"/>
-              <a:chExt cx="688269" cy="228600"/>
+              <a:off x="6994323" y="1480781"/>
+              <a:ext cx="3969743" cy="4550768"/>
+              <a:chOff x="6994323" y="1480781"/>
+              <a:chExt cx="3969743" cy="4550768"/>
             </a:xfrm>
           </p:grpSpPr>
           <p:sp>
             <p:nvSpPr>
-              <p:cNvPr id="47" name="5-Point Star 46"/>
+              <p:cNvPr id="37" name="Freeform 36"/>
               <p:cNvSpPr>
                 <a:spLocks noChangeAspect="1"/>
               </p:cNvSpPr>
@@ -10787,7 +9764,1055 @@
             </p:nvSpPr>
             <p:spPr>
               <a:xfrm>
-                <a:off x="10024890" y="2398076"/>
+                <a:off x="7507974" y="3002623"/>
+                <a:ext cx="1439994" cy="1439994"/>
+              </a:xfrm>
+              <a:custGeom>
+                <a:avLst/>
+                <a:gdLst>
+                  <a:gd name="connsiteX0" fmla="*/ 0 w 1439994"/>
+                  <a:gd name="connsiteY0" fmla="*/ 719997 h 1439994"/>
+                  <a:gd name="connsiteX1" fmla="*/ 719997 w 1439994"/>
+                  <a:gd name="connsiteY1" fmla="*/ 0 h 1439994"/>
+                  <a:gd name="connsiteX2" fmla="*/ 1439994 w 1439994"/>
+                  <a:gd name="connsiteY2" fmla="*/ 719997 h 1439994"/>
+                  <a:gd name="connsiteX3" fmla="*/ 719997 w 1439994"/>
+                  <a:gd name="connsiteY3" fmla="*/ 1439994 h 1439994"/>
+                  <a:gd name="connsiteX4" fmla="*/ 0 w 1439994"/>
+                  <a:gd name="connsiteY4" fmla="*/ 719997 h 1439994"/>
+                </a:gdLst>
+                <a:ahLst/>
+                <a:cxnLst>
+                  <a:cxn ang="0">
+                    <a:pos x="connsiteX0" y="connsiteY0"/>
+                  </a:cxn>
+                  <a:cxn ang="0">
+                    <a:pos x="connsiteX1" y="connsiteY1"/>
+                  </a:cxn>
+                  <a:cxn ang="0">
+                    <a:pos x="connsiteX2" y="connsiteY2"/>
+                  </a:cxn>
+                  <a:cxn ang="0">
+                    <a:pos x="connsiteX3" y="connsiteY3"/>
+                  </a:cxn>
+                  <a:cxn ang="0">
+                    <a:pos x="connsiteX4" y="connsiteY4"/>
+                  </a:cxn>
+                </a:cxnLst>
+                <a:rect l="l" t="t" r="r" b="b"/>
+                <a:pathLst>
+                  <a:path w="1439994" h="1439994">
+                    <a:moveTo>
+                      <a:pt x="0" y="719997"/>
+                    </a:moveTo>
+                    <a:cubicBezTo>
+                      <a:pt x="0" y="322354"/>
+                      <a:pt x="322354" y="0"/>
+                      <a:pt x="719997" y="0"/>
+                    </a:cubicBezTo>
+                    <a:cubicBezTo>
+                      <a:pt x="1117640" y="0"/>
+                      <a:pt x="1439994" y="322354"/>
+                      <a:pt x="1439994" y="719997"/>
+                    </a:cubicBezTo>
+                    <a:cubicBezTo>
+                      <a:pt x="1439994" y="1117640"/>
+                      <a:pt x="1117640" y="1439994"/>
+                      <a:pt x="719997" y="1439994"/>
+                    </a:cubicBezTo>
+                    <a:cubicBezTo>
+                      <a:pt x="322354" y="1439994"/>
+                      <a:pt x="0" y="1117640"/>
+                      <a:pt x="0" y="719997"/>
+                    </a:cubicBezTo>
+                    <a:close/>
+                  </a:path>
+                </a:pathLst>
+              </a:custGeom>
+            </p:spPr>
+            <p:style>
+              <a:lnRef idx="2">
+                <a:schemeClr val="lt1">
+                  <a:hueOff val="0"/>
+                  <a:satOff val="0"/>
+                  <a:lumOff val="0"/>
+                  <a:alphaOff val="0"/>
+                </a:schemeClr>
+              </a:lnRef>
+              <a:fillRef idx="1">
+                <a:schemeClr val="accent1">
+                  <a:hueOff val="0"/>
+                  <a:satOff val="0"/>
+                  <a:lumOff val="0"/>
+                  <a:alphaOff val="0"/>
+                </a:schemeClr>
+              </a:fillRef>
+              <a:effectRef idx="0">
+                <a:schemeClr val="accent1">
+                  <a:hueOff val="0"/>
+                  <a:satOff val="0"/>
+                  <a:lumOff val="0"/>
+                  <a:alphaOff val="0"/>
+                </a:schemeClr>
+              </a:effectRef>
+              <a:fontRef idx="minor">
+                <a:schemeClr val="lt1"/>
+              </a:fontRef>
+            </p:style>
+            <p:txBody>
+              <a:bodyPr spcFirstLastPara="0" vert="horz" wrap="square" lIns="221042" tIns="221042" rIns="221042" bIns="221042" numCol="1" spcCol="1270" anchor="ctr" anchorCtr="0">
+                <a:noAutofit/>
+              </a:bodyPr>
+              <a:lstStyle/>
+              <a:p>
+                <a:pPr lvl="0" algn="ctr" defTabSz="711200">
+                  <a:lnSpc>
+                    <a:spcPct val="90000"/>
+                  </a:lnSpc>
+                  <a:spcBef>
+                    <a:spcPct val="0"/>
+                  </a:spcBef>
+                  <a:spcAft>
+                    <a:spcPct val="35000"/>
+                  </a:spcAft>
+                </a:pPr>
+                <a:r>
+                  <a:rPr lang="en-US" sz="1600" b="1" kern="1200" dirty="0" smtClean="0"/>
+                  <a:t>Windows</a:t>
+                </a:r>
+                <a:endParaRPr lang="en-US" sz="1200" b="1" kern="1200" dirty="0"/>
+              </a:p>
+            </p:txBody>
+          </p:sp>
+          <p:sp>
+            <p:nvSpPr>
+              <p:cNvPr id="38" name="Left Arrow 37"/>
+              <p:cNvSpPr/>
+              <p:nvPr/>
+            </p:nvSpPr>
+            <p:spPr>
+              <a:xfrm rot="16200000">
+                <a:off x="7914753" y="2446559"/>
+                <a:ext cx="631286" cy="460842"/>
+              </a:xfrm>
+              <a:prstGeom prst="leftArrow">
+                <a:avLst>
+                  <a:gd name="adj1" fmla="val 60000"/>
+                  <a:gd name="adj2" fmla="val 50000"/>
+                </a:avLst>
+              </a:prstGeom>
+            </p:spPr>
+            <p:style>
+              <a:lnRef idx="0">
+                <a:schemeClr val="lt1">
+                  <a:hueOff val="0"/>
+                  <a:satOff val="0"/>
+                  <a:lumOff val="0"/>
+                  <a:alphaOff val="0"/>
+                </a:schemeClr>
+              </a:lnRef>
+              <a:fillRef idx="1">
+                <a:schemeClr val="accent2">
+                  <a:hueOff val="0"/>
+                  <a:satOff val="0"/>
+                  <a:lumOff val="0"/>
+                  <a:alphaOff val="0"/>
+                </a:schemeClr>
+              </a:fillRef>
+              <a:effectRef idx="0">
+                <a:schemeClr val="accent2">
+                  <a:hueOff val="0"/>
+                  <a:satOff val="0"/>
+                  <a:lumOff val="0"/>
+                  <a:alphaOff val="0"/>
+                </a:schemeClr>
+              </a:effectRef>
+              <a:fontRef idx="minor">
+                <a:schemeClr val="lt1">
+                  <a:hueOff val="0"/>
+                  <a:satOff val="0"/>
+                  <a:lumOff val="0"/>
+                  <a:alphaOff val="0"/>
+                </a:schemeClr>
+              </a:fontRef>
+            </p:style>
+          </p:sp>
+          <p:sp>
+            <p:nvSpPr>
+              <p:cNvPr id="39" name="Freeform 38"/>
+              <p:cNvSpPr/>
+              <p:nvPr/>
+            </p:nvSpPr>
+            <p:spPr>
+              <a:xfrm>
+                <a:off x="7462326" y="2003972"/>
+                <a:ext cx="1536140" cy="540000"/>
+              </a:xfrm>
+              <a:custGeom>
+                <a:avLst/>
+                <a:gdLst>
+                  <a:gd name="connsiteX0" fmla="*/ 0 w 1536140"/>
+                  <a:gd name="connsiteY0" fmla="*/ 61462 h 614616"/>
+                  <a:gd name="connsiteX1" fmla="*/ 61462 w 1536140"/>
+                  <a:gd name="connsiteY1" fmla="*/ 0 h 614616"/>
+                  <a:gd name="connsiteX2" fmla="*/ 1474678 w 1536140"/>
+                  <a:gd name="connsiteY2" fmla="*/ 0 h 614616"/>
+                  <a:gd name="connsiteX3" fmla="*/ 1536140 w 1536140"/>
+                  <a:gd name="connsiteY3" fmla="*/ 61462 h 614616"/>
+                  <a:gd name="connsiteX4" fmla="*/ 1536140 w 1536140"/>
+                  <a:gd name="connsiteY4" fmla="*/ 553154 h 614616"/>
+                  <a:gd name="connsiteX5" fmla="*/ 1474678 w 1536140"/>
+                  <a:gd name="connsiteY5" fmla="*/ 614616 h 614616"/>
+                  <a:gd name="connsiteX6" fmla="*/ 61462 w 1536140"/>
+                  <a:gd name="connsiteY6" fmla="*/ 614616 h 614616"/>
+                  <a:gd name="connsiteX7" fmla="*/ 0 w 1536140"/>
+                  <a:gd name="connsiteY7" fmla="*/ 553154 h 614616"/>
+                  <a:gd name="connsiteX8" fmla="*/ 0 w 1536140"/>
+                  <a:gd name="connsiteY8" fmla="*/ 61462 h 614616"/>
+                </a:gdLst>
+                <a:ahLst/>
+                <a:cxnLst>
+                  <a:cxn ang="0">
+                    <a:pos x="connsiteX0" y="connsiteY0"/>
+                  </a:cxn>
+                  <a:cxn ang="0">
+                    <a:pos x="connsiteX1" y="connsiteY1"/>
+                  </a:cxn>
+                  <a:cxn ang="0">
+                    <a:pos x="connsiteX2" y="connsiteY2"/>
+                  </a:cxn>
+                  <a:cxn ang="0">
+                    <a:pos x="connsiteX3" y="connsiteY3"/>
+                  </a:cxn>
+                  <a:cxn ang="0">
+                    <a:pos x="connsiteX4" y="connsiteY4"/>
+                  </a:cxn>
+                  <a:cxn ang="0">
+                    <a:pos x="connsiteX5" y="connsiteY5"/>
+                  </a:cxn>
+                  <a:cxn ang="0">
+                    <a:pos x="connsiteX6" y="connsiteY6"/>
+                  </a:cxn>
+                  <a:cxn ang="0">
+                    <a:pos x="connsiteX7" y="connsiteY7"/>
+                  </a:cxn>
+                  <a:cxn ang="0">
+                    <a:pos x="connsiteX8" y="connsiteY8"/>
+                  </a:cxn>
+                </a:cxnLst>
+                <a:rect l="l" t="t" r="r" b="b"/>
+                <a:pathLst>
+                  <a:path w="1536140" h="614616">
+                    <a:moveTo>
+                      <a:pt x="0" y="61462"/>
+                    </a:moveTo>
+                    <a:cubicBezTo>
+                      <a:pt x="0" y="27517"/>
+                      <a:pt x="27517" y="0"/>
+                      <a:pt x="61462" y="0"/>
+                    </a:cubicBezTo>
+                    <a:lnTo>
+                      <a:pt x="1474678" y="0"/>
+                    </a:lnTo>
+                    <a:cubicBezTo>
+                      <a:pt x="1508623" y="0"/>
+                      <a:pt x="1536140" y="27517"/>
+                      <a:pt x="1536140" y="61462"/>
+                    </a:cubicBezTo>
+                    <a:lnTo>
+                      <a:pt x="1536140" y="553154"/>
+                    </a:lnTo>
+                    <a:cubicBezTo>
+                      <a:pt x="1536140" y="587099"/>
+                      <a:pt x="1508623" y="614616"/>
+                      <a:pt x="1474678" y="614616"/>
+                    </a:cubicBezTo>
+                    <a:lnTo>
+                      <a:pt x="61462" y="614616"/>
+                    </a:lnTo>
+                    <a:cubicBezTo>
+                      <a:pt x="27517" y="614616"/>
+                      <a:pt x="0" y="587099"/>
+                      <a:pt x="0" y="553154"/>
+                    </a:cubicBezTo>
+                    <a:lnTo>
+                      <a:pt x="0" y="61462"/>
+                    </a:lnTo>
+                    <a:close/>
+                  </a:path>
+                </a:pathLst>
+              </a:custGeom>
+            </p:spPr>
+            <p:style>
+              <a:lnRef idx="2">
+                <a:schemeClr val="lt1">
+                  <a:hueOff val="0"/>
+                  <a:satOff val="0"/>
+                  <a:lumOff val="0"/>
+                  <a:alphaOff val="0"/>
+                </a:schemeClr>
+              </a:lnRef>
+              <a:fillRef idx="1">
+                <a:schemeClr val="accent2">
+                  <a:hueOff val="0"/>
+                  <a:satOff val="0"/>
+                  <a:lumOff val="0"/>
+                  <a:alphaOff val="0"/>
+                </a:schemeClr>
+              </a:fillRef>
+              <a:effectRef idx="0">
+                <a:schemeClr val="accent2">
+                  <a:hueOff val="0"/>
+                  <a:satOff val="0"/>
+                  <a:lumOff val="0"/>
+                  <a:alphaOff val="0"/>
+                </a:schemeClr>
+              </a:effectRef>
+              <a:fontRef idx="minor">
+                <a:schemeClr val="lt1"/>
+              </a:fontRef>
+            </p:style>
+            <p:txBody>
+              <a:bodyPr spcFirstLastPara="0" vert="horz" wrap="square" lIns="56101" tIns="56101" rIns="56101" bIns="56101" numCol="1" spcCol="1270" anchor="t" anchorCtr="0">
+                <a:noAutofit/>
+              </a:bodyPr>
+              <a:lstStyle/>
+              <a:p>
+                <a:pPr lvl="0" algn="ctr" defTabSz="889000">
+                  <a:lnSpc>
+                    <a:spcPct val="90000"/>
+                  </a:lnSpc>
+                  <a:spcBef>
+                    <a:spcPct val="0"/>
+                  </a:spcBef>
+                  <a:spcAft>
+                    <a:spcPct val="35000"/>
+                  </a:spcAft>
+                </a:pPr>
+                <a:r>
+                  <a:rPr lang="en-US" kern="1200" dirty="0" smtClean="0"/>
+                  <a:t>EULA</a:t>
+                </a:r>
+                <a:endParaRPr lang="en-US" sz="3800" kern="1200" dirty="0"/>
+              </a:p>
+            </p:txBody>
+          </p:sp>
+          <p:sp>
+            <p:nvSpPr>
+              <p:cNvPr id="30" name="Shape 29"/>
+              <p:cNvSpPr>
+                <a:spLocks noChangeAspect="1"/>
+              </p:cNvSpPr>
+              <p:nvPr/>
+            </p:nvSpPr>
+            <p:spPr>
+              <a:xfrm>
+                <a:off x="8407110" y="4375549"/>
+                <a:ext cx="1656000" cy="1656000"/>
+              </a:xfrm>
+              <a:prstGeom prst="gear9">
+                <a:avLst/>
+              </a:prstGeom>
+              <a:solidFill>
+                <a:schemeClr val="accent6"/>
+              </a:solidFill>
+            </p:spPr>
+            <p:style>
+              <a:lnRef idx="2">
+                <a:schemeClr val="lt1">
+                  <a:hueOff val="0"/>
+                  <a:satOff val="0"/>
+                  <a:lumOff val="0"/>
+                  <a:alphaOff val="0"/>
+                </a:schemeClr>
+              </a:lnRef>
+              <a:fillRef idx="1">
+                <a:schemeClr val="accent1">
+                  <a:hueOff val="0"/>
+                  <a:satOff val="0"/>
+                  <a:lumOff val="0"/>
+                  <a:alphaOff val="0"/>
+                </a:schemeClr>
+              </a:fillRef>
+              <a:effectRef idx="0">
+                <a:schemeClr val="accent1">
+                  <a:hueOff val="0"/>
+                  <a:satOff val="0"/>
+                  <a:lumOff val="0"/>
+                  <a:alphaOff val="0"/>
+                </a:schemeClr>
+              </a:effectRef>
+              <a:fontRef idx="minor">
+                <a:schemeClr val="lt1"/>
+              </a:fontRef>
+            </p:style>
+            <p:txBody>
+              <a:bodyPr anchor="ctr"/>
+              <a:lstStyle/>
+              <a:p>
+                <a:pPr algn="ctr"/>
+                <a:r>
+                  <a:rPr lang="en-US" sz="2000" dirty="0" smtClean="0"/>
+                  <a:t>Fund</a:t>
+                </a:r>
+                <a:endParaRPr lang="en-US" dirty="0"/>
+              </a:p>
+            </p:txBody>
+          </p:sp>
+          <p:sp>
+            <p:nvSpPr>
+              <p:cNvPr id="18" name="TextBox 17"/>
+              <p:cNvSpPr txBox="1"/>
+              <p:nvPr/>
+            </p:nvSpPr>
+            <p:spPr>
+              <a:xfrm flipH="1">
+                <a:off x="6994323" y="1480781"/>
+                <a:ext cx="648000" cy="646331"/>
+              </a:xfrm>
+              <a:prstGeom prst="rect">
+                <a:avLst/>
+              </a:prstGeom>
+            </p:spPr>
+            <p:style>
+              <a:lnRef idx="0">
+                <a:schemeClr val="accent4"/>
+              </a:lnRef>
+              <a:fillRef idx="3">
+                <a:schemeClr val="accent4"/>
+              </a:fillRef>
+              <a:effectRef idx="3">
+                <a:schemeClr val="accent4"/>
+              </a:effectRef>
+              <a:fontRef idx="minor">
+                <a:schemeClr val="lt1"/>
+              </a:fontRef>
+            </p:style>
+            <p:txBody>
+              <a:bodyPr wrap="square" rtlCol="0" anchor="ctr" anchorCtr="1">
+                <a:spAutoFit/>
+              </a:bodyPr>
+              <a:lstStyle/>
+              <a:p>
+                <a:pPr algn="ctr"/>
+                <a:r>
+                  <a:rPr lang="en-US" sz="3600" dirty="0" smtClean="0"/>
+                  <a:t>3</a:t>
+                </a:r>
+                <a:endParaRPr lang="en-US" sz="1400" dirty="0"/>
+              </a:p>
+            </p:txBody>
+          </p:sp>
+          <p:sp>
+            <p:nvSpPr>
+              <p:cNvPr id="41" name="Freeform 40"/>
+              <p:cNvSpPr>
+                <a:spLocks noChangeAspect="1"/>
+              </p:cNvSpPr>
+              <p:nvPr/>
+            </p:nvSpPr>
+            <p:spPr>
+              <a:xfrm>
+                <a:off x="9344069" y="3002400"/>
+                <a:ext cx="1619997" cy="1619997"/>
+              </a:xfrm>
+              <a:custGeom>
+                <a:avLst/>
+                <a:gdLst>
+                  <a:gd name="connsiteX0" fmla="*/ 0 w 1619997"/>
+                  <a:gd name="connsiteY0" fmla="*/ 809999 h 1619997"/>
+                  <a:gd name="connsiteX1" fmla="*/ 809999 w 1619997"/>
+                  <a:gd name="connsiteY1" fmla="*/ 0 h 1619997"/>
+                  <a:gd name="connsiteX2" fmla="*/ 1619998 w 1619997"/>
+                  <a:gd name="connsiteY2" fmla="*/ 809999 h 1619997"/>
+                  <a:gd name="connsiteX3" fmla="*/ 809999 w 1619997"/>
+                  <a:gd name="connsiteY3" fmla="*/ 1619998 h 1619997"/>
+                  <a:gd name="connsiteX4" fmla="*/ 0 w 1619997"/>
+                  <a:gd name="connsiteY4" fmla="*/ 809999 h 1619997"/>
+                </a:gdLst>
+                <a:ahLst/>
+                <a:cxnLst>
+                  <a:cxn ang="0">
+                    <a:pos x="connsiteX0" y="connsiteY0"/>
+                  </a:cxn>
+                  <a:cxn ang="0">
+                    <a:pos x="connsiteX1" y="connsiteY1"/>
+                  </a:cxn>
+                  <a:cxn ang="0">
+                    <a:pos x="connsiteX2" y="connsiteY2"/>
+                  </a:cxn>
+                  <a:cxn ang="0">
+                    <a:pos x="connsiteX3" y="connsiteY3"/>
+                  </a:cxn>
+                  <a:cxn ang="0">
+                    <a:pos x="connsiteX4" y="connsiteY4"/>
+                  </a:cxn>
+                </a:cxnLst>
+                <a:rect l="l" t="t" r="r" b="b"/>
+                <a:pathLst>
+                  <a:path w="1619997" h="1619997">
+                    <a:moveTo>
+                      <a:pt x="0" y="809999"/>
+                    </a:moveTo>
+                    <a:cubicBezTo>
+                      <a:pt x="0" y="362649"/>
+                      <a:pt x="362649" y="0"/>
+                      <a:pt x="809999" y="0"/>
+                    </a:cubicBezTo>
+                    <a:cubicBezTo>
+                      <a:pt x="1257349" y="0"/>
+                      <a:pt x="1619998" y="362649"/>
+                      <a:pt x="1619998" y="809999"/>
+                    </a:cubicBezTo>
+                    <a:cubicBezTo>
+                      <a:pt x="1619998" y="1257349"/>
+                      <a:pt x="1257349" y="1619998"/>
+                      <a:pt x="809999" y="1619998"/>
+                    </a:cubicBezTo>
+                    <a:cubicBezTo>
+                      <a:pt x="362649" y="1619998"/>
+                      <a:pt x="0" y="1257349"/>
+                      <a:pt x="0" y="809999"/>
+                    </a:cubicBezTo>
+                    <a:close/>
+                  </a:path>
+                </a:pathLst>
+              </a:custGeom>
+            </p:spPr>
+            <p:style>
+              <a:lnRef idx="2">
+                <a:schemeClr val="lt1">
+                  <a:hueOff val="0"/>
+                  <a:satOff val="0"/>
+                  <a:lumOff val="0"/>
+                  <a:alphaOff val="0"/>
+                </a:schemeClr>
+              </a:lnRef>
+              <a:fillRef idx="1">
+                <a:schemeClr val="accent1">
+                  <a:hueOff val="0"/>
+                  <a:satOff val="0"/>
+                  <a:lumOff val="0"/>
+                  <a:alphaOff val="0"/>
+                </a:schemeClr>
+              </a:fillRef>
+              <a:effectRef idx="0">
+                <a:schemeClr val="accent1">
+                  <a:hueOff val="0"/>
+                  <a:satOff val="0"/>
+                  <a:lumOff val="0"/>
+                  <a:alphaOff val="0"/>
+                </a:schemeClr>
+              </a:effectRef>
+              <a:fontRef idx="minor">
+                <a:schemeClr val="lt1"/>
+              </a:fontRef>
+            </p:style>
+            <p:txBody>
+              <a:bodyPr spcFirstLastPara="0" vert="horz" wrap="square" lIns="247403" tIns="247403" rIns="247403" bIns="247403" numCol="1" spcCol="1270" anchor="ctr" anchorCtr="0">
+                <a:noAutofit/>
+              </a:bodyPr>
+              <a:lstStyle/>
+              <a:p>
+                <a:pPr lvl="0" algn="ctr" defTabSz="711200">
+                  <a:lnSpc>
+                    <a:spcPct val="90000"/>
+                  </a:lnSpc>
+                  <a:spcBef>
+                    <a:spcPct val="0"/>
+                  </a:spcBef>
+                  <a:spcAft>
+                    <a:spcPct val="35000"/>
+                  </a:spcAft>
+                </a:pPr>
+                <a:r>
+                  <a:rPr lang="en-US" sz="1600" b="1" kern="1200" dirty="0" smtClean="0"/>
+                  <a:t>Linux</a:t>
+                </a:r>
+                <a:endParaRPr lang="en-US" sz="1200" b="1" kern="1200" dirty="0"/>
+              </a:p>
+            </p:txBody>
+          </p:sp>
+          <p:sp>
+            <p:nvSpPr>
+              <p:cNvPr id="42" name="Left Arrow 41"/>
+              <p:cNvSpPr/>
+              <p:nvPr/>
+            </p:nvSpPr>
+            <p:spPr>
+              <a:xfrm rot="16222788">
+                <a:off x="9839426" y="2446193"/>
+                <a:ext cx="630000" cy="460842"/>
+              </a:xfrm>
+              <a:prstGeom prst="leftArrow">
+                <a:avLst>
+                  <a:gd name="adj1" fmla="val 60000"/>
+                  <a:gd name="adj2" fmla="val 50000"/>
+                </a:avLst>
+              </a:prstGeom>
+            </p:spPr>
+            <p:style>
+              <a:lnRef idx="0">
+                <a:schemeClr val="lt1">
+                  <a:hueOff val="0"/>
+                  <a:satOff val="0"/>
+                  <a:lumOff val="0"/>
+                  <a:alphaOff val="0"/>
+                </a:schemeClr>
+              </a:lnRef>
+              <a:fillRef idx="1">
+                <a:schemeClr val="accent2">
+                  <a:hueOff val="0"/>
+                  <a:satOff val="0"/>
+                  <a:lumOff val="0"/>
+                  <a:alphaOff val="0"/>
+                </a:schemeClr>
+              </a:fillRef>
+              <a:effectRef idx="0">
+                <a:schemeClr val="accent2">
+                  <a:hueOff val="0"/>
+                  <a:satOff val="0"/>
+                  <a:lumOff val="0"/>
+                  <a:alphaOff val="0"/>
+                </a:schemeClr>
+              </a:effectRef>
+              <a:fontRef idx="minor">
+                <a:schemeClr val="lt1">
+                  <a:hueOff val="0"/>
+                  <a:satOff val="0"/>
+                  <a:lumOff val="0"/>
+                  <a:alphaOff val="0"/>
+                </a:schemeClr>
+              </a:fontRef>
+            </p:style>
+          </p:sp>
+          <p:sp>
+            <p:nvSpPr>
+              <p:cNvPr id="43" name="Freeform 42"/>
+              <p:cNvSpPr/>
+              <p:nvPr/>
+            </p:nvSpPr>
+            <p:spPr>
+              <a:xfrm>
+                <a:off x="9345776" y="2003972"/>
+                <a:ext cx="1536140" cy="540000"/>
+              </a:xfrm>
+              <a:custGeom>
+                <a:avLst/>
+                <a:gdLst>
+                  <a:gd name="connsiteX0" fmla="*/ 0 w 1536140"/>
+                  <a:gd name="connsiteY0" fmla="*/ 61462 h 614616"/>
+                  <a:gd name="connsiteX1" fmla="*/ 61462 w 1536140"/>
+                  <a:gd name="connsiteY1" fmla="*/ 0 h 614616"/>
+                  <a:gd name="connsiteX2" fmla="*/ 1474678 w 1536140"/>
+                  <a:gd name="connsiteY2" fmla="*/ 0 h 614616"/>
+                  <a:gd name="connsiteX3" fmla="*/ 1536140 w 1536140"/>
+                  <a:gd name="connsiteY3" fmla="*/ 61462 h 614616"/>
+                  <a:gd name="connsiteX4" fmla="*/ 1536140 w 1536140"/>
+                  <a:gd name="connsiteY4" fmla="*/ 553154 h 614616"/>
+                  <a:gd name="connsiteX5" fmla="*/ 1474678 w 1536140"/>
+                  <a:gd name="connsiteY5" fmla="*/ 614616 h 614616"/>
+                  <a:gd name="connsiteX6" fmla="*/ 61462 w 1536140"/>
+                  <a:gd name="connsiteY6" fmla="*/ 614616 h 614616"/>
+                  <a:gd name="connsiteX7" fmla="*/ 0 w 1536140"/>
+                  <a:gd name="connsiteY7" fmla="*/ 553154 h 614616"/>
+                  <a:gd name="connsiteX8" fmla="*/ 0 w 1536140"/>
+                  <a:gd name="connsiteY8" fmla="*/ 61462 h 614616"/>
+                </a:gdLst>
+                <a:ahLst/>
+                <a:cxnLst>
+                  <a:cxn ang="0">
+                    <a:pos x="connsiteX0" y="connsiteY0"/>
+                  </a:cxn>
+                  <a:cxn ang="0">
+                    <a:pos x="connsiteX1" y="connsiteY1"/>
+                  </a:cxn>
+                  <a:cxn ang="0">
+                    <a:pos x="connsiteX2" y="connsiteY2"/>
+                  </a:cxn>
+                  <a:cxn ang="0">
+                    <a:pos x="connsiteX3" y="connsiteY3"/>
+                  </a:cxn>
+                  <a:cxn ang="0">
+                    <a:pos x="connsiteX4" y="connsiteY4"/>
+                  </a:cxn>
+                  <a:cxn ang="0">
+                    <a:pos x="connsiteX5" y="connsiteY5"/>
+                  </a:cxn>
+                  <a:cxn ang="0">
+                    <a:pos x="connsiteX6" y="connsiteY6"/>
+                  </a:cxn>
+                  <a:cxn ang="0">
+                    <a:pos x="connsiteX7" y="connsiteY7"/>
+                  </a:cxn>
+                  <a:cxn ang="0">
+                    <a:pos x="connsiteX8" y="connsiteY8"/>
+                  </a:cxn>
+                </a:cxnLst>
+                <a:rect l="l" t="t" r="r" b="b"/>
+                <a:pathLst>
+                  <a:path w="1536140" h="614616">
+                    <a:moveTo>
+                      <a:pt x="0" y="61462"/>
+                    </a:moveTo>
+                    <a:cubicBezTo>
+                      <a:pt x="0" y="27517"/>
+                      <a:pt x="27517" y="0"/>
+                      <a:pt x="61462" y="0"/>
+                    </a:cubicBezTo>
+                    <a:lnTo>
+                      <a:pt x="1474678" y="0"/>
+                    </a:lnTo>
+                    <a:cubicBezTo>
+                      <a:pt x="1508623" y="0"/>
+                      <a:pt x="1536140" y="27517"/>
+                      <a:pt x="1536140" y="61462"/>
+                    </a:cubicBezTo>
+                    <a:lnTo>
+                      <a:pt x="1536140" y="553154"/>
+                    </a:lnTo>
+                    <a:cubicBezTo>
+                      <a:pt x="1536140" y="587099"/>
+                      <a:pt x="1508623" y="614616"/>
+                      <a:pt x="1474678" y="614616"/>
+                    </a:cubicBezTo>
+                    <a:lnTo>
+                      <a:pt x="61462" y="614616"/>
+                    </a:lnTo>
+                    <a:cubicBezTo>
+                      <a:pt x="27517" y="614616"/>
+                      <a:pt x="0" y="587099"/>
+                      <a:pt x="0" y="553154"/>
+                    </a:cubicBezTo>
+                    <a:lnTo>
+                      <a:pt x="0" y="61462"/>
+                    </a:lnTo>
+                    <a:close/>
+                  </a:path>
+                </a:pathLst>
+              </a:custGeom>
+            </p:spPr>
+            <p:style>
+              <a:lnRef idx="2">
+                <a:schemeClr val="lt1">
+                  <a:hueOff val="0"/>
+                  <a:satOff val="0"/>
+                  <a:lumOff val="0"/>
+                  <a:alphaOff val="0"/>
+                </a:schemeClr>
+              </a:lnRef>
+              <a:fillRef idx="1">
+                <a:schemeClr val="accent2">
+                  <a:hueOff val="0"/>
+                  <a:satOff val="0"/>
+                  <a:lumOff val="0"/>
+                  <a:alphaOff val="0"/>
+                </a:schemeClr>
+              </a:fillRef>
+              <a:effectRef idx="0">
+                <a:schemeClr val="accent2">
+                  <a:hueOff val="0"/>
+                  <a:satOff val="0"/>
+                  <a:lumOff val="0"/>
+                  <a:alphaOff val="0"/>
+                </a:schemeClr>
+              </a:effectRef>
+              <a:fontRef idx="minor">
+                <a:schemeClr val="lt1"/>
+              </a:fontRef>
+            </p:style>
+            <p:txBody>
+              <a:bodyPr spcFirstLastPara="0" vert="horz" wrap="square" lIns="52291" tIns="52291" rIns="52291" bIns="52291" numCol="1" spcCol="1270" anchor="t" anchorCtr="0">
+                <a:noAutofit/>
+              </a:bodyPr>
+              <a:lstStyle/>
+              <a:p>
+                <a:pPr lvl="0" algn="ctr" defTabSz="800100">
+                  <a:lnSpc>
+                    <a:spcPct val="90000"/>
+                  </a:lnSpc>
+                  <a:spcBef>
+                    <a:spcPct val="0"/>
+                  </a:spcBef>
+                  <a:spcAft>
+                    <a:spcPct val="35000"/>
+                  </a:spcAft>
+                </a:pPr>
+                <a:r>
+                  <a:rPr lang="en-US" sz="1800" kern="1200" dirty="0" smtClean="0"/>
+                  <a:t>GPL-3.0</a:t>
+                </a:r>
+                <a:endParaRPr lang="en-US" sz="2000" kern="1200" dirty="0"/>
+              </a:p>
+            </p:txBody>
+          </p:sp>
+          <p:sp>
+            <p:nvSpPr>
+              <p:cNvPr id="20" name="Curved Down Arrow 19"/>
+              <p:cNvSpPr>
+                <a:spLocks noChangeAspect="1"/>
+              </p:cNvSpPr>
+              <p:nvPr/>
+            </p:nvSpPr>
+            <p:spPr>
+              <a:xfrm rot="14467320">
+                <a:off x="7324532" y="4756917"/>
+                <a:ext cx="1208471" cy="508268"/>
+              </a:xfrm>
+              <a:prstGeom prst="curvedDownArrow">
+                <a:avLst/>
+              </a:prstGeom>
+            </p:spPr>
+            <p:style>
+              <a:lnRef idx="2">
+                <a:schemeClr val="accent6">
+                  <a:shade val="50000"/>
+                </a:schemeClr>
+              </a:lnRef>
+              <a:fillRef idx="1">
+                <a:schemeClr val="accent6"/>
+              </a:fillRef>
+              <a:effectRef idx="0">
+                <a:schemeClr val="accent6"/>
+              </a:effectRef>
+              <a:fontRef idx="minor">
+                <a:schemeClr val="lt1"/>
+              </a:fontRef>
+            </p:style>
+            <p:txBody>
+              <a:bodyPr rtlCol="0" anchor="ctr"/>
+              <a:lstStyle/>
+              <a:p>
+                <a:pPr algn="ctr"/>
+                <a:endParaRPr lang="en-US">
+                  <a:solidFill>
+                    <a:schemeClr val="tx1"/>
+                  </a:solidFill>
+                </a:endParaRPr>
+              </a:p>
+            </p:txBody>
+          </p:sp>
+          <p:sp>
+            <p:nvSpPr>
+              <p:cNvPr id="21" name="Curved Right Arrow 20"/>
+              <p:cNvSpPr>
+                <a:spLocks noChangeAspect="1"/>
+              </p:cNvSpPr>
+              <p:nvPr/>
+            </p:nvSpPr>
+            <p:spPr>
+              <a:xfrm rot="12482011">
+                <a:off x="10377000" y="4578113"/>
+                <a:ext cx="524916" cy="1250873"/>
+              </a:xfrm>
+              <a:prstGeom prst="curvedRightArrow">
+                <a:avLst/>
+              </a:prstGeom>
+            </p:spPr>
+            <p:style>
+              <a:lnRef idx="2">
+                <a:schemeClr val="accent6">
+                  <a:shade val="50000"/>
+                </a:schemeClr>
+              </a:lnRef>
+              <a:fillRef idx="1">
+                <a:schemeClr val="accent6"/>
+              </a:fillRef>
+              <a:effectRef idx="0">
+                <a:schemeClr val="accent6"/>
+              </a:effectRef>
+              <a:fontRef idx="minor">
+                <a:schemeClr val="lt1"/>
+              </a:fontRef>
+            </p:style>
+            <p:txBody>
+              <a:bodyPr rtlCol="0" anchor="ctr"/>
+              <a:lstStyle/>
+              <a:p>
+                <a:pPr algn="ctr"/>
+                <a:endParaRPr lang="en-US">
+                  <a:solidFill>
+                    <a:schemeClr val="tx1"/>
+                  </a:solidFill>
+                </a:endParaRPr>
+              </a:p>
+            </p:txBody>
+          </p:sp>
+          <p:cxnSp>
+            <p:nvCxnSpPr>
+              <p:cNvPr id="22" name="Straight Arrow Connector 21"/>
+              <p:cNvCxnSpPr/>
+              <p:nvPr/>
+            </p:nvCxnSpPr>
+            <p:spPr>
+              <a:xfrm>
+                <a:off x="9582495" y="3259594"/>
+                <a:ext cx="166002" cy="183009"/>
+              </a:xfrm>
+              <a:prstGeom prst="straightConnector1">
+                <a:avLst/>
+              </a:prstGeom>
+              <a:ln>
+                <a:solidFill>
+                  <a:schemeClr val="tx1">
+                    <a:lumMod val="75000"/>
+                    <a:lumOff val="25000"/>
+                  </a:schemeClr>
+                </a:solidFill>
+                <a:prstDash val="sysDot"/>
+                <a:headEnd type="triangle"/>
+                <a:tailEnd type="none"/>
+              </a:ln>
+            </p:spPr>
+            <p:style>
+              <a:lnRef idx="3">
+                <a:schemeClr val="dk1"/>
+              </a:lnRef>
+              <a:fillRef idx="0">
+                <a:schemeClr val="dk1"/>
+              </a:fillRef>
+              <a:effectRef idx="2">
+                <a:schemeClr val="dk1"/>
+              </a:effectRef>
+              <a:fontRef idx="minor">
+                <a:schemeClr val="tx1"/>
+              </a:fontRef>
+            </p:style>
+          </p:cxnSp>
+          <p:cxnSp>
+            <p:nvCxnSpPr>
+              <p:cNvPr id="23" name="Straight Arrow Connector 22"/>
+              <p:cNvCxnSpPr/>
+              <p:nvPr/>
+            </p:nvCxnSpPr>
+            <p:spPr>
+              <a:xfrm flipV="1">
+                <a:off x="10533685" y="3237919"/>
+                <a:ext cx="187781" cy="180890"/>
+              </a:xfrm>
+              <a:prstGeom prst="straightConnector1">
+                <a:avLst/>
+              </a:prstGeom>
+              <a:ln>
+                <a:solidFill>
+                  <a:schemeClr val="tx1">
+                    <a:lumMod val="75000"/>
+                    <a:lumOff val="25000"/>
+                  </a:schemeClr>
+                </a:solidFill>
+                <a:prstDash val="sysDot"/>
+                <a:headEnd type="none"/>
+                <a:tailEnd type="triangle"/>
+              </a:ln>
+            </p:spPr>
+            <p:style>
+              <a:lnRef idx="3">
+                <a:schemeClr val="dk1"/>
+              </a:lnRef>
+              <a:fillRef idx="0">
+                <a:schemeClr val="dk1"/>
+              </a:fillRef>
+              <a:effectRef idx="2">
+                <a:schemeClr val="dk1"/>
+              </a:effectRef>
+              <a:fontRef idx="minor">
+                <a:schemeClr val="tx1"/>
+              </a:fontRef>
+            </p:style>
+          </p:cxnSp>
+          <p:cxnSp>
+            <p:nvCxnSpPr>
+              <p:cNvPr id="24" name="Straight Arrow Connector 23"/>
+              <p:cNvCxnSpPr/>
+              <p:nvPr/>
+            </p:nvCxnSpPr>
+            <p:spPr>
+              <a:xfrm flipV="1">
+                <a:off x="9573944" y="4164665"/>
+                <a:ext cx="183103" cy="194555"/>
+              </a:xfrm>
+              <a:prstGeom prst="straightConnector1">
+                <a:avLst/>
+              </a:prstGeom>
+              <a:ln>
+                <a:solidFill>
+                  <a:schemeClr val="tx1">
+                    <a:lumMod val="75000"/>
+                    <a:lumOff val="25000"/>
+                  </a:schemeClr>
+                </a:solidFill>
+                <a:prstDash val="sysDot"/>
+                <a:headEnd type="triangle"/>
+                <a:tailEnd type="none"/>
+              </a:ln>
+            </p:spPr>
+            <p:style>
+              <a:lnRef idx="3">
+                <a:schemeClr val="dk1"/>
+              </a:lnRef>
+              <a:fillRef idx="0">
+                <a:schemeClr val="dk1"/>
+              </a:fillRef>
+              <a:effectRef idx="2">
+                <a:schemeClr val="dk1"/>
+              </a:effectRef>
+              <a:fontRef idx="minor">
+                <a:schemeClr val="tx1"/>
+              </a:fontRef>
+            </p:style>
+          </p:cxnSp>
+          <p:cxnSp>
+            <p:nvCxnSpPr>
+              <p:cNvPr id="25" name="Straight Arrow Connector 24"/>
+              <p:cNvCxnSpPr/>
+              <p:nvPr/>
+            </p:nvCxnSpPr>
+            <p:spPr>
+              <a:xfrm flipH="1" flipV="1">
+                <a:off x="10510582" y="4164665"/>
+                <a:ext cx="210884" cy="210884"/>
+              </a:xfrm>
+              <a:prstGeom prst="straightConnector1">
+                <a:avLst/>
+              </a:prstGeom>
+              <a:ln>
+                <a:solidFill>
+                  <a:schemeClr val="tx1">
+                    <a:lumMod val="75000"/>
+                    <a:lumOff val="25000"/>
+                  </a:schemeClr>
+                </a:solidFill>
+                <a:prstDash val="sysDot"/>
+                <a:headEnd type="triangle"/>
+                <a:tailEnd type="none"/>
+              </a:ln>
+            </p:spPr>
+            <p:style>
+              <a:lnRef idx="3">
+                <a:schemeClr val="dk1"/>
+              </a:lnRef>
+              <a:fillRef idx="0">
+                <a:schemeClr val="dk1"/>
+              </a:fillRef>
+              <a:effectRef idx="2">
+                <a:schemeClr val="dk1"/>
+              </a:effectRef>
+              <a:fontRef idx="minor">
+                <a:schemeClr val="tx1"/>
+              </a:fontRef>
+            </p:style>
+          </p:cxnSp>
+          <p:sp>
+            <p:nvSpPr>
+              <p:cNvPr id="32" name="5-Point Star 31"/>
+              <p:cNvSpPr>
+                <a:spLocks noChangeAspect="1"/>
+              </p:cNvSpPr>
+              <p:nvPr/>
+            </p:nvSpPr>
+            <p:spPr>
+              <a:xfrm>
+                <a:off x="8118363" y="2258032"/>
                 <a:ext cx="228600" cy="228600"/>
               </a:xfrm>
               <a:prstGeom prst="star5">
@@ -10817,9 +10842,181 @@
               </a:p>
             </p:txBody>
           </p:sp>
+          <p:grpSp>
+            <p:nvGrpSpPr>
+              <p:cNvPr id="46" name="Group 45"/>
+              <p:cNvGrpSpPr/>
+              <p:nvPr/>
+            </p:nvGrpSpPr>
+            <p:grpSpPr>
+              <a:xfrm>
+                <a:off x="9808699" y="2252966"/>
+                <a:ext cx="688269" cy="228600"/>
+                <a:chOff x="9793821" y="2398076"/>
+                <a:chExt cx="688269" cy="228600"/>
+              </a:xfrm>
+            </p:grpSpPr>
+            <p:sp>
+              <p:nvSpPr>
+                <p:cNvPr id="47" name="5-Point Star 46"/>
+                <p:cNvSpPr>
+                  <a:spLocks noChangeAspect="1"/>
+                </p:cNvSpPr>
+                <p:nvPr/>
+              </p:nvSpPr>
+              <p:spPr>
+                <a:xfrm>
+                  <a:off x="10024890" y="2398076"/>
+                  <a:ext cx="228600" cy="228600"/>
+                </a:xfrm>
+                <a:prstGeom prst="star5">
+                  <a:avLst/>
+                </a:prstGeom>
+              </p:spPr>
+              <p:style>
+                <a:lnRef idx="2">
+                  <a:schemeClr val="accent2"/>
+                </a:lnRef>
+                <a:fillRef idx="1">
+                  <a:schemeClr val="lt1"/>
+                </a:fillRef>
+                <a:effectRef idx="0">
+                  <a:schemeClr val="accent2"/>
+                </a:effectRef>
+                <a:fontRef idx="minor">
+                  <a:schemeClr val="dk1"/>
+                </a:fontRef>
+              </p:style>
+              <p:txBody>
+                <a:bodyPr rtlCol="0" anchor="ctr"/>
+                <a:lstStyle/>
+                <a:p>
+                  <a:pPr algn="ctr"/>
+                  <a:endParaRPr lang="en-US"/>
+                </a:p>
+              </p:txBody>
+            </p:sp>
+            <p:sp>
+              <p:nvSpPr>
+                <p:cNvPr id="48" name="5-Point Star 47"/>
+                <p:cNvSpPr>
+                  <a:spLocks noChangeAspect="1"/>
+                </p:cNvSpPr>
+                <p:nvPr/>
+              </p:nvSpPr>
+              <p:spPr>
+                <a:xfrm>
+                  <a:off x="9793821" y="2398076"/>
+                  <a:ext cx="228600" cy="228600"/>
+                </a:xfrm>
+                <a:prstGeom prst="star5">
+                  <a:avLst/>
+                </a:prstGeom>
+              </p:spPr>
+              <p:style>
+                <a:lnRef idx="2">
+                  <a:schemeClr val="accent2"/>
+                </a:lnRef>
+                <a:fillRef idx="1">
+                  <a:schemeClr val="lt1"/>
+                </a:fillRef>
+                <a:effectRef idx="0">
+                  <a:schemeClr val="accent2"/>
+                </a:effectRef>
+                <a:fontRef idx="minor">
+                  <a:schemeClr val="dk1"/>
+                </a:fontRef>
+              </p:style>
+              <p:txBody>
+                <a:bodyPr rtlCol="0" anchor="ctr"/>
+                <a:lstStyle/>
+                <a:p>
+                  <a:pPr algn="ctr"/>
+                  <a:endParaRPr lang="en-US"/>
+                </a:p>
+              </p:txBody>
+            </p:sp>
+            <p:sp>
+              <p:nvSpPr>
+                <p:cNvPr id="49" name="5-Point Star 48"/>
+                <p:cNvSpPr>
+                  <a:spLocks noChangeAspect="1"/>
+                </p:cNvSpPr>
+                <p:nvPr/>
+              </p:nvSpPr>
+              <p:spPr>
+                <a:xfrm>
+                  <a:off x="10253490" y="2398076"/>
+                  <a:ext cx="228600" cy="228600"/>
+                </a:xfrm>
+                <a:prstGeom prst="star5">
+                  <a:avLst/>
+                </a:prstGeom>
+              </p:spPr>
+              <p:style>
+                <a:lnRef idx="2">
+                  <a:schemeClr val="accent2"/>
+                </a:lnRef>
+                <a:fillRef idx="1">
+                  <a:schemeClr val="lt1"/>
+                </a:fillRef>
+                <a:effectRef idx="0">
+                  <a:schemeClr val="accent2"/>
+                </a:effectRef>
+                <a:fontRef idx="minor">
+                  <a:schemeClr val="dk1"/>
+                </a:fontRef>
+              </p:style>
+              <p:txBody>
+                <a:bodyPr rtlCol="0" anchor="ctr"/>
+                <a:lstStyle/>
+                <a:p>
+                  <a:pPr algn="ctr"/>
+                  <a:endParaRPr lang="en-US"/>
+                </a:p>
+              </p:txBody>
+            </p:sp>
+          </p:grpSp>
+        </p:grpSp>
+        <p:grpSp>
+          <p:nvGrpSpPr>
+            <p:cNvPr id="57" name="Group 56"/>
+            <p:cNvGrpSpPr/>
+            <p:nvPr/>
+          </p:nvGrpSpPr>
+          <p:grpSpPr>
+            <a:xfrm>
+              <a:off x="3805570" y="1480781"/>
+              <a:ext cx="2334918" cy="1810125"/>
+              <a:chOff x="3874970" y="1480781"/>
+              <a:chExt cx="2334918" cy="1810125"/>
+            </a:xfrm>
+          </p:grpSpPr>
+          <p:graphicFrame>
+            <p:nvGraphicFramePr>
+              <p:cNvPr id="8" name="Diagram 7"/>
+              <p:cNvGraphicFramePr/>
+              <p:nvPr>
+                <p:extLst>
+                  <p:ext uri="{D42A27DB-BD31-4B8C-83A1-F6EECF244321}">
+                    <p14:modId xmlns:p14="http://schemas.microsoft.com/office/powerpoint/2010/main" val="2032606480"/>
+                  </p:ext>
+                </p:extLst>
+              </p:nvPr>
+            </p:nvGraphicFramePr>
+            <p:xfrm>
+              <a:off x="4381090" y="2003972"/>
+              <a:ext cx="1828798" cy="1286934"/>
+            </p:xfrm>
+            <a:graphic>
+              <a:graphicData uri="http://schemas.openxmlformats.org/drawingml/2006/diagram">
+                <dgm:relIds xmlns:dgm="http://schemas.openxmlformats.org/drawingml/2006/diagram" xmlns:r="http://schemas.openxmlformats.org/officeDocument/2006/relationships" r:dm="rId3" r:lo="rId4" r:qs="rId5" r:cs="rId6"/>
+              </a:graphicData>
+            </a:graphic>
+          </p:graphicFrame>
           <p:sp>
             <p:nvSpPr>
-              <p:cNvPr id="48" name="5-Point Star 47"/>
+              <p:cNvPr id="9" name="5-Point Star 8"/>
               <p:cNvSpPr>
                 <a:spLocks noChangeAspect="1"/>
               </p:cNvSpPr>
@@ -10827,223 +11024,7 @@
             </p:nvSpPr>
             <p:spPr>
               <a:xfrm>
-                <a:off x="9793821" y="2398076"/>
-                <a:ext cx="228600" cy="228600"/>
-              </a:xfrm>
-              <a:prstGeom prst="star5">
-                <a:avLst/>
-              </a:prstGeom>
-            </p:spPr>
-            <p:style>
-              <a:lnRef idx="2">
-                <a:schemeClr val="accent2"/>
-              </a:lnRef>
-              <a:fillRef idx="1">
-                <a:schemeClr val="lt1"/>
-              </a:fillRef>
-              <a:effectRef idx="0">
-                <a:schemeClr val="accent2"/>
-              </a:effectRef>
-              <a:fontRef idx="minor">
-                <a:schemeClr val="dk1"/>
-              </a:fontRef>
-            </p:style>
-            <p:txBody>
-              <a:bodyPr rtlCol="0" anchor="ctr"/>
-              <a:lstStyle/>
-              <a:p>
-                <a:pPr algn="ctr"/>
-                <a:endParaRPr lang="en-US"/>
-              </a:p>
-            </p:txBody>
-          </p:sp>
-          <p:sp>
-            <p:nvSpPr>
-              <p:cNvPr id="49" name="5-Point Star 48"/>
-              <p:cNvSpPr>
-                <a:spLocks noChangeAspect="1"/>
-              </p:cNvSpPr>
-              <p:nvPr/>
-            </p:nvSpPr>
-            <p:spPr>
-              <a:xfrm>
-                <a:off x="10253490" y="2398076"/>
-                <a:ext cx="228600" cy="228600"/>
-              </a:xfrm>
-              <a:prstGeom prst="star5">
-                <a:avLst/>
-              </a:prstGeom>
-            </p:spPr>
-            <p:style>
-              <a:lnRef idx="2">
-                <a:schemeClr val="accent2"/>
-              </a:lnRef>
-              <a:fillRef idx="1">
-                <a:schemeClr val="lt1"/>
-              </a:fillRef>
-              <a:effectRef idx="0">
-                <a:schemeClr val="accent2"/>
-              </a:effectRef>
-              <a:fontRef idx="minor">
-                <a:schemeClr val="dk1"/>
-              </a:fontRef>
-            </p:style>
-            <p:txBody>
-              <a:bodyPr rtlCol="0" anchor="ctr"/>
-              <a:lstStyle/>
-              <a:p>
-                <a:pPr algn="ctr"/>
-                <a:endParaRPr lang="en-US"/>
-              </a:p>
-            </p:txBody>
-          </p:sp>
-        </p:grpSp>
-      </p:grpSp>
-      <p:grpSp>
-        <p:nvGrpSpPr>
-          <p:cNvPr id="57" name="Group 56"/>
-          <p:cNvGrpSpPr/>
-          <p:nvPr/>
-        </p:nvGrpSpPr>
-        <p:grpSpPr>
-          <a:xfrm>
-            <a:off x="3790268" y="1480781"/>
-            <a:ext cx="2365521" cy="1810125"/>
-            <a:chOff x="3844367" y="1480781"/>
-            <a:chExt cx="2365521" cy="1810125"/>
-          </a:xfrm>
-        </p:grpSpPr>
-        <p:graphicFrame>
-          <p:nvGraphicFramePr>
-            <p:cNvPr id="8" name="Diagram 7"/>
-            <p:cNvGraphicFramePr/>
-            <p:nvPr>
-              <p:extLst>
-                <p:ext uri="{D42A27DB-BD31-4B8C-83A1-F6EECF244321}">
-                  <p14:modId xmlns:p14="http://schemas.microsoft.com/office/powerpoint/2010/main" val="2032606480"/>
-                </p:ext>
-              </p:extLst>
-            </p:nvPr>
-          </p:nvGraphicFramePr>
-          <p:xfrm>
-            <a:off x="4381090" y="2003972"/>
-            <a:ext cx="1828798" cy="1286934"/>
-          </p:xfrm>
-          <a:graphic>
-            <a:graphicData uri="http://schemas.openxmlformats.org/drawingml/2006/diagram">
-              <dgm:relIds xmlns:dgm="http://schemas.openxmlformats.org/drawingml/2006/diagram" xmlns:r="http://schemas.openxmlformats.org/officeDocument/2006/relationships" r:dm="rId3" r:lo="rId4" r:qs="rId5" r:cs="rId6"/>
-            </a:graphicData>
-          </a:graphic>
-        </p:graphicFrame>
-        <p:sp>
-          <p:nvSpPr>
-            <p:cNvPr id="9" name="5-Point Star 8"/>
-            <p:cNvSpPr>
-              <a:spLocks noChangeAspect="1"/>
-            </p:cNvSpPr>
-            <p:nvPr/>
-          </p:nvSpPr>
-          <p:spPr>
-            <a:xfrm>
-              <a:off x="5384382" y="2555081"/>
-              <a:ext cx="228600" cy="228600"/>
-            </a:xfrm>
-            <a:prstGeom prst="star5">
-              <a:avLst/>
-            </a:prstGeom>
-          </p:spPr>
-          <p:style>
-            <a:lnRef idx="0">
-              <a:schemeClr val="accent2"/>
-            </a:lnRef>
-            <a:fillRef idx="3">
-              <a:schemeClr val="accent2"/>
-            </a:fillRef>
-            <a:effectRef idx="3">
-              <a:schemeClr val="accent2"/>
-            </a:effectRef>
-            <a:fontRef idx="minor">
-              <a:schemeClr val="lt1"/>
-            </a:fontRef>
-          </p:style>
-          <p:txBody>
-            <a:bodyPr rtlCol="0" anchor="ctr"/>
-            <a:lstStyle/>
-            <a:p>
-              <a:pPr algn="ctr"/>
-              <a:endParaRPr lang="en-US"/>
-            </a:p>
-          </p:txBody>
-        </p:sp>
-        <p:sp>
-          <p:nvSpPr>
-            <p:cNvPr id="13" name="TextBox 12"/>
-            <p:cNvSpPr txBox="1"/>
-            <p:nvPr/>
-          </p:nvSpPr>
-          <p:spPr>
-            <a:xfrm flipH="1">
-              <a:off x="3844367" y="1480781"/>
-              <a:ext cx="648000" cy="646331"/>
-            </a:xfrm>
-            <a:prstGeom prst="rect">
-              <a:avLst/>
-            </a:prstGeom>
-          </p:spPr>
-          <p:style>
-            <a:lnRef idx="0">
-              <a:schemeClr val="accent4"/>
-            </a:lnRef>
-            <a:fillRef idx="3">
-              <a:schemeClr val="accent4"/>
-            </a:fillRef>
-            <a:effectRef idx="3">
-              <a:schemeClr val="accent4"/>
-            </a:effectRef>
-            <a:fontRef idx="minor">
-              <a:schemeClr val="lt1"/>
-            </a:fontRef>
-          </p:style>
-          <p:txBody>
-            <a:bodyPr wrap="square" rtlCol="0" anchor="ctr" anchorCtr="1">
-              <a:spAutoFit/>
-            </a:bodyPr>
-            <a:lstStyle/>
-            <a:p>
-              <a:pPr algn="ctr"/>
-              <a:r>
-                <a:rPr lang="en-US" sz="3600" dirty="0" smtClean="0"/>
-                <a:t>2</a:t>
-              </a:r>
-              <a:endParaRPr lang="en-US" sz="1400" dirty="0"/>
-            </a:p>
-          </p:txBody>
-        </p:sp>
-        <p:grpSp>
-          <p:nvGrpSpPr>
-            <p:cNvPr id="50" name="Group 49"/>
-            <p:cNvGrpSpPr/>
-            <p:nvPr/>
-          </p:nvGrpSpPr>
-          <p:grpSpPr>
-            <a:xfrm>
-              <a:off x="5384382" y="2845088"/>
-              <a:ext cx="688269" cy="228600"/>
-              <a:chOff x="9793821" y="2398076"/>
-              <a:chExt cx="688269" cy="228600"/>
-            </a:xfrm>
-          </p:grpSpPr>
-          <p:sp>
-            <p:nvSpPr>
-              <p:cNvPr id="51" name="5-Point Star 50"/>
-              <p:cNvSpPr>
-                <a:spLocks noChangeAspect="1"/>
-              </p:cNvSpPr>
-              <p:nvPr/>
-            </p:nvSpPr>
-            <p:spPr>
-              <a:xfrm>
-                <a:off x="10024890" y="2398076"/>
+                <a:off x="5384382" y="2555081"/>
                 <a:ext cx="228600" cy="228600"/>
               </a:xfrm>
               <a:prstGeom prst="star5">
@@ -11075,7 +11056,201 @@
           </p:sp>
           <p:sp>
             <p:nvSpPr>
-              <p:cNvPr id="52" name="5-Point Star 51"/>
+              <p:cNvPr id="13" name="TextBox 12"/>
+              <p:cNvSpPr txBox="1"/>
+              <p:nvPr/>
+            </p:nvSpPr>
+            <p:spPr>
+              <a:xfrm flipH="1">
+                <a:off x="3874970" y="1480781"/>
+                <a:ext cx="648000" cy="646331"/>
+              </a:xfrm>
+              <a:prstGeom prst="rect">
+                <a:avLst/>
+              </a:prstGeom>
+            </p:spPr>
+            <p:style>
+              <a:lnRef idx="0">
+                <a:schemeClr val="accent4"/>
+              </a:lnRef>
+              <a:fillRef idx="3">
+                <a:schemeClr val="accent4"/>
+              </a:fillRef>
+              <a:effectRef idx="3">
+                <a:schemeClr val="accent4"/>
+              </a:effectRef>
+              <a:fontRef idx="minor">
+                <a:schemeClr val="lt1"/>
+              </a:fontRef>
+            </p:style>
+            <p:txBody>
+              <a:bodyPr wrap="square" rtlCol="0" anchor="ctr" anchorCtr="1">
+                <a:spAutoFit/>
+              </a:bodyPr>
+              <a:lstStyle/>
+              <a:p>
+                <a:pPr algn="ctr"/>
+                <a:r>
+                  <a:rPr lang="en-US" sz="3600" dirty="0" smtClean="0"/>
+                  <a:t>2</a:t>
+                </a:r>
+                <a:endParaRPr lang="en-US" sz="1400" dirty="0"/>
+              </a:p>
+            </p:txBody>
+          </p:sp>
+          <p:grpSp>
+            <p:nvGrpSpPr>
+              <p:cNvPr id="50" name="Group 49"/>
+              <p:cNvGrpSpPr/>
+              <p:nvPr/>
+            </p:nvGrpSpPr>
+            <p:grpSpPr>
+              <a:xfrm>
+                <a:off x="5384382" y="2845088"/>
+                <a:ext cx="688269" cy="228600"/>
+                <a:chOff x="9793821" y="2398076"/>
+                <a:chExt cx="688269" cy="228600"/>
+              </a:xfrm>
+            </p:grpSpPr>
+            <p:sp>
+              <p:nvSpPr>
+                <p:cNvPr id="51" name="5-Point Star 50"/>
+                <p:cNvSpPr>
+                  <a:spLocks noChangeAspect="1"/>
+                </p:cNvSpPr>
+                <p:nvPr/>
+              </p:nvSpPr>
+              <p:spPr>
+                <a:xfrm>
+                  <a:off x="10024890" y="2398076"/>
+                  <a:ext cx="228600" cy="228600"/>
+                </a:xfrm>
+                <a:prstGeom prst="star5">
+                  <a:avLst/>
+                </a:prstGeom>
+              </p:spPr>
+              <p:style>
+                <a:lnRef idx="0">
+                  <a:schemeClr val="accent2"/>
+                </a:lnRef>
+                <a:fillRef idx="3">
+                  <a:schemeClr val="accent2"/>
+                </a:fillRef>
+                <a:effectRef idx="3">
+                  <a:schemeClr val="accent2"/>
+                </a:effectRef>
+                <a:fontRef idx="minor">
+                  <a:schemeClr val="lt1"/>
+                </a:fontRef>
+              </p:style>
+              <p:txBody>
+                <a:bodyPr rtlCol="0" anchor="ctr"/>
+                <a:lstStyle/>
+                <a:p>
+                  <a:pPr algn="ctr"/>
+                  <a:endParaRPr lang="en-US"/>
+                </a:p>
+              </p:txBody>
+            </p:sp>
+            <p:sp>
+              <p:nvSpPr>
+                <p:cNvPr id="52" name="5-Point Star 51"/>
+                <p:cNvSpPr>
+                  <a:spLocks noChangeAspect="1"/>
+                </p:cNvSpPr>
+                <p:nvPr/>
+              </p:nvSpPr>
+              <p:spPr>
+                <a:xfrm>
+                  <a:off x="9793821" y="2398076"/>
+                  <a:ext cx="228600" cy="228600"/>
+                </a:xfrm>
+                <a:prstGeom prst="star5">
+                  <a:avLst/>
+                </a:prstGeom>
+              </p:spPr>
+              <p:style>
+                <a:lnRef idx="0">
+                  <a:schemeClr val="accent2"/>
+                </a:lnRef>
+                <a:fillRef idx="3">
+                  <a:schemeClr val="accent2"/>
+                </a:fillRef>
+                <a:effectRef idx="3">
+                  <a:schemeClr val="accent2"/>
+                </a:effectRef>
+                <a:fontRef idx="minor">
+                  <a:schemeClr val="lt1"/>
+                </a:fontRef>
+              </p:style>
+              <p:txBody>
+                <a:bodyPr rtlCol="0" anchor="ctr"/>
+                <a:lstStyle/>
+                <a:p>
+                  <a:pPr algn="ctr"/>
+                  <a:endParaRPr lang="en-US"/>
+                </a:p>
+              </p:txBody>
+            </p:sp>
+            <p:sp>
+              <p:nvSpPr>
+                <p:cNvPr id="53" name="5-Point Star 52"/>
+                <p:cNvSpPr>
+                  <a:spLocks noChangeAspect="1"/>
+                </p:cNvSpPr>
+                <p:nvPr/>
+              </p:nvSpPr>
+              <p:spPr>
+                <a:xfrm>
+                  <a:off x="10253490" y="2398076"/>
+                  <a:ext cx="228600" cy="228600"/>
+                </a:xfrm>
+                <a:prstGeom prst="star5">
+                  <a:avLst/>
+                </a:prstGeom>
+              </p:spPr>
+              <p:style>
+                <a:lnRef idx="0">
+                  <a:schemeClr val="accent2"/>
+                </a:lnRef>
+                <a:fillRef idx="3">
+                  <a:schemeClr val="accent2"/>
+                </a:fillRef>
+                <a:effectRef idx="3">
+                  <a:schemeClr val="accent2"/>
+                </a:effectRef>
+                <a:fontRef idx="minor">
+                  <a:schemeClr val="lt1"/>
+                </a:fontRef>
+              </p:style>
+              <p:txBody>
+                <a:bodyPr rtlCol="0" anchor="ctr"/>
+                <a:lstStyle/>
+                <a:p>
+                  <a:pPr algn="ctr"/>
+                  <a:endParaRPr lang="en-US"/>
+                </a:p>
+              </p:txBody>
+            </p:sp>
+          </p:grpSp>
+        </p:grpSp>
+        <p:grpSp>
+          <p:nvGrpSpPr>
+            <p:cNvPr id="59" name="Group 58"/>
+            <p:cNvGrpSpPr/>
+            <p:nvPr/>
+          </p:nvGrpSpPr>
+          <p:grpSpPr>
+            <a:xfrm>
+              <a:off x="867516" y="1480781"/>
+              <a:ext cx="2084219" cy="3141619"/>
+              <a:chOff x="867516" y="1480781"/>
+              <a:chExt cx="2084219" cy="3141619"/>
+            </a:xfrm>
+          </p:grpSpPr>
+          <p:sp>
+            <p:nvSpPr>
+              <p:cNvPr id="54" name="Freeform 53"/>
               <p:cNvSpPr>
                 <a:spLocks noChangeAspect="1"/>
               </p:cNvSpPr>
@@ -11083,479 +11258,384 @@
             </p:nvSpPr>
             <p:spPr>
               <a:xfrm>
-                <a:off x="9793821" y="2398076"/>
-                <a:ext cx="228600" cy="228600"/>
+                <a:off x="1331735" y="3002400"/>
+                <a:ext cx="1620000" cy="1620000"/>
               </a:xfrm>
-              <a:prstGeom prst="star5">
+              <a:custGeom>
                 <a:avLst/>
-              </a:prstGeom>
+                <a:gdLst>
+                  <a:gd name="connsiteX0" fmla="*/ 0 w 1439994"/>
+                  <a:gd name="connsiteY0" fmla="*/ 719997 h 1439994"/>
+                  <a:gd name="connsiteX1" fmla="*/ 719997 w 1439994"/>
+                  <a:gd name="connsiteY1" fmla="*/ 0 h 1439994"/>
+                  <a:gd name="connsiteX2" fmla="*/ 1439994 w 1439994"/>
+                  <a:gd name="connsiteY2" fmla="*/ 719997 h 1439994"/>
+                  <a:gd name="connsiteX3" fmla="*/ 719997 w 1439994"/>
+                  <a:gd name="connsiteY3" fmla="*/ 1439994 h 1439994"/>
+                  <a:gd name="connsiteX4" fmla="*/ 0 w 1439994"/>
+                  <a:gd name="connsiteY4" fmla="*/ 719997 h 1439994"/>
+                </a:gdLst>
+                <a:ahLst/>
+                <a:cxnLst>
+                  <a:cxn ang="0">
+                    <a:pos x="connsiteX0" y="connsiteY0"/>
+                  </a:cxn>
+                  <a:cxn ang="0">
+                    <a:pos x="connsiteX1" y="connsiteY1"/>
+                  </a:cxn>
+                  <a:cxn ang="0">
+                    <a:pos x="connsiteX2" y="connsiteY2"/>
+                  </a:cxn>
+                  <a:cxn ang="0">
+                    <a:pos x="connsiteX3" y="connsiteY3"/>
+                  </a:cxn>
+                  <a:cxn ang="0">
+                    <a:pos x="connsiteX4" y="connsiteY4"/>
+                  </a:cxn>
+                </a:cxnLst>
+                <a:rect l="l" t="t" r="r" b="b"/>
+                <a:pathLst>
+                  <a:path w="1439994" h="1439994">
+                    <a:moveTo>
+                      <a:pt x="0" y="719997"/>
+                    </a:moveTo>
+                    <a:cubicBezTo>
+                      <a:pt x="0" y="322354"/>
+                      <a:pt x="322354" y="0"/>
+                      <a:pt x="719997" y="0"/>
+                    </a:cubicBezTo>
+                    <a:cubicBezTo>
+                      <a:pt x="1117640" y="0"/>
+                      <a:pt x="1439994" y="322354"/>
+                      <a:pt x="1439994" y="719997"/>
+                    </a:cubicBezTo>
+                    <a:cubicBezTo>
+                      <a:pt x="1439994" y="1117640"/>
+                      <a:pt x="1117640" y="1439994"/>
+                      <a:pt x="719997" y="1439994"/>
+                    </a:cubicBezTo>
+                    <a:cubicBezTo>
+                      <a:pt x="322354" y="1439994"/>
+                      <a:pt x="0" y="1117640"/>
+                      <a:pt x="0" y="719997"/>
+                    </a:cubicBezTo>
+                    <a:close/>
+                  </a:path>
+                </a:pathLst>
+              </a:custGeom>
             </p:spPr>
             <p:style>
-              <a:lnRef idx="0">
-                <a:schemeClr val="accent2"/>
+              <a:lnRef idx="2">
+                <a:schemeClr val="lt1">
+                  <a:hueOff val="0"/>
+                  <a:satOff val="0"/>
+                  <a:lumOff val="0"/>
+                  <a:alphaOff val="0"/>
+                </a:schemeClr>
               </a:lnRef>
-              <a:fillRef idx="3">
-                <a:schemeClr val="accent2"/>
+              <a:fillRef idx="1">
+                <a:schemeClr val="accent1">
+                  <a:hueOff val="0"/>
+                  <a:satOff val="0"/>
+                  <a:lumOff val="0"/>
+                  <a:alphaOff val="0"/>
+                </a:schemeClr>
               </a:fillRef>
-              <a:effectRef idx="3">
-                <a:schemeClr val="accent2"/>
+              <a:effectRef idx="0">
+                <a:schemeClr val="accent1">
+                  <a:hueOff val="0"/>
+                  <a:satOff val="0"/>
+                  <a:lumOff val="0"/>
+                  <a:alphaOff val="0"/>
+                </a:schemeClr>
               </a:effectRef>
               <a:fontRef idx="minor">
                 <a:schemeClr val="lt1"/>
               </a:fontRef>
             </p:style>
             <p:txBody>
-              <a:bodyPr rtlCol="0" anchor="ctr"/>
+              <a:bodyPr spcFirstLastPara="0" vert="horz" wrap="square" lIns="221042" tIns="221042" rIns="221042" bIns="221042" numCol="1" spcCol="1270" anchor="ctr" anchorCtr="0">
+                <a:noAutofit/>
+              </a:bodyPr>
               <a:lstStyle/>
               <a:p>
-                <a:pPr algn="ctr"/>
-                <a:endParaRPr lang="en-US"/>
+                <a:pPr lvl="0" algn="ctr" defTabSz="711200">
+                  <a:lnSpc>
+                    <a:spcPct val="90000"/>
+                  </a:lnSpc>
+                  <a:spcBef>
+                    <a:spcPct val="0"/>
+                  </a:spcBef>
+                  <a:spcAft>
+                    <a:spcPct val="35000"/>
+                  </a:spcAft>
+                </a:pPr>
+                <a:r>
+                  <a:rPr lang="en-US" sz="1600" b="1" kern="1200" dirty="0" smtClean="0"/>
+                  <a:t>Organizations</a:t>
+                </a:r>
+                <a:endParaRPr lang="en-US" sz="1200" b="1" kern="1200" dirty="0"/>
               </a:p>
             </p:txBody>
           </p:sp>
           <p:sp>
             <p:nvSpPr>
-              <p:cNvPr id="53" name="5-Point Star 52"/>
-              <p:cNvSpPr>
-                <a:spLocks noChangeAspect="1"/>
-              </p:cNvSpPr>
+              <p:cNvPr id="55" name="Left Arrow 54"/>
+              <p:cNvSpPr/>
+              <p:nvPr/>
+            </p:nvSpPr>
+            <p:spPr>
+              <a:xfrm rot="16200000">
+                <a:off x="1826092" y="2446559"/>
+                <a:ext cx="631286" cy="460842"/>
+              </a:xfrm>
+              <a:prstGeom prst="leftArrow">
+                <a:avLst>
+                  <a:gd name="adj1" fmla="val 60000"/>
+                  <a:gd name="adj2" fmla="val 50000"/>
+                </a:avLst>
+              </a:prstGeom>
+            </p:spPr>
+            <p:style>
+              <a:lnRef idx="0">
+                <a:schemeClr val="lt1">
+                  <a:hueOff val="0"/>
+                  <a:satOff val="0"/>
+                  <a:lumOff val="0"/>
+                  <a:alphaOff val="0"/>
+                </a:schemeClr>
+              </a:lnRef>
+              <a:fillRef idx="1">
+                <a:schemeClr val="accent2">
+                  <a:hueOff val="0"/>
+                  <a:satOff val="0"/>
+                  <a:lumOff val="0"/>
+                  <a:alphaOff val="0"/>
+                </a:schemeClr>
+              </a:fillRef>
+              <a:effectRef idx="0">
+                <a:schemeClr val="accent2">
+                  <a:hueOff val="0"/>
+                  <a:satOff val="0"/>
+                  <a:lumOff val="0"/>
+                  <a:alphaOff val="0"/>
+                </a:schemeClr>
+              </a:effectRef>
+              <a:fontRef idx="minor">
+                <a:schemeClr val="lt1">
+                  <a:hueOff val="0"/>
+                  <a:satOff val="0"/>
+                  <a:lumOff val="0"/>
+                  <a:alphaOff val="0"/>
+                </a:schemeClr>
+              </a:fontRef>
+            </p:style>
+          </p:sp>
+          <p:sp>
+            <p:nvSpPr>
+              <p:cNvPr id="56" name="Freeform 55"/>
+              <p:cNvSpPr/>
               <p:nvPr/>
             </p:nvSpPr>
             <p:spPr>
               <a:xfrm>
-                <a:off x="10253490" y="2398076"/>
-                <a:ext cx="228600" cy="228600"/>
+                <a:off x="1373665" y="2003972"/>
+                <a:ext cx="1536140" cy="540000"/>
               </a:xfrm>
-              <a:prstGeom prst="star5">
+              <a:custGeom>
                 <a:avLst/>
-              </a:prstGeom>
+                <a:gdLst>
+                  <a:gd name="connsiteX0" fmla="*/ 0 w 1536140"/>
+                  <a:gd name="connsiteY0" fmla="*/ 61462 h 614616"/>
+                  <a:gd name="connsiteX1" fmla="*/ 61462 w 1536140"/>
+                  <a:gd name="connsiteY1" fmla="*/ 0 h 614616"/>
+                  <a:gd name="connsiteX2" fmla="*/ 1474678 w 1536140"/>
+                  <a:gd name="connsiteY2" fmla="*/ 0 h 614616"/>
+                  <a:gd name="connsiteX3" fmla="*/ 1536140 w 1536140"/>
+                  <a:gd name="connsiteY3" fmla="*/ 61462 h 614616"/>
+                  <a:gd name="connsiteX4" fmla="*/ 1536140 w 1536140"/>
+                  <a:gd name="connsiteY4" fmla="*/ 553154 h 614616"/>
+                  <a:gd name="connsiteX5" fmla="*/ 1474678 w 1536140"/>
+                  <a:gd name="connsiteY5" fmla="*/ 614616 h 614616"/>
+                  <a:gd name="connsiteX6" fmla="*/ 61462 w 1536140"/>
+                  <a:gd name="connsiteY6" fmla="*/ 614616 h 614616"/>
+                  <a:gd name="connsiteX7" fmla="*/ 0 w 1536140"/>
+                  <a:gd name="connsiteY7" fmla="*/ 553154 h 614616"/>
+                  <a:gd name="connsiteX8" fmla="*/ 0 w 1536140"/>
+                  <a:gd name="connsiteY8" fmla="*/ 61462 h 614616"/>
+                </a:gdLst>
+                <a:ahLst/>
+                <a:cxnLst>
+                  <a:cxn ang="0">
+                    <a:pos x="connsiteX0" y="connsiteY0"/>
+                  </a:cxn>
+                  <a:cxn ang="0">
+                    <a:pos x="connsiteX1" y="connsiteY1"/>
+                  </a:cxn>
+                  <a:cxn ang="0">
+                    <a:pos x="connsiteX2" y="connsiteY2"/>
+                  </a:cxn>
+                  <a:cxn ang="0">
+                    <a:pos x="connsiteX3" y="connsiteY3"/>
+                  </a:cxn>
+                  <a:cxn ang="0">
+                    <a:pos x="connsiteX4" y="connsiteY4"/>
+                  </a:cxn>
+                  <a:cxn ang="0">
+                    <a:pos x="connsiteX5" y="connsiteY5"/>
+                  </a:cxn>
+                  <a:cxn ang="0">
+                    <a:pos x="connsiteX6" y="connsiteY6"/>
+                  </a:cxn>
+                  <a:cxn ang="0">
+                    <a:pos x="connsiteX7" y="connsiteY7"/>
+                  </a:cxn>
+                  <a:cxn ang="0">
+                    <a:pos x="connsiteX8" y="connsiteY8"/>
+                  </a:cxn>
+                </a:cxnLst>
+                <a:rect l="l" t="t" r="r" b="b"/>
+                <a:pathLst>
+                  <a:path w="1536140" h="614616">
+                    <a:moveTo>
+                      <a:pt x="0" y="61462"/>
+                    </a:moveTo>
+                    <a:cubicBezTo>
+                      <a:pt x="0" y="27517"/>
+                      <a:pt x="27517" y="0"/>
+                      <a:pt x="61462" y="0"/>
+                    </a:cubicBezTo>
+                    <a:lnTo>
+                      <a:pt x="1474678" y="0"/>
+                    </a:lnTo>
+                    <a:cubicBezTo>
+                      <a:pt x="1508623" y="0"/>
+                      <a:pt x="1536140" y="27517"/>
+                      <a:pt x="1536140" y="61462"/>
+                    </a:cubicBezTo>
+                    <a:lnTo>
+                      <a:pt x="1536140" y="553154"/>
+                    </a:lnTo>
+                    <a:cubicBezTo>
+                      <a:pt x="1536140" y="587099"/>
+                      <a:pt x="1508623" y="614616"/>
+                      <a:pt x="1474678" y="614616"/>
+                    </a:cubicBezTo>
+                    <a:lnTo>
+                      <a:pt x="61462" y="614616"/>
+                    </a:lnTo>
+                    <a:cubicBezTo>
+                      <a:pt x="27517" y="614616"/>
+                      <a:pt x="0" y="587099"/>
+                      <a:pt x="0" y="553154"/>
+                    </a:cubicBezTo>
+                    <a:lnTo>
+                      <a:pt x="0" y="61462"/>
+                    </a:lnTo>
+                    <a:close/>
+                  </a:path>
+                </a:pathLst>
+              </a:custGeom>
             </p:spPr>
             <p:style>
-              <a:lnRef idx="0">
-                <a:schemeClr val="accent2"/>
+              <a:lnRef idx="2">
+                <a:schemeClr val="lt1">
+                  <a:hueOff val="0"/>
+                  <a:satOff val="0"/>
+                  <a:lumOff val="0"/>
+                  <a:alphaOff val="0"/>
+                </a:schemeClr>
               </a:lnRef>
-              <a:fillRef idx="3">
-                <a:schemeClr val="accent2"/>
+              <a:fillRef idx="1">
+                <a:schemeClr val="accent2">
+                  <a:hueOff val="0"/>
+                  <a:satOff val="0"/>
+                  <a:lumOff val="0"/>
+                  <a:alphaOff val="0"/>
+                </a:schemeClr>
               </a:fillRef>
-              <a:effectRef idx="3">
-                <a:schemeClr val="accent2"/>
+              <a:effectRef idx="0">
+                <a:schemeClr val="accent2">
+                  <a:hueOff val="0"/>
+                  <a:satOff val="0"/>
+                  <a:lumOff val="0"/>
+                  <a:alphaOff val="0"/>
+                </a:schemeClr>
               </a:effectRef>
               <a:fontRef idx="minor">
                 <a:schemeClr val="lt1"/>
               </a:fontRef>
             </p:style>
             <p:txBody>
-              <a:bodyPr rtlCol="0" anchor="ctr"/>
+              <a:bodyPr spcFirstLastPara="0" vert="horz" wrap="square" lIns="56101" tIns="56101" rIns="56101" bIns="56101" numCol="1" spcCol="1270" anchor="ctr" anchorCtr="0">
+                <a:noAutofit/>
+              </a:bodyPr>
+              <a:lstStyle/>
+              <a:p>
+                <a:pPr lvl="0" algn="ctr" defTabSz="889000">
+                  <a:lnSpc>
+                    <a:spcPct val="90000"/>
+                  </a:lnSpc>
+                  <a:spcBef>
+                    <a:spcPct val="0"/>
+                  </a:spcBef>
+                  <a:spcAft>
+                    <a:spcPct val="35000"/>
+                  </a:spcAft>
+                </a:pPr>
+                <a:r>
+                  <a:rPr lang="en-US" kern="1200" dirty="0" smtClean="0"/>
+                  <a:t>License?</a:t>
+                </a:r>
+                <a:endParaRPr lang="en-US" sz="3800" kern="1200" dirty="0"/>
+              </a:p>
+            </p:txBody>
+          </p:sp>
+          <p:sp>
+            <p:nvSpPr>
+              <p:cNvPr id="6" name="TextBox 5"/>
+              <p:cNvSpPr txBox="1"/>
+              <p:nvPr/>
+            </p:nvSpPr>
+            <p:spPr>
+              <a:xfrm flipH="1">
+                <a:off x="867516" y="1480781"/>
+                <a:ext cx="648000" cy="646331"/>
+              </a:xfrm>
+              <a:prstGeom prst="rect">
+                <a:avLst/>
+              </a:prstGeom>
+            </p:spPr>
+            <p:style>
+              <a:lnRef idx="0">
+                <a:schemeClr val="accent4"/>
+              </a:lnRef>
+              <a:fillRef idx="3">
+                <a:schemeClr val="accent4"/>
+              </a:fillRef>
+              <a:effectRef idx="3">
+                <a:schemeClr val="accent4"/>
+              </a:effectRef>
+              <a:fontRef idx="minor">
+                <a:schemeClr val="lt1"/>
+              </a:fontRef>
+            </p:style>
+            <p:txBody>
+              <a:bodyPr wrap="square" rtlCol="0" anchor="ctr" anchorCtr="1">
+                <a:spAutoFit/>
+              </a:bodyPr>
               <a:lstStyle/>
               <a:p>
                 <a:pPr algn="ctr"/>
-                <a:endParaRPr lang="en-US"/>
+                <a:r>
+                  <a:rPr lang="en-US" sz="3600" dirty="0" smtClean="0"/>
+                  <a:t>1</a:t>
+                </a:r>
+                <a:endParaRPr lang="en-US" sz="1400" dirty="0"/>
               </a:p>
             </p:txBody>
           </p:sp>
         </p:grpSp>
-      </p:grpSp>
-      <p:grpSp>
-        <p:nvGrpSpPr>
-          <p:cNvPr id="59" name="Group 58"/>
-          <p:cNvGrpSpPr/>
-          <p:nvPr/>
-        </p:nvGrpSpPr>
-        <p:grpSpPr>
-          <a:xfrm>
-            <a:off x="867516" y="1480781"/>
-            <a:ext cx="2084219" cy="3141619"/>
-            <a:chOff x="867516" y="1480781"/>
-            <a:chExt cx="2084219" cy="3141619"/>
-          </a:xfrm>
-        </p:grpSpPr>
-        <p:sp>
-          <p:nvSpPr>
-            <p:cNvPr id="54" name="Freeform 53"/>
-            <p:cNvSpPr>
-              <a:spLocks noChangeAspect="1"/>
-            </p:cNvSpPr>
-            <p:nvPr/>
-          </p:nvSpPr>
-          <p:spPr>
-            <a:xfrm>
-              <a:off x="1331735" y="3002400"/>
-              <a:ext cx="1620000" cy="1620000"/>
-            </a:xfrm>
-            <a:custGeom>
-              <a:avLst/>
-              <a:gdLst>
-                <a:gd name="connsiteX0" fmla="*/ 0 w 1439994"/>
-                <a:gd name="connsiteY0" fmla="*/ 719997 h 1439994"/>
-                <a:gd name="connsiteX1" fmla="*/ 719997 w 1439994"/>
-                <a:gd name="connsiteY1" fmla="*/ 0 h 1439994"/>
-                <a:gd name="connsiteX2" fmla="*/ 1439994 w 1439994"/>
-                <a:gd name="connsiteY2" fmla="*/ 719997 h 1439994"/>
-                <a:gd name="connsiteX3" fmla="*/ 719997 w 1439994"/>
-                <a:gd name="connsiteY3" fmla="*/ 1439994 h 1439994"/>
-                <a:gd name="connsiteX4" fmla="*/ 0 w 1439994"/>
-                <a:gd name="connsiteY4" fmla="*/ 719997 h 1439994"/>
-              </a:gdLst>
-              <a:ahLst/>
-              <a:cxnLst>
-                <a:cxn ang="0">
-                  <a:pos x="connsiteX0" y="connsiteY0"/>
-                </a:cxn>
-                <a:cxn ang="0">
-                  <a:pos x="connsiteX1" y="connsiteY1"/>
-                </a:cxn>
-                <a:cxn ang="0">
-                  <a:pos x="connsiteX2" y="connsiteY2"/>
-                </a:cxn>
-                <a:cxn ang="0">
-                  <a:pos x="connsiteX3" y="connsiteY3"/>
-                </a:cxn>
-                <a:cxn ang="0">
-                  <a:pos x="connsiteX4" y="connsiteY4"/>
-                </a:cxn>
-              </a:cxnLst>
-              <a:rect l="l" t="t" r="r" b="b"/>
-              <a:pathLst>
-                <a:path w="1439994" h="1439994">
-                  <a:moveTo>
-                    <a:pt x="0" y="719997"/>
-                  </a:moveTo>
-                  <a:cubicBezTo>
-                    <a:pt x="0" y="322354"/>
-                    <a:pt x="322354" y="0"/>
-                    <a:pt x="719997" y="0"/>
-                  </a:cubicBezTo>
-                  <a:cubicBezTo>
-                    <a:pt x="1117640" y="0"/>
-                    <a:pt x="1439994" y="322354"/>
-                    <a:pt x="1439994" y="719997"/>
-                  </a:cubicBezTo>
-                  <a:cubicBezTo>
-                    <a:pt x="1439994" y="1117640"/>
-                    <a:pt x="1117640" y="1439994"/>
-                    <a:pt x="719997" y="1439994"/>
-                  </a:cubicBezTo>
-                  <a:cubicBezTo>
-                    <a:pt x="322354" y="1439994"/>
-                    <a:pt x="0" y="1117640"/>
-                    <a:pt x="0" y="719997"/>
-                  </a:cubicBezTo>
-                  <a:close/>
-                </a:path>
-              </a:pathLst>
-            </a:custGeom>
-          </p:spPr>
-          <p:style>
-            <a:lnRef idx="2">
-              <a:schemeClr val="lt1">
-                <a:hueOff val="0"/>
-                <a:satOff val="0"/>
-                <a:lumOff val="0"/>
-                <a:alphaOff val="0"/>
-              </a:schemeClr>
-            </a:lnRef>
-            <a:fillRef idx="1">
-              <a:schemeClr val="accent1">
-                <a:hueOff val="0"/>
-                <a:satOff val="0"/>
-                <a:lumOff val="0"/>
-                <a:alphaOff val="0"/>
-              </a:schemeClr>
-            </a:fillRef>
-            <a:effectRef idx="0">
-              <a:schemeClr val="accent1">
-                <a:hueOff val="0"/>
-                <a:satOff val="0"/>
-                <a:lumOff val="0"/>
-                <a:alphaOff val="0"/>
-              </a:schemeClr>
-            </a:effectRef>
-            <a:fontRef idx="minor">
-              <a:schemeClr val="lt1"/>
-            </a:fontRef>
-          </p:style>
-          <p:txBody>
-            <a:bodyPr spcFirstLastPara="0" vert="horz" wrap="square" lIns="221042" tIns="221042" rIns="221042" bIns="221042" numCol="1" spcCol="1270" anchor="ctr" anchorCtr="0">
-              <a:noAutofit/>
-            </a:bodyPr>
-            <a:lstStyle/>
-            <a:p>
-              <a:pPr lvl="0" algn="ctr" defTabSz="711200">
-                <a:lnSpc>
-                  <a:spcPct val="90000"/>
-                </a:lnSpc>
-                <a:spcBef>
-                  <a:spcPct val="0"/>
-                </a:spcBef>
-                <a:spcAft>
-                  <a:spcPct val="35000"/>
-                </a:spcAft>
-              </a:pPr>
-              <a:r>
-                <a:rPr lang="en-US" sz="1600" b="1" kern="1200" dirty="0" smtClean="0"/>
-                <a:t>Organizations</a:t>
-              </a:r>
-              <a:endParaRPr lang="en-US" sz="1200" b="1" kern="1200" dirty="0"/>
-            </a:p>
-          </p:txBody>
-        </p:sp>
-        <p:sp>
-          <p:nvSpPr>
-            <p:cNvPr id="55" name="Left Arrow 54"/>
-            <p:cNvSpPr/>
-            <p:nvPr/>
-          </p:nvSpPr>
-          <p:spPr>
-            <a:xfrm rot="16200000">
-              <a:off x="1826092" y="2446559"/>
-              <a:ext cx="631286" cy="460842"/>
-            </a:xfrm>
-            <a:prstGeom prst="leftArrow">
-              <a:avLst>
-                <a:gd name="adj1" fmla="val 60000"/>
-                <a:gd name="adj2" fmla="val 50000"/>
-              </a:avLst>
-            </a:prstGeom>
-          </p:spPr>
-          <p:style>
-            <a:lnRef idx="0">
-              <a:schemeClr val="lt1">
-                <a:hueOff val="0"/>
-                <a:satOff val="0"/>
-                <a:lumOff val="0"/>
-                <a:alphaOff val="0"/>
-              </a:schemeClr>
-            </a:lnRef>
-            <a:fillRef idx="1">
-              <a:schemeClr val="accent2">
-                <a:hueOff val="0"/>
-                <a:satOff val="0"/>
-                <a:lumOff val="0"/>
-                <a:alphaOff val="0"/>
-              </a:schemeClr>
-            </a:fillRef>
-            <a:effectRef idx="0">
-              <a:schemeClr val="accent2">
-                <a:hueOff val="0"/>
-                <a:satOff val="0"/>
-                <a:lumOff val="0"/>
-                <a:alphaOff val="0"/>
-              </a:schemeClr>
-            </a:effectRef>
-            <a:fontRef idx="minor">
-              <a:schemeClr val="lt1">
-                <a:hueOff val="0"/>
-                <a:satOff val="0"/>
-                <a:lumOff val="0"/>
-                <a:alphaOff val="0"/>
-              </a:schemeClr>
-            </a:fontRef>
-          </p:style>
-        </p:sp>
-        <p:sp>
-          <p:nvSpPr>
-            <p:cNvPr id="56" name="Freeform 55"/>
-            <p:cNvSpPr/>
-            <p:nvPr/>
-          </p:nvSpPr>
-          <p:spPr>
-            <a:xfrm>
-              <a:off x="1373665" y="2003972"/>
-              <a:ext cx="1536140" cy="540000"/>
-            </a:xfrm>
-            <a:custGeom>
-              <a:avLst/>
-              <a:gdLst>
-                <a:gd name="connsiteX0" fmla="*/ 0 w 1536140"/>
-                <a:gd name="connsiteY0" fmla="*/ 61462 h 614616"/>
-                <a:gd name="connsiteX1" fmla="*/ 61462 w 1536140"/>
-                <a:gd name="connsiteY1" fmla="*/ 0 h 614616"/>
-                <a:gd name="connsiteX2" fmla="*/ 1474678 w 1536140"/>
-                <a:gd name="connsiteY2" fmla="*/ 0 h 614616"/>
-                <a:gd name="connsiteX3" fmla="*/ 1536140 w 1536140"/>
-                <a:gd name="connsiteY3" fmla="*/ 61462 h 614616"/>
-                <a:gd name="connsiteX4" fmla="*/ 1536140 w 1536140"/>
-                <a:gd name="connsiteY4" fmla="*/ 553154 h 614616"/>
-                <a:gd name="connsiteX5" fmla="*/ 1474678 w 1536140"/>
-                <a:gd name="connsiteY5" fmla="*/ 614616 h 614616"/>
-                <a:gd name="connsiteX6" fmla="*/ 61462 w 1536140"/>
-                <a:gd name="connsiteY6" fmla="*/ 614616 h 614616"/>
-                <a:gd name="connsiteX7" fmla="*/ 0 w 1536140"/>
-                <a:gd name="connsiteY7" fmla="*/ 553154 h 614616"/>
-                <a:gd name="connsiteX8" fmla="*/ 0 w 1536140"/>
-                <a:gd name="connsiteY8" fmla="*/ 61462 h 614616"/>
-              </a:gdLst>
-              <a:ahLst/>
-              <a:cxnLst>
-                <a:cxn ang="0">
-                  <a:pos x="connsiteX0" y="connsiteY0"/>
-                </a:cxn>
-                <a:cxn ang="0">
-                  <a:pos x="connsiteX1" y="connsiteY1"/>
-                </a:cxn>
-                <a:cxn ang="0">
-                  <a:pos x="connsiteX2" y="connsiteY2"/>
-                </a:cxn>
-                <a:cxn ang="0">
-                  <a:pos x="connsiteX3" y="connsiteY3"/>
-                </a:cxn>
-                <a:cxn ang="0">
-                  <a:pos x="connsiteX4" y="connsiteY4"/>
-                </a:cxn>
-                <a:cxn ang="0">
-                  <a:pos x="connsiteX5" y="connsiteY5"/>
-                </a:cxn>
-                <a:cxn ang="0">
-                  <a:pos x="connsiteX6" y="connsiteY6"/>
-                </a:cxn>
-                <a:cxn ang="0">
-                  <a:pos x="connsiteX7" y="connsiteY7"/>
-                </a:cxn>
-                <a:cxn ang="0">
-                  <a:pos x="connsiteX8" y="connsiteY8"/>
-                </a:cxn>
-              </a:cxnLst>
-              <a:rect l="l" t="t" r="r" b="b"/>
-              <a:pathLst>
-                <a:path w="1536140" h="614616">
-                  <a:moveTo>
-                    <a:pt x="0" y="61462"/>
-                  </a:moveTo>
-                  <a:cubicBezTo>
-                    <a:pt x="0" y="27517"/>
-                    <a:pt x="27517" y="0"/>
-                    <a:pt x="61462" y="0"/>
-                  </a:cubicBezTo>
-                  <a:lnTo>
-                    <a:pt x="1474678" y="0"/>
-                  </a:lnTo>
-                  <a:cubicBezTo>
-                    <a:pt x="1508623" y="0"/>
-                    <a:pt x="1536140" y="27517"/>
-                    <a:pt x="1536140" y="61462"/>
-                  </a:cubicBezTo>
-                  <a:lnTo>
-                    <a:pt x="1536140" y="553154"/>
-                  </a:lnTo>
-                  <a:cubicBezTo>
-                    <a:pt x="1536140" y="587099"/>
-                    <a:pt x="1508623" y="614616"/>
-                    <a:pt x="1474678" y="614616"/>
-                  </a:cubicBezTo>
-                  <a:lnTo>
-                    <a:pt x="61462" y="614616"/>
-                  </a:lnTo>
-                  <a:cubicBezTo>
-                    <a:pt x="27517" y="614616"/>
-                    <a:pt x="0" y="587099"/>
-                    <a:pt x="0" y="553154"/>
-                  </a:cubicBezTo>
-                  <a:lnTo>
-                    <a:pt x="0" y="61462"/>
-                  </a:lnTo>
-                  <a:close/>
-                </a:path>
-              </a:pathLst>
-            </a:custGeom>
-          </p:spPr>
-          <p:style>
-            <a:lnRef idx="2">
-              <a:schemeClr val="lt1">
-                <a:hueOff val="0"/>
-                <a:satOff val="0"/>
-                <a:lumOff val="0"/>
-                <a:alphaOff val="0"/>
-              </a:schemeClr>
-            </a:lnRef>
-            <a:fillRef idx="1">
-              <a:schemeClr val="accent2">
-                <a:hueOff val="0"/>
-                <a:satOff val="0"/>
-                <a:lumOff val="0"/>
-                <a:alphaOff val="0"/>
-              </a:schemeClr>
-            </a:fillRef>
-            <a:effectRef idx="0">
-              <a:schemeClr val="accent2">
-                <a:hueOff val="0"/>
-                <a:satOff val="0"/>
-                <a:lumOff val="0"/>
-                <a:alphaOff val="0"/>
-              </a:schemeClr>
-            </a:effectRef>
-            <a:fontRef idx="minor">
-              <a:schemeClr val="lt1"/>
-            </a:fontRef>
-          </p:style>
-          <p:txBody>
-            <a:bodyPr spcFirstLastPara="0" vert="horz" wrap="square" lIns="56101" tIns="56101" rIns="56101" bIns="56101" numCol="1" spcCol="1270" anchor="ctr" anchorCtr="0">
-              <a:noAutofit/>
-            </a:bodyPr>
-            <a:lstStyle/>
-            <a:p>
-              <a:pPr lvl="0" algn="ctr" defTabSz="889000">
-                <a:lnSpc>
-                  <a:spcPct val="90000"/>
-                </a:lnSpc>
-                <a:spcBef>
-                  <a:spcPct val="0"/>
-                </a:spcBef>
-                <a:spcAft>
-                  <a:spcPct val="35000"/>
-                </a:spcAft>
-              </a:pPr>
-              <a:r>
-                <a:rPr lang="en-US" kern="1200" dirty="0" smtClean="0"/>
-                <a:t>License?</a:t>
-              </a:r>
-              <a:endParaRPr lang="en-US" sz="3800" kern="1200" dirty="0"/>
-            </a:p>
-          </p:txBody>
-        </p:sp>
-        <p:sp>
-          <p:nvSpPr>
-            <p:cNvPr id="6" name="TextBox 5"/>
-            <p:cNvSpPr txBox="1"/>
-            <p:nvPr/>
-          </p:nvSpPr>
-          <p:spPr>
-            <a:xfrm flipH="1">
-              <a:off x="867516" y="1480781"/>
-              <a:ext cx="648000" cy="646331"/>
-            </a:xfrm>
-            <a:prstGeom prst="rect">
-              <a:avLst/>
-            </a:prstGeom>
-          </p:spPr>
-          <p:style>
-            <a:lnRef idx="0">
-              <a:schemeClr val="accent4"/>
-            </a:lnRef>
-            <a:fillRef idx="3">
-              <a:schemeClr val="accent4"/>
-            </a:fillRef>
-            <a:effectRef idx="3">
-              <a:schemeClr val="accent4"/>
-            </a:effectRef>
-            <a:fontRef idx="minor">
-              <a:schemeClr val="lt1"/>
-            </a:fontRef>
-          </p:style>
-          <p:txBody>
-            <a:bodyPr wrap="square" rtlCol="0" anchor="ctr" anchorCtr="1">
-              <a:spAutoFit/>
-            </a:bodyPr>
-            <a:lstStyle/>
-            <a:p>
-              <a:pPr algn="ctr"/>
-              <a:r>
-                <a:rPr lang="en-US" sz="3600" dirty="0" smtClean="0"/>
-                <a:t>1</a:t>
-              </a:r>
-              <a:endParaRPr lang="en-US" sz="1400" dirty="0"/>
-            </a:p>
-          </p:txBody>
-        </p:sp>
       </p:grpSp>
     </p:spTree>
     <p:extLst>
@@ -11637,42 +11717,99 @@
           <a:bodyPr anchor="ctr"/>
           <a:lstStyle/>
           <a:p>
+            <a:pPr marL="0" indent="0">
+              <a:buNone/>
+            </a:pPr>
             <a:r>
-              <a:rPr lang="en-US" dirty="0"/>
-              <a:t>Number of participants: </a:t>
+              <a:rPr lang="en-US" dirty="0" smtClean="0"/>
+              <a:t># of participants: </a:t>
             </a:r>
             <a:r>
-              <a:rPr lang="en-US" b="1" dirty="0"/>
+              <a:rPr lang="en-US" b="1" dirty="0" smtClean="0"/>
               <a:t>6</a:t>
             </a:r>
-            <a:endParaRPr lang="en-US" dirty="0"/>
-          </a:p>
-          <a:p>
+          </a:p>
+          <a:p>
+            <a:pPr marL="0" indent="0">
+              <a:buNone/>
+            </a:pPr>
+            <a:endParaRPr lang="en-US" b="1" dirty="0" smtClean="0"/>
+          </a:p>
+          <a:p>
+            <a:pPr marL="514350" indent="-514350">
+              <a:buFont typeface="+mj-lt"/>
+              <a:buAutoNum type="arabicPeriod"/>
+            </a:pPr>
             <a:r>
-              <a:rPr lang="en-US" dirty="0"/>
+              <a:rPr lang="en-US" dirty="0" smtClean="0"/>
               <a:t>Apache-2.0: </a:t>
             </a:r>
             <a:r>
-              <a:rPr lang="en-US" b="1" dirty="0">
+              <a:rPr lang="en-US" b="1" dirty="0" smtClean="0">
                 <a:solidFill>
                   <a:schemeClr val="accent1"/>
                 </a:solidFill>
               </a:rPr>
               <a:t>27,8%</a:t>
             </a:r>
-            <a:endParaRPr lang="en-US" dirty="0">
+            <a:endParaRPr lang="en-US" dirty="0" smtClean="0">
               <a:solidFill>
                 <a:schemeClr val="accent1"/>
               </a:solidFill>
             </a:endParaRPr>
           </a:p>
           <a:p>
+            <a:pPr marL="514350" indent="-514350">
+              <a:buFont typeface="+mj-lt"/>
+              <a:buAutoNum type="arabicPeriod"/>
+            </a:pPr>
             <a:r>
-              <a:rPr lang="en-US" dirty="0"/>
+              <a:rPr lang="en-US" dirty="0" smtClean="0"/>
+              <a:t>GPL-3.0: </a:t>
+            </a:r>
+            <a:r>
+              <a:rPr lang="en-US" b="1" dirty="0" smtClean="0">
+                <a:solidFill>
+                  <a:schemeClr val="accent1"/>
+                </a:solidFill>
+              </a:rPr>
+              <a:t>27,8 %</a:t>
+            </a:r>
+            <a:endParaRPr lang="en-US" dirty="0" smtClean="0">
+              <a:solidFill>
+                <a:schemeClr val="accent1"/>
+              </a:solidFill>
+            </a:endParaRPr>
+          </a:p>
+          <a:p>
+            <a:pPr marL="514350" indent="-514350">
+              <a:buFont typeface="+mj-lt"/>
+              <a:buAutoNum type="arabicPeriod"/>
+            </a:pPr>
+            <a:r>
+              <a:rPr lang="en-US" dirty="0" smtClean="0"/>
+              <a:t>MIT: </a:t>
+            </a:r>
+            <a:r>
+              <a:rPr lang="en-US" b="1" dirty="0" smtClean="0">
+                <a:solidFill>
+                  <a:schemeClr val="accent1"/>
+                </a:solidFill>
+              </a:rPr>
+              <a:t>27,0 %</a:t>
+            </a:r>
+          </a:p>
+          <a:p>
+            <a:pPr marL="514350" indent="-514350">
+              <a:buFont typeface="+mj-lt"/>
+              <a:buAutoNum type="arabicPeriod"/>
+            </a:pPr>
+            <a:r>
+              <a:rPr lang="en-US" dirty="0" smtClean="0"/>
               <a:t>EULA: </a:t>
             </a:r>
             <a:r>
-              <a:rPr lang="en-US" b="1" dirty="0">
+              <a:rPr lang="en-US" b="1" dirty="0" smtClean="0">
                 <a:solidFill>
                   <a:schemeClr val="accent2"/>
                 </a:solidFill>
@@ -11682,52 +11819,6 @@
             <a:endParaRPr lang="en-US" dirty="0">
               <a:solidFill>
                 <a:schemeClr val="accent2"/>
-              </a:solidFill>
-            </a:endParaRPr>
-          </a:p>
-          <a:p>
-            <a:r>
-              <a:rPr lang="en-US" dirty="0"/>
-              <a:t>GPL-3.0: </a:t>
-            </a:r>
-            <a:r>
-              <a:rPr lang="en-US" b="1" dirty="0">
-                <a:solidFill>
-                  <a:schemeClr val="accent1"/>
-                </a:solidFill>
-              </a:rPr>
-              <a:t>27,8 %</a:t>
-            </a:r>
-            <a:endParaRPr lang="en-US" dirty="0">
-              <a:solidFill>
-                <a:schemeClr val="accent1"/>
-              </a:solidFill>
-            </a:endParaRPr>
-          </a:p>
-          <a:p>
-            <a:r>
-              <a:rPr lang="en-US" dirty="0"/>
-              <a:t>MIT: </a:t>
-            </a:r>
-            <a:r>
-              <a:rPr lang="en-US" b="1" dirty="0">
-                <a:solidFill>
-                  <a:schemeClr val="accent1"/>
-                </a:solidFill>
-              </a:rPr>
-              <a:t>27,0 </a:t>
-            </a:r>
-            <a:r>
-              <a:rPr lang="en-US" b="1" dirty="0" smtClean="0">
-                <a:solidFill>
-                  <a:schemeClr val="accent1"/>
-                </a:solidFill>
-              </a:rPr>
-              <a:t>%</a:t>
-            </a:r>
-            <a:endParaRPr lang="en-US" dirty="0">
-              <a:solidFill>
-                <a:schemeClr val="accent1"/>
               </a:solidFill>
             </a:endParaRPr>
           </a:p>
@@ -11756,7 +11847,7 @@
             <p:nvPr>
               <p:extLst>
                 <p:ext uri="{D42A27DB-BD31-4B8C-83A1-F6EECF244321}">
-                  <p14:modId xmlns:p14="http://schemas.microsoft.com/office/powerpoint/2010/main" val="947842037"/>
+                  <p14:modId xmlns:p14="http://schemas.microsoft.com/office/powerpoint/2010/main" val="1883906184"/>
                 </p:ext>
               </p:extLst>
             </p:nvPr>
@@ -11780,7 +11871,7 @@
             <p:nvPr>
               <p:extLst>
                 <p:ext uri="{D42A27DB-BD31-4B8C-83A1-F6EECF244321}">
-                  <p14:modId xmlns:p14="http://schemas.microsoft.com/office/powerpoint/2010/main" val="2407040448"/>
+                  <p14:modId xmlns:p14="http://schemas.microsoft.com/office/powerpoint/2010/main" val="3796212167"/>
                 </p:ext>
               </p:extLst>
             </p:nvPr>
@@ -14049,11 +14140,11 @@
             </a:pPr>
             <a:r>
               <a:rPr lang="en-US" sz="4400" dirty="0"/>
-              <a:t>Would United Nations create </a:t>
+              <a:t>Would United Nations </a:t>
             </a:r>
             <a:r>
               <a:rPr lang="en-US" sz="4400" dirty="0" smtClean="0"/>
-              <a:t>such a </a:t>
+              <a:t>help us create such a </a:t>
             </a:r>
             <a:r>
               <a:rPr lang="en-US" sz="4400" dirty="0"/>

--- a/SolutionItems/Documents/Connect2Effect/Presentation.pptx
+++ b/SolutionItems/Documents/Connect2Effect/Presentation.pptx
@@ -188,7 +188,6 @@
           </a:p>
         </c:rich>
       </c:tx>
-      <c:layout/>
       <c:overlay val="0"/>
       <c:spPr>
         <a:noFill/>
@@ -320,9 +319,7 @@
               </c:spPr>
             </c:leaderLines>
             <c:extLst>
-              <c:ext xmlns:c15="http://schemas.microsoft.com/office/drawing/2012/chart" uri="{CE6537A1-D6FC-4f65-9D91-7224C49458BB}">
-                <c15:layout/>
-              </c:ext>
+              <c:ext xmlns:c15="http://schemas.microsoft.com/office/drawing/2012/chart" uri="{CE6537A1-D6FC-4f65-9D91-7224C49458BB}"/>
             </c:extLst>
           </c:dLbls>
           <c:cat>
@@ -377,7 +374,6 @@
     </c:plotArea>
     <c:legend>
       <c:legendPos val="b"/>
-      <c:layout/>
       <c:overlay val="0"/>
       <c:spPr>
         <a:noFill/>
@@ -479,7 +475,6 @@
           </a:p>
         </c:rich>
       </c:tx>
-      <c:layout/>
       <c:overlay val="0"/>
       <c:spPr>
         <a:noFill/>
@@ -611,9 +606,7 @@
               </c:spPr>
             </c:leaderLines>
             <c:extLst>
-              <c:ext xmlns:c15="http://schemas.microsoft.com/office/drawing/2012/chart" uri="{CE6537A1-D6FC-4f65-9D91-7224C49458BB}">
-                <c15:layout/>
-              </c:ext>
+              <c:ext xmlns:c15="http://schemas.microsoft.com/office/drawing/2012/chart" uri="{CE6537A1-D6FC-4f65-9D91-7224C49458BB}"/>
             </c:extLst>
           </c:dLbls>
           <c:cat>
@@ -668,7 +661,6 @@
     </c:plotArea>
     <c:legend>
       <c:legendPos val="b"/>
-      <c:layout/>
       <c:overlay val="0"/>
       <c:spPr>
         <a:noFill/>
@@ -4486,7 +4478,7 @@
           <a:p>
             <a:fld id="{12B5BE10-3D62-4B6A-AD5D-ECEC1F21CBDA}" type="datetimeFigureOut">
               <a:rPr lang="en-US" smtClean="0"/>
-              <a:t>2/20/2017</a:t>
+              <a:t>2/24/2017</a:t>
             </a:fld>
             <a:endParaRPr lang="en-US"/>
           </a:p>
@@ -4651,7 +4643,7 @@
           <a:p>
             <a:fld id="{3052636E-F41E-48B7-8DE1-3F6AC60893EC}" type="datetimeFigureOut">
               <a:rPr lang="en-US" smtClean="0"/>
-              <a:t>2/20/2017</a:t>
+              <a:t>2/24/2017</a:t>
             </a:fld>
             <a:endParaRPr lang="en-US"/>
           </a:p>
@@ -5097,9 +5089,60 @@
           </a:p>
           <a:p>
             <a:r>
+              <a:rPr lang="en-US" sz="1200" b="0" i="0" kern="1200" dirty="0" smtClean="0">
+                <a:solidFill>
+                  <a:schemeClr val="tx1"/>
+                </a:solidFill>
+                <a:effectLst/>
+                <a:latin typeface="+mn-lt"/>
+                <a:ea typeface="+mn-ea"/>
+                <a:cs typeface="+mn-cs"/>
+              </a:rPr>
+              <a:t>---</a:t>
+            </a:r>
+            <a:endParaRPr lang="en-US" sz="1200" b="0" i="0" kern="1200" dirty="0" smtClean="0">
+              <a:solidFill>
+                <a:schemeClr val="tx1"/>
+              </a:solidFill>
+              <a:effectLst/>
+              <a:latin typeface="+mn-lt"/>
+              <a:ea typeface="+mn-ea"/>
+              <a:cs typeface="+mn-cs"/>
+            </a:endParaRPr>
+          </a:p>
+          <a:p>
+            <a:r>
+              <a:rPr lang="en-US" sz="1200" b="0" i="0" kern="1200" dirty="0" smtClean="0">
+                <a:solidFill>
+                  <a:schemeClr val="tx1"/>
+                </a:solidFill>
+                <a:effectLst/>
+                <a:latin typeface="+mn-lt"/>
+                <a:ea typeface="+mn-ea"/>
+                <a:cs typeface="+mn-cs"/>
+              </a:rPr>
+              <a:t>We are (I am) </a:t>
+            </a:r>
+            <a:r>
+              <a:rPr lang="en-US" sz="1200" b="0" i="0" kern="1200" dirty="0" smtClean="0">
+                <a:solidFill>
+                  <a:schemeClr val="tx1"/>
+                </a:solidFill>
+                <a:effectLst/>
+                <a:latin typeface="+mn-lt"/>
+                <a:ea typeface="+mn-ea"/>
+                <a:cs typeface="+mn-cs"/>
+              </a:rPr>
+              <a:t>proposing..</a:t>
+            </a:r>
+          </a:p>
+          <a:p>
+            <a:r>
               <a:rPr lang="en-US" dirty="0" smtClean="0"/>
               <a:t>(Sustainable and productive economy)</a:t>
             </a:r>
+          </a:p>
+          <a:p>
             <a:endParaRPr lang="en-US" sz="1200" b="0" i="0" kern="1200" dirty="0" smtClean="0">
               <a:solidFill>
                 <a:schemeClr val="tx1"/>
@@ -5312,19 +5355,7 @@
                 <a:ea typeface="+mn-ea"/>
                 <a:cs typeface="+mn-cs"/>
               </a:rPr>
-              <a:t>each </a:t>
-            </a:r>
-            <a:r>
-              <a:rPr lang="en-US" sz="1200" b="0" i="0" kern="1200" dirty="0" smtClean="0">
-                <a:solidFill>
-                  <a:schemeClr val="tx1"/>
-                </a:solidFill>
-                <a:effectLst/>
-                <a:latin typeface="+mn-lt"/>
-                <a:ea typeface="+mn-ea"/>
-                <a:cs typeface="+mn-cs"/>
-              </a:rPr>
-              <a:t>item</a:t>
+              <a:t>each item</a:t>
             </a:r>
             <a:r>
               <a:rPr lang="en-US" sz="1200" b="0" i="0" kern="1200" baseline="0" dirty="0" smtClean="0">
@@ -6437,7 +6468,7 @@
           <a:p>
             <a:fld id="{B9F1B7B5-E762-4288-8599-01B681E65152}" type="datetimeFigureOut">
               <a:rPr lang="en-US" smtClean="0"/>
-              <a:t>2/20/2017</a:t>
+              <a:t>2/24/2017</a:t>
             </a:fld>
             <a:endParaRPr lang="en-US"/>
           </a:p>
@@ -6614,7 +6645,7 @@
           <a:p>
             <a:fld id="{B9F1B7B5-E762-4288-8599-01B681E65152}" type="datetimeFigureOut">
               <a:rPr lang="en-US" smtClean="0"/>
-              <a:t>2/20/2017</a:t>
+              <a:t>2/24/2017</a:t>
             </a:fld>
             <a:endParaRPr lang="en-US"/>
           </a:p>
@@ -6794,7 +6825,7 @@
           <a:p>
             <a:fld id="{B9F1B7B5-E762-4288-8599-01B681E65152}" type="datetimeFigureOut">
               <a:rPr lang="en-US" smtClean="0"/>
-              <a:t>2/20/2017</a:t>
+              <a:t>2/24/2017</a:t>
             </a:fld>
             <a:endParaRPr lang="en-US"/>
           </a:p>
@@ -6940,7 +6971,7 @@
           <a:p>
             <a:fld id="{B9F1B7B5-E762-4288-8599-01B681E65152}" type="datetimeFigureOut">
               <a:rPr lang="en-US" smtClean="0"/>
-              <a:t>2/20/2017</a:t>
+              <a:t>2/24/2017</a:t>
             </a:fld>
             <a:endParaRPr lang="en-US"/>
           </a:p>
@@ -7363,7 +7394,7 @@
           <a:p>
             <a:fld id="{B9F1B7B5-E762-4288-8599-01B681E65152}" type="datetimeFigureOut">
               <a:rPr lang="en-US" smtClean="0"/>
-              <a:t>2/20/2017</a:t>
+              <a:t>2/24/2017</a:t>
             </a:fld>
             <a:endParaRPr lang="en-US"/>
           </a:p>
@@ -7602,7 +7633,7 @@
           <a:p>
             <a:fld id="{B9F1B7B5-E762-4288-8599-01B681E65152}" type="datetimeFigureOut">
               <a:rPr lang="en-US" smtClean="0"/>
-              <a:t>2/20/2017</a:t>
+              <a:t>2/24/2017</a:t>
             </a:fld>
             <a:endParaRPr lang="en-US"/>
           </a:p>
@@ -7976,7 +8007,7 @@
           <a:p>
             <a:fld id="{B9F1B7B5-E762-4288-8599-01B681E65152}" type="datetimeFigureOut">
               <a:rPr lang="en-US" smtClean="0"/>
-              <a:t>2/20/2017</a:t>
+              <a:t>2/24/2017</a:t>
             </a:fld>
             <a:endParaRPr lang="en-US"/>
           </a:p>
@@ -8094,7 +8125,7 @@
           <a:p>
             <a:fld id="{B9F1B7B5-E762-4288-8599-01B681E65152}" type="datetimeFigureOut">
               <a:rPr lang="en-US" smtClean="0"/>
-              <a:t>2/20/2017</a:t>
+              <a:t>2/24/2017</a:t>
             </a:fld>
             <a:endParaRPr lang="en-US"/>
           </a:p>
@@ -8189,7 +8220,7 @@
           <a:p>
             <a:fld id="{B9F1B7B5-E762-4288-8599-01B681E65152}" type="datetimeFigureOut">
               <a:rPr lang="en-US" smtClean="0"/>
-              <a:t>2/20/2017</a:t>
+              <a:t>2/24/2017</a:t>
             </a:fld>
             <a:endParaRPr lang="en-US"/>
           </a:p>
@@ -8466,7 +8497,7 @@
           <a:p>
             <a:fld id="{B9F1B7B5-E762-4288-8599-01B681E65152}" type="datetimeFigureOut">
               <a:rPr lang="en-US" smtClean="0"/>
-              <a:t>2/20/2017</a:t>
+              <a:t>2/24/2017</a:t>
             </a:fld>
             <a:endParaRPr lang="en-US"/>
           </a:p>
@@ -8719,7 +8750,7 @@
           <a:p>
             <a:fld id="{B9F1B7B5-E762-4288-8599-01B681E65152}" type="datetimeFigureOut">
               <a:rPr lang="en-US" smtClean="0"/>
-              <a:t>2/20/2017</a:t>
+              <a:t>2/24/2017</a:t>
             </a:fld>
             <a:endParaRPr lang="en-US"/>
           </a:p>
@@ -8932,7 +8963,7 @@
           <a:p>
             <a:fld id="{B9F1B7B5-E762-4288-8599-01B681E65152}" type="datetimeFigureOut">
               <a:rPr lang="en-US" smtClean="0"/>
-              <a:t>2/20/2017</a:t>
+              <a:t>2/24/2017</a:t>
             </a:fld>
             <a:endParaRPr lang="en-US"/>
           </a:p>

--- a/SolutionItems/Documents/Connect2Effect/Presentation.pptx
+++ b/SolutionItems/Documents/Connect2Effect/Presentation.pptx
@@ -5,10 +5,10 @@
     <p:sldMasterId id="2147483648" r:id="rId1"/>
   </p:sldMasterIdLst>
   <p:notesMasterIdLst>
-    <p:notesMasterId r:id="rId9"/>
+    <p:notesMasterId r:id="rId20"/>
   </p:notesMasterIdLst>
   <p:handoutMasterIdLst>
-    <p:handoutMasterId r:id="rId10"/>
+    <p:handoutMasterId r:id="rId21"/>
   </p:handoutMasterIdLst>
   <p:sldIdLst>
     <p:sldId id="278" r:id="rId2"/>
@@ -18,6 +18,17 @@
     <p:sldId id="282" r:id="rId6"/>
     <p:sldId id="274" r:id="rId7"/>
     <p:sldId id="283" r:id="rId8"/>
+    <p:sldId id="285" r:id="rId9"/>
+    <p:sldId id="295" r:id="rId10"/>
+    <p:sldId id="294" r:id="rId11"/>
+    <p:sldId id="293" r:id="rId12"/>
+    <p:sldId id="292" r:id="rId13"/>
+    <p:sldId id="291" r:id="rId14"/>
+    <p:sldId id="290" r:id="rId15"/>
+    <p:sldId id="289" r:id="rId16"/>
+    <p:sldId id="288" r:id="rId17"/>
+    <p:sldId id="287" r:id="rId18"/>
+    <p:sldId id="286" r:id="rId19"/>
   </p:sldIdLst>
   <p:sldSz cx="12192000" cy="6858000"/>
   <p:notesSz cx="6858000" cy="9144000"/>
@@ -118,7 +129,18 @@
   </p:defaultTextStyle>
   <p:extLst>
     <p:ext uri="{EFAFB233-063F-42B5-8137-9DF3F51BA10A}">
-      <p15:sldGuideLst xmlns:p15="http://schemas.microsoft.com/office/powerpoint/2012/main"/>
+      <p15:sldGuideLst xmlns:p15="http://schemas.microsoft.com/office/powerpoint/2012/main">
+        <p15:guide id="1" orient="horz" pos="2160" userDrawn="1">
+          <p15:clr>
+            <a:srgbClr val="A4A3A4"/>
+          </p15:clr>
+        </p15:guide>
+        <p15:guide id="2" pos="3840" userDrawn="1">
+          <p15:clr>
+            <a:srgbClr val="A4A3A4"/>
+          </p15:clr>
+        </p15:guide>
+      </p15:sldGuideLst>
     </p:ext>
     <p:ext uri="{2D200454-40CA-4A62-9FC3-DE9A4176ACB9}">
       <p15:notesGuideLst xmlns:p15="http://schemas.microsoft.com/office/powerpoint/2012/main"/>
@@ -188,6 +210,7 @@
           </a:p>
         </c:rich>
       </c:tx>
+      <c:layout/>
       <c:overlay val="0"/>
       <c:spPr>
         <a:noFill/>
@@ -319,7 +342,9 @@
               </c:spPr>
             </c:leaderLines>
             <c:extLst>
-              <c:ext xmlns:c15="http://schemas.microsoft.com/office/drawing/2012/chart" uri="{CE6537A1-D6FC-4f65-9D91-7224C49458BB}"/>
+              <c:ext xmlns:c15="http://schemas.microsoft.com/office/drawing/2012/chart" uri="{CE6537A1-D6FC-4f65-9D91-7224C49458BB}">
+                <c15:layout/>
+              </c:ext>
             </c:extLst>
           </c:dLbls>
           <c:cat>
@@ -374,6 +399,7 @@
     </c:plotArea>
     <c:legend>
       <c:legendPos val="b"/>
+      <c:layout/>
       <c:overlay val="0"/>
       <c:spPr>
         <a:noFill/>
@@ -475,6 +501,7 @@
           </a:p>
         </c:rich>
       </c:tx>
+      <c:layout/>
       <c:overlay val="0"/>
       <c:spPr>
         <a:noFill/>
@@ -606,7 +633,9 @@
               </c:spPr>
             </c:leaderLines>
             <c:extLst>
-              <c:ext xmlns:c15="http://schemas.microsoft.com/office/drawing/2012/chart" uri="{CE6537A1-D6FC-4f65-9D91-7224C49458BB}"/>
+              <c:ext xmlns:c15="http://schemas.microsoft.com/office/drawing/2012/chart" uri="{CE6537A1-D6FC-4f65-9D91-7224C49458BB}">
+                <c15:layout/>
+              </c:ext>
             </c:extLst>
           </c:dLbls>
           <c:cat>
@@ -661,6 +690,7 @@
     </c:plotArea>
     <c:legend>
       <c:legendPos val="b"/>
+      <c:layout/>
       <c:overlay val="0"/>
       <c:spPr>
         <a:noFill/>
@@ -2935,8 +2965,8 @@
   </dgm:ptLst>
   <dgm:cxnLst>
     <dgm:cxn modelId="{F72FB9B3-A866-48F9-8EDF-43A547B50B50}" srcId="{312A71E8-5176-4A17-834F-D8E55CE64AB4}" destId="{482C7A7A-164B-454A-A61A-AC8DCBBBBBCF}" srcOrd="0" destOrd="0" parTransId="{B717B692-4F01-45D0-AB5D-B552E1C9BB32}" sibTransId="{CAEB16E7-7B8E-4F28-8209-049B24B1DC46}"/>
+    <dgm:cxn modelId="{39064AE6-7575-457A-BEA9-B3282F8FEB8F}" type="presOf" srcId="{482C7A7A-164B-454A-A61A-AC8DCBBBBBCF}" destId="{9B142C9A-2A0D-4E2C-B9E8-D42355D0593C}" srcOrd="0" destOrd="0" presId="urn:microsoft.com/office/officeart/2005/8/layout/hList1"/>
     <dgm:cxn modelId="{E1E2B886-D233-4AC6-A1C4-60CD52B366F2}" type="presOf" srcId="{0AB197B5-5050-47A4-ABA6-BAAB029FFE40}" destId="{09DB1028-F721-486B-BDC8-AB258A429294}" srcOrd="0" destOrd="0" presId="urn:microsoft.com/office/officeart/2005/8/layout/hList1"/>
-    <dgm:cxn modelId="{39064AE6-7575-457A-BEA9-B3282F8FEB8F}" type="presOf" srcId="{482C7A7A-164B-454A-A61A-AC8DCBBBBBCF}" destId="{9B142C9A-2A0D-4E2C-B9E8-D42355D0593C}" srcOrd="0" destOrd="0" presId="urn:microsoft.com/office/officeart/2005/8/layout/hList1"/>
     <dgm:cxn modelId="{4803A696-BFD9-461E-8760-CB340D90DB25}" type="presOf" srcId="{71E5FF34-20B9-4834-83FF-EA749F1E7780}" destId="{09DB1028-F721-486B-BDC8-AB258A429294}" srcOrd="0" destOrd="1" presId="urn:microsoft.com/office/officeart/2005/8/layout/hList1"/>
     <dgm:cxn modelId="{1B81F282-AF97-474B-A99E-EE696A6820F1}" srcId="{482C7A7A-164B-454A-A61A-AC8DCBBBBBCF}" destId="{0AB197B5-5050-47A4-ABA6-BAAB029FFE40}" srcOrd="0" destOrd="0" parTransId="{49A1F8BF-21D5-4B5E-B376-3AC7E2647455}" sibTransId="{4A6AD4CF-9E72-42E8-AD83-FF09176C0594}"/>
     <dgm:cxn modelId="{79643BF7-70C3-4A2F-B580-B22C9FBFB065}" srcId="{482C7A7A-164B-454A-A61A-AC8DCBBBBBCF}" destId="{71E5FF34-20B9-4834-83FF-EA749F1E7780}" srcOrd="1" destOrd="0" parTransId="{139FF6F3-A338-48AF-85E6-483D4B763F4A}" sibTransId="{7BFFD08C-FE9F-461E-AD37-09AD4B55646D}"/>
@@ -4478,7 +4508,7 @@
           <a:p>
             <a:fld id="{12B5BE10-3D62-4B6A-AD5D-ECEC1F21CBDA}" type="datetimeFigureOut">
               <a:rPr lang="en-US" smtClean="0"/>
-              <a:t>2/24/2017</a:t>
+              <a:t>3/6/2017</a:t>
             </a:fld>
             <a:endParaRPr lang="en-US"/>
           </a:p>
@@ -4643,7 +4673,7 @@
           <a:p>
             <a:fld id="{3052636E-F41E-48B7-8DE1-3F6AC60893EC}" type="datetimeFigureOut">
               <a:rPr lang="en-US" smtClean="0"/>
-              <a:t>2/24/2017</a:t>
+              <a:t>3/6/2017</a:t>
             </a:fld>
             <a:endParaRPr lang="en-US"/>
           </a:p>
@@ -5100,15 +5130,6 @@
               </a:rPr>
               <a:t>---</a:t>
             </a:r>
-            <a:endParaRPr lang="en-US" sz="1200" b="0" i="0" kern="1200" dirty="0" smtClean="0">
-              <a:solidFill>
-                <a:schemeClr val="tx1"/>
-              </a:solidFill>
-              <a:effectLst/>
-              <a:latin typeface="+mn-lt"/>
-              <a:ea typeface="+mn-ea"/>
-              <a:cs typeface="+mn-cs"/>
-            </a:endParaRPr>
           </a:p>
           <a:p>
             <a:r>
@@ -5121,19 +5142,7 @@
                 <a:ea typeface="+mn-ea"/>
                 <a:cs typeface="+mn-cs"/>
               </a:rPr>
-              <a:t>We are (I am) </a:t>
-            </a:r>
-            <a:r>
-              <a:rPr lang="en-US" sz="1200" b="0" i="0" kern="1200" dirty="0" smtClean="0">
-                <a:solidFill>
-                  <a:schemeClr val="tx1"/>
-                </a:solidFill>
-                <a:effectLst/>
-                <a:latin typeface="+mn-lt"/>
-                <a:ea typeface="+mn-ea"/>
-                <a:cs typeface="+mn-cs"/>
-              </a:rPr>
-              <a:t>proposing..</a:t>
+              <a:t>We are (I am) proposing..</a:t>
             </a:r>
           </a:p>
           <a:p>
@@ -5182,6 +5191,774 @@
     <p:extLst>
       <p:ext uri="{BB962C8B-B14F-4D97-AF65-F5344CB8AC3E}">
         <p14:creationId xmlns:p14="http://schemas.microsoft.com/office/powerpoint/2010/main" val="2175237251"/>
+      </p:ext>
+    </p:extLst>
+  </p:cSld>
+  <p:clrMapOvr>
+    <a:masterClrMapping/>
+  </p:clrMapOvr>
+</p:notes>
+</file>
+
+<file path=ppt/notesSlides/notesSlide10.xml><?xml version="1.0" encoding="utf-8"?>
+<p:notes xmlns:a="http://schemas.openxmlformats.org/drawingml/2006/main" xmlns:r="http://schemas.openxmlformats.org/officeDocument/2006/relationships" xmlns:p="http://schemas.openxmlformats.org/presentationml/2006/main">
+  <p:cSld>
+    <p:spTree>
+      <p:nvGrpSpPr>
+        <p:cNvPr id="1" name=""/>
+        <p:cNvGrpSpPr/>
+        <p:nvPr/>
+      </p:nvGrpSpPr>
+      <p:grpSpPr>
+        <a:xfrm>
+          <a:off x="0" y="0"/>
+          <a:ext cx="0" cy="0"/>
+          <a:chOff x="0" y="0"/>
+          <a:chExt cx="0" cy="0"/>
+        </a:xfrm>
+      </p:grpSpPr>
+      <p:sp>
+        <p:nvSpPr>
+          <p:cNvPr id="2" name="Slide Image Placeholder 1"/>
+          <p:cNvSpPr>
+            <a:spLocks noGrp="1" noRot="1" noChangeAspect="1"/>
+          </p:cNvSpPr>
+          <p:nvPr>
+            <p:ph type="sldImg"/>
+          </p:nvPr>
+        </p:nvSpPr>
+        <p:spPr/>
+      </p:sp>
+      <p:sp>
+        <p:nvSpPr>
+          <p:cNvPr id="3" name="Notes Placeholder 2"/>
+          <p:cNvSpPr>
+            <a:spLocks noGrp="1"/>
+          </p:cNvSpPr>
+          <p:nvPr>
+            <p:ph type="body" idx="1"/>
+          </p:nvPr>
+        </p:nvSpPr>
+        <p:spPr/>
+        <p:txBody>
+          <a:bodyPr/>
+          <a:lstStyle/>
+          <a:p>
+            <a:pPr marL="0" indent="0">
+              <a:buFont typeface="Arial" panose="020B0604020202020204" pitchFamily="34" charset="0"/>
+              <a:buNone/>
+            </a:pPr>
+            <a:endParaRPr lang="en-US" sz="1200" b="0" i="0" kern="1200" baseline="0" dirty="0" smtClean="0">
+              <a:solidFill>
+                <a:schemeClr val="tx1"/>
+              </a:solidFill>
+              <a:effectLst/>
+              <a:latin typeface="+mn-lt"/>
+              <a:ea typeface="+mn-ea"/>
+              <a:cs typeface="+mn-cs"/>
+            </a:endParaRPr>
+          </a:p>
+        </p:txBody>
+      </p:sp>
+      <p:sp>
+        <p:nvSpPr>
+          <p:cNvPr id="4" name="Slide Number Placeholder 3"/>
+          <p:cNvSpPr>
+            <a:spLocks noGrp="1"/>
+          </p:cNvSpPr>
+          <p:nvPr>
+            <p:ph type="sldNum" sz="quarter" idx="10"/>
+          </p:nvPr>
+        </p:nvSpPr>
+        <p:spPr/>
+        <p:txBody>
+          <a:bodyPr/>
+          <a:lstStyle/>
+          <a:p>
+            <a:fld id="{9D5C6EF3-B4A8-4F5F-9287-40ACF2D24171}" type="slidenum">
+              <a:rPr lang="en-US" smtClean="0"/>
+              <a:t>11</a:t>
+            </a:fld>
+            <a:endParaRPr lang="en-US"/>
+          </a:p>
+        </p:txBody>
+      </p:sp>
+    </p:spTree>
+    <p:extLst>
+      <p:ext uri="{BB962C8B-B14F-4D97-AF65-F5344CB8AC3E}">
+        <p14:creationId xmlns:p14="http://schemas.microsoft.com/office/powerpoint/2010/main" val="3986546870"/>
+      </p:ext>
+    </p:extLst>
+  </p:cSld>
+  <p:clrMapOvr>
+    <a:masterClrMapping/>
+  </p:clrMapOvr>
+</p:notes>
+</file>
+
+<file path=ppt/notesSlides/notesSlide11.xml><?xml version="1.0" encoding="utf-8"?>
+<p:notes xmlns:a="http://schemas.openxmlformats.org/drawingml/2006/main" xmlns:r="http://schemas.openxmlformats.org/officeDocument/2006/relationships" xmlns:p="http://schemas.openxmlformats.org/presentationml/2006/main">
+  <p:cSld>
+    <p:spTree>
+      <p:nvGrpSpPr>
+        <p:cNvPr id="1" name=""/>
+        <p:cNvGrpSpPr/>
+        <p:nvPr/>
+      </p:nvGrpSpPr>
+      <p:grpSpPr>
+        <a:xfrm>
+          <a:off x="0" y="0"/>
+          <a:ext cx="0" cy="0"/>
+          <a:chOff x="0" y="0"/>
+          <a:chExt cx="0" cy="0"/>
+        </a:xfrm>
+      </p:grpSpPr>
+      <p:sp>
+        <p:nvSpPr>
+          <p:cNvPr id="2" name="Slide Image Placeholder 1"/>
+          <p:cNvSpPr>
+            <a:spLocks noGrp="1" noRot="1" noChangeAspect="1"/>
+          </p:cNvSpPr>
+          <p:nvPr>
+            <p:ph type="sldImg"/>
+          </p:nvPr>
+        </p:nvSpPr>
+        <p:spPr/>
+      </p:sp>
+      <p:sp>
+        <p:nvSpPr>
+          <p:cNvPr id="3" name="Notes Placeholder 2"/>
+          <p:cNvSpPr>
+            <a:spLocks noGrp="1"/>
+          </p:cNvSpPr>
+          <p:nvPr>
+            <p:ph type="body" idx="1"/>
+          </p:nvPr>
+        </p:nvSpPr>
+        <p:spPr/>
+        <p:txBody>
+          <a:bodyPr/>
+          <a:lstStyle/>
+          <a:p>
+            <a:pPr marL="0" indent="0">
+              <a:buFont typeface="Arial" panose="020B0604020202020204" pitchFamily="34" charset="0"/>
+              <a:buNone/>
+            </a:pPr>
+            <a:endParaRPr lang="en-US" sz="1200" b="0" i="0" kern="1200" baseline="0" dirty="0" smtClean="0">
+              <a:solidFill>
+                <a:schemeClr val="tx1"/>
+              </a:solidFill>
+              <a:effectLst/>
+              <a:latin typeface="+mn-lt"/>
+              <a:ea typeface="+mn-ea"/>
+              <a:cs typeface="+mn-cs"/>
+            </a:endParaRPr>
+          </a:p>
+        </p:txBody>
+      </p:sp>
+      <p:sp>
+        <p:nvSpPr>
+          <p:cNvPr id="4" name="Slide Number Placeholder 3"/>
+          <p:cNvSpPr>
+            <a:spLocks noGrp="1"/>
+          </p:cNvSpPr>
+          <p:nvPr>
+            <p:ph type="sldNum" sz="quarter" idx="10"/>
+          </p:nvPr>
+        </p:nvSpPr>
+        <p:spPr/>
+        <p:txBody>
+          <a:bodyPr/>
+          <a:lstStyle/>
+          <a:p>
+            <a:fld id="{9D5C6EF3-B4A8-4F5F-9287-40ACF2D24171}" type="slidenum">
+              <a:rPr lang="en-US" smtClean="0"/>
+              <a:t>12</a:t>
+            </a:fld>
+            <a:endParaRPr lang="en-US"/>
+          </a:p>
+        </p:txBody>
+      </p:sp>
+    </p:spTree>
+    <p:extLst>
+      <p:ext uri="{BB962C8B-B14F-4D97-AF65-F5344CB8AC3E}">
+        <p14:creationId xmlns:p14="http://schemas.microsoft.com/office/powerpoint/2010/main" val="3277917922"/>
+      </p:ext>
+    </p:extLst>
+  </p:cSld>
+  <p:clrMapOvr>
+    <a:masterClrMapping/>
+  </p:clrMapOvr>
+</p:notes>
+</file>
+
+<file path=ppt/notesSlides/notesSlide12.xml><?xml version="1.0" encoding="utf-8"?>
+<p:notes xmlns:a="http://schemas.openxmlformats.org/drawingml/2006/main" xmlns:r="http://schemas.openxmlformats.org/officeDocument/2006/relationships" xmlns:p="http://schemas.openxmlformats.org/presentationml/2006/main">
+  <p:cSld>
+    <p:spTree>
+      <p:nvGrpSpPr>
+        <p:cNvPr id="1" name=""/>
+        <p:cNvGrpSpPr/>
+        <p:nvPr/>
+      </p:nvGrpSpPr>
+      <p:grpSpPr>
+        <a:xfrm>
+          <a:off x="0" y="0"/>
+          <a:ext cx="0" cy="0"/>
+          <a:chOff x="0" y="0"/>
+          <a:chExt cx="0" cy="0"/>
+        </a:xfrm>
+      </p:grpSpPr>
+      <p:sp>
+        <p:nvSpPr>
+          <p:cNvPr id="2" name="Slide Image Placeholder 1"/>
+          <p:cNvSpPr>
+            <a:spLocks noGrp="1" noRot="1" noChangeAspect="1"/>
+          </p:cNvSpPr>
+          <p:nvPr>
+            <p:ph type="sldImg"/>
+          </p:nvPr>
+        </p:nvSpPr>
+        <p:spPr/>
+      </p:sp>
+      <p:sp>
+        <p:nvSpPr>
+          <p:cNvPr id="3" name="Notes Placeholder 2"/>
+          <p:cNvSpPr>
+            <a:spLocks noGrp="1"/>
+          </p:cNvSpPr>
+          <p:nvPr>
+            <p:ph type="body" idx="1"/>
+          </p:nvPr>
+        </p:nvSpPr>
+        <p:spPr/>
+        <p:txBody>
+          <a:bodyPr/>
+          <a:lstStyle/>
+          <a:p>
+            <a:pPr marL="0" indent="0">
+              <a:buFont typeface="Arial" panose="020B0604020202020204" pitchFamily="34" charset="0"/>
+              <a:buNone/>
+            </a:pPr>
+            <a:endParaRPr lang="en-US" sz="1200" b="0" i="0" kern="1200" baseline="0" dirty="0" smtClean="0">
+              <a:solidFill>
+                <a:schemeClr val="tx1"/>
+              </a:solidFill>
+              <a:effectLst/>
+              <a:latin typeface="+mn-lt"/>
+              <a:ea typeface="+mn-ea"/>
+              <a:cs typeface="+mn-cs"/>
+            </a:endParaRPr>
+          </a:p>
+        </p:txBody>
+      </p:sp>
+      <p:sp>
+        <p:nvSpPr>
+          <p:cNvPr id="4" name="Slide Number Placeholder 3"/>
+          <p:cNvSpPr>
+            <a:spLocks noGrp="1"/>
+          </p:cNvSpPr>
+          <p:nvPr>
+            <p:ph type="sldNum" sz="quarter" idx="10"/>
+          </p:nvPr>
+        </p:nvSpPr>
+        <p:spPr/>
+        <p:txBody>
+          <a:bodyPr/>
+          <a:lstStyle/>
+          <a:p>
+            <a:fld id="{9D5C6EF3-B4A8-4F5F-9287-40ACF2D24171}" type="slidenum">
+              <a:rPr lang="en-US" smtClean="0"/>
+              <a:t>13</a:t>
+            </a:fld>
+            <a:endParaRPr lang="en-US"/>
+          </a:p>
+        </p:txBody>
+      </p:sp>
+    </p:spTree>
+    <p:extLst>
+      <p:ext uri="{BB962C8B-B14F-4D97-AF65-F5344CB8AC3E}">
+        <p14:creationId xmlns:p14="http://schemas.microsoft.com/office/powerpoint/2010/main" val="1853805121"/>
+      </p:ext>
+    </p:extLst>
+  </p:cSld>
+  <p:clrMapOvr>
+    <a:masterClrMapping/>
+  </p:clrMapOvr>
+</p:notes>
+</file>
+
+<file path=ppt/notesSlides/notesSlide13.xml><?xml version="1.0" encoding="utf-8"?>
+<p:notes xmlns:a="http://schemas.openxmlformats.org/drawingml/2006/main" xmlns:r="http://schemas.openxmlformats.org/officeDocument/2006/relationships" xmlns:p="http://schemas.openxmlformats.org/presentationml/2006/main">
+  <p:cSld>
+    <p:spTree>
+      <p:nvGrpSpPr>
+        <p:cNvPr id="1" name=""/>
+        <p:cNvGrpSpPr/>
+        <p:nvPr/>
+      </p:nvGrpSpPr>
+      <p:grpSpPr>
+        <a:xfrm>
+          <a:off x="0" y="0"/>
+          <a:ext cx="0" cy="0"/>
+          <a:chOff x="0" y="0"/>
+          <a:chExt cx="0" cy="0"/>
+        </a:xfrm>
+      </p:grpSpPr>
+      <p:sp>
+        <p:nvSpPr>
+          <p:cNvPr id="2" name="Slide Image Placeholder 1"/>
+          <p:cNvSpPr>
+            <a:spLocks noGrp="1" noRot="1" noChangeAspect="1"/>
+          </p:cNvSpPr>
+          <p:nvPr>
+            <p:ph type="sldImg"/>
+          </p:nvPr>
+        </p:nvSpPr>
+        <p:spPr/>
+      </p:sp>
+      <p:sp>
+        <p:nvSpPr>
+          <p:cNvPr id="3" name="Notes Placeholder 2"/>
+          <p:cNvSpPr>
+            <a:spLocks noGrp="1"/>
+          </p:cNvSpPr>
+          <p:nvPr>
+            <p:ph type="body" idx="1"/>
+          </p:nvPr>
+        </p:nvSpPr>
+        <p:spPr/>
+        <p:txBody>
+          <a:bodyPr/>
+          <a:lstStyle/>
+          <a:p>
+            <a:pPr marL="0" indent="0">
+              <a:buFont typeface="Arial" panose="020B0604020202020204" pitchFamily="34" charset="0"/>
+              <a:buNone/>
+            </a:pPr>
+            <a:endParaRPr lang="en-US" sz="1200" b="0" i="0" kern="1200" baseline="0" dirty="0" smtClean="0">
+              <a:solidFill>
+                <a:schemeClr val="tx1"/>
+              </a:solidFill>
+              <a:effectLst/>
+              <a:latin typeface="+mn-lt"/>
+              <a:ea typeface="+mn-ea"/>
+              <a:cs typeface="+mn-cs"/>
+            </a:endParaRPr>
+          </a:p>
+        </p:txBody>
+      </p:sp>
+      <p:sp>
+        <p:nvSpPr>
+          <p:cNvPr id="4" name="Slide Number Placeholder 3"/>
+          <p:cNvSpPr>
+            <a:spLocks noGrp="1"/>
+          </p:cNvSpPr>
+          <p:nvPr>
+            <p:ph type="sldNum" sz="quarter" idx="10"/>
+          </p:nvPr>
+        </p:nvSpPr>
+        <p:spPr/>
+        <p:txBody>
+          <a:bodyPr/>
+          <a:lstStyle/>
+          <a:p>
+            <a:fld id="{9D5C6EF3-B4A8-4F5F-9287-40ACF2D24171}" type="slidenum">
+              <a:rPr lang="en-US" smtClean="0"/>
+              <a:t>14</a:t>
+            </a:fld>
+            <a:endParaRPr lang="en-US"/>
+          </a:p>
+        </p:txBody>
+      </p:sp>
+    </p:spTree>
+    <p:extLst>
+      <p:ext uri="{BB962C8B-B14F-4D97-AF65-F5344CB8AC3E}">
+        <p14:creationId xmlns:p14="http://schemas.microsoft.com/office/powerpoint/2010/main" val="3602079800"/>
+      </p:ext>
+    </p:extLst>
+  </p:cSld>
+  <p:clrMapOvr>
+    <a:masterClrMapping/>
+  </p:clrMapOvr>
+</p:notes>
+</file>
+
+<file path=ppt/notesSlides/notesSlide14.xml><?xml version="1.0" encoding="utf-8"?>
+<p:notes xmlns:a="http://schemas.openxmlformats.org/drawingml/2006/main" xmlns:r="http://schemas.openxmlformats.org/officeDocument/2006/relationships" xmlns:p="http://schemas.openxmlformats.org/presentationml/2006/main">
+  <p:cSld>
+    <p:spTree>
+      <p:nvGrpSpPr>
+        <p:cNvPr id="1" name=""/>
+        <p:cNvGrpSpPr/>
+        <p:nvPr/>
+      </p:nvGrpSpPr>
+      <p:grpSpPr>
+        <a:xfrm>
+          <a:off x="0" y="0"/>
+          <a:ext cx="0" cy="0"/>
+          <a:chOff x="0" y="0"/>
+          <a:chExt cx="0" cy="0"/>
+        </a:xfrm>
+      </p:grpSpPr>
+      <p:sp>
+        <p:nvSpPr>
+          <p:cNvPr id="2" name="Slide Image Placeholder 1"/>
+          <p:cNvSpPr>
+            <a:spLocks noGrp="1" noRot="1" noChangeAspect="1"/>
+          </p:cNvSpPr>
+          <p:nvPr>
+            <p:ph type="sldImg"/>
+          </p:nvPr>
+        </p:nvSpPr>
+        <p:spPr/>
+      </p:sp>
+      <p:sp>
+        <p:nvSpPr>
+          <p:cNvPr id="3" name="Notes Placeholder 2"/>
+          <p:cNvSpPr>
+            <a:spLocks noGrp="1"/>
+          </p:cNvSpPr>
+          <p:nvPr>
+            <p:ph type="body" idx="1"/>
+          </p:nvPr>
+        </p:nvSpPr>
+        <p:spPr/>
+        <p:txBody>
+          <a:bodyPr/>
+          <a:lstStyle/>
+          <a:p>
+            <a:pPr marL="0" indent="0">
+              <a:buFont typeface="Arial" panose="020B0604020202020204" pitchFamily="34" charset="0"/>
+              <a:buNone/>
+            </a:pPr>
+            <a:endParaRPr lang="en-US" sz="1200" b="0" i="0" kern="1200" baseline="0" dirty="0" smtClean="0">
+              <a:solidFill>
+                <a:schemeClr val="tx1"/>
+              </a:solidFill>
+              <a:effectLst/>
+              <a:latin typeface="+mn-lt"/>
+              <a:ea typeface="+mn-ea"/>
+              <a:cs typeface="+mn-cs"/>
+            </a:endParaRPr>
+          </a:p>
+        </p:txBody>
+      </p:sp>
+      <p:sp>
+        <p:nvSpPr>
+          <p:cNvPr id="4" name="Slide Number Placeholder 3"/>
+          <p:cNvSpPr>
+            <a:spLocks noGrp="1"/>
+          </p:cNvSpPr>
+          <p:nvPr>
+            <p:ph type="sldNum" sz="quarter" idx="10"/>
+          </p:nvPr>
+        </p:nvSpPr>
+        <p:spPr/>
+        <p:txBody>
+          <a:bodyPr/>
+          <a:lstStyle/>
+          <a:p>
+            <a:fld id="{9D5C6EF3-B4A8-4F5F-9287-40ACF2D24171}" type="slidenum">
+              <a:rPr lang="en-US" smtClean="0"/>
+              <a:t>15</a:t>
+            </a:fld>
+            <a:endParaRPr lang="en-US"/>
+          </a:p>
+        </p:txBody>
+      </p:sp>
+    </p:spTree>
+    <p:extLst>
+      <p:ext uri="{BB962C8B-B14F-4D97-AF65-F5344CB8AC3E}">
+        <p14:creationId xmlns:p14="http://schemas.microsoft.com/office/powerpoint/2010/main" val="3982665913"/>
+      </p:ext>
+    </p:extLst>
+  </p:cSld>
+  <p:clrMapOvr>
+    <a:masterClrMapping/>
+  </p:clrMapOvr>
+</p:notes>
+</file>
+
+<file path=ppt/notesSlides/notesSlide15.xml><?xml version="1.0" encoding="utf-8"?>
+<p:notes xmlns:a="http://schemas.openxmlformats.org/drawingml/2006/main" xmlns:r="http://schemas.openxmlformats.org/officeDocument/2006/relationships" xmlns:p="http://schemas.openxmlformats.org/presentationml/2006/main">
+  <p:cSld>
+    <p:spTree>
+      <p:nvGrpSpPr>
+        <p:cNvPr id="1" name=""/>
+        <p:cNvGrpSpPr/>
+        <p:nvPr/>
+      </p:nvGrpSpPr>
+      <p:grpSpPr>
+        <a:xfrm>
+          <a:off x="0" y="0"/>
+          <a:ext cx="0" cy="0"/>
+          <a:chOff x="0" y="0"/>
+          <a:chExt cx="0" cy="0"/>
+        </a:xfrm>
+      </p:grpSpPr>
+      <p:sp>
+        <p:nvSpPr>
+          <p:cNvPr id="2" name="Slide Image Placeholder 1"/>
+          <p:cNvSpPr>
+            <a:spLocks noGrp="1" noRot="1" noChangeAspect="1"/>
+          </p:cNvSpPr>
+          <p:nvPr>
+            <p:ph type="sldImg"/>
+          </p:nvPr>
+        </p:nvSpPr>
+        <p:spPr/>
+      </p:sp>
+      <p:sp>
+        <p:nvSpPr>
+          <p:cNvPr id="3" name="Notes Placeholder 2"/>
+          <p:cNvSpPr>
+            <a:spLocks noGrp="1"/>
+          </p:cNvSpPr>
+          <p:nvPr>
+            <p:ph type="body" idx="1"/>
+          </p:nvPr>
+        </p:nvSpPr>
+        <p:spPr/>
+        <p:txBody>
+          <a:bodyPr/>
+          <a:lstStyle/>
+          <a:p>
+            <a:pPr marL="0" indent="0">
+              <a:buFont typeface="Arial" panose="020B0604020202020204" pitchFamily="34" charset="0"/>
+              <a:buNone/>
+            </a:pPr>
+            <a:endParaRPr lang="en-US" sz="1200" b="0" i="0" kern="1200" baseline="0" dirty="0" smtClean="0">
+              <a:solidFill>
+                <a:schemeClr val="tx1"/>
+              </a:solidFill>
+              <a:effectLst/>
+              <a:latin typeface="+mn-lt"/>
+              <a:ea typeface="+mn-ea"/>
+              <a:cs typeface="+mn-cs"/>
+            </a:endParaRPr>
+          </a:p>
+        </p:txBody>
+      </p:sp>
+      <p:sp>
+        <p:nvSpPr>
+          <p:cNvPr id="4" name="Slide Number Placeholder 3"/>
+          <p:cNvSpPr>
+            <a:spLocks noGrp="1"/>
+          </p:cNvSpPr>
+          <p:nvPr>
+            <p:ph type="sldNum" sz="quarter" idx="10"/>
+          </p:nvPr>
+        </p:nvSpPr>
+        <p:spPr/>
+        <p:txBody>
+          <a:bodyPr/>
+          <a:lstStyle/>
+          <a:p>
+            <a:fld id="{9D5C6EF3-B4A8-4F5F-9287-40ACF2D24171}" type="slidenum">
+              <a:rPr lang="en-US" smtClean="0"/>
+              <a:t>16</a:t>
+            </a:fld>
+            <a:endParaRPr lang="en-US"/>
+          </a:p>
+        </p:txBody>
+      </p:sp>
+    </p:spTree>
+    <p:extLst>
+      <p:ext uri="{BB962C8B-B14F-4D97-AF65-F5344CB8AC3E}">
+        <p14:creationId xmlns:p14="http://schemas.microsoft.com/office/powerpoint/2010/main" val="1836773009"/>
+      </p:ext>
+    </p:extLst>
+  </p:cSld>
+  <p:clrMapOvr>
+    <a:masterClrMapping/>
+  </p:clrMapOvr>
+</p:notes>
+</file>
+
+<file path=ppt/notesSlides/notesSlide16.xml><?xml version="1.0" encoding="utf-8"?>
+<p:notes xmlns:a="http://schemas.openxmlformats.org/drawingml/2006/main" xmlns:r="http://schemas.openxmlformats.org/officeDocument/2006/relationships" xmlns:p="http://schemas.openxmlformats.org/presentationml/2006/main">
+  <p:cSld>
+    <p:spTree>
+      <p:nvGrpSpPr>
+        <p:cNvPr id="1" name=""/>
+        <p:cNvGrpSpPr/>
+        <p:nvPr/>
+      </p:nvGrpSpPr>
+      <p:grpSpPr>
+        <a:xfrm>
+          <a:off x="0" y="0"/>
+          <a:ext cx="0" cy="0"/>
+          <a:chOff x="0" y="0"/>
+          <a:chExt cx="0" cy="0"/>
+        </a:xfrm>
+      </p:grpSpPr>
+      <p:sp>
+        <p:nvSpPr>
+          <p:cNvPr id="2" name="Slide Image Placeholder 1"/>
+          <p:cNvSpPr>
+            <a:spLocks noGrp="1" noRot="1" noChangeAspect="1"/>
+          </p:cNvSpPr>
+          <p:nvPr>
+            <p:ph type="sldImg"/>
+          </p:nvPr>
+        </p:nvSpPr>
+        <p:spPr/>
+      </p:sp>
+      <p:sp>
+        <p:nvSpPr>
+          <p:cNvPr id="3" name="Notes Placeholder 2"/>
+          <p:cNvSpPr>
+            <a:spLocks noGrp="1"/>
+          </p:cNvSpPr>
+          <p:nvPr>
+            <p:ph type="body" idx="1"/>
+          </p:nvPr>
+        </p:nvSpPr>
+        <p:spPr/>
+        <p:txBody>
+          <a:bodyPr/>
+          <a:lstStyle/>
+          <a:p>
+            <a:pPr marL="0" indent="0">
+              <a:buFont typeface="Arial" panose="020B0604020202020204" pitchFamily="34" charset="0"/>
+              <a:buNone/>
+            </a:pPr>
+            <a:endParaRPr lang="en-US" sz="1200" b="0" i="0" kern="1200" baseline="0" dirty="0" smtClean="0">
+              <a:solidFill>
+                <a:schemeClr val="tx1"/>
+              </a:solidFill>
+              <a:effectLst/>
+              <a:latin typeface="+mn-lt"/>
+              <a:ea typeface="+mn-ea"/>
+              <a:cs typeface="+mn-cs"/>
+            </a:endParaRPr>
+          </a:p>
+        </p:txBody>
+      </p:sp>
+      <p:sp>
+        <p:nvSpPr>
+          <p:cNvPr id="4" name="Slide Number Placeholder 3"/>
+          <p:cNvSpPr>
+            <a:spLocks noGrp="1"/>
+          </p:cNvSpPr>
+          <p:nvPr>
+            <p:ph type="sldNum" sz="quarter" idx="10"/>
+          </p:nvPr>
+        </p:nvSpPr>
+        <p:spPr/>
+        <p:txBody>
+          <a:bodyPr/>
+          <a:lstStyle/>
+          <a:p>
+            <a:fld id="{9D5C6EF3-B4A8-4F5F-9287-40ACF2D24171}" type="slidenum">
+              <a:rPr lang="en-US" smtClean="0"/>
+              <a:t>17</a:t>
+            </a:fld>
+            <a:endParaRPr lang="en-US"/>
+          </a:p>
+        </p:txBody>
+      </p:sp>
+    </p:spTree>
+    <p:extLst>
+      <p:ext uri="{BB962C8B-B14F-4D97-AF65-F5344CB8AC3E}">
+        <p14:creationId xmlns:p14="http://schemas.microsoft.com/office/powerpoint/2010/main" val="1178499306"/>
+      </p:ext>
+    </p:extLst>
+  </p:cSld>
+  <p:clrMapOvr>
+    <a:masterClrMapping/>
+  </p:clrMapOvr>
+</p:notes>
+</file>
+
+<file path=ppt/notesSlides/notesSlide17.xml><?xml version="1.0" encoding="utf-8"?>
+<p:notes xmlns:a="http://schemas.openxmlformats.org/drawingml/2006/main" xmlns:r="http://schemas.openxmlformats.org/officeDocument/2006/relationships" xmlns:p="http://schemas.openxmlformats.org/presentationml/2006/main">
+  <p:cSld>
+    <p:spTree>
+      <p:nvGrpSpPr>
+        <p:cNvPr id="1" name=""/>
+        <p:cNvGrpSpPr/>
+        <p:nvPr/>
+      </p:nvGrpSpPr>
+      <p:grpSpPr>
+        <a:xfrm>
+          <a:off x="0" y="0"/>
+          <a:ext cx="0" cy="0"/>
+          <a:chOff x="0" y="0"/>
+          <a:chExt cx="0" cy="0"/>
+        </a:xfrm>
+      </p:grpSpPr>
+      <p:sp>
+        <p:nvSpPr>
+          <p:cNvPr id="2" name="Slide Image Placeholder 1"/>
+          <p:cNvSpPr>
+            <a:spLocks noGrp="1" noRot="1" noChangeAspect="1"/>
+          </p:cNvSpPr>
+          <p:nvPr>
+            <p:ph type="sldImg"/>
+          </p:nvPr>
+        </p:nvSpPr>
+        <p:spPr/>
+      </p:sp>
+      <p:sp>
+        <p:nvSpPr>
+          <p:cNvPr id="3" name="Notes Placeholder 2"/>
+          <p:cNvSpPr>
+            <a:spLocks noGrp="1"/>
+          </p:cNvSpPr>
+          <p:nvPr>
+            <p:ph type="body" idx="1"/>
+          </p:nvPr>
+        </p:nvSpPr>
+        <p:spPr/>
+        <p:txBody>
+          <a:bodyPr/>
+          <a:lstStyle/>
+          <a:p>
+            <a:pPr marL="0" indent="0">
+              <a:buFont typeface="Arial" panose="020B0604020202020204" pitchFamily="34" charset="0"/>
+              <a:buNone/>
+            </a:pPr>
+            <a:endParaRPr lang="en-US" sz="1200" b="0" i="0" kern="1200" baseline="0" dirty="0" smtClean="0">
+              <a:solidFill>
+                <a:schemeClr val="tx1"/>
+              </a:solidFill>
+              <a:effectLst/>
+              <a:latin typeface="+mn-lt"/>
+              <a:ea typeface="+mn-ea"/>
+              <a:cs typeface="+mn-cs"/>
+            </a:endParaRPr>
+          </a:p>
+        </p:txBody>
+      </p:sp>
+      <p:sp>
+        <p:nvSpPr>
+          <p:cNvPr id="4" name="Slide Number Placeholder 3"/>
+          <p:cNvSpPr>
+            <a:spLocks noGrp="1"/>
+          </p:cNvSpPr>
+          <p:nvPr>
+            <p:ph type="sldNum" sz="quarter" idx="10"/>
+          </p:nvPr>
+        </p:nvSpPr>
+        <p:spPr/>
+        <p:txBody>
+          <a:bodyPr/>
+          <a:lstStyle/>
+          <a:p>
+            <a:fld id="{9D5C6EF3-B4A8-4F5F-9287-40ACF2D24171}" type="slidenum">
+              <a:rPr lang="en-US" smtClean="0"/>
+              <a:t>18</a:t>
+            </a:fld>
+            <a:endParaRPr lang="en-US"/>
+          </a:p>
+        </p:txBody>
+      </p:sp>
+    </p:spTree>
+    <p:extLst>
+      <p:ext uri="{BB962C8B-B14F-4D97-AF65-F5344CB8AC3E}">
+        <p14:creationId xmlns:p14="http://schemas.microsoft.com/office/powerpoint/2010/main" val="2880443679"/>
       </p:ext>
     </p:extLst>
   </p:cSld>
@@ -6337,6 +7114,294 @@
 </p:notes>
 </file>
 
+<file path=ppt/notesSlides/notesSlide7.xml><?xml version="1.0" encoding="utf-8"?>
+<p:notes xmlns:a="http://schemas.openxmlformats.org/drawingml/2006/main" xmlns:r="http://schemas.openxmlformats.org/officeDocument/2006/relationships" xmlns:p="http://schemas.openxmlformats.org/presentationml/2006/main">
+  <p:cSld>
+    <p:spTree>
+      <p:nvGrpSpPr>
+        <p:cNvPr id="1" name=""/>
+        <p:cNvGrpSpPr/>
+        <p:nvPr/>
+      </p:nvGrpSpPr>
+      <p:grpSpPr>
+        <a:xfrm>
+          <a:off x="0" y="0"/>
+          <a:ext cx="0" cy="0"/>
+          <a:chOff x="0" y="0"/>
+          <a:chExt cx="0" cy="0"/>
+        </a:xfrm>
+      </p:grpSpPr>
+      <p:sp>
+        <p:nvSpPr>
+          <p:cNvPr id="2" name="Slide Image Placeholder 1"/>
+          <p:cNvSpPr>
+            <a:spLocks noGrp="1" noRot="1" noChangeAspect="1"/>
+          </p:cNvSpPr>
+          <p:nvPr>
+            <p:ph type="sldImg"/>
+          </p:nvPr>
+        </p:nvSpPr>
+        <p:spPr/>
+      </p:sp>
+      <p:sp>
+        <p:nvSpPr>
+          <p:cNvPr id="3" name="Notes Placeholder 2"/>
+          <p:cNvSpPr>
+            <a:spLocks noGrp="1"/>
+          </p:cNvSpPr>
+          <p:nvPr>
+            <p:ph type="body" idx="1"/>
+          </p:nvPr>
+        </p:nvSpPr>
+        <p:spPr/>
+        <p:txBody>
+          <a:bodyPr/>
+          <a:lstStyle/>
+          <a:p>
+            <a:pPr marL="0" indent="0">
+              <a:buFont typeface="Arial" panose="020B0604020202020204" pitchFamily="34" charset="0"/>
+              <a:buNone/>
+            </a:pPr>
+            <a:endParaRPr lang="en-US" sz="1200" b="0" i="0" kern="1200" baseline="0" dirty="0" smtClean="0">
+              <a:solidFill>
+                <a:schemeClr val="tx1"/>
+              </a:solidFill>
+              <a:effectLst/>
+              <a:latin typeface="+mn-lt"/>
+              <a:ea typeface="+mn-ea"/>
+              <a:cs typeface="+mn-cs"/>
+            </a:endParaRPr>
+          </a:p>
+        </p:txBody>
+      </p:sp>
+      <p:sp>
+        <p:nvSpPr>
+          <p:cNvPr id="4" name="Slide Number Placeholder 3"/>
+          <p:cNvSpPr>
+            <a:spLocks noGrp="1"/>
+          </p:cNvSpPr>
+          <p:nvPr>
+            <p:ph type="sldNum" sz="quarter" idx="10"/>
+          </p:nvPr>
+        </p:nvSpPr>
+        <p:spPr/>
+        <p:txBody>
+          <a:bodyPr/>
+          <a:lstStyle/>
+          <a:p>
+            <a:fld id="{9D5C6EF3-B4A8-4F5F-9287-40ACF2D24171}" type="slidenum">
+              <a:rPr lang="en-US" smtClean="0"/>
+              <a:t>8</a:t>
+            </a:fld>
+            <a:endParaRPr lang="en-US"/>
+          </a:p>
+        </p:txBody>
+      </p:sp>
+    </p:spTree>
+    <p:extLst>
+      <p:ext uri="{BB962C8B-B14F-4D97-AF65-F5344CB8AC3E}">
+        <p14:creationId xmlns:p14="http://schemas.microsoft.com/office/powerpoint/2010/main" val="3436033803"/>
+      </p:ext>
+    </p:extLst>
+  </p:cSld>
+  <p:clrMapOvr>
+    <a:masterClrMapping/>
+  </p:clrMapOvr>
+</p:notes>
+</file>
+
+<file path=ppt/notesSlides/notesSlide8.xml><?xml version="1.0" encoding="utf-8"?>
+<p:notes xmlns:a="http://schemas.openxmlformats.org/drawingml/2006/main" xmlns:r="http://schemas.openxmlformats.org/officeDocument/2006/relationships" xmlns:p="http://schemas.openxmlformats.org/presentationml/2006/main">
+  <p:cSld>
+    <p:spTree>
+      <p:nvGrpSpPr>
+        <p:cNvPr id="1" name=""/>
+        <p:cNvGrpSpPr/>
+        <p:nvPr/>
+      </p:nvGrpSpPr>
+      <p:grpSpPr>
+        <a:xfrm>
+          <a:off x="0" y="0"/>
+          <a:ext cx="0" cy="0"/>
+          <a:chOff x="0" y="0"/>
+          <a:chExt cx="0" cy="0"/>
+        </a:xfrm>
+      </p:grpSpPr>
+      <p:sp>
+        <p:nvSpPr>
+          <p:cNvPr id="2" name="Slide Image Placeholder 1"/>
+          <p:cNvSpPr>
+            <a:spLocks noGrp="1" noRot="1" noChangeAspect="1"/>
+          </p:cNvSpPr>
+          <p:nvPr>
+            <p:ph type="sldImg"/>
+          </p:nvPr>
+        </p:nvSpPr>
+        <p:spPr/>
+      </p:sp>
+      <p:sp>
+        <p:nvSpPr>
+          <p:cNvPr id="3" name="Notes Placeholder 2"/>
+          <p:cNvSpPr>
+            <a:spLocks noGrp="1"/>
+          </p:cNvSpPr>
+          <p:nvPr>
+            <p:ph type="body" idx="1"/>
+          </p:nvPr>
+        </p:nvSpPr>
+        <p:spPr/>
+        <p:txBody>
+          <a:bodyPr/>
+          <a:lstStyle/>
+          <a:p>
+            <a:pPr marL="0" indent="0">
+              <a:buFont typeface="Arial" panose="020B0604020202020204" pitchFamily="34" charset="0"/>
+              <a:buNone/>
+            </a:pPr>
+            <a:endParaRPr lang="en-US" sz="1200" b="0" i="0" kern="1200" baseline="0" dirty="0" smtClean="0">
+              <a:solidFill>
+                <a:schemeClr val="tx1"/>
+              </a:solidFill>
+              <a:effectLst/>
+              <a:latin typeface="+mn-lt"/>
+              <a:ea typeface="+mn-ea"/>
+              <a:cs typeface="+mn-cs"/>
+            </a:endParaRPr>
+          </a:p>
+        </p:txBody>
+      </p:sp>
+      <p:sp>
+        <p:nvSpPr>
+          <p:cNvPr id="4" name="Slide Number Placeholder 3"/>
+          <p:cNvSpPr>
+            <a:spLocks noGrp="1"/>
+          </p:cNvSpPr>
+          <p:nvPr>
+            <p:ph type="sldNum" sz="quarter" idx="10"/>
+          </p:nvPr>
+        </p:nvSpPr>
+        <p:spPr/>
+        <p:txBody>
+          <a:bodyPr/>
+          <a:lstStyle/>
+          <a:p>
+            <a:fld id="{9D5C6EF3-B4A8-4F5F-9287-40ACF2D24171}" type="slidenum">
+              <a:rPr lang="en-US" smtClean="0"/>
+              <a:t>9</a:t>
+            </a:fld>
+            <a:endParaRPr lang="en-US"/>
+          </a:p>
+        </p:txBody>
+      </p:sp>
+    </p:spTree>
+    <p:extLst>
+      <p:ext uri="{BB962C8B-B14F-4D97-AF65-F5344CB8AC3E}">
+        <p14:creationId xmlns:p14="http://schemas.microsoft.com/office/powerpoint/2010/main" val="2986908956"/>
+      </p:ext>
+    </p:extLst>
+  </p:cSld>
+  <p:clrMapOvr>
+    <a:masterClrMapping/>
+  </p:clrMapOvr>
+</p:notes>
+</file>
+
+<file path=ppt/notesSlides/notesSlide9.xml><?xml version="1.0" encoding="utf-8"?>
+<p:notes xmlns:a="http://schemas.openxmlformats.org/drawingml/2006/main" xmlns:r="http://schemas.openxmlformats.org/officeDocument/2006/relationships" xmlns:p="http://schemas.openxmlformats.org/presentationml/2006/main">
+  <p:cSld>
+    <p:spTree>
+      <p:nvGrpSpPr>
+        <p:cNvPr id="1" name=""/>
+        <p:cNvGrpSpPr/>
+        <p:nvPr/>
+      </p:nvGrpSpPr>
+      <p:grpSpPr>
+        <a:xfrm>
+          <a:off x="0" y="0"/>
+          <a:ext cx="0" cy="0"/>
+          <a:chOff x="0" y="0"/>
+          <a:chExt cx="0" cy="0"/>
+        </a:xfrm>
+      </p:grpSpPr>
+      <p:sp>
+        <p:nvSpPr>
+          <p:cNvPr id="2" name="Slide Image Placeholder 1"/>
+          <p:cNvSpPr>
+            <a:spLocks noGrp="1" noRot="1" noChangeAspect="1"/>
+          </p:cNvSpPr>
+          <p:nvPr>
+            <p:ph type="sldImg"/>
+          </p:nvPr>
+        </p:nvSpPr>
+        <p:spPr/>
+      </p:sp>
+      <p:sp>
+        <p:nvSpPr>
+          <p:cNvPr id="3" name="Notes Placeholder 2"/>
+          <p:cNvSpPr>
+            <a:spLocks noGrp="1"/>
+          </p:cNvSpPr>
+          <p:nvPr>
+            <p:ph type="body" idx="1"/>
+          </p:nvPr>
+        </p:nvSpPr>
+        <p:spPr/>
+        <p:txBody>
+          <a:bodyPr/>
+          <a:lstStyle/>
+          <a:p>
+            <a:pPr marL="0" indent="0">
+              <a:buFont typeface="Arial" panose="020B0604020202020204" pitchFamily="34" charset="0"/>
+              <a:buNone/>
+            </a:pPr>
+            <a:endParaRPr lang="en-US" sz="1200" b="0" i="0" kern="1200" baseline="0" dirty="0" smtClean="0">
+              <a:solidFill>
+                <a:schemeClr val="tx1"/>
+              </a:solidFill>
+              <a:effectLst/>
+              <a:latin typeface="+mn-lt"/>
+              <a:ea typeface="+mn-ea"/>
+              <a:cs typeface="+mn-cs"/>
+            </a:endParaRPr>
+          </a:p>
+        </p:txBody>
+      </p:sp>
+      <p:sp>
+        <p:nvSpPr>
+          <p:cNvPr id="4" name="Slide Number Placeholder 3"/>
+          <p:cNvSpPr>
+            <a:spLocks noGrp="1"/>
+          </p:cNvSpPr>
+          <p:nvPr>
+            <p:ph type="sldNum" sz="quarter" idx="10"/>
+          </p:nvPr>
+        </p:nvSpPr>
+        <p:spPr/>
+        <p:txBody>
+          <a:bodyPr/>
+          <a:lstStyle/>
+          <a:p>
+            <a:fld id="{9D5C6EF3-B4A8-4F5F-9287-40ACF2D24171}" type="slidenum">
+              <a:rPr lang="en-US" smtClean="0"/>
+              <a:t>10</a:t>
+            </a:fld>
+            <a:endParaRPr lang="en-US"/>
+          </a:p>
+        </p:txBody>
+      </p:sp>
+    </p:spTree>
+    <p:extLst>
+      <p:ext uri="{BB962C8B-B14F-4D97-AF65-F5344CB8AC3E}">
+        <p14:creationId xmlns:p14="http://schemas.microsoft.com/office/powerpoint/2010/main" val="2418061880"/>
+      </p:ext>
+    </p:extLst>
+  </p:cSld>
+  <p:clrMapOvr>
+    <a:masterClrMapping/>
+  </p:clrMapOvr>
+</p:notes>
+</file>
+
 <file path=ppt/slideLayouts/slideLayout1.xml><?xml version="1.0" encoding="utf-8"?>
 <p:sldLayout xmlns:a="http://schemas.openxmlformats.org/drawingml/2006/main" xmlns:r="http://schemas.openxmlformats.org/officeDocument/2006/relationships" xmlns:p="http://schemas.openxmlformats.org/presentationml/2006/main" type="title" preserve="1">
   <p:cSld name="Title Slide">
@@ -6468,7 +7533,7 @@
           <a:p>
             <a:fld id="{B9F1B7B5-E762-4288-8599-01B681E65152}" type="datetimeFigureOut">
               <a:rPr lang="en-US" smtClean="0"/>
-              <a:t>2/24/2017</a:t>
+              <a:t>3/6/2017</a:t>
             </a:fld>
             <a:endParaRPr lang="en-US"/>
           </a:p>
@@ -6645,7 +7710,7 @@
           <a:p>
             <a:fld id="{B9F1B7B5-E762-4288-8599-01B681E65152}" type="datetimeFigureOut">
               <a:rPr lang="en-US" smtClean="0"/>
-              <a:t>2/24/2017</a:t>
+              <a:t>3/6/2017</a:t>
             </a:fld>
             <a:endParaRPr lang="en-US"/>
           </a:p>
@@ -6825,7 +7890,7 @@
           <a:p>
             <a:fld id="{B9F1B7B5-E762-4288-8599-01B681E65152}" type="datetimeFigureOut">
               <a:rPr lang="en-US" smtClean="0"/>
-              <a:t>2/24/2017</a:t>
+              <a:t>3/6/2017</a:t>
             </a:fld>
             <a:endParaRPr lang="en-US"/>
           </a:p>
@@ -6971,7 +8036,7 @@
           <a:p>
             <a:fld id="{B9F1B7B5-E762-4288-8599-01B681E65152}" type="datetimeFigureOut">
               <a:rPr lang="en-US" smtClean="0"/>
-              <a:t>2/24/2017</a:t>
+              <a:t>3/6/2017</a:t>
             </a:fld>
             <a:endParaRPr lang="en-US"/>
           </a:p>
@@ -7394,7 +8459,7 @@
           <a:p>
             <a:fld id="{B9F1B7B5-E762-4288-8599-01B681E65152}" type="datetimeFigureOut">
               <a:rPr lang="en-US" smtClean="0"/>
-              <a:t>2/24/2017</a:t>
+              <a:t>3/6/2017</a:t>
             </a:fld>
             <a:endParaRPr lang="en-US"/>
           </a:p>
@@ -7633,7 +8698,7 @@
           <a:p>
             <a:fld id="{B9F1B7B5-E762-4288-8599-01B681E65152}" type="datetimeFigureOut">
               <a:rPr lang="en-US" smtClean="0"/>
-              <a:t>2/24/2017</a:t>
+              <a:t>3/6/2017</a:t>
             </a:fld>
             <a:endParaRPr lang="en-US"/>
           </a:p>
@@ -8007,7 +9072,7 @@
           <a:p>
             <a:fld id="{B9F1B7B5-E762-4288-8599-01B681E65152}" type="datetimeFigureOut">
               <a:rPr lang="en-US" smtClean="0"/>
-              <a:t>2/24/2017</a:t>
+              <a:t>3/6/2017</a:t>
             </a:fld>
             <a:endParaRPr lang="en-US"/>
           </a:p>
@@ -8125,7 +9190,7 @@
           <a:p>
             <a:fld id="{B9F1B7B5-E762-4288-8599-01B681E65152}" type="datetimeFigureOut">
               <a:rPr lang="en-US" smtClean="0"/>
-              <a:t>2/24/2017</a:t>
+              <a:t>3/6/2017</a:t>
             </a:fld>
             <a:endParaRPr lang="en-US"/>
           </a:p>
@@ -8220,7 +9285,7 @@
           <a:p>
             <a:fld id="{B9F1B7B5-E762-4288-8599-01B681E65152}" type="datetimeFigureOut">
               <a:rPr lang="en-US" smtClean="0"/>
-              <a:t>2/24/2017</a:t>
+              <a:t>3/6/2017</a:t>
             </a:fld>
             <a:endParaRPr lang="en-US"/>
           </a:p>
@@ -8497,7 +9562,7 @@
           <a:p>
             <a:fld id="{B9F1B7B5-E762-4288-8599-01B681E65152}" type="datetimeFigureOut">
               <a:rPr lang="en-US" smtClean="0"/>
-              <a:t>2/24/2017</a:t>
+              <a:t>3/6/2017</a:t>
             </a:fld>
             <a:endParaRPr lang="en-US"/>
           </a:p>
@@ -8750,7 +9815,7 @@
           <a:p>
             <a:fld id="{B9F1B7B5-E762-4288-8599-01B681E65152}" type="datetimeFigureOut">
               <a:rPr lang="en-US" smtClean="0"/>
-              <a:t>2/24/2017</a:t>
+              <a:t>3/6/2017</a:t>
             </a:fld>
             <a:endParaRPr lang="en-US"/>
           </a:p>
@@ -8963,7 +10028,7 @@
           <a:p>
             <a:fld id="{B9F1B7B5-E762-4288-8599-01B681E65152}" type="datetimeFigureOut">
               <a:rPr lang="en-US" smtClean="0"/>
-              <a:t>2/24/2017</a:t>
+              <a:t>3/6/2017</a:t>
             </a:fld>
             <a:endParaRPr lang="en-US"/>
           </a:p>
@@ -9086,7 +10151,7 @@
         <p:spPr>
           <a:xfrm flipH="1">
             <a:off x="357188" y="0"/>
-            <a:ext cx="23812" cy="6538912"/>
+            <a:ext cx="23812" cy="6477000"/>
           </a:xfrm>
           <a:prstGeom prst="line">
             <a:avLst/>
@@ -9122,8 +10187,8 @@
         </p:nvCxnSpPr>
         <p:spPr>
           <a:xfrm flipH="1" flipV="1">
-            <a:off x="290514" y="6538912"/>
-            <a:ext cx="3748086" cy="1"/>
+            <a:off x="357188" y="6538912"/>
+            <a:ext cx="3681412" cy="1"/>
           </a:xfrm>
           <a:prstGeom prst="line">
             <a:avLst/>
@@ -9236,6 +10301,41 @@
           <a:xfrm>
             <a:off x="8153400" y="6538913"/>
             <a:ext cx="0" cy="0"/>
+          </a:xfrm>
+          <a:prstGeom prst="line">
+            <a:avLst/>
+          </a:prstGeom>
+          <a:ln w="127000" cap="rnd" cmpd="sng">
+            <a:solidFill>
+              <a:srgbClr val="3E6480"/>
+            </a:solidFill>
+          </a:ln>
+        </p:spPr>
+        <p:style>
+          <a:lnRef idx="1">
+            <a:schemeClr val="accent1"/>
+          </a:lnRef>
+          <a:fillRef idx="0">
+            <a:schemeClr val="accent1"/>
+          </a:fillRef>
+          <a:effectRef idx="0">
+            <a:schemeClr val="accent1"/>
+          </a:effectRef>
+          <a:fontRef idx="minor">
+            <a:schemeClr val="tx1"/>
+          </a:fontRef>
+        </p:style>
+      </p:cxnSp>
+      <p:cxnSp>
+        <p:nvCxnSpPr>
+          <p:cNvPr id="37" name="Straight Connector 36"/>
+          <p:cNvCxnSpPr/>
+          <p:nvPr userDrawn="1"/>
+        </p:nvCxnSpPr>
+        <p:spPr>
+          <a:xfrm flipV="1">
+            <a:off x="357188" y="6477001"/>
+            <a:ext cx="0" cy="61911"/>
           </a:xfrm>
           <a:prstGeom prst="line">
             <a:avLst/>
@@ -9612,8 +10712,12 @@
           <a:lstStyle/>
           <a:p>
             <a:r>
+              <a:rPr lang="en-US" smtClean="0"/>
+              <a:t>Intro (PRESENTATION IS OUTDATED</a:t>
+            </a:r>
+            <a:r>
               <a:rPr lang="en-US" dirty="0" smtClean="0"/>
-              <a:t>Intro</a:t>
+              <a:t>)</a:t>
             </a:r>
             <a:endParaRPr lang="en-US" dirty="0"/>
           </a:p>
@@ -9651,6 +10755,5613 @@
     <p:extLst>
       <p:ext uri="{BB962C8B-B14F-4D97-AF65-F5344CB8AC3E}">
         <p14:creationId xmlns:p14="http://schemas.microsoft.com/office/powerpoint/2010/main" val="1730024591"/>
+      </p:ext>
+    </p:extLst>
+  </p:cSld>
+  <p:clrMapOvr>
+    <a:masterClrMapping/>
+  </p:clrMapOvr>
+  <p:timing>
+    <p:tnLst>
+      <p:par>
+        <p:cTn id="1" dur="indefinite" restart="never" nodeType="tmRoot"/>
+      </p:par>
+    </p:tnLst>
+  </p:timing>
+</p:sld>
+</file>
+
+<file path=ppt/slides/slide10.xml><?xml version="1.0" encoding="utf-8"?>
+<p:sld xmlns:a="http://schemas.openxmlformats.org/drawingml/2006/main" xmlns:r="http://schemas.openxmlformats.org/officeDocument/2006/relationships" xmlns:p="http://schemas.openxmlformats.org/presentationml/2006/main">
+  <p:cSld>
+    <p:spTree>
+      <p:nvGrpSpPr>
+        <p:cNvPr id="1" name=""/>
+        <p:cNvGrpSpPr/>
+        <p:nvPr/>
+      </p:nvGrpSpPr>
+      <p:grpSpPr>
+        <a:xfrm>
+          <a:off x="0" y="0"/>
+          <a:ext cx="0" cy="0"/>
+          <a:chOff x="0" y="0"/>
+          <a:chExt cx="0" cy="0"/>
+        </a:xfrm>
+      </p:grpSpPr>
+      <p:cxnSp>
+        <p:nvCxnSpPr>
+          <p:cNvPr id="23" name="Straight Arrow Connector 22"/>
+          <p:cNvCxnSpPr/>
+          <p:nvPr/>
+        </p:nvCxnSpPr>
+        <p:spPr>
+          <a:xfrm flipV="1">
+            <a:off x="1778030" y="1278497"/>
+            <a:ext cx="0" cy="3600000"/>
+          </a:xfrm>
+          <a:prstGeom prst="straightConnector1">
+            <a:avLst/>
+          </a:prstGeom>
+          <a:ln w="76200">
+            <a:tailEnd type="triangle"/>
+          </a:ln>
+        </p:spPr>
+        <p:style>
+          <a:lnRef idx="3">
+            <a:schemeClr val="dk1"/>
+          </a:lnRef>
+          <a:fillRef idx="0">
+            <a:schemeClr val="dk1"/>
+          </a:fillRef>
+          <a:effectRef idx="2">
+            <a:schemeClr val="dk1"/>
+          </a:effectRef>
+          <a:fontRef idx="minor">
+            <a:schemeClr val="tx1"/>
+          </a:fontRef>
+        </p:style>
+      </p:cxnSp>
+      <p:sp>
+        <p:nvSpPr>
+          <p:cNvPr id="24" name="TextBox 23"/>
+          <p:cNvSpPr txBox="1"/>
+          <p:nvPr/>
+        </p:nvSpPr>
+        <p:spPr>
+          <a:xfrm>
+            <a:off x="1032979" y="1451882"/>
+            <a:ext cx="615553" cy="2929617"/>
+          </a:xfrm>
+          <a:prstGeom prst="rect">
+            <a:avLst/>
+          </a:prstGeom>
+          <a:noFill/>
+        </p:spPr>
+        <p:txBody>
+          <a:bodyPr vert="vert270" wrap="square" rtlCol="0">
+            <a:spAutoFit/>
+          </a:bodyPr>
+          <a:lstStyle/>
+          <a:p>
+            <a:pPr algn="ctr"/>
+            <a:r>
+              <a:rPr lang="en-US" sz="2800" dirty="0" smtClean="0"/>
+              <a:t>Progress</a:t>
+            </a:r>
+            <a:endParaRPr lang="en-US" sz="2800" dirty="0"/>
+          </a:p>
+        </p:txBody>
+      </p:sp>
+      <p:sp>
+        <p:nvSpPr>
+          <p:cNvPr id="26" name="TextBox 25"/>
+          <p:cNvSpPr txBox="1"/>
+          <p:nvPr/>
+        </p:nvSpPr>
+        <p:spPr>
+          <a:xfrm rot="5400000">
+            <a:off x="5788223" y="1214583"/>
+            <a:ext cx="615553" cy="7924356"/>
+          </a:xfrm>
+          <a:prstGeom prst="rect">
+            <a:avLst/>
+          </a:prstGeom>
+          <a:noFill/>
+        </p:spPr>
+        <p:txBody>
+          <a:bodyPr vert="vert270" wrap="square" rtlCol="0">
+            <a:spAutoFit/>
+          </a:bodyPr>
+          <a:lstStyle/>
+          <a:p>
+            <a:pPr algn="ctr"/>
+            <a:r>
+              <a:rPr lang="en-US" sz="2800" dirty="0" smtClean="0"/>
+              <a:t>Organizations</a:t>
+            </a:r>
+            <a:endParaRPr lang="en-US" sz="2800" dirty="0"/>
+          </a:p>
+        </p:txBody>
+      </p:sp>
+      <p:cxnSp>
+        <p:nvCxnSpPr>
+          <p:cNvPr id="56" name="Straight Connector 55"/>
+          <p:cNvCxnSpPr/>
+          <p:nvPr/>
+        </p:nvCxnSpPr>
+        <p:spPr>
+          <a:xfrm>
+            <a:off x="2177280" y="4868983"/>
+            <a:ext cx="3600000" cy="1"/>
+          </a:xfrm>
+          <a:prstGeom prst="line">
+            <a:avLst/>
+          </a:prstGeom>
+        </p:spPr>
+        <p:style>
+          <a:lnRef idx="3">
+            <a:schemeClr val="dk1"/>
+          </a:lnRef>
+          <a:fillRef idx="0">
+            <a:schemeClr val="dk1"/>
+          </a:fillRef>
+          <a:effectRef idx="2">
+            <a:schemeClr val="dk1"/>
+          </a:effectRef>
+          <a:fontRef idx="minor">
+            <a:schemeClr val="tx1"/>
+          </a:fontRef>
+        </p:style>
+      </p:cxnSp>
+      <p:cxnSp>
+        <p:nvCxnSpPr>
+          <p:cNvPr id="61" name="Straight Connector 60"/>
+          <p:cNvCxnSpPr/>
+          <p:nvPr/>
+        </p:nvCxnSpPr>
+        <p:spPr>
+          <a:xfrm>
+            <a:off x="6458179" y="4868983"/>
+            <a:ext cx="3600000" cy="1"/>
+          </a:xfrm>
+          <a:prstGeom prst="line">
+            <a:avLst/>
+          </a:prstGeom>
+        </p:spPr>
+        <p:style>
+          <a:lnRef idx="3">
+            <a:schemeClr val="dk1"/>
+          </a:lnRef>
+          <a:fillRef idx="0">
+            <a:schemeClr val="dk1"/>
+          </a:fillRef>
+          <a:effectRef idx="2">
+            <a:schemeClr val="dk1"/>
+          </a:effectRef>
+          <a:fontRef idx="minor">
+            <a:schemeClr val="tx1"/>
+          </a:fontRef>
+        </p:style>
+      </p:cxnSp>
+      <p:sp>
+        <p:nvSpPr>
+          <p:cNvPr id="70" name="TextBox 69"/>
+          <p:cNvSpPr txBox="1"/>
+          <p:nvPr/>
+        </p:nvSpPr>
+        <p:spPr>
+          <a:xfrm rot="5400000">
+            <a:off x="5788222" y="-2991457"/>
+            <a:ext cx="615553" cy="7924356"/>
+          </a:xfrm>
+          <a:prstGeom prst="rect">
+            <a:avLst/>
+          </a:prstGeom>
+          <a:noFill/>
+        </p:spPr>
+        <p:txBody>
+          <a:bodyPr vert="vert270" wrap="square" rtlCol="0">
+            <a:spAutoFit/>
+          </a:bodyPr>
+          <a:lstStyle/>
+          <a:p>
+            <a:pPr algn="ctr"/>
+            <a:r>
+              <a:rPr lang="en-US" sz="2800" dirty="0" smtClean="0"/>
+              <a:t>Sustainable Development Goals</a:t>
+            </a:r>
+            <a:endParaRPr lang="en-US" sz="2800" dirty="0"/>
+          </a:p>
+        </p:txBody>
+      </p:sp>
+      <p:sp>
+        <p:nvSpPr>
+          <p:cNvPr id="63" name="Hexagon 62"/>
+          <p:cNvSpPr>
+            <a:spLocks noChangeAspect="1"/>
+          </p:cNvSpPr>
+          <p:nvPr/>
+        </p:nvSpPr>
+        <p:spPr>
+          <a:xfrm>
+            <a:off x="3268534" y="4312392"/>
+            <a:ext cx="632047" cy="544867"/>
+          </a:xfrm>
+          <a:prstGeom prst="hexagon">
+            <a:avLst/>
+          </a:prstGeom>
+        </p:spPr>
+        <p:style>
+          <a:lnRef idx="0">
+            <a:schemeClr val="accent2"/>
+          </a:lnRef>
+          <a:fillRef idx="3">
+            <a:schemeClr val="accent2"/>
+          </a:fillRef>
+          <a:effectRef idx="3">
+            <a:schemeClr val="accent2"/>
+          </a:effectRef>
+          <a:fontRef idx="minor">
+            <a:schemeClr val="lt1"/>
+          </a:fontRef>
+        </p:style>
+        <p:txBody>
+          <a:bodyPr rtlCol="0" anchor="ctr"/>
+          <a:lstStyle/>
+          <a:p>
+            <a:pPr algn="ctr"/>
+            <a:endParaRPr lang="en-US" sz="1600" b="1" dirty="0"/>
+          </a:p>
+        </p:txBody>
+      </p:sp>
+      <p:sp>
+        <p:nvSpPr>
+          <p:cNvPr id="64" name="Hexagon 63"/>
+          <p:cNvSpPr>
+            <a:spLocks noChangeAspect="1"/>
+          </p:cNvSpPr>
+          <p:nvPr/>
+        </p:nvSpPr>
+        <p:spPr>
+          <a:xfrm>
+            <a:off x="3268534" y="3767524"/>
+            <a:ext cx="632047" cy="544867"/>
+          </a:xfrm>
+          <a:prstGeom prst="hexagon">
+            <a:avLst/>
+          </a:prstGeom>
+        </p:spPr>
+        <p:style>
+          <a:lnRef idx="0">
+            <a:schemeClr val="accent2"/>
+          </a:lnRef>
+          <a:fillRef idx="3">
+            <a:schemeClr val="accent2"/>
+          </a:fillRef>
+          <a:effectRef idx="3">
+            <a:schemeClr val="accent2"/>
+          </a:effectRef>
+          <a:fontRef idx="minor">
+            <a:schemeClr val="lt1"/>
+          </a:fontRef>
+        </p:style>
+        <p:txBody>
+          <a:bodyPr rtlCol="0" anchor="ctr"/>
+          <a:lstStyle/>
+          <a:p>
+            <a:pPr algn="ctr"/>
+            <a:endParaRPr lang="en-US" sz="1600" b="1" dirty="0"/>
+          </a:p>
+        </p:txBody>
+      </p:sp>
+      <p:sp>
+        <p:nvSpPr>
+          <p:cNvPr id="79" name="Hexagon 78"/>
+          <p:cNvSpPr>
+            <a:spLocks noChangeAspect="1"/>
+          </p:cNvSpPr>
+          <p:nvPr/>
+        </p:nvSpPr>
+        <p:spPr>
+          <a:xfrm>
+            <a:off x="4053980" y="4312391"/>
+            <a:ext cx="632047" cy="544867"/>
+          </a:xfrm>
+          <a:prstGeom prst="hexagon">
+            <a:avLst/>
+          </a:prstGeom>
+        </p:spPr>
+        <p:style>
+          <a:lnRef idx="0">
+            <a:schemeClr val="accent6"/>
+          </a:lnRef>
+          <a:fillRef idx="3">
+            <a:schemeClr val="accent6"/>
+          </a:fillRef>
+          <a:effectRef idx="3">
+            <a:schemeClr val="accent6"/>
+          </a:effectRef>
+          <a:fontRef idx="minor">
+            <a:schemeClr val="lt1"/>
+          </a:fontRef>
+        </p:style>
+        <p:txBody>
+          <a:bodyPr rtlCol="0" anchor="ctr"/>
+          <a:lstStyle/>
+          <a:p>
+            <a:pPr algn="ctr"/>
+            <a:endParaRPr lang="en-US" sz="1600" b="1" dirty="0"/>
+          </a:p>
+        </p:txBody>
+      </p:sp>
+      <p:sp>
+        <p:nvSpPr>
+          <p:cNvPr id="80" name="Hexagon 79"/>
+          <p:cNvSpPr>
+            <a:spLocks noChangeAspect="1"/>
+          </p:cNvSpPr>
+          <p:nvPr/>
+        </p:nvSpPr>
+        <p:spPr>
+          <a:xfrm>
+            <a:off x="4053980" y="3767523"/>
+            <a:ext cx="632047" cy="544867"/>
+          </a:xfrm>
+          <a:prstGeom prst="hexagon">
+            <a:avLst/>
+          </a:prstGeom>
+        </p:spPr>
+        <p:style>
+          <a:lnRef idx="0">
+            <a:schemeClr val="accent6"/>
+          </a:lnRef>
+          <a:fillRef idx="3">
+            <a:schemeClr val="accent6"/>
+          </a:fillRef>
+          <a:effectRef idx="3">
+            <a:schemeClr val="accent6"/>
+          </a:effectRef>
+          <a:fontRef idx="minor">
+            <a:schemeClr val="lt1"/>
+          </a:fontRef>
+        </p:style>
+        <p:txBody>
+          <a:bodyPr rtlCol="0" anchor="ctr"/>
+          <a:lstStyle/>
+          <a:p>
+            <a:pPr algn="ctr"/>
+            <a:endParaRPr lang="en-US" sz="1600" b="1" dirty="0"/>
+          </a:p>
+        </p:txBody>
+      </p:sp>
+      <p:sp>
+        <p:nvSpPr>
+          <p:cNvPr id="81" name="Hexagon 80"/>
+          <p:cNvSpPr>
+            <a:spLocks noChangeAspect="1"/>
+          </p:cNvSpPr>
+          <p:nvPr/>
+        </p:nvSpPr>
+        <p:spPr>
+          <a:xfrm>
+            <a:off x="4053980" y="3222655"/>
+            <a:ext cx="632047" cy="544867"/>
+          </a:xfrm>
+          <a:prstGeom prst="hexagon">
+            <a:avLst/>
+          </a:prstGeom>
+        </p:spPr>
+        <p:style>
+          <a:lnRef idx="0">
+            <a:schemeClr val="accent6"/>
+          </a:lnRef>
+          <a:fillRef idx="3">
+            <a:schemeClr val="accent6"/>
+          </a:fillRef>
+          <a:effectRef idx="3">
+            <a:schemeClr val="accent6"/>
+          </a:effectRef>
+          <a:fontRef idx="minor">
+            <a:schemeClr val="lt1"/>
+          </a:fontRef>
+        </p:style>
+        <p:txBody>
+          <a:bodyPr rtlCol="0" anchor="ctr"/>
+          <a:lstStyle/>
+          <a:p>
+            <a:pPr algn="ctr"/>
+            <a:endParaRPr lang="en-US" sz="1600" b="1" dirty="0"/>
+          </a:p>
+        </p:txBody>
+      </p:sp>
+      <p:sp>
+        <p:nvSpPr>
+          <p:cNvPr id="86" name="Hexagon 85"/>
+          <p:cNvSpPr>
+            <a:spLocks noChangeAspect="1"/>
+          </p:cNvSpPr>
+          <p:nvPr/>
+        </p:nvSpPr>
+        <p:spPr>
+          <a:xfrm>
+            <a:off x="2483088" y="4312391"/>
+            <a:ext cx="632047" cy="544867"/>
+          </a:xfrm>
+          <a:prstGeom prst="hexagon">
+            <a:avLst/>
+          </a:prstGeom>
+        </p:spPr>
+        <p:style>
+          <a:lnRef idx="0">
+            <a:schemeClr val="accent1"/>
+          </a:lnRef>
+          <a:fillRef idx="3">
+            <a:schemeClr val="accent1"/>
+          </a:fillRef>
+          <a:effectRef idx="3">
+            <a:schemeClr val="accent1"/>
+          </a:effectRef>
+          <a:fontRef idx="minor">
+            <a:schemeClr val="lt1"/>
+          </a:fontRef>
+        </p:style>
+        <p:txBody>
+          <a:bodyPr rtlCol="0" anchor="ctr"/>
+          <a:lstStyle/>
+          <a:p>
+            <a:pPr algn="ctr"/>
+            <a:endParaRPr lang="en-US" sz="1600" b="1" dirty="0"/>
+          </a:p>
+        </p:txBody>
+      </p:sp>
+      <p:sp>
+        <p:nvSpPr>
+          <p:cNvPr id="87" name="Hexagon 86"/>
+          <p:cNvSpPr>
+            <a:spLocks noChangeAspect="1"/>
+          </p:cNvSpPr>
+          <p:nvPr/>
+        </p:nvSpPr>
+        <p:spPr>
+          <a:xfrm>
+            <a:off x="2483088" y="3767523"/>
+            <a:ext cx="632047" cy="544867"/>
+          </a:xfrm>
+          <a:prstGeom prst="hexagon">
+            <a:avLst/>
+          </a:prstGeom>
+        </p:spPr>
+        <p:style>
+          <a:lnRef idx="0">
+            <a:schemeClr val="accent1"/>
+          </a:lnRef>
+          <a:fillRef idx="3">
+            <a:schemeClr val="accent1"/>
+          </a:fillRef>
+          <a:effectRef idx="3">
+            <a:schemeClr val="accent1"/>
+          </a:effectRef>
+          <a:fontRef idx="minor">
+            <a:schemeClr val="lt1"/>
+          </a:fontRef>
+        </p:style>
+        <p:txBody>
+          <a:bodyPr rtlCol="0" anchor="ctr"/>
+          <a:lstStyle/>
+          <a:p>
+            <a:pPr algn="ctr"/>
+            <a:endParaRPr lang="en-US" sz="1600" b="1" dirty="0"/>
+          </a:p>
+        </p:txBody>
+      </p:sp>
+      <p:sp>
+        <p:nvSpPr>
+          <p:cNvPr id="93" name="Hexagon 92"/>
+          <p:cNvSpPr>
+            <a:spLocks noChangeAspect="1"/>
+          </p:cNvSpPr>
+          <p:nvPr/>
+        </p:nvSpPr>
+        <p:spPr>
+          <a:xfrm>
+            <a:off x="4839426" y="4312390"/>
+            <a:ext cx="632047" cy="544867"/>
+          </a:xfrm>
+          <a:prstGeom prst="hexagon">
+            <a:avLst/>
+          </a:prstGeom>
+        </p:spPr>
+        <p:style>
+          <a:lnRef idx="0">
+            <a:schemeClr val="accent4"/>
+          </a:lnRef>
+          <a:fillRef idx="3">
+            <a:schemeClr val="accent4"/>
+          </a:fillRef>
+          <a:effectRef idx="3">
+            <a:schemeClr val="accent4"/>
+          </a:effectRef>
+          <a:fontRef idx="minor">
+            <a:schemeClr val="lt1"/>
+          </a:fontRef>
+        </p:style>
+        <p:txBody>
+          <a:bodyPr rtlCol="0" anchor="ctr"/>
+          <a:lstStyle/>
+          <a:p>
+            <a:pPr algn="ctr"/>
+            <a:endParaRPr lang="en-US" sz="1600" b="1" dirty="0"/>
+          </a:p>
+        </p:txBody>
+      </p:sp>
+      <p:sp>
+        <p:nvSpPr>
+          <p:cNvPr id="94" name="Hexagon 93"/>
+          <p:cNvSpPr>
+            <a:spLocks noChangeAspect="1"/>
+          </p:cNvSpPr>
+          <p:nvPr/>
+        </p:nvSpPr>
+        <p:spPr>
+          <a:xfrm>
+            <a:off x="4839426" y="3767522"/>
+            <a:ext cx="632047" cy="544867"/>
+          </a:xfrm>
+          <a:prstGeom prst="hexagon">
+            <a:avLst/>
+          </a:prstGeom>
+        </p:spPr>
+        <p:style>
+          <a:lnRef idx="0">
+            <a:schemeClr val="accent4"/>
+          </a:lnRef>
+          <a:fillRef idx="3">
+            <a:schemeClr val="accent4"/>
+          </a:fillRef>
+          <a:effectRef idx="3">
+            <a:schemeClr val="accent4"/>
+          </a:effectRef>
+          <a:fontRef idx="minor">
+            <a:schemeClr val="lt1"/>
+          </a:fontRef>
+        </p:style>
+        <p:txBody>
+          <a:bodyPr rtlCol="0" anchor="ctr"/>
+          <a:lstStyle/>
+          <a:p>
+            <a:pPr algn="ctr"/>
+            <a:endParaRPr lang="en-US" sz="1600" b="1" dirty="0"/>
+          </a:p>
+        </p:txBody>
+      </p:sp>
+      <p:sp>
+        <p:nvSpPr>
+          <p:cNvPr id="39" name="Hexagon 38"/>
+          <p:cNvSpPr>
+            <a:spLocks noChangeAspect="1"/>
+          </p:cNvSpPr>
+          <p:nvPr/>
+        </p:nvSpPr>
+        <p:spPr>
+          <a:xfrm>
+            <a:off x="7942156" y="4312388"/>
+            <a:ext cx="632047" cy="544867"/>
+          </a:xfrm>
+          <a:prstGeom prst="hexagon">
+            <a:avLst/>
+          </a:prstGeom>
+        </p:spPr>
+        <p:style>
+          <a:lnRef idx="0">
+            <a:schemeClr val="accent6"/>
+          </a:lnRef>
+          <a:fillRef idx="3">
+            <a:schemeClr val="accent6"/>
+          </a:fillRef>
+          <a:effectRef idx="3">
+            <a:schemeClr val="accent6"/>
+          </a:effectRef>
+          <a:fontRef idx="minor">
+            <a:schemeClr val="lt1"/>
+          </a:fontRef>
+        </p:style>
+        <p:txBody>
+          <a:bodyPr rtlCol="0" anchor="ctr"/>
+          <a:lstStyle/>
+          <a:p>
+            <a:pPr algn="ctr"/>
+            <a:endParaRPr lang="en-US" sz="1600" b="1" dirty="0"/>
+          </a:p>
+        </p:txBody>
+      </p:sp>
+      <p:sp>
+        <p:nvSpPr>
+          <p:cNvPr id="40" name="Hexagon 39"/>
+          <p:cNvSpPr>
+            <a:spLocks noChangeAspect="1"/>
+          </p:cNvSpPr>
+          <p:nvPr/>
+        </p:nvSpPr>
+        <p:spPr>
+          <a:xfrm>
+            <a:off x="7339188" y="3980995"/>
+            <a:ext cx="632047" cy="544867"/>
+          </a:xfrm>
+          <a:prstGeom prst="hexagon">
+            <a:avLst/>
+          </a:prstGeom>
+        </p:spPr>
+        <p:style>
+          <a:lnRef idx="0">
+            <a:schemeClr val="accent2"/>
+          </a:lnRef>
+          <a:fillRef idx="3">
+            <a:schemeClr val="accent2"/>
+          </a:fillRef>
+          <a:effectRef idx="3">
+            <a:schemeClr val="accent2"/>
+          </a:effectRef>
+          <a:fontRef idx="minor">
+            <a:schemeClr val="lt1"/>
+          </a:fontRef>
+        </p:style>
+        <p:txBody>
+          <a:bodyPr rtlCol="0" anchor="ctr"/>
+          <a:lstStyle/>
+          <a:p>
+            <a:pPr algn="ctr"/>
+            <a:endParaRPr lang="en-US" sz="1600" b="1" dirty="0"/>
+          </a:p>
+        </p:txBody>
+      </p:sp>
+      <p:sp>
+        <p:nvSpPr>
+          <p:cNvPr id="41" name="Hexagon 40"/>
+          <p:cNvSpPr>
+            <a:spLocks noChangeAspect="1"/>
+          </p:cNvSpPr>
+          <p:nvPr/>
+        </p:nvSpPr>
+        <p:spPr>
+          <a:xfrm>
+            <a:off x="7942155" y="3649602"/>
+            <a:ext cx="632047" cy="544867"/>
+          </a:xfrm>
+          <a:prstGeom prst="hexagon">
+            <a:avLst/>
+          </a:prstGeom>
+        </p:spPr>
+        <p:style>
+          <a:lnRef idx="0">
+            <a:schemeClr val="accent1"/>
+          </a:lnRef>
+          <a:fillRef idx="3">
+            <a:schemeClr val="accent1"/>
+          </a:fillRef>
+          <a:effectRef idx="3">
+            <a:schemeClr val="accent1"/>
+          </a:effectRef>
+          <a:fontRef idx="minor">
+            <a:schemeClr val="lt1"/>
+          </a:fontRef>
+        </p:style>
+        <p:txBody>
+          <a:bodyPr rtlCol="0" anchor="ctr"/>
+          <a:lstStyle/>
+          <a:p>
+            <a:pPr algn="ctr"/>
+            <a:endParaRPr lang="en-US" sz="1600" b="1" dirty="0"/>
+          </a:p>
+        </p:txBody>
+      </p:sp>
+      <p:sp>
+        <p:nvSpPr>
+          <p:cNvPr id="42" name="Hexagon 41"/>
+          <p:cNvSpPr>
+            <a:spLocks noChangeAspect="1"/>
+          </p:cNvSpPr>
+          <p:nvPr/>
+        </p:nvSpPr>
+        <p:spPr>
+          <a:xfrm>
+            <a:off x="8545122" y="3323527"/>
+            <a:ext cx="632047" cy="544867"/>
+          </a:xfrm>
+          <a:prstGeom prst="hexagon">
+            <a:avLst/>
+          </a:prstGeom>
+        </p:spPr>
+        <p:style>
+          <a:lnRef idx="0">
+            <a:schemeClr val="accent6"/>
+          </a:lnRef>
+          <a:fillRef idx="3">
+            <a:schemeClr val="accent6"/>
+          </a:fillRef>
+          <a:effectRef idx="3">
+            <a:schemeClr val="accent6"/>
+          </a:effectRef>
+          <a:fontRef idx="minor">
+            <a:schemeClr val="lt1"/>
+          </a:fontRef>
+        </p:style>
+        <p:txBody>
+          <a:bodyPr rtlCol="0" anchor="ctr"/>
+          <a:lstStyle/>
+          <a:p>
+            <a:pPr algn="ctr"/>
+            <a:endParaRPr lang="en-US" sz="1600" b="1" dirty="0"/>
+          </a:p>
+        </p:txBody>
+      </p:sp>
+      <p:sp>
+        <p:nvSpPr>
+          <p:cNvPr id="43" name="Hexagon 42"/>
+          <p:cNvSpPr>
+            <a:spLocks noChangeAspect="1"/>
+          </p:cNvSpPr>
+          <p:nvPr/>
+        </p:nvSpPr>
+        <p:spPr>
+          <a:xfrm>
+            <a:off x="7927615" y="2986816"/>
+            <a:ext cx="632047" cy="544867"/>
+          </a:xfrm>
+          <a:prstGeom prst="hexagon">
+            <a:avLst/>
+          </a:prstGeom>
+        </p:spPr>
+        <p:style>
+          <a:lnRef idx="0">
+            <a:schemeClr val="accent4"/>
+          </a:lnRef>
+          <a:fillRef idx="3">
+            <a:schemeClr val="accent4"/>
+          </a:fillRef>
+          <a:effectRef idx="3">
+            <a:schemeClr val="accent4"/>
+          </a:effectRef>
+          <a:fontRef idx="minor">
+            <a:schemeClr val="lt1"/>
+          </a:fontRef>
+        </p:style>
+        <p:txBody>
+          <a:bodyPr rtlCol="0" anchor="ctr"/>
+          <a:lstStyle/>
+          <a:p>
+            <a:pPr algn="ctr"/>
+            <a:endParaRPr lang="en-US" sz="1600" b="1" dirty="0"/>
+          </a:p>
+        </p:txBody>
+      </p:sp>
+      <p:sp>
+        <p:nvSpPr>
+          <p:cNvPr id="44" name="Hexagon 43"/>
+          <p:cNvSpPr>
+            <a:spLocks noChangeAspect="1"/>
+          </p:cNvSpPr>
+          <p:nvPr/>
+        </p:nvSpPr>
+        <p:spPr>
+          <a:xfrm>
+            <a:off x="7339188" y="2655148"/>
+            <a:ext cx="632047" cy="544867"/>
+          </a:xfrm>
+          <a:prstGeom prst="hexagon">
+            <a:avLst/>
+          </a:prstGeom>
+        </p:spPr>
+        <p:style>
+          <a:lnRef idx="0">
+            <a:schemeClr val="accent2"/>
+          </a:lnRef>
+          <a:fillRef idx="3">
+            <a:schemeClr val="accent2"/>
+          </a:fillRef>
+          <a:effectRef idx="3">
+            <a:schemeClr val="accent2"/>
+          </a:effectRef>
+          <a:fontRef idx="minor">
+            <a:schemeClr val="lt1"/>
+          </a:fontRef>
+        </p:style>
+        <p:txBody>
+          <a:bodyPr rtlCol="0" anchor="ctr"/>
+          <a:lstStyle/>
+          <a:p>
+            <a:pPr algn="ctr"/>
+            <a:endParaRPr lang="en-US" sz="1600" b="1" dirty="0"/>
+          </a:p>
+        </p:txBody>
+      </p:sp>
+      <p:sp>
+        <p:nvSpPr>
+          <p:cNvPr id="45" name="Hexagon 44"/>
+          <p:cNvSpPr>
+            <a:spLocks noChangeAspect="1"/>
+          </p:cNvSpPr>
+          <p:nvPr/>
+        </p:nvSpPr>
+        <p:spPr>
+          <a:xfrm>
+            <a:off x="7927614" y="2324030"/>
+            <a:ext cx="632047" cy="544867"/>
+          </a:xfrm>
+          <a:prstGeom prst="hexagon">
+            <a:avLst/>
+          </a:prstGeom>
+        </p:spPr>
+        <p:style>
+          <a:lnRef idx="0">
+            <a:schemeClr val="accent4"/>
+          </a:lnRef>
+          <a:fillRef idx="3">
+            <a:schemeClr val="accent4"/>
+          </a:fillRef>
+          <a:effectRef idx="3">
+            <a:schemeClr val="accent4"/>
+          </a:effectRef>
+          <a:fontRef idx="minor">
+            <a:schemeClr val="lt1"/>
+          </a:fontRef>
+        </p:style>
+        <p:txBody>
+          <a:bodyPr rtlCol="0" anchor="ctr"/>
+          <a:lstStyle/>
+          <a:p>
+            <a:pPr algn="ctr"/>
+            <a:endParaRPr lang="en-US" sz="1600" b="1" dirty="0"/>
+          </a:p>
+        </p:txBody>
+      </p:sp>
+      <p:sp>
+        <p:nvSpPr>
+          <p:cNvPr id="46" name="Hexagon 45"/>
+          <p:cNvSpPr>
+            <a:spLocks noChangeAspect="1"/>
+          </p:cNvSpPr>
+          <p:nvPr/>
+        </p:nvSpPr>
+        <p:spPr>
+          <a:xfrm>
+            <a:off x="8508452" y="1992637"/>
+            <a:ext cx="632047" cy="544867"/>
+          </a:xfrm>
+          <a:prstGeom prst="hexagon">
+            <a:avLst/>
+          </a:prstGeom>
+        </p:spPr>
+        <p:style>
+          <a:lnRef idx="0">
+            <a:schemeClr val="accent6"/>
+          </a:lnRef>
+          <a:fillRef idx="3">
+            <a:schemeClr val="accent6"/>
+          </a:fillRef>
+          <a:effectRef idx="3">
+            <a:schemeClr val="accent6"/>
+          </a:effectRef>
+          <a:fontRef idx="minor">
+            <a:schemeClr val="lt1"/>
+          </a:fontRef>
+        </p:style>
+        <p:txBody>
+          <a:bodyPr rtlCol="0" anchor="ctr"/>
+          <a:lstStyle/>
+          <a:p>
+            <a:pPr algn="ctr"/>
+            <a:endParaRPr lang="en-US" sz="1600" b="1" dirty="0"/>
+          </a:p>
+        </p:txBody>
+      </p:sp>
+      <p:sp>
+        <p:nvSpPr>
+          <p:cNvPr id="47" name="Hexagon 46"/>
+          <p:cNvSpPr>
+            <a:spLocks noChangeAspect="1"/>
+          </p:cNvSpPr>
+          <p:nvPr/>
+        </p:nvSpPr>
+        <p:spPr>
+          <a:xfrm>
+            <a:off x="7927613" y="1649516"/>
+            <a:ext cx="632047" cy="544867"/>
+          </a:xfrm>
+          <a:prstGeom prst="hexagon">
+            <a:avLst/>
+          </a:prstGeom>
+        </p:spPr>
+        <p:style>
+          <a:lnRef idx="0">
+            <a:schemeClr val="accent1"/>
+          </a:lnRef>
+          <a:fillRef idx="3">
+            <a:schemeClr val="accent1"/>
+          </a:fillRef>
+          <a:effectRef idx="3">
+            <a:schemeClr val="accent1"/>
+          </a:effectRef>
+          <a:fontRef idx="minor">
+            <a:schemeClr val="lt1"/>
+          </a:fontRef>
+        </p:style>
+        <p:txBody>
+          <a:bodyPr rtlCol="0" anchor="ctr"/>
+          <a:lstStyle/>
+          <a:p>
+            <a:pPr algn="ctr"/>
+            <a:endParaRPr lang="en-US" sz="1600" b="1" dirty="0"/>
+          </a:p>
+        </p:txBody>
+      </p:sp>
+    </p:spTree>
+    <p:extLst>
+      <p:ext uri="{BB962C8B-B14F-4D97-AF65-F5344CB8AC3E}">
+        <p14:creationId xmlns:p14="http://schemas.microsoft.com/office/powerpoint/2010/main" val="2127668304"/>
+      </p:ext>
+    </p:extLst>
+  </p:cSld>
+  <p:clrMapOvr>
+    <a:masterClrMapping/>
+  </p:clrMapOvr>
+  <p:timing>
+    <p:tnLst>
+      <p:par>
+        <p:cTn id="1" dur="indefinite" restart="never" nodeType="tmRoot"/>
+      </p:par>
+    </p:tnLst>
+  </p:timing>
+</p:sld>
+</file>
+
+<file path=ppt/slides/slide11.xml><?xml version="1.0" encoding="utf-8"?>
+<p:sld xmlns:a="http://schemas.openxmlformats.org/drawingml/2006/main" xmlns:r="http://schemas.openxmlformats.org/officeDocument/2006/relationships" xmlns:p="http://schemas.openxmlformats.org/presentationml/2006/main">
+  <p:cSld>
+    <p:spTree>
+      <p:nvGrpSpPr>
+        <p:cNvPr id="1" name=""/>
+        <p:cNvGrpSpPr/>
+        <p:nvPr/>
+      </p:nvGrpSpPr>
+      <p:grpSpPr>
+        <a:xfrm>
+          <a:off x="0" y="0"/>
+          <a:ext cx="0" cy="0"/>
+          <a:chOff x="0" y="0"/>
+          <a:chExt cx="0" cy="0"/>
+        </a:xfrm>
+      </p:grpSpPr>
+      <p:cxnSp>
+        <p:nvCxnSpPr>
+          <p:cNvPr id="23" name="Straight Arrow Connector 22"/>
+          <p:cNvCxnSpPr/>
+          <p:nvPr/>
+        </p:nvCxnSpPr>
+        <p:spPr>
+          <a:xfrm flipV="1">
+            <a:off x="1778030" y="1278497"/>
+            <a:ext cx="0" cy="3600000"/>
+          </a:xfrm>
+          <a:prstGeom prst="straightConnector1">
+            <a:avLst/>
+          </a:prstGeom>
+          <a:ln w="76200">
+            <a:tailEnd type="triangle"/>
+          </a:ln>
+        </p:spPr>
+        <p:style>
+          <a:lnRef idx="3">
+            <a:schemeClr val="dk1"/>
+          </a:lnRef>
+          <a:fillRef idx="0">
+            <a:schemeClr val="dk1"/>
+          </a:fillRef>
+          <a:effectRef idx="2">
+            <a:schemeClr val="dk1"/>
+          </a:effectRef>
+          <a:fontRef idx="minor">
+            <a:schemeClr val="tx1"/>
+          </a:fontRef>
+        </p:style>
+      </p:cxnSp>
+      <p:sp>
+        <p:nvSpPr>
+          <p:cNvPr id="24" name="TextBox 23"/>
+          <p:cNvSpPr txBox="1"/>
+          <p:nvPr/>
+        </p:nvSpPr>
+        <p:spPr>
+          <a:xfrm>
+            <a:off x="1032979" y="1451882"/>
+            <a:ext cx="615553" cy="2929617"/>
+          </a:xfrm>
+          <a:prstGeom prst="rect">
+            <a:avLst/>
+          </a:prstGeom>
+          <a:noFill/>
+        </p:spPr>
+        <p:txBody>
+          <a:bodyPr vert="vert270" wrap="square" rtlCol="0">
+            <a:spAutoFit/>
+          </a:bodyPr>
+          <a:lstStyle/>
+          <a:p>
+            <a:pPr algn="ctr"/>
+            <a:r>
+              <a:rPr lang="en-US" sz="2800" dirty="0" smtClean="0"/>
+              <a:t>Progress</a:t>
+            </a:r>
+            <a:endParaRPr lang="en-US" sz="2800" dirty="0"/>
+          </a:p>
+        </p:txBody>
+      </p:sp>
+      <p:sp>
+        <p:nvSpPr>
+          <p:cNvPr id="26" name="TextBox 25"/>
+          <p:cNvSpPr txBox="1"/>
+          <p:nvPr/>
+        </p:nvSpPr>
+        <p:spPr>
+          <a:xfrm rot="5400000">
+            <a:off x="5788223" y="1214583"/>
+            <a:ext cx="615553" cy="7924356"/>
+          </a:xfrm>
+          <a:prstGeom prst="rect">
+            <a:avLst/>
+          </a:prstGeom>
+          <a:noFill/>
+        </p:spPr>
+        <p:txBody>
+          <a:bodyPr vert="vert270" wrap="square" rtlCol="0">
+            <a:spAutoFit/>
+          </a:bodyPr>
+          <a:lstStyle/>
+          <a:p>
+            <a:pPr algn="ctr"/>
+            <a:r>
+              <a:rPr lang="en-US" sz="2800" dirty="0" smtClean="0"/>
+              <a:t>Organizations</a:t>
+            </a:r>
+            <a:endParaRPr lang="en-US" sz="2800" dirty="0"/>
+          </a:p>
+        </p:txBody>
+      </p:sp>
+      <p:cxnSp>
+        <p:nvCxnSpPr>
+          <p:cNvPr id="56" name="Straight Connector 55"/>
+          <p:cNvCxnSpPr/>
+          <p:nvPr/>
+        </p:nvCxnSpPr>
+        <p:spPr>
+          <a:xfrm>
+            <a:off x="2177280" y="4868983"/>
+            <a:ext cx="3600000" cy="1"/>
+          </a:xfrm>
+          <a:prstGeom prst="line">
+            <a:avLst/>
+          </a:prstGeom>
+        </p:spPr>
+        <p:style>
+          <a:lnRef idx="3">
+            <a:schemeClr val="dk1"/>
+          </a:lnRef>
+          <a:fillRef idx="0">
+            <a:schemeClr val="dk1"/>
+          </a:fillRef>
+          <a:effectRef idx="2">
+            <a:schemeClr val="dk1"/>
+          </a:effectRef>
+          <a:fontRef idx="minor">
+            <a:schemeClr val="tx1"/>
+          </a:fontRef>
+        </p:style>
+      </p:cxnSp>
+      <p:cxnSp>
+        <p:nvCxnSpPr>
+          <p:cNvPr id="61" name="Straight Connector 60"/>
+          <p:cNvCxnSpPr/>
+          <p:nvPr/>
+        </p:nvCxnSpPr>
+        <p:spPr>
+          <a:xfrm>
+            <a:off x="6458179" y="4868983"/>
+            <a:ext cx="3600000" cy="1"/>
+          </a:xfrm>
+          <a:prstGeom prst="line">
+            <a:avLst/>
+          </a:prstGeom>
+        </p:spPr>
+        <p:style>
+          <a:lnRef idx="3">
+            <a:schemeClr val="dk1"/>
+          </a:lnRef>
+          <a:fillRef idx="0">
+            <a:schemeClr val="dk1"/>
+          </a:fillRef>
+          <a:effectRef idx="2">
+            <a:schemeClr val="dk1"/>
+          </a:effectRef>
+          <a:fontRef idx="minor">
+            <a:schemeClr val="tx1"/>
+          </a:fontRef>
+        </p:style>
+      </p:cxnSp>
+      <p:sp>
+        <p:nvSpPr>
+          <p:cNvPr id="70" name="TextBox 69"/>
+          <p:cNvSpPr txBox="1"/>
+          <p:nvPr/>
+        </p:nvSpPr>
+        <p:spPr>
+          <a:xfrm rot="5400000">
+            <a:off x="5788222" y="-2991457"/>
+            <a:ext cx="615553" cy="7924356"/>
+          </a:xfrm>
+          <a:prstGeom prst="rect">
+            <a:avLst/>
+          </a:prstGeom>
+          <a:noFill/>
+        </p:spPr>
+        <p:txBody>
+          <a:bodyPr vert="vert270" wrap="square" rtlCol="0">
+            <a:spAutoFit/>
+          </a:bodyPr>
+          <a:lstStyle/>
+          <a:p>
+            <a:pPr algn="ctr"/>
+            <a:r>
+              <a:rPr lang="en-US" sz="2800" dirty="0" smtClean="0"/>
+              <a:t>Sustainable Development Goals</a:t>
+            </a:r>
+            <a:endParaRPr lang="en-US" sz="2800" dirty="0"/>
+          </a:p>
+        </p:txBody>
+      </p:sp>
+      <p:sp>
+        <p:nvSpPr>
+          <p:cNvPr id="63" name="Hexagon 62"/>
+          <p:cNvSpPr>
+            <a:spLocks noChangeAspect="1"/>
+          </p:cNvSpPr>
+          <p:nvPr/>
+        </p:nvSpPr>
+        <p:spPr>
+          <a:xfrm>
+            <a:off x="3268534" y="4312392"/>
+            <a:ext cx="632047" cy="544867"/>
+          </a:xfrm>
+          <a:prstGeom prst="hexagon">
+            <a:avLst/>
+          </a:prstGeom>
+        </p:spPr>
+        <p:style>
+          <a:lnRef idx="0">
+            <a:schemeClr val="accent2"/>
+          </a:lnRef>
+          <a:fillRef idx="3">
+            <a:schemeClr val="accent2"/>
+          </a:fillRef>
+          <a:effectRef idx="3">
+            <a:schemeClr val="accent2"/>
+          </a:effectRef>
+          <a:fontRef idx="minor">
+            <a:schemeClr val="lt1"/>
+          </a:fontRef>
+        </p:style>
+        <p:txBody>
+          <a:bodyPr rtlCol="0" anchor="ctr"/>
+          <a:lstStyle/>
+          <a:p>
+            <a:pPr algn="ctr"/>
+            <a:endParaRPr lang="en-US" sz="1600" b="1" dirty="0"/>
+          </a:p>
+        </p:txBody>
+      </p:sp>
+      <p:sp>
+        <p:nvSpPr>
+          <p:cNvPr id="64" name="Hexagon 63"/>
+          <p:cNvSpPr>
+            <a:spLocks noChangeAspect="1"/>
+          </p:cNvSpPr>
+          <p:nvPr/>
+        </p:nvSpPr>
+        <p:spPr>
+          <a:xfrm>
+            <a:off x="3268534" y="3767524"/>
+            <a:ext cx="632047" cy="544867"/>
+          </a:xfrm>
+          <a:prstGeom prst="hexagon">
+            <a:avLst/>
+          </a:prstGeom>
+        </p:spPr>
+        <p:style>
+          <a:lnRef idx="0">
+            <a:schemeClr val="accent2"/>
+          </a:lnRef>
+          <a:fillRef idx="3">
+            <a:schemeClr val="accent2"/>
+          </a:fillRef>
+          <a:effectRef idx="3">
+            <a:schemeClr val="accent2"/>
+          </a:effectRef>
+          <a:fontRef idx="minor">
+            <a:schemeClr val="lt1"/>
+          </a:fontRef>
+        </p:style>
+        <p:txBody>
+          <a:bodyPr rtlCol="0" anchor="ctr"/>
+          <a:lstStyle/>
+          <a:p>
+            <a:pPr algn="ctr"/>
+            <a:endParaRPr lang="en-US" sz="1600" b="1" dirty="0"/>
+          </a:p>
+        </p:txBody>
+      </p:sp>
+      <p:sp>
+        <p:nvSpPr>
+          <p:cNvPr id="79" name="Hexagon 78"/>
+          <p:cNvSpPr>
+            <a:spLocks noChangeAspect="1"/>
+          </p:cNvSpPr>
+          <p:nvPr/>
+        </p:nvSpPr>
+        <p:spPr>
+          <a:xfrm>
+            <a:off x="4053980" y="4312391"/>
+            <a:ext cx="632047" cy="544867"/>
+          </a:xfrm>
+          <a:prstGeom prst="hexagon">
+            <a:avLst/>
+          </a:prstGeom>
+        </p:spPr>
+        <p:style>
+          <a:lnRef idx="0">
+            <a:schemeClr val="accent6"/>
+          </a:lnRef>
+          <a:fillRef idx="3">
+            <a:schemeClr val="accent6"/>
+          </a:fillRef>
+          <a:effectRef idx="3">
+            <a:schemeClr val="accent6"/>
+          </a:effectRef>
+          <a:fontRef idx="minor">
+            <a:schemeClr val="lt1"/>
+          </a:fontRef>
+        </p:style>
+        <p:txBody>
+          <a:bodyPr rtlCol="0" anchor="ctr"/>
+          <a:lstStyle/>
+          <a:p>
+            <a:pPr algn="ctr"/>
+            <a:endParaRPr lang="en-US" sz="1600" b="1" dirty="0"/>
+          </a:p>
+        </p:txBody>
+      </p:sp>
+      <p:sp>
+        <p:nvSpPr>
+          <p:cNvPr id="80" name="Hexagon 79"/>
+          <p:cNvSpPr>
+            <a:spLocks noChangeAspect="1"/>
+          </p:cNvSpPr>
+          <p:nvPr/>
+        </p:nvSpPr>
+        <p:spPr>
+          <a:xfrm>
+            <a:off x="4053980" y="3767523"/>
+            <a:ext cx="632047" cy="544867"/>
+          </a:xfrm>
+          <a:prstGeom prst="hexagon">
+            <a:avLst/>
+          </a:prstGeom>
+        </p:spPr>
+        <p:style>
+          <a:lnRef idx="0">
+            <a:schemeClr val="accent6"/>
+          </a:lnRef>
+          <a:fillRef idx="3">
+            <a:schemeClr val="accent6"/>
+          </a:fillRef>
+          <a:effectRef idx="3">
+            <a:schemeClr val="accent6"/>
+          </a:effectRef>
+          <a:fontRef idx="minor">
+            <a:schemeClr val="lt1"/>
+          </a:fontRef>
+        </p:style>
+        <p:txBody>
+          <a:bodyPr rtlCol="0" anchor="ctr"/>
+          <a:lstStyle/>
+          <a:p>
+            <a:pPr algn="ctr"/>
+            <a:endParaRPr lang="en-US" sz="1600" b="1" dirty="0"/>
+          </a:p>
+        </p:txBody>
+      </p:sp>
+      <p:sp>
+        <p:nvSpPr>
+          <p:cNvPr id="81" name="Hexagon 80"/>
+          <p:cNvSpPr>
+            <a:spLocks noChangeAspect="1"/>
+          </p:cNvSpPr>
+          <p:nvPr/>
+        </p:nvSpPr>
+        <p:spPr>
+          <a:xfrm>
+            <a:off x="4053980" y="3222655"/>
+            <a:ext cx="632047" cy="544867"/>
+          </a:xfrm>
+          <a:prstGeom prst="hexagon">
+            <a:avLst/>
+          </a:prstGeom>
+        </p:spPr>
+        <p:style>
+          <a:lnRef idx="0">
+            <a:schemeClr val="accent6"/>
+          </a:lnRef>
+          <a:fillRef idx="3">
+            <a:schemeClr val="accent6"/>
+          </a:fillRef>
+          <a:effectRef idx="3">
+            <a:schemeClr val="accent6"/>
+          </a:effectRef>
+          <a:fontRef idx="minor">
+            <a:schemeClr val="lt1"/>
+          </a:fontRef>
+        </p:style>
+        <p:txBody>
+          <a:bodyPr rtlCol="0" anchor="ctr"/>
+          <a:lstStyle/>
+          <a:p>
+            <a:pPr algn="ctr"/>
+            <a:endParaRPr lang="en-US" sz="1600" b="1" dirty="0"/>
+          </a:p>
+        </p:txBody>
+      </p:sp>
+      <p:sp>
+        <p:nvSpPr>
+          <p:cNvPr id="86" name="Hexagon 85"/>
+          <p:cNvSpPr>
+            <a:spLocks noChangeAspect="1"/>
+          </p:cNvSpPr>
+          <p:nvPr/>
+        </p:nvSpPr>
+        <p:spPr>
+          <a:xfrm>
+            <a:off x="2483088" y="4312391"/>
+            <a:ext cx="632047" cy="544867"/>
+          </a:xfrm>
+          <a:prstGeom prst="hexagon">
+            <a:avLst/>
+          </a:prstGeom>
+        </p:spPr>
+        <p:style>
+          <a:lnRef idx="0">
+            <a:schemeClr val="accent1"/>
+          </a:lnRef>
+          <a:fillRef idx="3">
+            <a:schemeClr val="accent1"/>
+          </a:fillRef>
+          <a:effectRef idx="3">
+            <a:schemeClr val="accent1"/>
+          </a:effectRef>
+          <a:fontRef idx="minor">
+            <a:schemeClr val="lt1"/>
+          </a:fontRef>
+        </p:style>
+        <p:txBody>
+          <a:bodyPr rtlCol="0" anchor="ctr"/>
+          <a:lstStyle/>
+          <a:p>
+            <a:pPr algn="ctr"/>
+            <a:endParaRPr lang="en-US" sz="1600" b="1" dirty="0"/>
+          </a:p>
+        </p:txBody>
+      </p:sp>
+      <p:sp>
+        <p:nvSpPr>
+          <p:cNvPr id="93" name="Hexagon 92"/>
+          <p:cNvSpPr>
+            <a:spLocks noChangeAspect="1"/>
+          </p:cNvSpPr>
+          <p:nvPr/>
+        </p:nvSpPr>
+        <p:spPr>
+          <a:xfrm>
+            <a:off x="4839426" y="4312390"/>
+            <a:ext cx="632047" cy="544867"/>
+          </a:xfrm>
+          <a:prstGeom prst="hexagon">
+            <a:avLst/>
+          </a:prstGeom>
+        </p:spPr>
+        <p:style>
+          <a:lnRef idx="0">
+            <a:schemeClr val="accent4"/>
+          </a:lnRef>
+          <a:fillRef idx="3">
+            <a:schemeClr val="accent4"/>
+          </a:fillRef>
+          <a:effectRef idx="3">
+            <a:schemeClr val="accent4"/>
+          </a:effectRef>
+          <a:fontRef idx="minor">
+            <a:schemeClr val="lt1"/>
+          </a:fontRef>
+        </p:style>
+        <p:txBody>
+          <a:bodyPr rtlCol="0" anchor="ctr"/>
+          <a:lstStyle/>
+          <a:p>
+            <a:pPr algn="ctr"/>
+            <a:endParaRPr lang="en-US" sz="1600" b="1" dirty="0"/>
+          </a:p>
+        </p:txBody>
+      </p:sp>
+      <p:sp>
+        <p:nvSpPr>
+          <p:cNvPr id="94" name="Hexagon 93"/>
+          <p:cNvSpPr>
+            <a:spLocks noChangeAspect="1"/>
+          </p:cNvSpPr>
+          <p:nvPr/>
+        </p:nvSpPr>
+        <p:spPr>
+          <a:xfrm>
+            <a:off x="4839426" y="3767522"/>
+            <a:ext cx="632047" cy="544867"/>
+          </a:xfrm>
+          <a:prstGeom prst="hexagon">
+            <a:avLst/>
+          </a:prstGeom>
+        </p:spPr>
+        <p:style>
+          <a:lnRef idx="0">
+            <a:schemeClr val="accent4"/>
+          </a:lnRef>
+          <a:fillRef idx="3">
+            <a:schemeClr val="accent4"/>
+          </a:fillRef>
+          <a:effectRef idx="3">
+            <a:schemeClr val="accent4"/>
+          </a:effectRef>
+          <a:fontRef idx="minor">
+            <a:schemeClr val="lt1"/>
+          </a:fontRef>
+        </p:style>
+        <p:txBody>
+          <a:bodyPr rtlCol="0" anchor="ctr"/>
+          <a:lstStyle/>
+          <a:p>
+            <a:pPr algn="ctr"/>
+            <a:endParaRPr lang="en-US" sz="1600" b="1" dirty="0"/>
+          </a:p>
+        </p:txBody>
+      </p:sp>
+      <p:sp>
+        <p:nvSpPr>
+          <p:cNvPr id="39" name="Hexagon 38"/>
+          <p:cNvSpPr>
+            <a:spLocks noChangeAspect="1"/>
+          </p:cNvSpPr>
+          <p:nvPr/>
+        </p:nvSpPr>
+        <p:spPr>
+          <a:xfrm>
+            <a:off x="7942156" y="4312388"/>
+            <a:ext cx="632047" cy="544867"/>
+          </a:xfrm>
+          <a:prstGeom prst="hexagon">
+            <a:avLst/>
+          </a:prstGeom>
+        </p:spPr>
+        <p:style>
+          <a:lnRef idx="0">
+            <a:schemeClr val="accent6"/>
+          </a:lnRef>
+          <a:fillRef idx="3">
+            <a:schemeClr val="accent6"/>
+          </a:fillRef>
+          <a:effectRef idx="3">
+            <a:schemeClr val="accent6"/>
+          </a:effectRef>
+          <a:fontRef idx="minor">
+            <a:schemeClr val="lt1"/>
+          </a:fontRef>
+        </p:style>
+        <p:txBody>
+          <a:bodyPr rtlCol="0" anchor="ctr"/>
+          <a:lstStyle/>
+          <a:p>
+            <a:pPr algn="ctr"/>
+            <a:endParaRPr lang="en-US" sz="1600" b="1" dirty="0"/>
+          </a:p>
+        </p:txBody>
+      </p:sp>
+      <p:sp>
+        <p:nvSpPr>
+          <p:cNvPr id="40" name="Hexagon 39"/>
+          <p:cNvSpPr>
+            <a:spLocks noChangeAspect="1"/>
+          </p:cNvSpPr>
+          <p:nvPr/>
+        </p:nvSpPr>
+        <p:spPr>
+          <a:xfrm>
+            <a:off x="7339188" y="3980995"/>
+            <a:ext cx="632047" cy="544867"/>
+          </a:xfrm>
+          <a:prstGeom prst="hexagon">
+            <a:avLst/>
+          </a:prstGeom>
+        </p:spPr>
+        <p:style>
+          <a:lnRef idx="0">
+            <a:schemeClr val="accent2"/>
+          </a:lnRef>
+          <a:fillRef idx="3">
+            <a:schemeClr val="accent2"/>
+          </a:fillRef>
+          <a:effectRef idx="3">
+            <a:schemeClr val="accent2"/>
+          </a:effectRef>
+          <a:fontRef idx="minor">
+            <a:schemeClr val="lt1"/>
+          </a:fontRef>
+        </p:style>
+        <p:txBody>
+          <a:bodyPr rtlCol="0" anchor="ctr"/>
+          <a:lstStyle/>
+          <a:p>
+            <a:pPr algn="ctr"/>
+            <a:endParaRPr lang="en-US" sz="1600" b="1" dirty="0"/>
+          </a:p>
+        </p:txBody>
+      </p:sp>
+      <p:sp>
+        <p:nvSpPr>
+          <p:cNvPr id="41" name="Hexagon 40"/>
+          <p:cNvSpPr>
+            <a:spLocks noChangeAspect="1"/>
+          </p:cNvSpPr>
+          <p:nvPr/>
+        </p:nvSpPr>
+        <p:spPr>
+          <a:xfrm>
+            <a:off x="7942155" y="3649602"/>
+            <a:ext cx="632047" cy="544867"/>
+          </a:xfrm>
+          <a:prstGeom prst="hexagon">
+            <a:avLst/>
+          </a:prstGeom>
+        </p:spPr>
+        <p:style>
+          <a:lnRef idx="0">
+            <a:schemeClr val="accent1"/>
+          </a:lnRef>
+          <a:fillRef idx="3">
+            <a:schemeClr val="accent1"/>
+          </a:fillRef>
+          <a:effectRef idx="3">
+            <a:schemeClr val="accent1"/>
+          </a:effectRef>
+          <a:fontRef idx="minor">
+            <a:schemeClr val="lt1"/>
+          </a:fontRef>
+        </p:style>
+        <p:txBody>
+          <a:bodyPr rtlCol="0" anchor="ctr"/>
+          <a:lstStyle/>
+          <a:p>
+            <a:pPr algn="ctr"/>
+            <a:endParaRPr lang="en-US" sz="1600" b="1" dirty="0"/>
+          </a:p>
+        </p:txBody>
+      </p:sp>
+      <p:sp>
+        <p:nvSpPr>
+          <p:cNvPr id="42" name="Hexagon 41"/>
+          <p:cNvSpPr>
+            <a:spLocks noChangeAspect="1"/>
+          </p:cNvSpPr>
+          <p:nvPr/>
+        </p:nvSpPr>
+        <p:spPr>
+          <a:xfrm>
+            <a:off x="8545122" y="3323527"/>
+            <a:ext cx="632047" cy="544867"/>
+          </a:xfrm>
+          <a:prstGeom prst="hexagon">
+            <a:avLst/>
+          </a:prstGeom>
+        </p:spPr>
+        <p:style>
+          <a:lnRef idx="0">
+            <a:schemeClr val="accent6"/>
+          </a:lnRef>
+          <a:fillRef idx="3">
+            <a:schemeClr val="accent6"/>
+          </a:fillRef>
+          <a:effectRef idx="3">
+            <a:schemeClr val="accent6"/>
+          </a:effectRef>
+          <a:fontRef idx="minor">
+            <a:schemeClr val="lt1"/>
+          </a:fontRef>
+        </p:style>
+        <p:txBody>
+          <a:bodyPr rtlCol="0" anchor="ctr"/>
+          <a:lstStyle/>
+          <a:p>
+            <a:pPr algn="ctr"/>
+            <a:endParaRPr lang="en-US" sz="1600" b="1" dirty="0"/>
+          </a:p>
+        </p:txBody>
+      </p:sp>
+      <p:sp>
+        <p:nvSpPr>
+          <p:cNvPr id="43" name="Hexagon 42"/>
+          <p:cNvSpPr>
+            <a:spLocks noChangeAspect="1"/>
+          </p:cNvSpPr>
+          <p:nvPr/>
+        </p:nvSpPr>
+        <p:spPr>
+          <a:xfrm>
+            <a:off x="7927615" y="2986816"/>
+            <a:ext cx="632047" cy="544867"/>
+          </a:xfrm>
+          <a:prstGeom prst="hexagon">
+            <a:avLst/>
+          </a:prstGeom>
+        </p:spPr>
+        <p:style>
+          <a:lnRef idx="0">
+            <a:schemeClr val="accent4"/>
+          </a:lnRef>
+          <a:fillRef idx="3">
+            <a:schemeClr val="accent4"/>
+          </a:fillRef>
+          <a:effectRef idx="3">
+            <a:schemeClr val="accent4"/>
+          </a:effectRef>
+          <a:fontRef idx="minor">
+            <a:schemeClr val="lt1"/>
+          </a:fontRef>
+        </p:style>
+        <p:txBody>
+          <a:bodyPr rtlCol="0" anchor="ctr"/>
+          <a:lstStyle/>
+          <a:p>
+            <a:pPr algn="ctr"/>
+            <a:endParaRPr lang="en-US" sz="1600" b="1" dirty="0"/>
+          </a:p>
+        </p:txBody>
+      </p:sp>
+      <p:sp>
+        <p:nvSpPr>
+          <p:cNvPr id="44" name="Hexagon 43"/>
+          <p:cNvSpPr>
+            <a:spLocks noChangeAspect="1"/>
+          </p:cNvSpPr>
+          <p:nvPr/>
+        </p:nvSpPr>
+        <p:spPr>
+          <a:xfrm>
+            <a:off x="7339188" y="2655148"/>
+            <a:ext cx="632047" cy="544867"/>
+          </a:xfrm>
+          <a:prstGeom prst="hexagon">
+            <a:avLst/>
+          </a:prstGeom>
+        </p:spPr>
+        <p:style>
+          <a:lnRef idx="0">
+            <a:schemeClr val="accent2"/>
+          </a:lnRef>
+          <a:fillRef idx="3">
+            <a:schemeClr val="accent2"/>
+          </a:fillRef>
+          <a:effectRef idx="3">
+            <a:schemeClr val="accent2"/>
+          </a:effectRef>
+          <a:fontRef idx="minor">
+            <a:schemeClr val="lt1"/>
+          </a:fontRef>
+        </p:style>
+        <p:txBody>
+          <a:bodyPr rtlCol="0" anchor="ctr"/>
+          <a:lstStyle/>
+          <a:p>
+            <a:pPr algn="ctr"/>
+            <a:endParaRPr lang="en-US" sz="1600" b="1" dirty="0"/>
+          </a:p>
+        </p:txBody>
+      </p:sp>
+      <p:sp>
+        <p:nvSpPr>
+          <p:cNvPr id="45" name="Hexagon 44"/>
+          <p:cNvSpPr>
+            <a:spLocks noChangeAspect="1"/>
+          </p:cNvSpPr>
+          <p:nvPr/>
+        </p:nvSpPr>
+        <p:spPr>
+          <a:xfrm>
+            <a:off x="7927614" y="2324030"/>
+            <a:ext cx="632047" cy="544867"/>
+          </a:xfrm>
+          <a:prstGeom prst="hexagon">
+            <a:avLst/>
+          </a:prstGeom>
+        </p:spPr>
+        <p:style>
+          <a:lnRef idx="0">
+            <a:schemeClr val="accent4"/>
+          </a:lnRef>
+          <a:fillRef idx="3">
+            <a:schemeClr val="accent4"/>
+          </a:fillRef>
+          <a:effectRef idx="3">
+            <a:schemeClr val="accent4"/>
+          </a:effectRef>
+          <a:fontRef idx="minor">
+            <a:schemeClr val="lt1"/>
+          </a:fontRef>
+        </p:style>
+        <p:txBody>
+          <a:bodyPr rtlCol="0" anchor="ctr"/>
+          <a:lstStyle/>
+          <a:p>
+            <a:pPr algn="ctr"/>
+            <a:endParaRPr lang="en-US" sz="1600" b="1" dirty="0"/>
+          </a:p>
+        </p:txBody>
+      </p:sp>
+      <p:sp>
+        <p:nvSpPr>
+          <p:cNvPr id="46" name="Hexagon 45"/>
+          <p:cNvSpPr>
+            <a:spLocks noChangeAspect="1"/>
+          </p:cNvSpPr>
+          <p:nvPr/>
+        </p:nvSpPr>
+        <p:spPr>
+          <a:xfrm>
+            <a:off x="8508452" y="1992637"/>
+            <a:ext cx="632047" cy="544867"/>
+          </a:xfrm>
+          <a:prstGeom prst="hexagon">
+            <a:avLst/>
+          </a:prstGeom>
+        </p:spPr>
+        <p:style>
+          <a:lnRef idx="0">
+            <a:schemeClr val="accent6"/>
+          </a:lnRef>
+          <a:fillRef idx="3">
+            <a:schemeClr val="accent6"/>
+          </a:fillRef>
+          <a:effectRef idx="3">
+            <a:schemeClr val="accent6"/>
+          </a:effectRef>
+          <a:fontRef idx="minor">
+            <a:schemeClr val="lt1"/>
+          </a:fontRef>
+        </p:style>
+        <p:txBody>
+          <a:bodyPr rtlCol="0" anchor="ctr"/>
+          <a:lstStyle/>
+          <a:p>
+            <a:pPr algn="ctr"/>
+            <a:endParaRPr lang="en-US" sz="1600" b="1" dirty="0"/>
+          </a:p>
+        </p:txBody>
+      </p:sp>
+    </p:spTree>
+    <p:extLst>
+      <p:ext uri="{BB962C8B-B14F-4D97-AF65-F5344CB8AC3E}">
+        <p14:creationId xmlns:p14="http://schemas.microsoft.com/office/powerpoint/2010/main" val="1621513663"/>
+      </p:ext>
+    </p:extLst>
+  </p:cSld>
+  <p:clrMapOvr>
+    <a:masterClrMapping/>
+  </p:clrMapOvr>
+  <p:timing>
+    <p:tnLst>
+      <p:par>
+        <p:cTn id="1" dur="indefinite" restart="never" nodeType="tmRoot"/>
+      </p:par>
+    </p:tnLst>
+  </p:timing>
+</p:sld>
+</file>
+
+<file path=ppt/slides/slide12.xml><?xml version="1.0" encoding="utf-8"?>
+<p:sld xmlns:a="http://schemas.openxmlformats.org/drawingml/2006/main" xmlns:r="http://schemas.openxmlformats.org/officeDocument/2006/relationships" xmlns:p="http://schemas.openxmlformats.org/presentationml/2006/main">
+  <p:cSld>
+    <p:spTree>
+      <p:nvGrpSpPr>
+        <p:cNvPr id="1" name=""/>
+        <p:cNvGrpSpPr/>
+        <p:nvPr/>
+      </p:nvGrpSpPr>
+      <p:grpSpPr>
+        <a:xfrm>
+          <a:off x="0" y="0"/>
+          <a:ext cx="0" cy="0"/>
+          <a:chOff x="0" y="0"/>
+          <a:chExt cx="0" cy="0"/>
+        </a:xfrm>
+      </p:grpSpPr>
+      <p:cxnSp>
+        <p:nvCxnSpPr>
+          <p:cNvPr id="23" name="Straight Arrow Connector 22"/>
+          <p:cNvCxnSpPr/>
+          <p:nvPr/>
+        </p:nvCxnSpPr>
+        <p:spPr>
+          <a:xfrm flipV="1">
+            <a:off x="1778030" y="1278497"/>
+            <a:ext cx="0" cy="3600000"/>
+          </a:xfrm>
+          <a:prstGeom prst="straightConnector1">
+            <a:avLst/>
+          </a:prstGeom>
+          <a:ln w="76200">
+            <a:tailEnd type="triangle"/>
+          </a:ln>
+        </p:spPr>
+        <p:style>
+          <a:lnRef idx="3">
+            <a:schemeClr val="dk1"/>
+          </a:lnRef>
+          <a:fillRef idx="0">
+            <a:schemeClr val="dk1"/>
+          </a:fillRef>
+          <a:effectRef idx="2">
+            <a:schemeClr val="dk1"/>
+          </a:effectRef>
+          <a:fontRef idx="minor">
+            <a:schemeClr val="tx1"/>
+          </a:fontRef>
+        </p:style>
+      </p:cxnSp>
+      <p:sp>
+        <p:nvSpPr>
+          <p:cNvPr id="24" name="TextBox 23"/>
+          <p:cNvSpPr txBox="1"/>
+          <p:nvPr/>
+        </p:nvSpPr>
+        <p:spPr>
+          <a:xfrm>
+            <a:off x="1032979" y="1451882"/>
+            <a:ext cx="615553" cy="2929617"/>
+          </a:xfrm>
+          <a:prstGeom prst="rect">
+            <a:avLst/>
+          </a:prstGeom>
+          <a:noFill/>
+        </p:spPr>
+        <p:txBody>
+          <a:bodyPr vert="vert270" wrap="square" rtlCol="0">
+            <a:spAutoFit/>
+          </a:bodyPr>
+          <a:lstStyle/>
+          <a:p>
+            <a:pPr algn="ctr"/>
+            <a:r>
+              <a:rPr lang="en-US" sz="2800" dirty="0" smtClean="0"/>
+              <a:t>Progress</a:t>
+            </a:r>
+            <a:endParaRPr lang="en-US" sz="2800" dirty="0"/>
+          </a:p>
+        </p:txBody>
+      </p:sp>
+      <p:sp>
+        <p:nvSpPr>
+          <p:cNvPr id="26" name="TextBox 25"/>
+          <p:cNvSpPr txBox="1"/>
+          <p:nvPr/>
+        </p:nvSpPr>
+        <p:spPr>
+          <a:xfrm rot="5400000">
+            <a:off x="5788223" y="1214583"/>
+            <a:ext cx="615553" cy="7924356"/>
+          </a:xfrm>
+          <a:prstGeom prst="rect">
+            <a:avLst/>
+          </a:prstGeom>
+          <a:noFill/>
+        </p:spPr>
+        <p:txBody>
+          <a:bodyPr vert="vert270" wrap="square" rtlCol="0">
+            <a:spAutoFit/>
+          </a:bodyPr>
+          <a:lstStyle/>
+          <a:p>
+            <a:pPr algn="ctr"/>
+            <a:r>
+              <a:rPr lang="en-US" sz="2800" dirty="0" smtClean="0"/>
+              <a:t>Organizations</a:t>
+            </a:r>
+            <a:endParaRPr lang="en-US" sz="2800" dirty="0"/>
+          </a:p>
+        </p:txBody>
+      </p:sp>
+      <p:cxnSp>
+        <p:nvCxnSpPr>
+          <p:cNvPr id="56" name="Straight Connector 55"/>
+          <p:cNvCxnSpPr/>
+          <p:nvPr/>
+        </p:nvCxnSpPr>
+        <p:spPr>
+          <a:xfrm>
+            <a:off x="2177280" y="4868983"/>
+            <a:ext cx="3600000" cy="1"/>
+          </a:xfrm>
+          <a:prstGeom prst="line">
+            <a:avLst/>
+          </a:prstGeom>
+        </p:spPr>
+        <p:style>
+          <a:lnRef idx="3">
+            <a:schemeClr val="dk1"/>
+          </a:lnRef>
+          <a:fillRef idx="0">
+            <a:schemeClr val="dk1"/>
+          </a:fillRef>
+          <a:effectRef idx="2">
+            <a:schemeClr val="dk1"/>
+          </a:effectRef>
+          <a:fontRef idx="minor">
+            <a:schemeClr val="tx1"/>
+          </a:fontRef>
+        </p:style>
+      </p:cxnSp>
+      <p:cxnSp>
+        <p:nvCxnSpPr>
+          <p:cNvPr id="61" name="Straight Connector 60"/>
+          <p:cNvCxnSpPr/>
+          <p:nvPr/>
+        </p:nvCxnSpPr>
+        <p:spPr>
+          <a:xfrm>
+            <a:off x="6458179" y="4868983"/>
+            <a:ext cx="3600000" cy="1"/>
+          </a:xfrm>
+          <a:prstGeom prst="line">
+            <a:avLst/>
+          </a:prstGeom>
+        </p:spPr>
+        <p:style>
+          <a:lnRef idx="3">
+            <a:schemeClr val="dk1"/>
+          </a:lnRef>
+          <a:fillRef idx="0">
+            <a:schemeClr val="dk1"/>
+          </a:fillRef>
+          <a:effectRef idx="2">
+            <a:schemeClr val="dk1"/>
+          </a:effectRef>
+          <a:fontRef idx="minor">
+            <a:schemeClr val="tx1"/>
+          </a:fontRef>
+        </p:style>
+      </p:cxnSp>
+      <p:sp>
+        <p:nvSpPr>
+          <p:cNvPr id="70" name="TextBox 69"/>
+          <p:cNvSpPr txBox="1"/>
+          <p:nvPr/>
+        </p:nvSpPr>
+        <p:spPr>
+          <a:xfrm rot="5400000">
+            <a:off x="5788222" y="-2991457"/>
+            <a:ext cx="615553" cy="7924356"/>
+          </a:xfrm>
+          <a:prstGeom prst="rect">
+            <a:avLst/>
+          </a:prstGeom>
+          <a:noFill/>
+        </p:spPr>
+        <p:txBody>
+          <a:bodyPr vert="vert270" wrap="square" rtlCol="0">
+            <a:spAutoFit/>
+          </a:bodyPr>
+          <a:lstStyle/>
+          <a:p>
+            <a:pPr algn="ctr"/>
+            <a:r>
+              <a:rPr lang="en-US" sz="2800" dirty="0" smtClean="0"/>
+              <a:t>Sustainable Development Goals</a:t>
+            </a:r>
+            <a:endParaRPr lang="en-US" sz="2800" dirty="0"/>
+          </a:p>
+        </p:txBody>
+      </p:sp>
+      <p:sp>
+        <p:nvSpPr>
+          <p:cNvPr id="63" name="Hexagon 62"/>
+          <p:cNvSpPr>
+            <a:spLocks noChangeAspect="1"/>
+          </p:cNvSpPr>
+          <p:nvPr/>
+        </p:nvSpPr>
+        <p:spPr>
+          <a:xfrm>
+            <a:off x="3268534" y="4312392"/>
+            <a:ext cx="632047" cy="544867"/>
+          </a:xfrm>
+          <a:prstGeom prst="hexagon">
+            <a:avLst/>
+          </a:prstGeom>
+        </p:spPr>
+        <p:style>
+          <a:lnRef idx="0">
+            <a:schemeClr val="accent2"/>
+          </a:lnRef>
+          <a:fillRef idx="3">
+            <a:schemeClr val="accent2"/>
+          </a:fillRef>
+          <a:effectRef idx="3">
+            <a:schemeClr val="accent2"/>
+          </a:effectRef>
+          <a:fontRef idx="minor">
+            <a:schemeClr val="lt1"/>
+          </a:fontRef>
+        </p:style>
+        <p:txBody>
+          <a:bodyPr rtlCol="0" anchor="ctr"/>
+          <a:lstStyle/>
+          <a:p>
+            <a:pPr algn="ctr"/>
+            <a:endParaRPr lang="en-US" sz="1600" b="1" dirty="0"/>
+          </a:p>
+        </p:txBody>
+      </p:sp>
+      <p:sp>
+        <p:nvSpPr>
+          <p:cNvPr id="64" name="Hexagon 63"/>
+          <p:cNvSpPr>
+            <a:spLocks noChangeAspect="1"/>
+          </p:cNvSpPr>
+          <p:nvPr/>
+        </p:nvSpPr>
+        <p:spPr>
+          <a:xfrm>
+            <a:off x="3268534" y="3767524"/>
+            <a:ext cx="632047" cy="544867"/>
+          </a:xfrm>
+          <a:prstGeom prst="hexagon">
+            <a:avLst/>
+          </a:prstGeom>
+        </p:spPr>
+        <p:style>
+          <a:lnRef idx="0">
+            <a:schemeClr val="accent2"/>
+          </a:lnRef>
+          <a:fillRef idx="3">
+            <a:schemeClr val="accent2"/>
+          </a:fillRef>
+          <a:effectRef idx="3">
+            <a:schemeClr val="accent2"/>
+          </a:effectRef>
+          <a:fontRef idx="minor">
+            <a:schemeClr val="lt1"/>
+          </a:fontRef>
+        </p:style>
+        <p:txBody>
+          <a:bodyPr rtlCol="0" anchor="ctr"/>
+          <a:lstStyle/>
+          <a:p>
+            <a:pPr algn="ctr"/>
+            <a:endParaRPr lang="en-US" sz="1600" b="1" dirty="0"/>
+          </a:p>
+        </p:txBody>
+      </p:sp>
+      <p:sp>
+        <p:nvSpPr>
+          <p:cNvPr id="79" name="Hexagon 78"/>
+          <p:cNvSpPr>
+            <a:spLocks noChangeAspect="1"/>
+          </p:cNvSpPr>
+          <p:nvPr/>
+        </p:nvSpPr>
+        <p:spPr>
+          <a:xfrm>
+            <a:off x="4053980" y="4312391"/>
+            <a:ext cx="632047" cy="544867"/>
+          </a:xfrm>
+          <a:prstGeom prst="hexagon">
+            <a:avLst/>
+          </a:prstGeom>
+        </p:spPr>
+        <p:style>
+          <a:lnRef idx="0">
+            <a:schemeClr val="accent6"/>
+          </a:lnRef>
+          <a:fillRef idx="3">
+            <a:schemeClr val="accent6"/>
+          </a:fillRef>
+          <a:effectRef idx="3">
+            <a:schemeClr val="accent6"/>
+          </a:effectRef>
+          <a:fontRef idx="minor">
+            <a:schemeClr val="lt1"/>
+          </a:fontRef>
+        </p:style>
+        <p:txBody>
+          <a:bodyPr rtlCol="0" anchor="ctr"/>
+          <a:lstStyle/>
+          <a:p>
+            <a:pPr algn="ctr"/>
+            <a:endParaRPr lang="en-US" sz="1600" b="1" dirty="0"/>
+          </a:p>
+        </p:txBody>
+      </p:sp>
+      <p:sp>
+        <p:nvSpPr>
+          <p:cNvPr id="80" name="Hexagon 79"/>
+          <p:cNvSpPr>
+            <a:spLocks noChangeAspect="1"/>
+          </p:cNvSpPr>
+          <p:nvPr/>
+        </p:nvSpPr>
+        <p:spPr>
+          <a:xfrm>
+            <a:off x="4053980" y="3767523"/>
+            <a:ext cx="632047" cy="544867"/>
+          </a:xfrm>
+          <a:prstGeom prst="hexagon">
+            <a:avLst/>
+          </a:prstGeom>
+        </p:spPr>
+        <p:style>
+          <a:lnRef idx="0">
+            <a:schemeClr val="accent6"/>
+          </a:lnRef>
+          <a:fillRef idx="3">
+            <a:schemeClr val="accent6"/>
+          </a:fillRef>
+          <a:effectRef idx="3">
+            <a:schemeClr val="accent6"/>
+          </a:effectRef>
+          <a:fontRef idx="minor">
+            <a:schemeClr val="lt1"/>
+          </a:fontRef>
+        </p:style>
+        <p:txBody>
+          <a:bodyPr rtlCol="0" anchor="ctr"/>
+          <a:lstStyle/>
+          <a:p>
+            <a:pPr algn="ctr"/>
+            <a:endParaRPr lang="en-US" sz="1600" b="1" dirty="0"/>
+          </a:p>
+        </p:txBody>
+      </p:sp>
+      <p:sp>
+        <p:nvSpPr>
+          <p:cNvPr id="86" name="Hexagon 85"/>
+          <p:cNvSpPr>
+            <a:spLocks noChangeAspect="1"/>
+          </p:cNvSpPr>
+          <p:nvPr/>
+        </p:nvSpPr>
+        <p:spPr>
+          <a:xfrm>
+            <a:off x="2483088" y="4312391"/>
+            <a:ext cx="632047" cy="544867"/>
+          </a:xfrm>
+          <a:prstGeom prst="hexagon">
+            <a:avLst/>
+          </a:prstGeom>
+        </p:spPr>
+        <p:style>
+          <a:lnRef idx="0">
+            <a:schemeClr val="accent1"/>
+          </a:lnRef>
+          <a:fillRef idx="3">
+            <a:schemeClr val="accent1"/>
+          </a:fillRef>
+          <a:effectRef idx="3">
+            <a:schemeClr val="accent1"/>
+          </a:effectRef>
+          <a:fontRef idx="minor">
+            <a:schemeClr val="lt1"/>
+          </a:fontRef>
+        </p:style>
+        <p:txBody>
+          <a:bodyPr rtlCol="0" anchor="ctr"/>
+          <a:lstStyle/>
+          <a:p>
+            <a:pPr algn="ctr"/>
+            <a:endParaRPr lang="en-US" sz="1600" b="1" dirty="0"/>
+          </a:p>
+        </p:txBody>
+      </p:sp>
+      <p:sp>
+        <p:nvSpPr>
+          <p:cNvPr id="93" name="Hexagon 92"/>
+          <p:cNvSpPr>
+            <a:spLocks noChangeAspect="1"/>
+          </p:cNvSpPr>
+          <p:nvPr/>
+        </p:nvSpPr>
+        <p:spPr>
+          <a:xfrm>
+            <a:off x="4839426" y="4312390"/>
+            <a:ext cx="632047" cy="544867"/>
+          </a:xfrm>
+          <a:prstGeom prst="hexagon">
+            <a:avLst/>
+          </a:prstGeom>
+        </p:spPr>
+        <p:style>
+          <a:lnRef idx="0">
+            <a:schemeClr val="accent4"/>
+          </a:lnRef>
+          <a:fillRef idx="3">
+            <a:schemeClr val="accent4"/>
+          </a:fillRef>
+          <a:effectRef idx="3">
+            <a:schemeClr val="accent4"/>
+          </a:effectRef>
+          <a:fontRef idx="minor">
+            <a:schemeClr val="lt1"/>
+          </a:fontRef>
+        </p:style>
+        <p:txBody>
+          <a:bodyPr rtlCol="0" anchor="ctr"/>
+          <a:lstStyle/>
+          <a:p>
+            <a:pPr algn="ctr"/>
+            <a:endParaRPr lang="en-US" sz="1600" b="1" dirty="0"/>
+          </a:p>
+        </p:txBody>
+      </p:sp>
+      <p:sp>
+        <p:nvSpPr>
+          <p:cNvPr id="94" name="Hexagon 93"/>
+          <p:cNvSpPr>
+            <a:spLocks noChangeAspect="1"/>
+          </p:cNvSpPr>
+          <p:nvPr/>
+        </p:nvSpPr>
+        <p:spPr>
+          <a:xfrm>
+            <a:off x="4839426" y="3767522"/>
+            <a:ext cx="632047" cy="544867"/>
+          </a:xfrm>
+          <a:prstGeom prst="hexagon">
+            <a:avLst/>
+          </a:prstGeom>
+        </p:spPr>
+        <p:style>
+          <a:lnRef idx="0">
+            <a:schemeClr val="accent4"/>
+          </a:lnRef>
+          <a:fillRef idx="3">
+            <a:schemeClr val="accent4"/>
+          </a:fillRef>
+          <a:effectRef idx="3">
+            <a:schemeClr val="accent4"/>
+          </a:effectRef>
+          <a:fontRef idx="minor">
+            <a:schemeClr val="lt1"/>
+          </a:fontRef>
+        </p:style>
+        <p:txBody>
+          <a:bodyPr rtlCol="0" anchor="ctr"/>
+          <a:lstStyle/>
+          <a:p>
+            <a:pPr algn="ctr"/>
+            <a:endParaRPr lang="en-US" sz="1600" b="1" dirty="0"/>
+          </a:p>
+        </p:txBody>
+      </p:sp>
+      <p:sp>
+        <p:nvSpPr>
+          <p:cNvPr id="39" name="Hexagon 38"/>
+          <p:cNvSpPr>
+            <a:spLocks noChangeAspect="1"/>
+          </p:cNvSpPr>
+          <p:nvPr/>
+        </p:nvSpPr>
+        <p:spPr>
+          <a:xfrm>
+            <a:off x="7942156" y="4312388"/>
+            <a:ext cx="632047" cy="544867"/>
+          </a:xfrm>
+          <a:prstGeom prst="hexagon">
+            <a:avLst/>
+          </a:prstGeom>
+        </p:spPr>
+        <p:style>
+          <a:lnRef idx="0">
+            <a:schemeClr val="accent6"/>
+          </a:lnRef>
+          <a:fillRef idx="3">
+            <a:schemeClr val="accent6"/>
+          </a:fillRef>
+          <a:effectRef idx="3">
+            <a:schemeClr val="accent6"/>
+          </a:effectRef>
+          <a:fontRef idx="minor">
+            <a:schemeClr val="lt1"/>
+          </a:fontRef>
+        </p:style>
+        <p:txBody>
+          <a:bodyPr rtlCol="0" anchor="ctr"/>
+          <a:lstStyle/>
+          <a:p>
+            <a:pPr algn="ctr"/>
+            <a:endParaRPr lang="en-US" sz="1600" b="1" dirty="0"/>
+          </a:p>
+        </p:txBody>
+      </p:sp>
+      <p:sp>
+        <p:nvSpPr>
+          <p:cNvPr id="40" name="Hexagon 39"/>
+          <p:cNvSpPr>
+            <a:spLocks noChangeAspect="1"/>
+          </p:cNvSpPr>
+          <p:nvPr/>
+        </p:nvSpPr>
+        <p:spPr>
+          <a:xfrm>
+            <a:off x="7339188" y="3980995"/>
+            <a:ext cx="632047" cy="544867"/>
+          </a:xfrm>
+          <a:prstGeom prst="hexagon">
+            <a:avLst/>
+          </a:prstGeom>
+        </p:spPr>
+        <p:style>
+          <a:lnRef idx="0">
+            <a:schemeClr val="accent2"/>
+          </a:lnRef>
+          <a:fillRef idx="3">
+            <a:schemeClr val="accent2"/>
+          </a:fillRef>
+          <a:effectRef idx="3">
+            <a:schemeClr val="accent2"/>
+          </a:effectRef>
+          <a:fontRef idx="minor">
+            <a:schemeClr val="lt1"/>
+          </a:fontRef>
+        </p:style>
+        <p:txBody>
+          <a:bodyPr rtlCol="0" anchor="ctr"/>
+          <a:lstStyle/>
+          <a:p>
+            <a:pPr algn="ctr"/>
+            <a:endParaRPr lang="en-US" sz="1600" b="1" dirty="0"/>
+          </a:p>
+        </p:txBody>
+      </p:sp>
+      <p:sp>
+        <p:nvSpPr>
+          <p:cNvPr id="41" name="Hexagon 40"/>
+          <p:cNvSpPr>
+            <a:spLocks noChangeAspect="1"/>
+          </p:cNvSpPr>
+          <p:nvPr/>
+        </p:nvSpPr>
+        <p:spPr>
+          <a:xfrm>
+            <a:off x="7942155" y="3649602"/>
+            <a:ext cx="632047" cy="544867"/>
+          </a:xfrm>
+          <a:prstGeom prst="hexagon">
+            <a:avLst/>
+          </a:prstGeom>
+        </p:spPr>
+        <p:style>
+          <a:lnRef idx="0">
+            <a:schemeClr val="accent1"/>
+          </a:lnRef>
+          <a:fillRef idx="3">
+            <a:schemeClr val="accent1"/>
+          </a:fillRef>
+          <a:effectRef idx="3">
+            <a:schemeClr val="accent1"/>
+          </a:effectRef>
+          <a:fontRef idx="minor">
+            <a:schemeClr val="lt1"/>
+          </a:fontRef>
+        </p:style>
+        <p:txBody>
+          <a:bodyPr rtlCol="0" anchor="ctr"/>
+          <a:lstStyle/>
+          <a:p>
+            <a:pPr algn="ctr"/>
+            <a:endParaRPr lang="en-US" sz="1600" b="1" dirty="0"/>
+          </a:p>
+        </p:txBody>
+      </p:sp>
+      <p:sp>
+        <p:nvSpPr>
+          <p:cNvPr id="42" name="Hexagon 41"/>
+          <p:cNvSpPr>
+            <a:spLocks noChangeAspect="1"/>
+          </p:cNvSpPr>
+          <p:nvPr/>
+        </p:nvSpPr>
+        <p:spPr>
+          <a:xfrm>
+            <a:off x="8545122" y="3323527"/>
+            <a:ext cx="632047" cy="544867"/>
+          </a:xfrm>
+          <a:prstGeom prst="hexagon">
+            <a:avLst/>
+          </a:prstGeom>
+        </p:spPr>
+        <p:style>
+          <a:lnRef idx="0">
+            <a:schemeClr val="accent6"/>
+          </a:lnRef>
+          <a:fillRef idx="3">
+            <a:schemeClr val="accent6"/>
+          </a:fillRef>
+          <a:effectRef idx="3">
+            <a:schemeClr val="accent6"/>
+          </a:effectRef>
+          <a:fontRef idx="minor">
+            <a:schemeClr val="lt1"/>
+          </a:fontRef>
+        </p:style>
+        <p:txBody>
+          <a:bodyPr rtlCol="0" anchor="ctr"/>
+          <a:lstStyle/>
+          <a:p>
+            <a:pPr algn="ctr"/>
+            <a:endParaRPr lang="en-US" sz="1600" b="1" dirty="0"/>
+          </a:p>
+        </p:txBody>
+      </p:sp>
+      <p:sp>
+        <p:nvSpPr>
+          <p:cNvPr id="43" name="Hexagon 42"/>
+          <p:cNvSpPr>
+            <a:spLocks noChangeAspect="1"/>
+          </p:cNvSpPr>
+          <p:nvPr/>
+        </p:nvSpPr>
+        <p:spPr>
+          <a:xfrm>
+            <a:off x="7927615" y="2986816"/>
+            <a:ext cx="632047" cy="544867"/>
+          </a:xfrm>
+          <a:prstGeom prst="hexagon">
+            <a:avLst/>
+          </a:prstGeom>
+        </p:spPr>
+        <p:style>
+          <a:lnRef idx="0">
+            <a:schemeClr val="accent4"/>
+          </a:lnRef>
+          <a:fillRef idx="3">
+            <a:schemeClr val="accent4"/>
+          </a:fillRef>
+          <a:effectRef idx="3">
+            <a:schemeClr val="accent4"/>
+          </a:effectRef>
+          <a:fontRef idx="minor">
+            <a:schemeClr val="lt1"/>
+          </a:fontRef>
+        </p:style>
+        <p:txBody>
+          <a:bodyPr rtlCol="0" anchor="ctr"/>
+          <a:lstStyle/>
+          <a:p>
+            <a:pPr algn="ctr"/>
+            <a:endParaRPr lang="en-US" sz="1600" b="1" dirty="0"/>
+          </a:p>
+        </p:txBody>
+      </p:sp>
+      <p:sp>
+        <p:nvSpPr>
+          <p:cNvPr id="44" name="Hexagon 43"/>
+          <p:cNvSpPr>
+            <a:spLocks noChangeAspect="1"/>
+          </p:cNvSpPr>
+          <p:nvPr/>
+        </p:nvSpPr>
+        <p:spPr>
+          <a:xfrm>
+            <a:off x="7339188" y="2655148"/>
+            <a:ext cx="632047" cy="544867"/>
+          </a:xfrm>
+          <a:prstGeom prst="hexagon">
+            <a:avLst/>
+          </a:prstGeom>
+        </p:spPr>
+        <p:style>
+          <a:lnRef idx="0">
+            <a:schemeClr val="accent2"/>
+          </a:lnRef>
+          <a:fillRef idx="3">
+            <a:schemeClr val="accent2"/>
+          </a:fillRef>
+          <a:effectRef idx="3">
+            <a:schemeClr val="accent2"/>
+          </a:effectRef>
+          <a:fontRef idx="minor">
+            <a:schemeClr val="lt1"/>
+          </a:fontRef>
+        </p:style>
+        <p:txBody>
+          <a:bodyPr rtlCol="0" anchor="ctr"/>
+          <a:lstStyle/>
+          <a:p>
+            <a:pPr algn="ctr"/>
+            <a:endParaRPr lang="en-US" sz="1600" b="1" dirty="0"/>
+          </a:p>
+        </p:txBody>
+      </p:sp>
+      <p:sp>
+        <p:nvSpPr>
+          <p:cNvPr id="45" name="Hexagon 44"/>
+          <p:cNvSpPr>
+            <a:spLocks noChangeAspect="1"/>
+          </p:cNvSpPr>
+          <p:nvPr/>
+        </p:nvSpPr>
+        <p:spPr>
+          <a:xfrm>
+            <a:off x="7927614" y="2324030"/>
+            <a:ext cx="632047" cy="544867"/>
+          </a:xfrm>
+          <a:prstGeom prst="hexagon">
+            <a:avLst/>
+          </a:prstGeom>
+        </p:spPr>
+        <p:style>
+          <a:lnRef idx="0">
+            <a:schemeClr val="accent4"/>
+          </a:lnRef>
+          <a:fillRef idx="3">
+            <a:schemeClr val="accent4"/>
+          </a:fillRef>
+          <a:effectRef idx="3">
+            <a:schemeClr val="accent4"/>
+          </a:effectRef>
+          <a:fontRef idx="minor">
+            <a:schemeClr val="lt1"/>
+          </a:fontRef>
+        </p:style>
+        <p:txBody>
+          <a:bodyPr rtlCol="0" anchor="ctr"/>
+          <a:lstStyle/>
+          <a:p>
+            <a:pPr algn="ctr"/>
+            <a:endParaRPr lang="en-US" sz="1600" b="1" dirty="0"/>
+          </a:p>
+        </p:txBody>
+      </p:sp>
+    </p:spTree>
+    <p:extLst>
+      <p:ext uri="{BB962C8B-B14F-4D97-AF65-F5344CB8AC3E}">
+        <p14:creationId xmlns:p14="http://schemas.microsoft.com/office/powerpoint/2010/main" val="1405181146"/>
+      </p:ext>
+    </p:extLst>
+  </p:cSld>
+  <p:clrMapOvr>
+    <a:masterClrMapping/>
+  </p:clrMapOvr>
+  <p:timing>
+    <p:tnLst>
+      <p:par>
+        <p:cTn id="1" dur="indefinite" restart="never" nodeType="tmRoot"/>
+      </p:par>
+    </p:tnLst>
+  </p:timing>
+</p:sld>
+</file>
+
+<file path=ppt/slides/slide13.xml><?xml version="1.0" encoding="utf-8"?>
+<p:sld xmlns:a="http://schemas.openxmlformats.org/drawingml/2006/main" xmlns:r="http://schemas.openxmlformats.org/officeDocument/2006/relationships" xmlns:p="http://schemas.openxmlformats.org/presentationml/2006/main">
+  <p:cSld>
+    <p:spTree>
+      <p:nvGrpSpPr>
+        <p:cNvPr id="1" name=""/>
+        <p:cNvGrpSpPr/>
+        <p:nvPr/>
+      </p:nvGrpSpPr>
+      <p:grpSpPr>
+        <a:xfrm>
+          <a:off x="0" y="0"/>
+          <a:ext cx="0" cy="0"/>
+          <a:chOff x="0" y="0"/>
+          <a:chExt cx="0" cy="0"/>
+        </a:xfrm>
+      </p:grpSpPr>
+      <p:cxnSp>
+        <p:nvCxnSpPr>
+          <p:cNvPr id="23" name="Straight Arrow Connector 22"/>
+          <p:cNvCxnSpPr/>
+          <p:nvPr/>
+        </p:nvCxnSpPr>
+        <p:spPr>
+          <a:xfrm flipV="1">
+            <a:off x="1778030" y="1278497"/>
+            <a:ext cx="0" cy="3600000"/>
+          </a:xfrm>
+          <a:prstGeom prst="straightConnector1">
+            <a:avLst/>
+          </a:prstGeom>
+          <a:ln w="76200">
+            <a:tailEnd type="triangle"/>
+          </a:ln>
+        </p:spPr>
+        <p:style>
+          <a:lnRef idx="3">
+            <a:schemeClr val="dk1"/>
+          </a:lnRef>
+          <a:fillRef idx="0">
+            <a:schemeClr val="dk1"/>
+          </a:fillRef>
+          <a:effectRef idx="2">
+            <a:schemeClr val="dk1"/>
+          </a:effectRef>
+          <a:fontRef idx="minor">
+            <a:schemeClr val="tx1"/>
+          </a:fontRef>
+        </p:style>
+      </p:cxnSp>
+      <p:sp>
+        <p:nvSpPr>
+          <p:cNvPr id="24" name="TextBox 23"/>
+          <p:cNvSpPr txBox="1"/>
+          <p:nvPr/>
+        </p:nvSpPr>
+        <p:spPr>
+          <a:xfrm>
+            <a:off x="1032979" y="1451882"/>
+            <a:ext cx="615553" cy="2929617"/>
+          </a:xfrm>
+          <a:prstGeom prst="rect">
+            <a:avLst/>
+          </a:prstGeom>
+          <a:noFill/>
+        </p:spPr>
+        <p:txBody>
+          <a:bodyPr vert="vert270" wrap="square" rtlCol="0">
+            <a:spAutoFit/>
+          </a:bodyPr>
+          <a:lstStyle/>
+          <a:p>
+            <a:pPr algn="ctr"/>
+            <a:r>
+              <a:rPr lang="en-US" sz="2800" dirty="0" smtClean="0"/>
+              <a:t>Progress</a:t>
+            </a:r>
+            <a:endParaRPr lang="en-US" sz="2800" dirty="0"/>
+          </a:p>
+        </p:txBody>
+      </p:sp>
+      <p:sp>
+        <p:nvSpPr>
+          <p:cNvPr id="26" name="TextBox 25"/>
+          <p:cNvSpPr txBox="1"/>
+          <p:nvPr/>
+        </p:nvSpPr>
+        <p:spPr>
+          <a:xfrm rot="5400000">
+            <a:off x="5788223" y="1214583"/>
+            <a:ext cx="615553" cy="7924356"/>
+          </a:xfrm>
+          <a:prstGeom prst="rect">
+            <a:avLst/>
+          </a:prstGeom>
+          <a:noFill/>
+        </p:spPr>
+        <p:txBody>
+          <a:bodyPr vert="vert270" wrap="square" rtlCol="0">
+            <a:spAutoFit/>
+          </a:bodyPr>
+          <a:lstStyle/>
+          <a:p>
+            <a:pPr algn="ctr"/>
+            <a:r>
+              <a:rPr lang="en-US" sz="2800" dirty="0" smtClean="0"/>
+              <a:t>Organizations</a:t>
+            </a:r>
+            <a:endParaRPr lang="en-US" sz="2800" dirty="0"/>
+          </a:p>
+        </p:txBody>
+      </p:sp>
+      <p:cxnSp>
+        <p:nvCxnSpPr>
+          <p:cNvPr id="56" name="Straight Connector 55"/>
+          <p:cNvCxnSpPr/>
+          <p:nvPr/>
+        </p:nvCxnSpPr>
+        <p:spPr>
+          <a:xfrm>
+            <a:off x="2177280" y="4868983"/>
+            <a:ext cx="3600000" cy="1"/>
+          </a:xfrm>
+          <a:prstGeom prst="line">
+            <a:avLst/>
+          </a:prstGeom>
+        </p:spPr>
+        <p:style>
+          <a:lnRef idx="3">
+            <a:schemeClr val="dk1"/>
+          </a:lnRef>
+          <a:fillRef idx="0">
+            <a:schemeClr val="dk1"/>
+          </a:fillRef>
+          <a:effectRef idx="2">
+            <a:schemeClr val="dk1"/>
+          </a:effectRef>
+          <a:fontRef idx="minor">
+            <a:schemeClr val="tx1"/>
+          </a:fontRef>
+        </p:style>
+      </p:cxnSp>
+      <p:cxnSp>
+        <p:nvCxnSpPr>
+          <p:cNvPr id="61" name="Straight Connector 60"/>
+          <p:cNvCxnSpPr/>
+          <p:nvPr/>
+        </p:nvCxnSpPr>
+        <p:spPr>
+          <a:xfrm>
+            <a:off x="6458179" y="4868983"/>
+            <a:ext cx="3600000" cy="1"/>
+          </a:xfrm>
+          <a:prstGeom prst="line">
+            <a:avLst/>
+          </a:prstGeom>
+        </p:spPr>
+        <p:style>
+          <a:lnRef idx="3">
+            <a:schemeClr val="dk1"/>
+          </a:lnRef>
+          <a:fillRef idx="0">
+            <a:schemeClr val="dk1"/>
+          </a:fillRef>
+          <a:effectRef idx="2">
+            <a:schemeClr val="dk1"/>
+          </a:effectRef>
+          <a:fontRef idx="minor">
+            <a:schemeClr val="tx1"/>
+          </a:fontRef>
+        </p:style>
+      </p:cxnSp>
+      <p:sp>
+        <p:nvSpPr>
+          <p:cNvPr id="70" name="TextBox 69"/>
+          <p:cNvSpPr txBox="1"/>
+          <p:nvPr/>
+        </p:nvSpPr>
+        <p:spPr>
+          <a:xfrm rot="5400000">
+            <a:off x="5788222" y="-2991457"/>
+            <a:ext cx="615553" cy="7924356"/>
+          </a:xfrm>
+          <a:prstGeom prst="rect">
+            <a:avLst/>
+          </a:prstGeom>
+          <a:noFill/>
+        </p:spPr>
+        <p:txBody>
+          <a:bodyPr vert="vert270" wrap="square" rtlCol="0">
+            <a:spAutoFit/>
+          </a:bodyPr>
+          <a:lstStyle/>
+          <a:p>
+            <a:pPr algn="ctr"/>
+            <a:r>
+              <a:rPr lang="en-US" sz="2800" dirty="0" smtClean="0"/>
+              <a:t>Sustainable Development Goals</a:t>
+            </a:r>
+            <a:endParaRPr lang="en-US" sz="2800" dirty="0"/>
+          </a:p>
+        </p:txBody>
+      </p:sp>
+      <p:sp>
+        <p:nvSpPr>
+          <p:cNvPr id="63" name="Hexagon 62"/>
+          <p:cNvSpPr>
+            <a:spLocks noChangeAspect="1"/>
+          </p:cNvSpPr>
+          <p:nvPr/>
+        </p:nvSpPr>
+        <p:spPr>
+          <a:xfrm>
+            <a:off x="3268534" y="4312392"/>
+            <a:ext cx="632047" cy="544867"/>
+          </a:xfrm>
+          <a:prstGeom prst="hexagon">
+            <a:avLst/>
+          </a:prstGeom>
+        </p:spPr>
+        <p:style>
+          <a:lnRef idx="0">
+            <a:schemeClr val="accent2"/>
+          </a:lnRef>
+          <a:fillRef idx="3">
+            <a:schemeClr val="accent2"/>
+          </a:fillRef>
+          <a:effectRef idx="3">
+            <a:schemeClr val="accent2"/>
+          </a:effectRef>
+          <a:fontRef idx="minor">
+            <a:schemeClr val="lt1"/>
+          </a:fontRef>
+        </p:style>
+        <p:txBody>
+          <a:bodyPr rtlCol="0" anchor="ctr"/>
+          <a:lstStyle/>
+          <a:p>
+            <a:pPr algn="ctr"/>
+            <a:endParaRPr lang="en-US" sz="1600" b="1" dirty="0"/>
+          </a:p>
+        </p:txBody>
+      </p:sp>
+      <p:sp>
+        <p:nvSpPr>
+          <p:cNvPr id="64" name="Hexagon 63"/>
+          <p:cNvSpPr>
+            <a:spLocks noChangeAspect="1"/>
+          </p:cNvSpPr>
+          <p:nvPr/>
+        </p:nvSpPr>
+        <p:spPr>
+          <a:xfrm>
+            <a:off x="3268534" y="3767524"/>
+            <a:ext cx="632047" cy="544867"/>
+          </a:xfrm>
+          <a:prstGeom prst="hexagon">
+            <a:avLst/>
+          </a:prstGeom>
+        </p:spPr>
+        <p:style>
+          <a:lnRef idx="0">
+            <a:schemeClr val="accent2"/>
+          </a:lnRef>
+          <a:fillRef idx="3">
+            <a:schemeClr val="accent2"/>
+          </a:fillRef>
+          <a:effectRef idx="3">
+            <a:schemeClr val="accent2"/>
+          </a:effectRef>
+          <a:fontRef idx="minor">
+            <a:schemeClr val="lt1"/>
+          </a:fontRef>
+        </p:style>
+        <p:txBody>
+          <a:bodyPr rtlCol="0" anchor="ctr"/>
+          <a:lstStyle/>
+          <a:p>
+            <a:pPr algn="ctr"/>
+            <a:endParaRPr lang="en-US" sz="1600" b="1" dirty="0"/>
+          </a:p>
+        </p:txBody>
+      </p:sp>
+      <p:sp>
+        <p:nvSpPr>
+          <p:cNvPr id="79" name="Hexagon 78"/>
+          <p:cNvSpPr>
+            <a:spLocks noChangeAspect="1"/>
+          </p:cNvSpPr>
+          <p:nvPr/>
+        </p:nvSpPr>
+        <p:spPr>
+          <a:xfrm>
+            <a:off x="4053980" y="4312391"/>
+            <a:ext cx="632047" cy="544867"/>
+          </a:xfrm>
+          <a:prstGeom prst="hexagon">
+            <a:avLst/>
+          </a:prstGeom>
+        </p:spPr>
+        <p:style>
+          <a:lnRef idx="0">
+            <a:schemeClr val="accent6"/>
+          </a:lnRef>
+          <a:fillRef idx="3">
+            <a:schemeClr val="accent6"/>
+          </a:fillRef>
+          <a:effectRef idx="3">
+            <a:schemeClr val="accent6"/>
+          </a:effectRef>
+          <a:fontRef idx="minor">
+            <a:schemeClr val="lt1"/>
+          </a:fontRef>
+        </p:style>
+        <p:txBody>
+          <a:bodyPr rtlCol="0" anchor="ctr"/>
+          <a:lstStyle/>
+          <a:p>
+            <a:pPr algn="ctr"/>
+            <a:endParaRPr lang="en-US" sz="1600" b="1" dirty="0"/>
+          </a:p>
+        </p:txBody>
+      </p:sp>
+      <p:sp>
+        <p:nvSpPr>
+          <p:cNvPr id="80" name="Hexagon 79"/>
+          <p:cNvSpPr>
+            <a:spLocks noChangeAspect="1"/>
+          </p:cNvSpPr>
+          <p:nvPr/>
+        </p:nvSpPr>
+        <p:spPr>
+          <a:xfrm>
+            <a:off x="4053980" y="3767523"/>
+            <a:ext cx="632047" cy="544867"/>
+          </a:xfrm>
+          <a:prstGeom prst="hexagon">
+            <a:avLst/>
+          </a:prstGeom>
+        </p:spPr>
+        <p:style>
+          <a:lnRef idx="0">
+            <a:schemeClr val="accent6"/>
+          </a:lnRef>
+          <a:fillRef idx="3">
+            <a:schemeClr val="accent6"/>
+          </a:fillRef>
+          <a:effectRef idx="3">
+            <a:schemeClr val="accent6"/>
+          </a:effectRef>
+          <a:fontRef idx="minor">
+            <a:schemeClr val="lt1"/>
+          </a:fontRef>
+        </p:style>
+        <p:txBody>
+          <a:bodyPr rtlCol="0" anchor="ctr"/>
+          <a:lstStyle/>
+          <a:p>
+            <a:pPr algn="ctr"/>
+            <a:endParaRPr lang="en-US" sz="1600" b="1" dirty="0"/>
+          </a:p>
+        </p:txBody>
+      </p:sp>
+      <p:sp>
+        <p:nvSpPr>
+          <p:cNvPr id="86" name="Hexagon 85"/>
+          <p:cNvSpPr>
+            <a:spLocks noChangeAspect="1"/>
+          </p:cNvSpPr>
+          <p:nvPr/>
+        </p:nvSpPr>
+        <p:spPr>
+          <a:xfrm>
+            <a:off x="2483088" y="4312391"/>
+            <a:ext cx="632047" cy="544867"/>
+          </a:xfrm>
+          <a:prstGeom prst="hexagon">
+            <a:avLst/>
+          </a:prstGeom>
+        </p:spPr>
+        <p:style>
+          <a:lnRef idx="0">
+            <a:schemeClr val="accent1"/>
+          </a:lnRef>
+          <a:fillRef idx="3">
+            <a:schemeClr val="accent1"/>
+          </a:fillRef>
+          <a:effectRef idx="3">
+            <a:schemeClr val="accent1"/>
+          </a:effectRef>
+          <a:fontRef idx="minor">
+            <a:schemeClr val="lt1"/>
+          </a:fontRef>
+        </p:style>
+        <p:txBody>
+          <a:bodyPr rtlCol="0" anchor="ctr"/>
+          <a:lstStyle/>
+          <a:p>
+            <a:pPr algn="ctr"/>
+            <a:endParaRPr lang="en-US" sz="1600" b="1" dirty="0"/>
+          </a:p>
+        </p:txBody>
+      </p:sp>
+      <p:sp>
+        <p:nvSpPr>
+          <p:cNvPr id="93" name="Hexagon 92"/>
+          <p:cNvSpPr>
+            <a:spLocks noChangeAspect="1"/>
+          </p:cNvSpPr>
+          <p:nvPr/>
+        </p:nvSpPr>
+        <p:spPr>
+          <a:xfrm>
+            <a:off x="4839426" y="4312390"/>
+            <a:ext cx="632047" cy="544867"/>
+          </a:xfrm>
+          <a:prstGeom prst="hexagon">
+            <a:avLst/>
+          </a:prstGeom>
+        </p:spPr>
+        <p:style>
+          <a:lnRef idx="0">
+            <a:schemeClr val="accent4"/>
+          </a:lnRef>
+          <a:fillRef idx="3">
+            <a:schemeClr val="accent4"/>
+          </a:fillRef>
+          <a:effectRef idx="3">
+            <a:schemeClr val="accent4"/>
+          </a:effectRef>
+          <a:fontRef idx="minor">
+            <a:schemeClr val="lt1"/>
+          </a:fontRef>
+        </p:style>
+        <p:txBody>
+          <a:bodyPr rtlCol="0" anchor="ctr"/>
+          <a:lstStyle/>
+          <a:p>
+            <a:pPr algn="ctr"/>
+            <a:endParaRPr lang="en-US" sz="1600" b="1" dirty="0"/>
+          </a:p>
+        </p:txBody>
+      </p:sp>
+      <p:sp>
+        <p:nvSpPr>
+          <p:cNvPr id="39" name="Hexagon 38"/>
+          <p:cNvSpPr>
+            <a:spLocks noChangeAspect="1"/>
+          </p:cNvSpPr>
+          <p:nvPr/>
+        </p:nvSpPr>
+        <p:spPr>
+          <a:xfrm>
+            <a:off x="7942156" y="4312388"/>
+            <a:ext cx="632047" cy="544867"/>
+          </a:xfrm>
+          <a:prstGeom prst="hexagon">
+            <a:avLst/>
+          </a:prstGeom>
+        </p:spPr>
+        <p:style>
+          <a:lnRef idx="0">
+            <a:schemeClr val="accent6"/>
+          </a:lnRef>
+          <a:fillRef idx="3">
+            <a:schemeClr val="accent6"/>
+          </a:fillRef>
+          <a:effectRef idx="3">
+            <a:schemeClr val="accent6"/>
+          </a:effectRef>
+          <a:fontRef idx="minor">
+            <a:schemeClr val="lt1"/>
+          </a:fontRef>
+        </p:style>
+        <p:txBody>
+          <a:bodyPr rtlCol="0" anchor="ctr"/>
+          <a:lstStyle/>
+          <a:p>
+            <a:pPr algn="ctr"/>
+            <a:endParaRPr lang="en-US" sz="1600" b="1" dirty="0"/>
+          </a:p>
+        </p:txBody>
+      </p:sp>
+      <p:sp>
+        <p:nvSpPr>
+          <p:cNvPr id="40" name="Hexagon 39"/>
+          <p:cNvSpPr>
+            <a:spLocks noChangeAspect="1"/>
+          </p:cNvSpPr>
+          <p:nvPr/>
+        </p:nvSpPr>
+        <p:spPr>
+          <a:xfrm>
+            <a:off x="7339188" y="3980995"/>
+            <a:ext cx="632047" cy="544867"/>
+          </a:xfrm>
+          <a:prstGeom prst="hexagon">
+            <a:avLst/>
+          </a:prstGeom>
+        </p:spPr>
+        <p:style>
+          <a:lnRef idx="0">
+            <a:schemeClr val="accent2"/>
+          </a:lnRef>
+          <a:fillRef idx="3">
+            <a:schemeClr val="accent2"/>
+          </a:fillRef>
+          <a:effectRef idx="3">
+            <a:schemeClr val="accent2"/>
+          </a:effectRef>
+          <a:fontRef idx="minor">
+            <a:schemeClr val="lt1"/>
+          </a:fontRef>
+        </p:style>
+        <p:txBody>
+          <a:bodyPr rtlCol="0" anchor="ctr"/>
+          <a:lstStyle/>
+          <a:p>
+            <a:pPr algn="ctr"/>
+            <a:endParaRPr lang="en-US" sz="1600" b="1" dirty="0"/>
+          </a:p>
+        </p:txBody>
+      </p:sp>
+      <p:sp>
+        <p:nvSpPr>
+          <p:cNvPr id="41" name="Hexagon 40"/>
+          <p:cNvSpPr>
+            <a:spLocks noChangeAspect="1"/>
+          </p:cNvSpPr>
+          <p:nvPr/>
+        </p:nvSpPr>
+        <p:spPr>
+          <a:xfrm>
+            <a:off x="7942155" y="3649602"/>
+            <a:ext cx="632047" cy="544867"/>
+          </a:xfrm>
+          <a:prstGeom prst="hexagon">
+            <a:avLst/>
+          </a:prstGeom>
+        </p:spPr>
+        <p:style>
+          <a:lnRef idx="0">
+            <a:schemeClr val="accent1"/>
+          </a:lnRef>
+          <a:fillRef idx="3">
+            <a:schemeClr val="accent1"/>
+          </a:fillRef>
+          <a:effectRef idx="3">
+            <a:schemeClr val="accent1"/>
+          </a:effectRef>
+          <a:fontRef idx="minor">
+            <a:schemeClr val="lt1"/>
+          </a:fontRef>
+        </p:style>
+        <p:txBody>
+          <a:bodyPr rtlCol="0" anchor="ctr"/>
+          <a:lstStyle/>
+          <a:p>
+            <a:pPr algn="ctr"/>
+            <a:endParaRPr lang="en-US" sz="1600" b="1" dirty="0"/>
+          </a:p>
+        </p:txBody>
+      </p:sp>
+      <p:sp>
+        <p:nvSpPr>
+          <p:cNvPr id="42" name="Hexagon 41"/>
+          <p:cNvSpPr>
+            <a:spLocks noChangeAspect="1"/>
+          </p:cNvSpPr>
+          <p:nvPr/>
+        </p:nvSpPr>
+        <p:spPr>
+          <a:xfrm>
+            <a:off x="8545122" y="3323527"/>
+            <a:ext cx="632047" cy="544867"/>
+          </a:xfrm>
+          <a:prstGeom prst="hexagon">
+            <a:avLst/>
+          </a:prstGeom>
+        </p:spPr>
+        <p:style>
+          <a:lnRef idx="0">
+            <a:schemeClr val="accent6"/>
+          </a:lnRef>
+          <a:fillRef idx="3">
+            <a:schemeClr val="accent6"/>
+          </a:fillRef>
+          <a:effectRef idx="3">
+            <a:schemeClr val="accent6"/>
+          </a:effectRef>
+          <a:fontRef idx="minor">
+            <a:schemeClr val="lt1"/>
+          </a:fontRef>
+        </p:style>
+        <p:txBody>
+          <a:bodyPr rtlCol="0" anchor="ctr"/>
+          <a:lstStyle/>
+          <a:p>
+            <a:pPr algn="ctr"/>
+            <a:endParaRPr lang="en-US" sz="1600" b="1" dirty="0"/>
+          </a:p>
+        </p:txBody>
+      </p:sp>
+      <p:sp>
+        <p:nvSpPr>
+          <p:cNvPr id="43" name="Hexagon 42"/>
+          <p:cNvSpPr>
+            <a:spLocks noChangeAspect="1"/>
+          </p:cNvSpPr>
+          <p:nvPr/>
+        </p:nvSpPr>
+        <p:spPr>
+          <a:xfrm>
+            <a:off x="7927615" y="2986816"/>
+            <a:ext cx="632047" cy="544867"/>
+          </a:xfrm>
+          <a:prstGeom prst="hexagon">
+            <a:avLst/>
+          </a:prstGeom>
+        </p:spPr>
+        <p:style>
+          <a:lnRef idx="0">
+            <a:schemeClr val="accent4"/>
+          </a:lnRef>
+          <a:fillRef idx="3">
+            <a:schemeClr val="accent4"/>
+          </a:fillRef>
+          <a:effectRef idx="3">
+            <a:schemeClr val="accent4"/>
+          </a:effectRef>
+          <a:fontRef idx="minor">
+            <a:schemeClr val="lt1"/>
+          </a:fontRef>
+        </p:style>
+        <p:txBody>
+          <a:bodyPr rtlCol="0" anchor="ctr"/>
+          <a:lstStyle/>
+          <a:p>
+            <a:pPr algn="ctr"/>
+            <a:endParaRPr lang="en-US" sz="1600" b="1" dirty="0"/>
+          </a:p>
+        </p:txBody>
+      </p:sp>
+      <p:sp>
+        <p:nvSpPr>
+          <p:cNvPr id="44" name="Hexagon 43"/>
+          <p:cNvSpPr>
+            <a:spLocks noChangeAspect="1"/>
+          </p:cNvSpPr>
+          <p:nvPr/>
+        </p:nvSpPr>
+        <p:spPr>
+          <a:xfrm>
+            <a:off x="7339188" y="2655148"/>
+            <a:ext cx="632047" cy="544867"/>
+          </a:xfrm>
+          <a:prstGeom prst="hexagon">
+            <a:avLst/>
+          </a:prstGeom>
+        </p:spPr>
+        <p:style>
+          <a:lnRef idx="0">
+            <a:schemeClr val="accent2"/>
+          </a:lnRef>
+          <a:fillRef idx="3">
+            <a:schemeClr val="accent2"/>
+          </a:fillRef>
+          <a:effectRef idx="3">
+            <a:schemeClr val="accent2"/>
+          </a:effectRef>
+          <a:fontRef idx="minor">
+            <a:schemeClr val="lt1"/>
+          </a:fontRef>
+        </p:style>
+        <p:txBody>
+          <a:bodyPr rtlCol="0" anchor="ctr"/>
+          <a:lstStyle/>
+          <a:p>
+            <a:pPr algn="ctr"/>
+            <a:endParaRPr lang="en-US" sz="1600" b="1" dirty="0"/>
+          </a:p>
+        </p:txBody>
+      </p:sp>
+    </p:spTree>
+    <p:extLst>
+      <p:ext uri="{BB962C8B-B14F-4D97-AF65-F5344CB8AC3E}">
+        <p14:creationId xmlns:p14="http://schemas.microsoft.com/office/powerpoint/2010/main" val="1203704406"/>
+      </p:ext>
+    </p:extLst>
+  </p:cSld>
+  <p:clrMapOvr>
+    <a:masterClrMapping/>
+  </p:clrMapOvr>
+  <p:timing>
+    <p:tnLst>
+      <p:par>
+        <p:cTn id="1" dur="indefinite" restart="never" nodeType="tmRoot"/>
+      </p:par>
+    </p:tnLst>
+  </p:timing>
+</p:sld>
+</file>
+
+<file path=ppt/slides/slide14.xml><?xml version="1.0" encoding="utf-8"?>
+<p:sld xmlns:a="http://schemas.openxmlformats.org/drawingml/2006/main" xmlns:r="http://schemas.openxmlformats.org/officeDocument/2006/relationships" xmlns:p="http://schemas.openxmlformats.org/presentationml/2006/main">
+  <p:cSld>
+    <p:spTree>
+      <p:nvGrpSpPr>
+        <p:cNvPr id="1" name=""/>
+        <p:cNvGrpSpPr/>
+        <p:nvPr/>
+      </p:nvGrpSpPr>
+      <p:grpSpPr>
+        <a:xfrm>
+          <a:off x="0" y="0"/>
+          <a:ext cx="0" cy="0"/>
+          <a:chOff x="0" y="0"/>
+          <a:chExt cx="0" cy="0"/>
+        </a:xfrm>
+      </p:grpSpPr>
+      <p:cxnSp>
+        <p:nvCxnSpPr>
+          <p:cNvPr id="23" name="Straight Arrow Connector 22"/>
+          <p:cNvCxnSpPr/>
+          <p:nvPr/>
+        </p:nvCxnSpPr>
+        <p:spPr>
+          <a:xfrm flipV="1">
+            <a:off x="1778030" y="1278497"/>
+            <a:ext cx="0" cy="3600000"/>
+          </a:xfrm>
+          <a:prstGeom prst="straightConnector1">
+            <a:avLst/>
+          </a:prstGeom>
+          <a:ln w="76200">
+            <a:tailEnd type="triangle"/>
+          </a:ln>
+        </p:spPr>
+        <p:style>
+          <a:lnRef idx="3">
+            <a:schemeClr val="dk1"/>
+          </a:lnRef>
+          <a:fillRef idx="0">
+            <a:schemeClr val="dk1"/>
+          </a:fillRef>
+          <a:effectRef idx="2">
+            <a:schemeClr val="dk1"/>
+          </a:effectRef>
+          <a:fontRef idx="minor">
+            <a:schemeClr val="tx1"/>
+          </a:fontRef>
+        </p:style>
+      </p:cxnSp>
+      <p:sp>
+        <p:nvSpPr>
+          <p:cNvPr id="24" name="TextBox 23"/>
+          <p:cNvSpPr txBox="1"/>
+          <p:nvPr/>
+        </p:nvSpPr>
+        <p:spPr>
+          <a:xfrm>
+            <a:off x="1032979" y="1451882"/>
+            <a:ext cx="615553" cy="2929617"/>
+          </a:xfrm>
+          <a:prstGeom prst="rect">
+            <a:avLst/>
+          </a:prstGeom>
+          <a:noFill/>
+        </p:spPr>
+        <p:txBody>
+          <a:bodyPr vert="vert270" wrap="square" rtlCol="0">
+            <a:spAutoFit/>
+          </a:bodyPr>
+          <a:lstStyle/>
+          <a:p>
+            <a:pPr algn="ctr"/>
+            <a:r>
+              <a:rPr lang="en-US" sz="2800" dirty="0" smtClean="0"/>
+              <a:t>Progress</a:t>
+            </a:r>
+            <a:endParaRPr lang="en-US" sz="2800" dirty="0"/>
+          </a:p>
+        </p:txBody>
+      </p:sp>
+      <p:sp>
+        <p:nvSpPr>
+          <p:cNvPr id="26" name="TextBox 25"/>
+          <p:cNvSpPr txBox="1"/>
+          <p:nvPr/>
+        </p:nvSpPr>
+        <p:spPr>
+          <a:xfrm rot="5400000">
+            <a:off x="5788223" y="1214583"/>
+            <a:ext cx="615553" cy="7924356"/>
+          </a:xfrm>
+          <a:prstGeom prst="rect">
+            <a:avLst/>
+          </a:prstGeom>
+          <a:noFill/>
+        </p:spPr>
+        <p:txBody>
+          <a:bodyPr vert="vert270" wrap="square" rtlCol="0">
+            <a:spAutoFit/>
+          </a:bodyPr>
+          <a:lstStyle/>
+          <a:p>
+            <a:pPr algn="ctr"/>
+            <a:r>
+              <a:rPr lang="en-US" sz="2800" dirty="0" smtClean="0"/>
+              <a:t>Organizations</a:t>
+            </a:r>
+            <a:endParaRPr lang="en-US" sz="2800" dirty="0"/>
+          </a:p>
+        </p:txBody>
+      </p:sp>
+      <p:cxnSp>
+        <p:nvCxnSpPr>
+          <p:cNvPr id="56" name="Straight Connector 55"/>
+          <p:cNvCxnSpPr/>
+          <p:nvPr/>
+        </p:nvCxnSpPr>
+        <p:spPr>
+          <a:xfrm>
+            <a:off x="2177280" y="4868983"/>
+            <a:ext cx="3600000" cy="1"/>
+          </a:xfrm>
+          <a:prstGeom prst="line">
+            <a:avLst/>
+          </a:prstGeom>
+        </p:spPr>
+        <p:style>
+          <a:lnRef idx="3">
+            <a:schemeClr val="dk1"/>
+          </a:lnRef>
+          <a:fillRef idx="0">
+            <a:schemeClr val="dk1"/>
+          </a:fillRef>
+          <a:effectRef idx="2">
+            <a:schemeClr val="dk1"/>
+          </a:effectRef>
+          <a:fontRef idx="minor">
+            <a:schemeClr val="tx1"/>
+          </a:fontRef>
+        </p:style>
+      </p:cxnSp>
+      <p:cxnSp>
+        <p:nvCxnSpPr>
+          <p:cNvPr id="61" name="Straight Connector 60"/>
+          <p:cNvCxnSpPr/>
+          <p:nvPr/>
+        </p:nvCxnSpPr>
+        <p:spPr>
+          <a:xfrm>
+            <a:off x="6458179" y="4868983"/>
+            <a:ext cx="3600000" cy="1"/>
+          </a:xfrm>
+          <a:prstGeom prst="line">
+            <a:avLst/>
+          </a:prstGeom>
+        </p:spPr>
+        <p:style>
+          <a:lnRef idx="3">
+            <a:schemeClr val="dk1"/>
+          </a:lnRef>
+          <a:fillRef idx="0">
+            <a:schemeClr val="dk1"/>
+          </a:fillRef>
+          <a:effectRef idx="2">
+            <a:schemeClr val="dk1"/>
+          </a:effectRef>
+          <a:fontRef idx="minor">
+            <a:schemeClr val="tx1"/>
+          </a:fontRef>
+        </p:style>
+      </p:cxnSp>
+      <p:sp>
+        <p:nvSpPr>
+          <p:cNvPr id="70" name="TextBox 69"/>
+          <p:cNvSpPr txBox="1"/>
+          <p:nvPr/>
+        </p:nvSpPr>
+        <p:spPr>
+          <a:xfrm rot="5400000">
+            <a:off x="5788222" y="-2991457"/>
+            <a:ext cx="615553" cy="7924356"/>
+          </a:xfrm>
+          <a:prstGeom prst="rect">
+            <a:avLst/>
+          </a:prstGeom>
+          <a:noFill/>
+        </p:spPr>
+        <p:txBody>
+          <a:bodyPr vert="vert270" wrap="square" rtlCol="0">
+            <a:spAutoFit/>
+          </a:bodyPr>
+          <a:lstStyle/>
+          <a:p>
+            <a:pPr algn="ctr"/>
+            <a:r>
+              <a:rPr lang="en-US" sz="2800" dirty="0" smtClean="0"/>
+              <a:t>Sustainable Development Goals</a:t>
+            </a:r>
+            <a:endParaRPr lang="en-US" sz="2800" dirty="0"/>
+          </a:p>
+        </p:txBody>
+      </p:sp>
+      <p:sp>
+        <p:nvSpPr>
+          <p:cNvPr id="63" name="Hexagon 62"/>
+          <p:cNvSpPr>
+            <a:spLocks noChangeAspect="1"/>
+          </p:cNvSpPr>
+          <p:nvPr/>
+        </p:nvSpPr>
+        <p:spPr>
+          <a:xfrm>
+            <a:off x="3268534" y="4312392"/>
+            <a:ext cx="632047" cy="544867"/>
+          </a:xfrm>
+          <a:prstGeom prst="hexagon">
+            <a:avLst/>
+          </a:prstGeom>
+        </p:spPr>
+        <p:style>
+          <a:lnRef idx="0">
+            <a:schemeClr val="accent2"/>
+          </a:lnRef>
+          <a:fillRef idx="3">
+            <a:schemeClr val="accent2"/>
+          </a:fillRef>
+          <a:effectRef idx="3">
+            <a:schemeClr val="accent2"/>
+          </a:effectRef>
+          <a:fontRef idx="minor">
+            <a:schemeClr val="lt1"/>
+          </a:fontRef>
+        </p:style>
+        <p:txBody>
+          <a:bodyPr rtlCol="0" anchor="ctr"/>
+          <a:lstStyle/>
+          <a:p>
+            <a:pPr algn="ctr"/>
+            <a:endParaRPr lang="en-US" sz="1600" b="1" dirty="0"/>
+          </a:p>
+        </p:txBody>
+      </p:sp>
+      <p:sp>
+        <p:nvSpPr>
+          <p:cNvPr id="79" name="Hexagon 78"/>
+          <p:cNvSpPr>
+            <a:spLocks noChangeAspect="1"/>
+          </p:cNvSpPr>
+          <p:nvPr/>
+        </p:nvSpPr>
+        <p:spPr>
+          <a:xfrm>
+            <a:off x="4053980" y="4312391"/>
+            <a:ext cx="632047" cy="544867"/>
+          </a:xfrm>
+          <a:prstGeom prst="hexagon">
+            <a:avLst/>
+          </a:prstGeom>
+        </p:spPr>
+        <p:style>
+          <a:lnRef idx="0">
+            <a:schemeClr val="accent6"/>
+          </a:lnRef>
+          <a:fillRef idx="3">
+            <a:schemeClr val="accent6"/>
+          </a:fillRef>
+          <a:effectRef idx="3">
+            <a:schemeClr val="accent6"/>
+          </a:effectRef>
+          <a:fontRef idx="minor">
+            <a:schemeClr val="lt1"/>
+          </a:fontRef>
+        </p:style>
+        <p:txBody>
+          <a:bodyPr rtlCol="0" anchor="ctr"/>
+          <a:lstStyle/>
+          <a:p>
+            <a:pPr algn="ctr"/>
+            <a:endParaRPr lang="en-US" sz="1600" b="1" dirty="0"/>
+          </a:p>
+        </p:txBody>
+      </p:sp>
+      <p:sp>
+        <p:nvSpPr>
+          <p:cNvPr id="80" name="Hexagon 79"/>
+          <p:cNvSpPr>
+            <a:spLocks noChangeAspect="1"/>
+          </p:cNvSpPr>
+          <p:nvPr/>
+        </p:nvSpPr>
+        <p:spPr>
+          <a:xfrm>
+            <a:off x="4053980" y="3767523"/>
+            <a:ext cx="632047" cy="544867"/>
+          </a:xfrm>
+          <a:prstGeom prst="hexagon">
+            <a:avLst/>
+          </a:prstGeom>
+        </p:spPr>
+        <p:style>
+          <a:lnRef idx="0">
+            <a:schemeClr val="accent6"/>
+          </a:lnRef>
+          <a:fillRef idx="3">
+            <a:schemeClr val="accent6"/>
+          </a:fillRef>
+          <a:effectRef idx="3">
+            <a:schemeClr val="accent6"/>
+          </a:effectRef>
+          <a:fontRef idx="minor">
+            <a:schemeClr val="lt1"/>
+          </a:fontRef>
+        </p:style>
+        <p:txBody>
+          <a:bodyPr rtlCol="0" anchor="ctr"/>
+          <a:lstStyle/>
+          <a:p>
+            <a:pPr algn="ctr"/>
+            <a:endParaRPr lang="en-US" sz="1600" b="1" dirty="0"/>
+          </a:p>
+        </p:txBody>
+      </p:sp>
+      <p:sp>
+        <p:nvSpPr>
+          <p:cNvPr id="86" name="Hexagon 85"/>
+          <p:cNvSpPr>
+            <a:spLocks noChangeAspect="1"/>
+          </p:cNvSpPr>
+          <p:nvPr/>
+        </p:nvSpPr>
+        <p:spPr>
+          <a:xfrm>
+            <a:off x="2483088" y="4312391"/>
+            <a:ext cx="632047" cy="544867"/>
+          </a:xfrm>
+          <a:prstGeom prst="hexagon">
+            <a:avLst/>
+          </a:prstGeom>
+        </p:spPr>
+        <p:style>
+          <a:lnRef idx="0">
+            <a:schemeClr val="accent1"/>
+          </a:lnRef>
+          <a:fillRef idx="3">
+            <a:schemeClr val="accent1"/>
+          </a:fillRef>
+          <a:effectRef idx="3">
+            <a:schemeClr val="accent1"/>
+          </a:effectRef>
+          <a:fontRef idx="minor">
+            <a:schemeClr val="lt1"/>
+          </a:fontRef>
+        </p:style>
+        <p:txBody>
+          <a:bodyPr rtlCol="0" anchor="ctr"/>
+          <a:lstStyle/>
+          <a:p>
+            <a:pPr algn="ctr"/>
+            <a:endParaRPr lang="en-US" sz="1600" b="1" dirty="0"/>
+          </a:p>
+        </p:txBody>
+      </p:sp>
+      <p:sp>
+        <p:nvSpPr>
+          <p:cNvPr id="93" name="Hexagon 92"/>
+          <p:cNvSpPr>
+            <a:spLocks noChangeAspect="1"/>
+          </p:cNvSpPr>
+          <p:nvPr/>
+        </p:nvSpPr>
+        <p:spPr>
+          <a:xfrm>
+            <a:off x="4839426" y="4312390"/>
+            <a:ext cx="632047" cy="544867"/>
+          </a:xfrm>
+          <a:prstGeom prst="hexagon">
+            <a:avLst/>
+          </a:prstGeom>
+        </p:spPr>
+        <p:style>
+          <a:lnRef idx="0">
+            <a:schemeClr val="accent4"/>
+          </a:lnRef>
+          <a:fillRef idx="3">
+            <a:schemeClr val="accent4"/>
+          </a:fillRef>
+          <a:effectRef idx="3">
+            <a:schemeClr val="accent4"/>
+          </a:effectRef>
+          <a:fontRef idx="minor">
+            <a:schemeClr val="lt1"/>
+          </a:fontRef>
+        </p:style>
+        <p:txBody>
+          <a:bodyPr rtlCol="0" anchor="ctr"/>
+          <a:lstStyle/>
+          <a:p>
+            <a:pPr algn="ctr"/>
+            <a:endParaRPr lang="en-US" sz="1600" b="1" dirty="0"/>
+          </a:p>
+        </p:txBody>
+      </p:sp>
+      <p:sp>
+        <p:nvSpPr>
+          <p:cNvPr id="48" name="Hexagon 47"/>
+          <p:cNvSpPr>
+            <a:spLocks noChangeAspect="1"/>
+          </p:cNvSpPr>
+          <p:nvPr/>
+        </p:nvSpPr>
+        <p:spPr>
+          <a:xfrm>
+            <a:off x="7942156" y="4312388"/>
+            <a:ext cx="632047" cy="544867"/>
+          </a:xfrm>
+          <a:prstGeom prst="hexagon">
+            <a:avLst/>
+          </a:prstGeom>
+        </p:spPr>
+        <p:style>
+          <a:lnRef idx="0">
+            <a:schemeClr val="accent6"/>
+          </a:lnRef>
+          <a:fillRef idx="3">
+            <a:schemeClr val="accent6"/>
+          </a:fillRef>
+          <a:effectRef idx="3">
+            <a:schemeClr val="accent6"/>
+          </a:effectRef>
+          <a:fontRef idx="minor">
+            <a:schemeClr val="lt1"/>
+          </a:fontRef>
+        </p:style>
+        <p:txBody>
+          <a:bodyPr rtlCol="0" anchor="ctr"/>
+          <a:lstStyle/>
+          <a:p>
+            <a:pPr algn="ctr"/>
+            <a:endParaRPr lang="en-US" sz="1600" b="1" dirty="0"/>
+          </a:p>
+        </p:txBody>
+      </p:sp>
+      <p:sp>
+        <p:nvSpPr>
+          <p:cNvPr id="49" name="Hexagon 48"/>
+          <p:cNvSpPr>
+            <a:spLocks noChangeAspect="1"/>
+          </p:cNvSpPr>
+          <p:nvPr/>
+        </p:nvSpPr>
+        <p:spPr>
+          <a:xfrm>
+            <a:off x="7339188" y="3980995"/>
+            <a:ext cx="632047" cy="544867"/>
+          </a:xfrm>
+          <a:prstGeom prst="hexagon">
+            <a:avLst/>
+          </a:prstGeom>
+        </p:spPr>
+        <p:style>
+          <a:lnRef idx="0">
+            <a:schemeClr val="accent2"/>
+          </a:lnRef>
+          <a:fillRef idx="3">
+            <a:schemeClr val="accent2"/>
+          </a:fillRef>
+          <a:effectRef idx="3">
+            <a:schemeClr val="accent2"/>
+          </a:effectRef>
+          <a:fontRef idx="minor">
+            <a:schemeClr val="lt1"/>
+          </a:fontRef>
+        </p:style>
+        <p:txBody>
+          <a:bodyPr rtlCol="0" anchor="ctr"/>
+          <a:lstStyle/>
+          <a:p>
+            <a:pPr algn="ctr"/>
+            <a:endParaRPr lang="en-US" sz="1600" b="1" dirty="0"/>
+          </a:p>
+        </p:txBody>
+      </p:sp>
+      <p:sp>
+        <p:nvSpPr>
+          <p:cNvPr id="50" name="Hexagon 49"/>
+          <p:cNvSpPr>
+            <a:spLocks noChangeAspect="1"/>
+          </p:cNvSpPr>
+          <p:nvPr/>
+        </p:nvSpPr>
+        <p:spPr>
+          <a:xfrm>
+            <a:off x="7942155" y="3649602"/>
+            <a:ext cx="632047" cy="544867"/>
+          </a:xfrm>
+          <a:prstGeom prst="hexagon">
+            <a:avLst/>
+          </a:prstGeom>
+        </p:spPr>
+        <p:style>
+          <a:lnRef idx="0">
+            <a:schemeClr val="accent1"/>
+          </a:lnRef>
+          <a:fillRef idx="3">
+            <a:schemeClr val="accent1"/>
+          </a:fillRef>
+          <a:effectRef idx="3">
+            <a:schemeClr val="accent1"/>
+          </a:effectRef>
+          <a:fontRef idx="minor">
+            <a:schemeClr val="lt1"/>
+          </a:fontRef>
+        </p:style>
+        <p:txBody>
+          <a:bodyPr rtlCol="0" anchor="ctr"/>
+          <a:lstStyle/>
+          <a:p>
+            <a:pPr algn="ctr"/>
+            <a:endParaRPr lang="en-US" sz="1600" b="1" dirty="0"/>
+          </a:p>
+        </p:txBody>
+      </p:sp>
+      <p:sp>
+        <p:nvSpPr>
+          <p:cNvPr id="51" name="Hexagon 50"/>
+          <p:cNvSpPr>
+            <a:spLocks noChangeAspect="1"/>
+          </p:cNvSpPr>
+          <p:nvPr/>
+        </p:nvSpPr>
+        <p:spPr>
+          <a:xfrm>
+            <a:off x="8545122" y="3323527"/>
+            <a:ext cx="632047" cy="544867"/>
+          </a:xfrm>
+          <a:prstGeom prst="hexagon">
+            <a:avLst/>
+          </a:prstGeom>
+        </p:spPr>
+        <p:style>
+          <a:lnRef idx="0">
+            <a:schemeClr val="accent6"/>
+          </a:lnRef>
+          <a:fillRef idx="3">
+            <a:schemeClr val="accent6"/>
+          </a:fillRef>
+          <a:effectRef idx="3">
+            <a:schemeClr val="accent6"/>
+          </a:effectRef>
+          <a:fontRef idx="minor">
+            <a:schemeClr val="lt1"/>
+          </a:fontRef>
+        </p:style>
+        <p:txBody>
+          <a:bodyPr rtlCol="0" anchor="ctr"/>
+          <a:lstStyle/>
+          <a:p>
+            <a:pPr algn="ctr"/>
+            <a:endParaRPr lang="en-US" sz="1600" b="1" dirty="0"/>
+          </a:p>
+        </p:txBody>
+      </p:sp>
+      <p:sp>
+        <p:nvSpPr>
+          <p:cNvPr id="52" name="Hexagon 51"/>
+          <p:cNvSpPr>
+            <a:spLocks noChangeAspect="1"/>
+          </p:cNvSpPr>
+          <p:nvPr/>
+        </p:nvSpPr>
+        <p:spPr>
+          <a:xfrm>
+            <a:off x="7927615" y="2986816"/>
+            <a:ext cx="632047" cy="544867"/>
+          </a:xfrm>
+          <a:prstGeom prst="hexagon">
+            <a:avLst/>
+          </a:prstGeom>
+        </p:spPr>
+        <p:style>
+          <a:lnRef idx="0">
+            <a:schemeClr val="accent4"/>
+          </a:lnRef>
+          <a:fillRef idx="3">
+            <a:schemeClr val="accent4"/>
+          </a:fillRef>
+          <a:effectRef idx="3">
+            <a:schemeClr val="accent4"/>
+          </a:effectRef>
+          <a:fontRef idx="minor">
+            <a:schemeClr val="lt1"/>
+          </a:fontRef>
+        </p:style>
+        <p:txBody>
+          <a:bodyPr rtlCol="0" anchor="ctr"/>
+          <a:lstStyle/>
+          <a:p>
+            <a:pPr algn="ctr"/>
+            <a:endParaRPr lang="en-US" sz="1600" b="1" dirty="0"/>
+          </a:p>
+        </p:txBody>
+      </p:sp>
+    </p:spTree>
+    <p:extLst>
+      <p:ext uri="{BB962C8B-B14F-4D97-AF65-F5344CB8AC3E}">
+        <p14:creationId xmlns:p14="http://schemas.microsoft.com/office/powerpoint/2010/main" val="2802437781"/>
+      </p:ext>
+    </p:extLst>
+  </p:cSld>
+  <p:clrMapOvr>
+    <a:masterClrMapping/>
+  </p:clrMapOvr>
+  <p:timing>
+    <p:tnLst>
+      <p:par>
+        <p:cTn id="1" dur="indefinite" restart="never" nodeType="tmRoot"/>
+      </p:par>
+    </p:tnLst>
+  </p:timing>
+</p:sld>
+</file>
+
+<file path=ppt/slides/slide15.xml><?xml version="1.0" encoding="utf-8"?>
+<p:sld xmlns:a="http://schemas.openxmlformats.org/drawingml/2006/main" xmlns:r="http://schemas.openxmlformats.org/officeDocument/2006/relationships" xmlns:p="http://schemas.openxmlformats.org/presentationml/2006/main">
+  <p:cSld>
+    <p:spTree>
+      <p:nvGrpSpPr>
+        <p:cNvPr id="1" name=""/>
+        <p:cNvGrpSpPr/>
+        <p:nvPr/>
+      </p:nvGrpSpPr>
+      <p:grpSpPr>
+        <a:xfrm>
+          <a:off x="0" y="0"/>
+          <a:ext cx="0" cy="0"/>
+          <a:chOff x="0" y="0"/>
+          <a:chExt cx="0" cy="0"/>
+        </a:xfrm>
+      </p:grpSpPr>
+      <p:cxnSp>
+        <p:nvCxnSpPr>
+          <p:cNvPr id="23" name="Straight Arrow Connector 22"/>
+          <p:cNvCxnSpPr/>
+          <p:nvPr/>
+        </p:nvCxnSpPr>
+        <p:spPr>
+          <a:xfrm flipV="1">
+            <a:off x="1778030" y="1278497"/>
+            <a:ext cx="0" cy="3600000"/>
+          </a:xfrm>
+          <a:prstGeom prst="straightConnector1">
+            <a:avLst/>
+          </a:prstGeom>
+          <a:ln w="76200">
+            <a:tailEnd type="triangle"/>
+          </a:ln>
+        </p:spPr>
+        <p:style>
+          <a:lnRef idx="3">
+            <a:schemeClr val="dk1"/>
+          </a:lnRef>
+          <a:fillRef idx="0">
+            <a:schemeClr val="dk1"/>
+          </a:fillRef>
+          <a:effectRef idx="2">
+            <a:schemeClr val="dk1"/>
+          </a:effectRef>
+          <a:fontRef idx="minor">
+            <a:schemeClr val="tx1"/>
+          </a:fontRef>
+        </p:style>
+      </p:cxnSp>
+      <p:sp>
+        <p:nvSpPr>
+          <p:cNvPr id="24" name="TextBox 23"/>
+          <p:cNvSpPr txBox="1"/>
+          <p:nvPr/>
+        </p:nvSpPr>
+        <p:spPr>
+          <a:xfrm>
+            <a:off x="1032979" y="1451882"/>
+            <a:ext cx="615553" cy="2929617"/>
+          </a:xfrm>
+          <a:prstGeom prst="rect">
+            <a:avLst/>
+          </a:prstGeom>
+          <a:noFill/>
+        </p:spPr>
+        <p:txBody>
+          <a:bodyPr vert="vert270" wrap="square" rtlCol="0">
+            <a:spAutoFit/>
+          </a:bodyPr>
+          <a:lstStyle/>
+          <a:p>
+            <a:pPr algn="ctr"/>
+            <a:r>
+              <a:rPr lang="en-US" sz="2800" dirty="0" smtClean="0"/>
+              <a:t>Progress</a:t>
+            </a:r>
+            <a:endParaRPr lang="en-US" sz="2800" dirty="0"/>
+          </a:p>
+        </p:txBody>
+      </p:sp>
+      <p:sp>
+        <p:nvSpPr>
+          <p:cNvPr id="26" name="TextBox 25"/>
+          <p:cNvSpPr txBox="1"/>
+          <p:nvPr/>
+        </p:nvSpPr>
+        <p:spPr>
+          <a:xfrm rot="5400000">
+            <a:off x="5788223" y="1214583"/>
+            <a:ext cx="615553" cy="7924356"/>
+          </a:xfrm>
+          <a:prstGeom prst="rect">
+            <a:avLst/>
+          </a:prstGeom>
+          <a:noFill/>
+        </p:spPr>
+        <p:txBody>
+          <a:bodyPr vert="vert270" wrap="square" rtlCol="0">
+            <a:spAutoFit/>
+          </a:bodyPr>
+          <a:lstStyle/>
+          <a:p>
+            <a:pPr algn="ctr"/>
+            <a:r>
+              <a:rPr lang="en-US" sz="2800" dirty="0" smtClean="0"/>
+              <a:t>Organizations</a:t>
+            </a:r>
+            <a:endParaRPr lang="en-US" sz="2800" dirty="0"/>
+          </a:p>
+        </p:txBody>
+      </p:sp>
+      <p:cxnSp>
+        <p:nvCxnSpPr>
+          <p:cNvPr id="56" name="Straight Connector 55"/>
+          <p:cNvCxnSpPr/>
+          <p:nvPr/>
+        </p:nvCxnSpPr>
+        <p:spPr>
+          <a:xfrm>
+            <a:off x="2177280" y="4868983"/>
+            <a:ext cx="3600000" cy="1"/>
+          </a:xfrm>
+          <a:prstGeom prst="line">
+            <a:avLst/>
+          </a:prstGeom>
+        </p:spPr>
+        <p:style>
+          <a:lnRef idx="3">
+            <a:schemeClr val="dk1"/>
+          </a:lnRef>
+          <a:fillRef idx="0">
+            <a:schemeClr val="dk1"/>
+          </a:fillRef>
+          <a:effectRef idx="2">
+            <a:schemeClr val="dk1"/>
+          </a:effectRef>
+          <a:fontRef idx="minor">
+            <a:schemeClr val="tx1"/>
+          </a:fontRef>
+        </p:style>
+      </p:cxnSp>
+      <p:cxnSp>
+        <p:nvCxnSpPr>
+          <p:cNvPr id="61" name="Straight Connector 60"/>
+          <p:cNvCxnSpPr/>
+          <p:nvPr/>
+        </p:nvCxnSpPr>
+        <p:spPr>
+          <a:xfrm>
+            <a:off x="6458179" y="4868983"/>
+            <a:ext cx="3600000" cy="1"/>
+          </a:xfrm>
+          <a:prstGeom prst="line">
+            <a:avLst/>
+          </a:prstGeom>
+        </p:spPr>
+        <p:style>
+          <a:lnRef idx="3">
+            <a:schemeClr val="dk1"/>
+          </a:lnRef>
+          <a:fillRef idx="0">
+            <a:schemeClr val="dk1"/>
+          </a:fillRef>
+          <a:effectRef idx="2">
+            <a:schemeClr val="dk1"/>
+          </a:effectRef>
+          <a:fontRef idx="minor">
+            <a:schemeClr val="tx1"/>
+          </a:fontRef>
+        </p:style>
+      </p:cxnSp>
+      <p:sp>
+        <p:nvSpPr>
+          <p:cNvPr id="70" name="TextBox 69"/>
+          <p:cNvSpPr txBox="1"/>
+          <p:nvPr/>
+        </p:nvSpPr>
+        <p:spPr>
+          <a:xfrm rot="5400000">
+            <a:off x="5788222" y="-2991457"/>
+            <a:ext cx="615553" cy="7924356"/>
+          </a:xfrm>
+          <a:prstGeom prst="rect">
+            <a:avLst/>
+          </a:prstGeom>
+          <a:noFill/>
+        </p:spPr>
+        <p:txBody>
+          <a:bodyPr vert="vert270" wrap="square" rtlCol="0">
+            <a:spAutoFit/>
+          </a:bodyPr>
+          <a:lstStyle/>
+          <a:p>
+            <a:pPr algn="ctr"/>
+            <a:r>
+              <a:rPr lang="en-US" sz="2800" dirty="0" smtClean="0"/>
+              <a:t>Sustainable Development Goals</a:t>
+            </a:r>
+            <a:endParaRPr lang="en-US" sz="2800" dirty="0"/>
+          </a:p>
+        </p:txBody>
+      </p:sp>
+      <p:sp>
+        <p:nvSpPr>
+          <p:cNvPr id="63" name="Hexagon 62"/>
+          <p:cNvSpPr>
+            <a:spLocks noChangeAspect="1"/>
+          </p:cNvSpPr>
+          <p:nvPr/>
+        </p:nvSpPr>
+        <p:spPr>
+          <a:xfrm>
+            <a:off x="3268534" y="4312392"/>
+            <a:ext cx="632047" cy="544867"/>
+          </a:xfrm>
+          <a:prstGeom prst="hexagon">
+            <a:avLst/>
+          </a:prstGeom>
+        </p:spPr>
+        <p:style>
+          <a:lnRef idx="0">
+            <a:schemeClr val="accent2"/>
+          </a:lnRef>
+          <a:fillRef idx="3">
+            <a:schemeClr val="accent2"/>
+          </a:fillRef>
+          <a:effectRef idx="3">
+            <a:schemeClr val="accent2"/>
+          </a:effectRef>
+          <a:fontRef idx="minor">
+            <a:schemeClr val="lt1"/>
+          </a:fontRef>
+        </p:style>
+        <p:txBody>
+          <a:bodyPr rtlCol="0" anchor="ctr"/>
+          <a:lstStyle/>
+          <a:p>
+            <a:pPr algn="ctr"/>
+            <a:endParaRPr lang="en-US" sz="1600" b="1" dirty="0"/>
+          </a:p>
+        </p:txBody>
+      </p:sp>
+      <p:sp>
+        <p:nvSpPr>
+          <p:cNvPr id="79" name="Hexagon 78"/>
+          <p:cNvSpPr>
+            <a:spLocks noChangeAspect="1"/>
+          </p:cNvSpPr>
+          <p:nvPr/>
+        </p:nvSpPr>
+        <p:spPr>
+          <a:xfrm>
+            <a:off x="4053980" y="4312391"/>
+            <a:ext cx="632047" cy="544867"/>
+          </a:xfrm>
+          <a:prstGeom prst="hexagon">
+            <a:avLst/>
+          </a:prstGeom>
+        </p:spPr>
+        <p:style>
+          <a:lnRef idx="0">
+            <a:schemeClr val="accent6"/>
+          </a:lnRef>
+          <a:fillRef idx="3">
+            <a:schemeClr val="accent6"/>
+          </a:fillRef>
+          <a:effectRef idx="3">
+            <a:schemeClr val="accent6"/>
+          </a:effectRef>
+          <a:fontRef idx="minor">
+            <a:schemeClr val="lt1"/>
+          </a:fontRef>
+        </p:style>
+        <p:txBody>
+          <a:bodyPr rtlCol="0" anchor="ctr"/>
+          <a:lstStyle/>
+          <a:p>
+            <a:pPr algn="ctr"/>
+            <a:endParaRPr lang="en-US" sz="1600" b="1" dirty="0"/>
+          </a:p>
+        </p:txBody>
+      </p:sp>
+      <p:sp>
+        <p:nvSpPr>
+          <p:cNvPr id="80" name="Hexagon 79"/>
+          <p:cNvSpPr>
+            <a:spLocks noChangeAspect="1"/>
+          </p:cNvSpPr>
+          <p:nvPr/>
+        </p:nvSpPr>
+        <p:spPr>
+          <a:xfrm>
+            <a:off x="4053980" y="3767523"/>
+            <a:ext cx="632047" cy="544867"/>
+          </a:xfrm>
+          <a:prstGeom prst="hexagon">
+            <a:avLst/>
+          </a:prstGeom>
+        </p:spPr>
+        <p:style>
+          <a:lnRef idx="0">
+            <a:schemeClr val="accent6"/>
+          </a:lnRef>
+          <a:fillRef idx="3">
+            <a:schemeClr val="accent6"/>
+          </a:fillRef>
+          <a:effectRef idx="3">
+            <a:schemeClr val="accent6"/>
+          </a:effectRef>
+          <a:fontRef idx="minor">
+            <a:schemeClr val="lt1"/>
+          </a:fontRef>
+        </p:style>
+        <p:txBody>
+          <a:bodyPr rtlCol="0" anchor="ctr"/>
+          <a:lstStyle/>
+          <a:p>
+            <a:pPr algn="ctr"/>
+            <a:endParaRPr lang="en-US" sz="1600" b="1" dirty="0"/>
+          </a:p>
+        </p:txBody>
+      </p:sp>
+      <p:sp>
+        <p:nvSpPr>
+          <p:cNvPr id="86" name="Hexagon 85"/>
+          <p:cNvSpPr>
+            <a:spLocks noChangeAspect="1"/>
+          </p:cNvSpPr>
+          <p:nvPr/>
+        </p:nvSpPr>
+        <p:spPr>
+          <a:xfrm>
+            <a:off x="2483088" y="4312391"/>
+            <a:ext cx="632047" cy="544867"/>
+          </a:xfrm>
+          <a:prstGeom prst="hexagon">
+            <a:avLst/>
+          </a:prstGeom>
+        </p:spPr>
+        <p:style>
+          <a:lnRef idx="0">
+            <a:schemeClr val="accent1"/>
+          </a:lnRef>
+          <a:fillRef idx="3">
+            <a:schemeClr val="accent1"/>
+          </a:fillRef>
+          <a:effectRef idx="3">
+            <a:schemeClr val="accent1"/>
+          </a:effectRef>
+          <a:fontRef idx="minor">
+            <a:schemeClr val="lt1"/>
+          </a:fontRef>
+        </p:style>
+        <p:txBody>
+          <a:bodyPr rtlCol="0" anchor="ctr"/>
+          <a:lstStyle/>
+          <a:p>
+            <a:pPr algn="ctr"/>
+            <a:endParaRPr lang="en-US" sz="1600" b="1" dirty="0"/>
+          </a:p>
+        </p:txBody>
+      </p:sp>
+      <p:sp>
+        <p:nvSpPr>
+          <p:cNvPr id="43" name="Hexagon 42"/>
+          <p:cNvSpPr>
+            <a:spLocks noChangeAspect="1"/>
+          </p:cNvSpPr>
+          <p:nvPr/>
+        </p:nvSpPr>
+        <p:spPr>
+          <a:xfrm>
+            <a:off x="7942156" y="4312388"/>
+            <a:ext cx="632047" cy="544867"/>
+          </a:xfrm>
+          <a:prstGeom prst="hexagon">
+            <a:avLst/>
+          </a:prstGeom>
+        </p:spPr>
+        <p:style>
+          <a:lnRef idx="0">
+            <a:schemeClr val="accent6"/>
+          </a:lnRef>
+          <a:fillRef idx="3">
+            <a:schemeClr val="accent6"/>
+          </a:fillRef>
+          <a:effectRef idx="3">
+            <a:schemeClr val="accent6"/>
+          </a:effectRef>
+          <a:fontRef idx="minor">
+            <a:schemeClr val="lt1"/>
+          </a:fontRef>
+        </p:style>
+        <p:txBody>
+          <a:bodyPr rtlCol="0" anchor="ctr"/>
+          <a:lstStyle/>
+          <a:p>
+            <a:pPr algn="ctr"/>
+            <a:endParaRPr lang="en-US" sz="1600" b="1" dirty="0"/>
+          </a:p>
+        </p:txBody>
+      </p:sp>
+      <p:sp>
+        <p:nvSpPr>
+          <p:cNvPr id="44" name="Hexagon 43"/>
+          <p:cNvSpPr>
+            <a:spLocks noChangeAspect="1"/>
+          </p:cNvSpPr>
+          <p:nvPr/>
+        </p:nvSpPr>
+        <p:spPr>
+          <a:xfrm>
+            <a:off x="7339188" y="3980995"/>
+            <a:ext cx="632047" cy="544867"/>
+          </a:xfrm>
+          <a:prstGeom prst="hexagon">
+            <a:avLst/>
+          </a:prstGeom>
+        </p:spPr>
+        <p:style>
+          <a:lnRef idx="0">
+            <a:schemeClr val="accent2"/>
+          </a:lnRef>
+          <a:fillRef idx="3">
+            <a:schemeClr val="accent2"/>
+          </a:fillRef>
+          <a:effectRef idx="3">
+            <a:schemeClr val="accent2"/>
+          </a:effectRef>
+          <a:fontRef idx="minor">
+            <a:schemeClr val="lt1"/>
+          </a:fontRef>
+        </p:style>
+        <p:txBody>
+          <a:bodyPr rtlCol="0" anchor="ctr"/>
+          <a:lstStyle/>
+          <a:p>
+            <a:pPr algn="ctr"/>
+            <a:endParaRPr lang="en-US" sz="1600" b="1" dirty="0"/>
+          </a:p>
+        </p:txBody>
+      </p:sp>
+      <p:sp>
+        <p:nvSpPr>
+          <p:cNvPr id="45" name="Hexagon 44"/>
+          <p:cNvSpPr>
+            <a:spLocks noChangeAspect="1"/>
+          </p:cNvSpPr>
+          <p:nvPr/>
+        </p:nvSpPr>
+        <p:spPr>
+          <a:xfrm>
+            <a:off x="7942155" y="3649602"/>
+            <a:ext cx="632047" cy="544867"/>
+          </a:xfrm>
+          <a:prstGeom prst="hexagon">
+            <a:avLst/>
+          </a:prstGeom>
+        </p:spPr>
+        <p:style>
+          <a:lnRef idx="0">
+            <a:schemeClr val="accent1"/>
+          </a:lnRef>
+          <a:fillRef idx="3">
+            <a:schemeClr val="accent1"/>
+          </a:fillRef>
+          <a:effectRef idx="3">
+            <a:schemeClr val="accent1"/>
+          </a:effectRef>
+          <a:fontRef idx="minor">
+            <a:schemeClr val="lt1"/>
+          </a:fontRef>
+        </p:style>
+        <p:txBody>
+          <a:bodyPr rtlCol="0" anchor="ctr"/>
+          <a:lstStyle/>
+          <a:p>
+            <a:pPr algn="ctr"/>
+            <a:endParaRPr lang="en-US" sz="1600" b="1" dirty="0"/>
+          </a:p>
+        </p:txBody>
+      </p:sp>
+      <p:sp>
+        <p:nvSpPr>
+          <p:cNvPr id="46" name="Hexagon 45"/>
+          <p:cNvSpPr>
+            <a:spLocks noChangeAspect="1"/>
+          </p:cNvSpPr>
+          <p:nvPr/>
+        </p:nvSpPr>
+        <p:spPr>
+          <a:xfrm>
+            <a:off x="8545122" y="3323527"/>
+            <a:ext cx="632047" cy="544867"/>
+          </a:xfrm>
+          <a:prstGeom prst="hexagon">
+            <a:avLst/>
+          </a:prstGeom>
+        </p:spPr>
+        <p:style>
+          <a:lnRef idx="0">
+            <a:schemeClr val="accent6"/>
+          </a:lnRef>
+          <a:fillRef idx="3">
+            <a:schemeClr val="accent6"/>
+          </a:fillRef>
+          <a:effectRef idx="3">
+            <a:schemeClr val="accent6"/>
+          </a:effectRef>
+          <a:fontRef idx="minor">
+            <a:schemeClr val="lt1"/>
+          </a:fontRef>
+        </p:style>
+        <p:txBody>
+          <a:bodyPr rtlCol="0" anchor="ctr"/>
+          <a:lstStyle/>
+          <a:p>
+            <a:pPr algn="ctr"/>
+            <a:endParaRPr lang="en-US" sz="1600" b="1" dirty="0"/>
+          </a:p>
+        </p:txBody>
+      </p:sp>
+    </p:spTree>
+    <p:extLst>
+      <p:ext uri="{BB962C8B-B14F-4D97-AF65-F5344CB8AC3E}">
+        <p14:creationId xmlns:p14="http://schemas.microsoft.com/office/powerpoint/2010/main" val="1794429827"/>
+      </p:ext>
+    </p:extLst>
+  </p:cSld>
+  <p:clrMapOvr>
+    <a:masterClrMapping/>
+  </p:clrMapOvr>
+  <p:timing>
+    <p:tnLst>
+      <p:par>
+        <p:cTn id="1" dur="indefinite" restart="never" nodeType="tmRoot"/>
+      </p:par>
+    </p:tnLst>
+  </p:timing>
+</p:sld>
+</file>
+
+<file path=ppt/slides/slide16.xml><?xml version="1.0" encoding="utf-8"?>
+<p:sld xmlns:a="http://schemas.openxmlformats.org/drawingml/2006/main" xmlns:r="http://schemas.openxmlformats.org/officeDocument/2006/relationships" xmlns:p="http://schemas.openxmlformats.org/presentationml/2006/main">
+  <p:cSld>
+    <p:spTree>
+      <p:nvGrpSpPr>
+        <p:cNvPr id="1" name=""/>
+        <p:cNvGrpSpPr/>
+        <p:nvPr/>
+      </p:nvGrpSpPr>
+      <p:grpSpPr>
+        <a:xfrm>
+          <a:off x="0" y="0"/>
+          <a:ext cx="0" cy="0"/>
+          <a:chOff x="0" y="0"/>
+          <a:chExt cx="0" cy="0"/>
+        </a:xfrm>
+      </p:grpSpPr>
+      <p:cxnSp>
+        <p:nvCxnSpPr>
+          <p:cNvPr id="23" name="Straight Arrow Connector 22"/>
+          <p:cNvCxnSpPr/>
+          <p:nvPr/>
+        </p:nvCxnSpPr>
+        <p:spPr>
+          <a:xfrm flipV="1">
+            <a:off x="1778030" y="1278497"/>
+            <a:ext cx="0" cy="3600000"/>
+          </a:xfrm>
+          <a:prstGeom prst="straightConnector1">
+            <a:avLst/>
+          </a:prstGeom>
+          <a:ln w="76200">
+            <a:tailEnd type="triangle"/>
+          </a:ln>
+        </p:spPr>
+        <p:style>
+          <a:lnRef idx="3">
+            <a:schemeClr val="dk1"/>
+          </a:lnRef>
+          <a:fillRef idx="0">
+            <a:schemeClr val="dk1"/>
+          </a:fillRef>
+          <a:effectRef idx="2">
+            <a:schemeClr val="dk1"/>
+          </a:effectRef>
+          <a:fontRef idx="minor">
+            <a:schemeClr val="tx1"/>
+          </a:fontRef>
+        </p:style>
+      </p:cxnSp>
+      <p:sp>
+        <p:nvSpPr>
+          <p:cNvPr id="24" name="TextBox 23"/>
+          <p:cNvSpPr txBox="1"/>
+          <p:nvPr/>
+        </p:nvSpPr>
+        <p:spPr>
+          <a:xfrm>
+            <a:off x="1032979" y="1451882"/>
+            <a:ext cx="615553" cy="2929617"/>
+          </a:xfrm>
+          <a:prstGeom prst="rect">
+            <a:avLst/>
+          </a:prstGeom>
+          <a:noFill/>
+        </p:spPr>
+        <p:txBody>
+          <a:bodyPr vert="vert270" wrap="square" rtlCol="0">
+            <a:spAutoFit/>
+          </a:bodyPr>
+          <a:lstStyle/>
+          <a:p>
+            <a:pPr algn="ctr"/>
+            <a:r>
+              <a:rPr lang="en-US" sz="2800" dirty="0" smtClean="0"/>
+              <a:t>Progress</a:t>
+            </a:r>
+            <a:endParaRPr lang="en-US" sz="2800" dirty="0"/>
+          </a:p>
+        </p:txBody>
+      </p:sp>
+      <p:sp>
+        <p:nvSpPr>
+          <p:cNvPr id="26" name="TextBox 25"/>
+          <p:cNvSpPr txBox="1"/>
+          <p:nvPr/>
+        </p:nvSpPr>
+        <p:spPr>
+          <a:xfrm rot="5400000">
+            <a:off x="5788223" y="1214583"/>
+            <a:ext cx="615553" cy="7924356"/>
+          </a:xfrm>
+          <a:prstGeom prst="rect">
+            <a:avLst/>
+          </a:prstGeom>
+          <a:noFill/>
+        </p:spPr>
+        <p:txBody>
+          <a:bodyPr vert="vert270" wrap="square" rtlCol="0">
+            <a:spAutoFit/>
+          </a:bodyPr>
+          <a:lstStyle/>
+          <a:p>
+            <a:pPr algn="ctr"/>
+            <a:r>
+              <a:rPr lang="en-US" sz="2800" dirty="0" smtClean="0"/>
+              <a:t>Organizations</a:t>
+            </a:r>
+            <a:endParaRPr lang="en-US" sz="2800" dirty="0"/>
+          </a:p>
+        </p:txBody>
+      </p:sp>
+      <p:cxnSp>
+        <p:nvCxnSpPr>
+          <p:cNvPr id="56" name="Straight Connector 55"/>
+          <p:cNvCxnSpPr/>
+          <p:nvPr/>
+        </p:nvCxnSpPr>
+        <p:spPr>
+          <a:xfrm>
+            <a:off x="2177280" y="4868983"/>
+            <a:ext cx="3600000" cy="1"/>
+          </a:xfrm>
+          <a:prstGeom prst="line">
+            <a:avLst/>
+          </a:prstGeom>
+        </p:spPr>
+        <p:style>
+          <a:lnRef idx="3">
+            <a:schemeClr val="dk1"/>
+          </a:lnRef>
+          <a:fillRef idx="0">
+            <a:schemeClr val="dk1"/>
+          </a:fillRef>
+          <a:effectRef idx="2">
+            <a:schemeClr val="dk1"/>
+          </a:effectRef>
+          <a:fontRef idx="minor">
+            <a:schemeClr val="tx1"/>
+          </a:fontRef>
+        </p:style>
+      </p:cxnSp>
+      <p:cxnSp>
+        <p:nvCxnSpPr>
+          <p:cNvPr id="61" name="Straight Connector 60"/>
+          <p:cNvCxnSpPr/>
+          <p:nvPr/>
+        </p:nvCxnSpPr>
+        <p:spPr>
+          <a:xfrm>
+            <a:off x="6458179" y="4868983"/>
+            <a:ext cx="3600000" cy="1"/>
+          </a:xfrm>
+          <a:prstGeom prst="line">
+            <a:avLst/>
+          </a:prstGeom>
+        </p:spPr>
+        <p:style>
+          <a:lnRef idx="3">
+            <a:schemeClr val="dk1"/>
+          </a:lnRef>
+          <a:fillRef idx="0">
+            <a:schemeClr val="dk1"/>
+          </a:fillRef>
+          <a:effectRef idx="2">
+            <a:schemeClr val="dk1"/>
+          </a:effectRef>
+          <a:fontRef idx="minor">
+            <a:schemeClr val="tx1"/>
+          </a:fontRef>
+        </p:style>
+      </p:cxnSp>
+      <p:sp>
+        <p:nvSpPr>
+          <p:cNvPr id="70" name="TextBox 69"/>
+          <p:cNvSpPr txBox="1"/>
+          <p:nvPr/>
+        </p:nvSpPr>
+        <p:spPr>
+          <a:xfrm rot="5400000">
+            <a:off x="5788222" y="-2991457"/>
+            <a:ext cx="615553" cy="7924356"/>
+          </a:xfrm>
+          <a:prstGeom prst="rect">
+            <a:avLst/>
+          </a:prstGeom>
+          <a:noFill/>
+        </p:spPr>
+        <p:txBody>
+          <a:bodyPr vert="vert270" wrap="square" rtlCol="0">
+            <a:spAutoFit/>
+          </a:bodyPr>
+          <a:lstStyle/>
+          <a:p>
+            <a:pPr algn="ctr"/>
+            <a:r>
+              <a:rPr lang="en-US" sz="2800" dirty="0" smtClean="0"/>
+              <a:t>Sustainable Development Goals</a:t>
+            </a:r>
+            <a:endParaRPr lang="en-US" sz="2800" dirty="0"/>
+          </a:p>
+        </p:txBody>
+      </p:sp>
+      <p:sp>
+        <p:nvSpPr>
+          <p:cNvPr id="63" name="Hexagon 62"/>
+          <p:cNvSpPr>
+            <a:spLocks noChangeAspect="1"/>
+          </p:cNvSpPr>
+          <p:nvPr/>
+        </p:nvSpPr>
+        <p:spPr>
+          <a:xfrm>
+            <a:off x="3268534" y="4312392"/>
+            <a:ext cx="632047" cy="544867"/>
+          </a:xfrm>
+          <a:prstGeom prst="hexagon">
+            <a:avLst/>
+          </a:prstGeom>
+        </p:spPr>
+        <p:style>
+          <a:lnRef idx="0">
+            <a:schemeClr val="accent2"/>
+          </a:lnRef>
+          <a:fillRef idx="3">
+            <a:schemeClr val="accent2"/>
+          </a:fillRef>
+          <a:effectRef idx="3">
+            <a:schemeClr val="accent2"/>
+          </a:effectRef>
+          <a:fontRef idx="minor">
+            <a:schemeClr val="lt1"/>
+          </a:fontRef>
+        </p:style>
+        <p:txBody>
+          <a:bodyPr rtlCol="0" anchor="ctr"/>
+          <a:lstStyle/>
+          <a:p>
+            <a:pPr algn="ctr"/>
+            <a:endParaRPr lang="en-US" sz="1600" b="1" dirty="0"/>
+          </a:p>
+        </p:txBody>
+      </p:sp>
+      <p:sp>
+        <p:nvSpPr>
+          <p:cNvPr id="79" name="Hexagon 78"/>
+          <p:cNvSpPr>
+            <a:spLocks noChangeAspect="1"/>
+          </p:cNvSpPr>
+          <p:nvPr/>
+        </p:nvSpPr>
+        <p:spPr>
+          <a:xfrm>
+            <a:off x="4053980" y="4312391"/>
+            <a:ext cx="632047" cy="544867"/>
+          </a:xfrm>
+          <a:prstGeom prst="hexagon">
+            <a:avLst/>
+          </a:prstGeom>
+        </p:spPr>
+        <p:style>
+          <a:lnRef idx="0">
+            <a:schemeClr val="accent6"/>
+          </a:lnRef>
+          <a:fillRef idx="3">
+            <a:schemeClr val="accent6"/>
+          </a:fillRef>
+          <a:effectRef idx="3">
+            <a:schemeClr val="accent6"/>
+          </a:effectRef>
+          <a:fontRef idx="minor">
+            <a:schemeClr val="lt1"/>
+          </a:fontRef>
+        </p:style>
+        <p:txBody>
+          <a:bodyPr rtlCol="0" anchor="ctr"/>
+          <a:lstStyle/>
+          <a:p>
+            <a:pPr algn="ctr"/>
+            <a:endParaRPr lang="en-US" sz="1600" b="1" dirty="0"/>
+          </a:p>
+        </p:txBody>
+      </p:sp>
+      <p:sp>
+        <p:nvSpPr>
+          <p:cNvPr id="86" name="Hexagon 85"/>
+          <p:cNvSpPr>
+            <a:spLocks noChangeAspect="1"/>
+          </p:cNvSpPr>
+          <p:nvPr/>
+        </p:nvSpPr>
+        <p:spPr>
+          <a:xfrm>
+            <a:off x="2483088" y="4312391"/>
+            <a:ext cx="632047" cy="544867"/>
+          </a:xfrm>
+          <a:prstGeom prst="hexagon">
+            <a:avLst/>
+          </a:prstGeom>
+        </p:spPr>
+        <p:style>
+          <a:lnRef idx="0">
+            <a:schemeClr val="accent1"/>
+          </a:lnRef>
+          <a:fillRef idx="3">
+            <a:schemeClr val="accent1"/>
+          </a:fillRef>
+          <a:effectRef idx="3">
+            <a:schemeClr val="accent1"/>
+          </a:effectRef>
+          <a:fontRef idx="minor">
+            <a:schemeClr val="lt1"/>
+          </a:fontRef>
+        </p:style>
+        <p:txBody>
+          <a:bodyPr rtlCol="0" anchor="ctr"/>
+          <a:lstStyle/>
+          <a:p>
+            <a:pPr algn="ctr"/>
+            <a:endParaRPr lang="en-US" sz="1600" b="1" dirty="0"/>
+          </a:p>
+        </p:txBody>
+      </p:sp>
+      <p:sp>
+        <p:nvSpPr>
+          <p:cNvPr id="43" name="Hexagon 42"/>
+          <p:cNvSpPr>
+            <a:spLocks noChangeAspect="1"/>
+          </p:cNvSpPr>
+          <p:nvPr/>
+        </p:nvSpPr>
+        <p:spPr>
+          <a:xfrm>
+            <a:off x="7942156" y="4312388"/>
+            <a:ext cx="632047" cy="544867"/>
+          </a:xfrm>
+          <a:prstGeom prst="hexagon">
+            <a:avLst/>
+          </a:prstGeom>
+        </p:spPr>
+        <p:style>
+          <a:lnRef idx="0">
+            <a:schemeClr val="accent6"/>
+          </a:lnRef>
+          <a:fillRef idx="3">
+            <a:schemeClr val="accent6"/>
+          </a:fillRef>
+          <a:effectRef idx="3">
+            <a:schemeClr val="accent6"/>
+          </a:effectRef>
+          <a:fontRef idx="minor">
+            <a:schemeClr val="lt1"/>
+          </a:fontRef>
+        </p:style>
+        <p:txBody>
+          <a:bodyPr rtlCol="0" anchor="ctr"/>
+          <a:lstStyle/>
+          <a:p>
+            <a:pPr algn="ctr"/>
+            <a:endParaRPr lang="en-US" sz="1600" b="1" dirty="0"/>
+          </a:p>
+        </p:txBody>
+      </p:sp>
+      <p:sp>
+        <p:nvSpPr>
+          <p:cNvPr id="44" name="Hexagon 43"/>
+          <p:cNvSpPr>
+            <a:spLocks noChangeAspect="1"/>
+          </p:cNvSpPr>
+          <p:nvPr/>
+        </p:nvSpPr>
+        <p:spPr>
+          <a:xfrm>
+            <a:off x="7339188" y="3980995"/>
+            <a:ext cx="632047" cy="544867"/>
+          </a:xfrm>
+          <a:prstGeom prst="hexagon">
+            <a:avLst/>
+          </a:prstGeom>
+        </p:spPr>
+        <p:style>
+          <a:lnRef idx="0">
+            <a:schemeClr val="accent2"/>
+          </a:lnRef>
+          <a:fillRef idx="3">
+            <a:schemeClr val="accent2"/>
+          </a:fillRef>
+          <a:effectRef idx="3">
+            <a:schemeClr val="accent2"/>
+          </a:effectRef>
+          <a:fontRef idx="minor">
+            <a:schemeClr val="lt1"/>
+          </a:fontRef>
+        </p:style>
+        <p:txBody>
+          <a:bodyPr rtlCol="0" anchor="ctr"/>
+          <a:lstStyle/>
+          <a:p>
+            <a:pPr algn="ctr"/>
+            <a:endParaRPr lang="en-US" sz="1600" b="1" dirty="0"/>
+          </a:p>
+        </p:txBody>
+      </p:sp>
+      <p:sp>
+        <p:nvSpPr>
+          <p:cNvPr id="45" name="Hexagon 44"/>
+          <p:cNvSpPr>
+            <a:spLocks noChangeAspect="1"/>
+          </p:cNvSpPr>
+          <p:nvPr/>
+        </p:nvSpPr>
+        <p:spPr>
+          <a:xfrm>
+            <a:off x="7942155" y="3649602"/>
+            <a:ext cx="632047" cy="544867"/>
+          </a:xfrm>
+          <a:prstGeom prst="hexagon">
+            <a:avLst/>
+          </a:prstGeom>
+        </p:spPr>
+        <p:style>
+          <a:lnRef idx="0">
+            <a:schemeClr val="accent1"/>
+          </a:lnRef>
+          <a:fillRef idx="3">
+            <a:schemeClr val="accent1"/>
+          </a:fillRef>
+          <a:effectRef idx="3">
+            <a:schemeClr val="accent1"/>
+          </a:effectRef>
+          <a:fontRef idx="minor">
+            <a:schemeClr val="lt1"/>
+          </a:fontRef>
+        </p:style>
+        <p:txBody>
+          <a:bodyPr rtlCol="0" anchor="ctr"/>
+          <a:lstStyle/>
+          <a:p>
+            <a:pPr algn="ctr"/>
+            <a:endParaRPr lang="en-US" sz="1600" b="1" dirty="0"/>
+          </a:p>
+        </p:txBody>
+      </p:sp>
+    </p:spTree>
+    <p:extLst>
+      <p:ext uri="{BB962C8B-B14F-4D97-AF65-F5344CB8AC3E}">
+        <p14:creationId xmlns:p14="http://schemas.microsoft.com/office/powerpoint/2010/main" val="3217109102"/>
+      </p:ext>
+    </p:extLst>
+  </p:cSld>
+  <p:clrMapOvr>
+    <a:masterClrMapping/>
+  </p:clrMapOvr>
+  <p:timing>
+    <p:tnLst>
+      <p:par>
+        <p:cTn id="1" dur="indefinite" restart="never" nodeType="tmRoot"/>
+      </p:par>
+    </p:tnLst>
+  </p:timing>
+</p:sld>
+</file>
+
+<file path=ppt/slides/slide17.xml><?xml version="1.0" encoding="utf-8"?>
+<p:sld xmlns:a="http://schemas.openxmlformats.org/drawingml/2006/main" xmlns:r="http://schemas.openxmlformats.org/officeDocument/2006/relationships" xmlns:p="http://schemas.openxmlformats.org/presentationml/2006/main">
+  <p:cSld>
+    <p:spTree>
+      <p:nvGrpSpPr>
+        <p:cNvPr id="1" name=""/>
+        <p:cNvGrpSpPr/>
+        <p:nvPr/>
+      </p:nvGrpSpPr>
+      <p:grpSpPr>
+        <a:xfrm>
+          <a:off x="0" y="0"/>
+          <a:ext cx="0" cy="0"/>
+          <a:chOff x="0" y="0"/>
+          <a:chExt cx="0" cy="0"/>
+        </a:xfrm>
+      </p:grpSpPr>
+      <p:cxnSp>
+        <p:nvCxnSpPr>
+          <p:cNvPr id="23" name="Straight Arrow Connector 22"/>
+          <p:cNvCxnSpPr/>
+          <p:nvPr/>
+        </p:nvCxnSpPr>
+        <p:spPr>
+          <a:xfrm flipV="1">
+            <a:off x="1778030" y="1278497"/>
+            <a:ext cx="0" cy="3600000"/>
+          </a:xfrm>
+          <a:prstGeom prst="straightConnector1">
+            <a:avLst/>
+          </a:prstGeom>
+          <a:ln w="76200">
+            <a:tailEnd type="triangle"/>
+          </a:ln>
+        </p:spPr>
+        <p:style>
+          <a:lnRef idx="3">
+            <a:schemeClr val="dk1"/>
+          </a:lnRef>
+          <a:fillRef idx="0">
+            <a:schemeClr val="dk1"/>
+          </a:fillRef>
+          <a:effectRef idx="2">
+            <a:schemeClr val="dk1"/>
+          </a:effectRef>
+          <a:fontRef idx="minor">
+            <a:schemeClr val="tx1"/>
+          </a:fontRef>
+        </p:style>
+      </p:cxnSp>
+      <p:sp>
+        <p:nvSpPr>
+          <p:cNvPr id="24" name="TextBox 23"/>
+          <p:cNvSpPr txBox="1"/>
+          <p:nvPr/>
+        </p:nvSpPr>
+        <p:spPr>
+          <a:xfrm>
+            <a:off x="1032979" y="1451882"/>
+            <a:ext cx="615553" cy="2929617"/>
+          </a:xfrm>
+          <a:prstGeom prst="rect">
+            <a:avLst/>
+          </a:prstGeom>
+          <a:noFill/>
+        </p:spPr>
+        <p:txBody>
+          <a:bodyPr vert="vert270" wrap="square" rtlCol="0">
+            <a:spAutoFit/>
+          </a:bodyPr>
+          <a:lstStyle/>
+          <a:p>
+            <a:pPr algn="ctr"/>
+            <a:r>
+              <a:rPr lang="en-US" sz="2800" dirty="0" smtClean="0"/>
+              <a:t>Progress</a:t>
+            </a:r>
+            <a:endParaRPr lang="en-US" sz="2800" dirty="0"/>
+          </a:p>
+        </p:txBody>
+      </p:sp>
+      <p:sp>
+        <p:nvSpPr>
+          <p:cNvPr id="26" name="TextBox 25"/>
+          <p:cNvSpPr txBox="1"/>
+          <p:nvPr/>
+        </p:nvSpPr>
+        <p:spPr>
+          <a:xfrm rot="5400000">
+            <a:off x="5788223" y="1214583"/>
+            <a:ext cx="615553" cy="7924356"/>
+          </a:xfrm>
+          <a:prstGeom prst="rect">
+            <a:avLst/>
+          </a:prstGeom>
+          <a:noFill/>
+        </p:spPr>
+        <p:txBody>
+          <a:bodyPr vert="vert270" wrap="square" rtlCol="0">
+            <a:spAutoFit/>
+          </a:bodyPr>
+          <a:lstStyle/>
+          <a:p>
+            <a:pPr algn="ctr"/>
+            <a:r>
+              <a:rPr lang="en-US" sz="2800" dirty="0" smtClean="0"/>
+              <a:t>Organizations</a:t>
+            </a:r>
+            <a:endParaRPr lang="en-US" sz="2800" dirty="0"/>
+          </a:p>
+        </p:txBody>
+      </p:sp>
+      <p:cxnSp>
+        <p:nvCxnSpPr>
+          <p:cNvPr id="56" name="Straight Connector 55"/>
+          <p:cNvCxnSpPr/>
+          <p:nvPr/>
+        </p:nvCxnSpPr>
+        <p:spPr>
+          <a:xfrm>
+            <a:off x="2177280" y="4868983"/>
+            <a:ext cx="3600000" cy="1"/>
+          </a:xfrm>
+          <a:prstGeom prst="line">
+            <a:avLst/>
+          </a:prstGeom>
+        </p:spPr>
+        <p:style>
+          <a:lnRef idx="3">
+            <a:schemeClr val="dk1"/>
+          </a:lnRef>
+          <a:fillRef idx="0">
+            <a:schemeClr val="dk1"/>
+          </a:fillRef>
+          <a:effectRef idx="2">
+            <a:schemeClr val="dk1"/>
+          </a:effectRef>
+          <a:fontRef idx="minor">
+            <a:schemeClr val="tx1"/>
+          </a:fontRef>
+        </p:style>
+      </p:cxnSp>
+      <p:cxnSp>
+        <p:nvCxnSpPr>
+          <p:cNvPr id="61" name="Straight Connector 60"/>
+          <p:cNvCxnSpPr/>
+          <p:nvPr/>
+        </p:nvCxnSpPr>
+        <p:spPr>
+          <a:xfrm>
+            <a:off x="6458179" y="4868983"/>
+            <a:ext cx="3600000" cy="1"/>
+          </a:xfrm>
+          <a:prstGeom prst="line">
+            <a:avLst/>
+          </a:prstGeom>
+        </p:spPr>
+        <p:style>
+          <a:lnRef idx="3">
+            <a:schemeClr val="dk1"/>
+          </a:lnRef>
+          <a:fillRef idx="0">
+            <a:schemeClr val="dk1"/>
+          </a:fillRef>
+          <a:effectRef idx="2">
+            <a:schemeClr val="dk1"/>
+          </a:effectRef>
+          <a:fontRef idx="minor">
+            <a:schemeClr val="tx1"/>
+          </a:fontRef>
+        </p:style>
+      </p:cxnSp>
+      <p:sp>
+        <p:nvSpPr>
+          <p:cNvPr id="70" name="TextBox 69"/>
+          <p:cNvSpPr txBox="1"/>
+          <p:nvPr/>
+        </p:nvSpPr>
+        <p:spPr>
+          <a:xfrm rot="5400000">
+            <a:off x="5788222" y="-2991457"/>
+            <a:ext cx="615553" cy="7924356"/>
+          </a:xfrm>
+          <a:prstGeom prst="rect">
+            <a:avLst/>
+          </a:prstGeom>
+          <a:noFill/>
+        </p:spPr>
+        <p:txBody>
+          <a:bodyPr vert="vert270" wrap="square" rtlCol="0">
+            <a:spAutoFit/>
+          </a:bodyPr>
+          <a:lstStyle/>
+          <a:p>
+            <a:pPr algn="ctr"/>
+            <a:r>
+              <a:rPr lang="en-US" sz="2800" dirty="0" smtClean="0"/>
+              <a:t>Sustainable Development Goals</a:t>
+            </a:r>
+            <a:endParaRPr lang="en-US" sz="2800" dirty="0"/>
+          </a:p>
+        </p:txBody>
+      </p:sp>
+      <p:sp>
+        <p:nvSpPr>
+          <p:cNvPr id="63" name="Hexagon 62"/>
+          <p:cNvSpPr>
+            <a:spLocks noChangeAspect="1"/>
+          </p:cNvSpPr>
+          <p:nvPr/>
+        </p:nvSpPr>
+        <p:spPr>
+          <a:xfrm>
+            <a:off x="3268534" y="4312392"/>
+            <a:ext cx="632047" cy="544867"/>
+          </a:xfrm>
+          <a:prstGeom prst="hexagon">
+            <a:avLst/>
+          </a:prstGeom>
+        </p:spPr>
+        <p:style>
+          <a:lnRef idx="0">
+            <a:schemeClr val="accent2"/>
+          </a:lnRef>
+          <a:fillRef idx="3">
+            <a:schemeClr val="accent2"/>
+          </a:fillRef>
+          <a:effectRef idx="3">
+            <a:schemeClr val="accent2"/>
+          </a:effectRef>
+          <a:fontRef idx="minor">
+            <a:schemeClr val="lt1"/>
+          </a:fontRef>
+        </p:style>
+        <p:txBody>
+          <a:bodyPr rtlCol="0" anchor="ctr"/>
+          <a:lstStyle/>
+          <a:p>
+            <a:pPr algn="ctr"/>
+            <a:endParaRPr lang="en-US" sz="1600" b="1" dirty="0"/>
+          </a:p>
+        </p:txBody>
+      </p:sp>
+      <p:sp>
+        <p:nvSpPr>
+          <p:cNvPr id="79" name="Hexagon 78"/>
+          <p:cNvSpPr>
+            <a:spLocks noChangeAspect="1"/>
+          </p:cNvSpPr>
+          <p:nvPr/>
+        </p:nvSpPr>
+        <p:spPr>
+          <a:xfrm>
+            <a:off x="4053980" y="4312391"/>
+            <a:ext cx="632047" cy="544867"/>
+          </a:xfrm>
+          <a:prstGeom prst="hexagon">
+            <a:avLst/>
+          </a:prstGeom>
+        </p:spPr>
+        <p:style>
+          <a:lnRef idx="0">
+            <a:schemeClr val="accent6"/>
+          </a:lnRef>
+          <a:fillRef idx="3">
+            <a:schemeClr val="accent6"/>
+          </a:fillRef>
+          <a:effectRef idx="3">
+            <a:schemeClr val="accent6"/>
+          </a:effectRef>
+          <a:fontRef idx="minor">
+            <a:schemeClr val="lt1"/>
+          </a:fontRef>
+        </p:style>
+        <p:txBody>
+          <a:bodyPr rtlCol="0" anchor="ctr"/>
+          <a:lstStyle/>
+          <a:p>
+            <a:pPr algn="ctr"/>
+            <a:endParaRPr lang="en-US" sz="1600" b="1" dirty="0"/>
+          </a:p>
+        </p:txBody>
+      </p:sp>
+      <p:sp>
+        <p:nvSpPr>
+          <p:cNvPr id="115" name="Hexagon 114"/>
+          <p:cNvSpPr>
+            <a:spLocks noChangeAspect="1"/>
+          </p:cNvSpPr>
+          <p:nvPr/>
+        </p:nvSpPr>
+        <p:spPr>
+          <a:xfrm>
+            <a:off x="7942156" y="4312388"/>
+            <a:ext cx="632047" cy="544867"/>
+          </a:xfrm>
+          <a:prstGeom prst="hexagon">
+            <a:avLst/>
+          </a:prstGeom>
+        </p:spPr>
+        <p:style>
+          <a:lnRef idx="0">
+            <a:schemeClr val="accent6"/>
+          </a:lnRef>
+          <a:fillRef idx="3">
+            <a:schemeClr val="accent6"/>
+          </a:fillRef>
+          <a:effectRef idx="3">
+            <a:schemeClr val="accent6"/>
+          </a:effectRef>
+          <a:fontRef idx="minor">
+            <a:schemeClr val="lt1"/>
+          </a:fontRef>
+        </p:style>
+        <p:txBody>
+          <a:bodyPr rtlCol="0" anchor="ctr"/>
+          <a:lstStyle/>
+          <a:p>
+            <a:pPr algn="ctr"/>
+            <a:endParaRPr lang="en-US" sz="1600" b="1" dirty="0"/>
+          </a:p>
+        </p:txBody>
+      </p:sp>
+      <p:sp>
+        <p:nvSpPr>
+          <p:cNvPr id="43" name="Hexagon 42"/>
+          <p:cNvSpPr>
+            <a:spLocks noChangeAspect="1"/>
+          </p:cNvSpPr>
+          <p:nvPr/>
+        </p:nvSpPr>
+        <p:spPr>
+          <a:xfrm>
+            <a:off x="7339188" y="3980995"/>
+            <a:ext cx="632047" cy="544867"/>
+          </a:xfrm>
+          <a:prstGeom prst="hexagon">
+            <a:avLst/>
+          </a:prstGeom>
+        </p:spPr>
+        <p:style>
+          <a:lnRef idx="0">
+            <a:schemeClr val="accent2"/>
+          </a:lnRef>
+          <a:fillRef idx="3">
+            <a:schemeClr val="accent2"/>
+          </a:fillRef>
+          <a:effectRef idx="3">
+            <a:schemeClr val="accent2"/>
+          </a:effectRef>
+          <a:fontRef idx="minor">
+            <a:schemeClr val="lt1"/>
+          </a:fontRef>
+        </p:style>
+        <p:txBody>
+          <a:bodyPr rtlCol="0" anchor="ctr"/>
+          <a:lstStyle/>
+          <a:p>
+            <a:pPr algn="ctr"/>
+            <a:endParaRPr lang="en-US" sz="1600" b="1" dirty="0"/>
+          </a:p>
+        </p:txBody>
+      </p:sp>
+    </p:spTree>
+    <p:extLst>
+      <p:ext uri="{BB962C8B-B14F-4D97-AF65-F5344CB8AC3E}">
+        <p14:creationId xmlns:p14="http://schemas.microsoft.com/office/powerpoint/2010/main" val="3619582563"/>
+      </p:ext>
+    </p:extLst>
+  </p:cSld>
+  <p:clrMapOvr>
+    <a:masterClrMapping/>
+  </p:clrMapOvr>
+  <p:timing>
+    <p:tnLst>
+      <p:par>
+        <p:cTn id="1" dur="indefinite" restart="never" nodeType="tmRoot"/>
+      </p:par>
+    </p:tnLst>
+  </p:timing>
+</p:sld>
+</file>
+
+<file path=ppt/slides/slide18.xml><?xml version="1.0" encoding="utf-8"?>
+<p:sld xmlns:a="http://schemas.openxmlformats.org/drawingml/2006/main" xmlns:r="http://schemas.openxmlformats.org/officeDocument/2006/relationships" xmlns:p="http://schemas.openxmlformats.org/presentationml/2006/main">
+  <p:cSld>
+    <p:spTree>
+      <p:nvGrpSpPr>
+        <p:cNvPr id="1" name=""/>
+        <p:cNvGrpSpPr/>
+        <p:nvPr/>
+      </p:nvGrpSpPr>
+      <p:grpSpPr>
+        <a:xfrm>
+          <a:off x="0" y="0"/>
+          <a:ext cx="0" cy="0"/>
+          <a:chOff x="0" y="0"/>
+          <a:chExt cx="0" cy="0"/>
+        </a:xfrm>
+      </p:grpSpPr>
+      <p:cxnSp>
+        <p:nvCxnSpPr>
+          <p:cNvPr id="23" name="Straight Arrow Connector 22"/>
+          <p:cNvCxnSpPr/>
+          <p:nvPr/>
+        </p:nvCxnSpPr>
+        <p:spPr>
+          <a:xfrm flipV="1">
+            <a:off x="1778030" y="1278497"/>
+            <a:ext cx="0" cy="3600000"/>
+          </a:xfrm>
+          <a:prstGeom prst="straightConnector1">
+            <a:avLst/>
+          </a:prstGeom>
+          <a:ln w="76200">
+            <a:tailEnd type="triangle"/>
+          </a:ln>
+        </p:spPr>
+        <p:style>
+          <a:lnRef idx="3">
+            <a:schemeClr val="dk1"/>
+          </a:lnRef>
+          <a:fillRef idx="0">
+            <a:schemeClr val="dk1"/>
+          </a:fillRef>
+          <a:effectRef idx="2">
+            <a:schemeClr val="dk1"/>
+          </a:effectRef>
+          <a:fontRef idx="minor">
+            <a:schemeClr val="tx1"/>
+          </a:fontRef>
+        </p:style>
+      </p:cxnSp>
+      <p:sp>
+        <p:nvSpPr>
+          <p:cNvPr id="24" name="TextBox 23"/>
+          <p:cNvSpPr txBox="1"/>
+          <p:nvPr/>
+        </p:nvSpPr>
+        <p:spPr>
+          <a:xfrm>
+            <a:off x="1032979" y="1451882"/>
+            <a:ext cx="615553" cy="2929617"/>
+          </a:xfrm>
+          <a:prstGeom prst="rect">
+            <a:avLst/>
+          </a:prstGeom>
+          <a:noFill/>
+        </p:spPr>
+        <p:txBody>
+          <a:bodyPr vert="vert270" wrap="square" rtlCol="0">
+            <a:spAutoFit/>
+          </a:bodyPr>
+          <a:lstStyle/>
+          <a:p>
+            <a:pPr algn="ctr"/>
+            <a:r>
+              <a:rPr lang="en-US" sz="2800" dirty="0" smtClean="0"/>
+              <a:t>Progress</a:t>
+            </a:r>
+            <a:endParaRPr lang="en-US" sz="2800" dirty="0"/>
+          </a:p>
+        </p:txBody>
+      </p:sp>
+      <p:sp>
+        <p:nvSpPr>
+          <p:cNvPr id="26" name="TextBox 25"/>
+          <p:cNvSpPr txBox="1"/>
+          <p:nvPr/>
+        </p:nvSpPr>
+        <p:spPr>
+          <a:xfrm rot="5400000">
+            <a:off x="5788223" y="1214583"/>
+            <a:ext cx="615553" cy="7924356"/>
+          </a:xfrm>
+          <a:prstGeom prst="rect">
+            <a:avLst/>
+          </a:prstGeom>
+          <a:noFill/>
+        </p:spPr>
+        <p:txBody>
+          <a:bodyPr vert="vert270" wrap="square" rtlCol="0">
+            <a:spAutoFit/>
+          </a:bodyPr>
+          <a:lstStyle/>
+          <a:p>
+            <a:pPr algn="ctr"/>
+            <a:r>
+              <a:rPr lang="en-US" sz="2800" dirty="0" smtClean="0"/>
+              <a:t>Organizations</a:t>
+            </a:r>
+            <a:endParaRPr lang="en-US" sz="2800" dirty="0"/>
+          </a:p>
+        </p:txBody>
+      </p:sp>
+      <p:cxnSp>
+        <p:nvCxnSpPr>
+          <p:cNvPr id="56" name="Straight Connector 55"/>
+          <p:cNvCxnSpPr/>
+          <p:nvPr/>
+        </p:nvCxnSpPr>
+        <p:spPr>
+          <a:xfrm>
+            <a:off x="2177280" y="4868983"/>
+            <a:ext cx="3600000" cy="1"/>
+          </a:xfrm>
+          <a:prstGeom prst="line">
+            <a:avLst/>
+          </a:prstGeom>
+        </p:spPr>
+        <p:style>
+          <a:lnRef idx="3">
+            <a:schemeClr val="dk1"/>
+          </a:lnRef>
+          <a:fillRef idx="0">
+            <a:schemeClr val="dk1"/>
+          </a:fillRef>
+          <a:effectRef idx="2">
+            <a:schemeClr val="dk1"/>
+          </a:effectRef>
+          <a:fontRef idx="minor">
+            <a:schemeClr val="tx1"/>
+          </a:fontRef>
+        </p:style>
+      </p:cxnSp>
+      <p:cxnSp>
+        <p:nvCxnSpPr>
+          <p:cNvPr id="61" name="Straight Connector 60"/>
+          <p:cNvCxnSpPr/>
+          <p:nvPr/>
+        </p:nvCxnSpPr>
+        <p:spPr>
+          <a:xfrm>
+            <a:off x="6458179" y="4868983"/>
+            <a:ext cx="3600000" cy="1"/>
+          </a:xfrm>
+          <a:prstGeom prst="line">
+            <a:avLst/>
+          </a:prstGeom>
+        </p:spPr>
+        <p:style>
+          <a:lnRef idx="3">
+            <a:schemeClr val="dk1"/>
+          </a:lnRef>
+          <a:fillRef idx="0">
+            <a:schemeClr val="dk1"/>
+          </a:fillRef>
+          <a:effectRef idx="2">
+            <a:schemeClr val="dk1"/>
+          </a:effectRef>
+          <a:fontRef idx="minor">
+            <a:schemeClr val="tx1"/>
+          </a:fontRef>
+        </p:style>
+      </p:cxnSp>
+      <p:sp>
+        <p:nvSpPr>
+          <p:cNvPr id="70" name="TextBox 69"/>
+          <p:cNvSpPr txBox="1"/>
+          <p:nvPr/>
+        </p:nvSpPr>
+        <p:spPr>
+          <a:xfrm rot="5400000">
+            <a:off x="5788222" y="-2991457"/>
+            <a:ext cx="615553" cy="7924356"/>
+          </a:xfrm>
+          <a:prstGeom prst="rect">
+            <a:avLst/>
+          </a:prstGeom>
+          <a:noFill/>
+        </p:spPr>
+        <p:txBody>
+          <a:bodyPr vert="vert270" wrap="square" rtlCol="0">
+            <a:spAutoFit/>
+          </a:bodyPr>
+          <a:lstStyle/>
+          <a:p>
+            <a:pPr algn="ctr"/>
+            <a:r>
+              <a:rPr lang="en-US" sz="2800" dirty="0" smtClean="0"/>
+              <a:t>Sustainable Development Goals</a:t>
+            </a:r>
+            <a:endParaRPr lang="en-US" sz="2800" dirty="0"/>
+          </a:p>
+        </p:txBody>
+      </p:sp>
+      <p:sp>
+        <p:nvSpPr>
+          <p:cNvPr id="79" name="Hexagon 78"/>
+          <p:cNvSpPr>
+            <a:spLocks noChangeAspect="1"/>
+          </p:cNvSpPr>
+          <p:nvPr/>
+        </p:nvSpPr>
+        <p:spPr>
+          <a:xfrm>
+            <a:off x="4053980" y="4312391"/>
+            <a:ext cx="632047" cy="544867"/>
+          </a:xfrm>
+          <a:prstGeom prst="hexagon">
+            <a:avLst/>
+          </a:prstGeom>
+        </p:spPr>
+        <p:style>
+          <a:lnRef idx="0">
+            <a:schemeClr val="accent6"/>
+          </a:lnRef>
+          <a:fillRef idx="3">
+            <a:schemeClr val="accent6"/>
+          </a:fillRef>
+          <a:effectRef idx="3">
+            <a:schemeClr val="accent6"/>
+          </a:effectRef>
+          <a:fontRef idx="minor">
+            <a:schemeClr val="lt1"/>
+          </a:fontRef>
+        </p:style>
+        <p:txBody>
+          <a:bodyPr rtlCol="0" anchor="ctr"/>
+          <a:lstStyle/>
+          <a:p>
+            <a:pPr algn="ctr"/>
+            <a:endParaRPr lang="en-US" sz="1600" b="1" dirty="0"/>
+          </a:p>
+        </p:txBody>
+      </p:sp>
+      <p:sp>
+        <p:nvSpPr>
+          <p:cNvPr id="115" name="Hexagon 114"/>
+          <p:cNvSpPr>
+            <a:spLocks noChangeAspect="1"/>
+          </p:cNvSpPr>
+          <p:nvPr/>
+        </p:nvSpPr>
+        <p:spPr>
+          <a:xfrm>
+            <a:off x="7942156" y="4312388"/>
+            <a:ext cx="632047" cy="544867"/>
+          </a:xfrm>
+          <a:prstGeom prst="hexagon">
+            <a:avLst/>
+          </a:prstGeom>
+        </p:spPr>
+        <p:style>
+          <a:lnRef idx="0">
+            <a:schemeClr val="accent6"/>
+          </a:lnRef>
+          <a:fillRef idx="3">
+            <a:schemeClr val="accent6"/>
+          </a:fillRef>
+          <a:effectRef idx="3">
+            <a:schemeClr val="accent6"/>
+          </a:effectRef>
+          <a:fontRef idx="minor">
+            <a:schemeClr val="lt1"/>
+          </a:fontRef>
+        </p:style>
+        <p:txBody>
+          <a:bodyPr rtlCol="0" anchor="ctr"/>
+          <a:lstStyle/>
+          <a:p>
+            <a:pPr algn="ctr"/>
+            <a:endParaRPr lang="en-US" sz="1600" b="1" dirty="0"/>
+          </a:p>
+        </p:txBody>
+      </p:sp>
+    </p:spTree>
+    <p:extLst>
+      <p:ext uri="{BB962C8B-B14F-4D97-AF65-F5344CB8AC3E}">
+        <p14:creationId xmlns:p14="http://schemas.microsoft.com/office/powerpoint/2010/main" val="845290739"/>
       </p:ext>
     </p:extLst>
   </p:cSld>
@@ -14274,6 +20985,2467 @@
 </p:sld>
 </file>
 
+<file path=ppt/slides/slide8.xml><?xml version="1.0" encoding="utf-8"?>
+<p:sld xmlns:a="http://schemas.openxmlformats.org/drawingml/2006/main" xmlns:r="http://schemas.openxmlformats.org/officeDocument/2006/relationships" xmlns:p="http://schemas.openxmlformats.org/presentationml/2006/main">
+  <p:cSld>
+    <p:spTree>
+      <p:nvGrpSpPr>
+        <p:cNvPr id="1" name=""/>
+        <p:cNvGrpSpPr/>
+        <p:nvPr/>
+      </p:nvGrpSpPr>
+      <p:grpSpPr>
+        <a:xfrm>
+          <a:off x="0" y="0"/>
+          <a:ext cx="0" cy="0"/>
+          <a:chOff x="0" y="0"/>
+          <a:chExt cx="0" cy="0"/>
+        </a:xfrm>
+      </p:grpSpPr>
+      <p:cxnSp>
+        <p:nvCxnSpPr>
+          <p:cNvPr id="23" name="Straight Arrow Connector 22"/>
+          <p:cNvCxnSpPr/>
+          <p:nvPr/>
+        </p:nvCxnSpPr>
+        <p:spPr>
+          <a:xfrm flipV="1">
+            <a:off x="1778030" y="1278497"/>
+            <a:ext cx="0" cy="3600000"/>
+          </a:xfrm>
+          <a:prstGeom prst="straightConnector1">
+            <a:avLst/>
+          </a:prstGeom>
+          <a:ln w="76200">
+            <a:tailEnd type="triangle"/>
+          </a:ln>
+        </p:spPr>
+        <p:style>
+          <a:lnRef idx="3">
+            <a:schemeClr val="dk1"/>
+          </a:lnRef>
+          <a:fillRef idx="0">
+            <a:schemeClr val="dk1"/>
+          </a:fillRef>
+          <a:effectRef idx="2">
+            <a:schemeClr val="dk1"/>
+          </a:effectRef>
+          <a:fontRef idx="minor">
+            <a:schemeClr val="tx1"/>
+          </a:fontRef>
+        </p:style>
+      </p:cxnSp>
+      <p:sp>
+        <p:nvSpPr>
+          <p:cNvPr id="24" name="TextBox 23"/>
+          <p:cNvSpPr txBox="1"/>
+          <p:nvPr/>
+        </p:nvSpPr>
+        <p:spPr>
+          <a:xfrm>
+            <a:off x="1032979" y="1451882"/>
+            <a:ext cx="615553" cy="2929617"/>
+          </a:xfrm>
+          <a:prstGeom prst="rect">
+            <a:avLst/>
+          </a:prstGeom>
+          <a:noFill/>
+        </p:spPr>
+        <p:txBody>
+          <a:bodyPr vert="vert270" wrap="square" rtlCol="0">
+            <a:spAutoFit/>
+          </a:bodyPr>
+          <a:lstStyle/>
+          <a:p>
+            <a:pPr algn="ctr"/>
+            <a:r>
+              <a:rPr lang="en-US" sz="2800" dirty="0" smtClean="0"/>
+              <a:t>Progress</a:t>
+            </a:r>
+            <a:endParaRPr lang="en-US" sz="2800" dirty="0"/>
+          </a:p>
+        </p:txBody>
+      </p:sp>
+      <p:sp>
+        <p:nvSpPr>
+          <p:cNvPr id="26" name="TextBox 25"/>
+          <p:cNvSpPr txBox="1"/>
+          <p:nvPr/>
+        </p:nvSpPr>
+        <p:spPr>
+          <a:xfrm rot="5400000">
+            <a:off x="5788223" y="1214583"/>
+            <a:ext cx="615553" cy="7924356"/>
+          </a:xfrm>
+          <a:prstGeom prst="rect">
+            <a:avLst/>
+          </a:prstGeom>
+          <a:noFill/>
+        </p:spPr>
+        <p:txBody>
+          <a:bodyPr vert="vert270" wrap="square" rtlCol="0">
+            <a:spAutoFit/>
+          </a:bodyPr>
+          <a:lstStyle/>
+          <a:p>
+            <a:pPr algn="ctr"/>
+            <a:r>
+              <a:rPr lang="en-US" sz="2800" dirty="0" smtClean="0"/>
+              <a:t>Organizations</a:t>
+            </a:r>
+            <a:endParaRPr lang="en-US" sz="2800" dirty="0"/>
+          </a:p>
+        </p:txBody>
+      </p:sp>
+      <p:cxnSp>
+        <p:nvCxnSpPr>
+          <p:cNvPr id="56" name="Straight Connector 55"/>
+          <p:cNvCxnSpPr/>
+          <p:nvPr/>
+        </p:nvCxnSpPr>
+        <p:spPr>
+          <a:xfrm>
+            <a:off x="2177280" y="4868983"/>
+            <a:ext cx="3600000" cy="1"/>
+          </a:xfrm>
+          <a:prstGeom prst="line">
+            <a:avLst/>
+          </a:prstGeom>
+        </p:spPr>
+        <p:style>
+          <a:lnRef idx="3">
+            <a:schemeClr val="dk1"/>
+          </a:lnRef>
+          <a:fillRef idx="0">
+            <a:schemeClr val="dk1"/>
+          </a:fillRef>
+          <a:effectRef idx="2">
+            <a:schemeClr val="dk1"/>
+          </a:effectRef>
+          <a:fontRef idx="minor">
+            <a:schemeClr val="tx1"/>
+          </a:fontRef>
+        </p:style>
+      </p:cxnSp>
+      <p:cxnSp>
+        <p:nvCxnSpPr>
+          <p:cNvPr id="61" name="Straight Connector 60"/>
+          <p:cNvCxnSpPr/>
+          <p:nvPr/>
+        </p:nvCxnSpPr>
+        <p:spPr>
+          <a:xfrm>
+            <a:off x="6458179" y="4868983"/>
+            <a:ext cx="3600000" cy="1"/>
+          </a:xfrm>
+          <a:prstGeom prst="line">
+            <a:avLst/>
+          </a:prstGeom>
+        </p:spPr>
+        <p:style>
+          <a:lnRef idx="3">
+            <a:schemeClr val="dk1"/>
+          </a:lnRef>
+          <a:fillRef idx="0">
+            <a:schemeClr val="dk1"/>
+          </a:fillRef>
+          <a:effectRef idx="2">
+            <a:schemeClr val="dk1"/>
+          </a:effectRef>
+          <a:fontRef idx="minor">
+            <a:schemeClr val="tx1"/>
+          </a:fontRef>
+        </p:style>
+      </p:cxnSp>
+      <p:sp>
+        <p:nvSpPr>
+          <p:cNvPr id="70" name="TextBox 69"/>
+          <p:cNvSpPr txBox="1"/>
+          <p:nvPr/>
+        </p:nvSpPr>
+        <p:spPr>
+          <a:xfrm rot="5400000">
+            <a:off x="5788222" y="-2991457"/>
+            <a:ext cx="615553" cy="7924356"/>
+          </a:xfrm>
+          <a:prstGeom prst="rect">
+            <a:avLst/>
+          </a:prstGeom>
+          <a:noFill/>
+        </p:spPr>
+        <p:txBody>
+          <a:bodyPr vert="vert270" wrap="square" rtlCol="0">
+            <a:spAutoFit/>
+          </a:bodyPr>
+          <a:lstStyle/>
+          <a:p>
+            <a:pPr algn="ctr"/>
+            <a:r>
+              <a:rPr lang="en-US" sz="2800" dirty="0" smtClean="0"/>
+              <a:t>Sustainable Development Goals</a:t>
+            </a:r>
+            <a:endParaRPr lang="en-US" sz="2800" dirty="0"/>
+          </a:p>
+        </p:txBody>
+      </p:sp>
+      <p:sp>
+        <p:nvSpPr>
+          <p:cNvPr id="63" name="Hexagon 62"/>
+          <p:cNvSpPr>
+            <a:spLocks noChangeAspect="1"/>
+          </p:cNvSpPr>
+          <p:nvPr/>
+        </p:nvSpPr>
+        <p:spPr>
+          <a:xfrm>
+            <a:off x="3268534" y="4312392"/>
+            <a:ext cx="632047" cy="544867"/>
+          </a:xfrm>
+          <a:prstGeom prst="hexagon">
+            <a:avLst/>
+          </a:prstGeom>
+        </p:spPr>
+        <p:style>
+          <a:lnRef idx="0">
+            <a:schemeClr val="accent2"/>
+          </a:lnRef>
+          <a:fillRef idx="3">
+            <a:schemeClr val="accent2"/>
+          </a:fillRef>
+          <a:effectRef idx="3">
+            <a:schemeClr val="accent2"/>
+          </a:effectRef>
+          <a:fontRef idx="minor">
+            <a:schemeClr val="lt1"/>
+          </a:fontRef>
+        </p:style>
+        <p:txBody>
+          <a:bodyPr rtlCol="0" anchor="ctr"/>
+          <a:lstStyle/>
+          <a:p>
+            <a:pPr algn="ctr"/>
+            <a:endParaRPr lang="en-US" sz="1600" b="1" dirty="0"/>
+          </a:p>
+        </p:txBody>
+      </p:sp>
+      <p:sp>
+        <p:nvSpPr>
+          <p:cNvPr id="64" name="Hexagon 63"/>
+          <p:cNvSpPr>
+            <a:spLocks noChangeAspect="1"/>
+          </p:cNvSpPr>
+          <p:nvPr/>
+        </p:nvSpPr>
+        <p:spPr>
+          <a:xfrm>
+            <a:off x="3268534" y="3767524"/>
+            <a:ext cx="632047" cy="544867"/>
+          </a:xfrm>
+          <a:prstGeom prst="hexagon">
+            <a:avLst/>
+          </a:prstGeom>
+        </p:spPr>
+        <p:style>
+          <a:lnRef idx="0">
+            <a:schemeClr val="accent2"/>
+          </a:lnRef>
+          <a:fillRef idx="3">
+            <a:schemeClr val="accent2"/>
+          </a:fillRef>
+          <a:effectRef idx="3">
+            <a:schemeClr val="accent2"/>
+          </a:effectRef>
+          <a:fontRef idx="minor">
+            <a:schemeClr val="lt1"/>
+          </a:fontRef>
+        </p:style>
+        <p:txBody>
+          <a:bodyPr rtlCol="0" anchor="ctr"/>
+          <a:lstStyle/>
+          <a:p>
+            <a:pPr algn="ctr"/>
+            <a:endParaRPr lang="en-US" sz="1600" b="1" dirty="0"/>
+          </a:p>
+        </p:txBody>
+      </p:sp>
+      <p:sp>
+        <p:nvSpPr>
+          <p:cNvPr id="66" name="Hexagon 65"/>
+          <p:cNvSpPr>
+            <a:spLocks noChangeAspect="1"/>
+          </p:cNvSpPr>
+          <p:nvPr/>
+        </p:nvSpPr>
+        <p:spPr>
+          <a:xfrm>
+            <a:off x="3268534" y="3222656"/>
+            <a:ext cx="632047" cy="544867"/>
+          </a:xfrm>
+          <a:prstGeom prst="hexagon">
+            <a:avLst/>
+          </a:prstGeom>
+        </p:spPr>
+        <p:style>
+          <a:lnRef idx="0">
+            <a:schemeClr val="accent2"/>
+          </a:lnRef>
+          <a:fillRef idx="3">
+            <a:schemeClr val="accent2"/>
+          </a:fillRef>
+          <a:effectRef idx="3">
+            <a:schemeClr val="accent2"/>
+          </a:effectRef>
+          <a:fontRef idx="minor">
+            <a:schemeClr val="lt1"/>
+          </a:fontRef>
+        </p:style>
+        <p:txBody>
+          <a:bodyPr rtlCol="0" anchor="ctr"/>
+          <a:lstStyle/>
+          <a:p>
+            <a:pPr algn="ctr"/>
+            <a:endParaRPr lang="en-US" sz="1600" b="1" dirty="0"/>
+          </a:p>
+        </p:txBody>
+      </p:sp>
+      <p:sp>
+        <p:nvSpPr>
+          <p:cNvPr id="67" name="Hexagon 66"/>
+          <p:cNvSpPr>
+            <a:spLocks noChangeAspect="1"/>
+          </p:cNvSpPr>
+          <p:nvPr/>
+        </p:nvSpPr>
+        <p:spPr>
+          <a:xfrm>
+            <a:off x="3268534" y="2677788"/>
+            <a:ext cx="632047" cy="544867"/>
+          </a:xfrm>
+          <a:prstGeom prst="hexagon">
+            <a:avLst/>
+          </a:prstGeom>
+        </p:spPr>
+        <p:style>
+          <a:lnRef idx="0">
+            <a:schemeClr val="accent2"/>
+          </a:lnRef>
+          <a:fillRef idx="3">
+            <a:schemeClr val="accent2"/>
+          </a:fillRef>
+          <a:effectRef idx="3">
+            <a:schemeClr val="accent2"/>
+          </a:effectRef>
+          <a:fontRef idx="minor">
+            <a:schemeClr val="lt1"/>
+          </a:fontRef>
+        </p:style>
+        <p:txBody>
+          <a:bodyPr rtlCol="0" anchor="ctr"/>
+          <a:lstStyle/>
+          <a:p>
+            <a:pPr algn="ctr"/>
+            <a:endParaRPr lang="en-US" sz="1600" b="1" dirty="0"/>
+          </a:p>
+        </p:txBody>
+      </p:sp>
+      <p:sp>
+        <p:nvSpPr>
+          <p:cNvPr id="68" name="Hexagon 67"/>
+          <p:cNvSpPr>
+            <a:spLocks noChangeAspect="1"/>
+          </p:cNvSpPr>
+          <p:nvPr/>
+        </p:nvSpPr>
+        <p:spPr>
+          <a:xfrm>
+            <a:off x="3268534" y="2132920"/>
+            <a:ext cx="632047" cy="544867"/>
+          </a:xfrm>
+          <a:prstGeom prst="hexagon">
+            <a:avLst/>
+          </a:prstGeom>
+        </p:spPr>
+        <p:style>
+          <a:lnRef idx="0">
+            <a:schemeClr val="accent2"/>
+          </a:lnRef>
+          <a:fillRef idx="3">
+            <a:schemeClr val="accent2"/>
+          </a:fillRef>
+          <a:effectRef idx="3">
+            <a:schemeClr val="accent2"/>
+          </a:effectRef>
+          <a:fontRef idx="minor">
+            <a:schemeClr val="lt1"/>
+          </a:fontRef>
+        </p:style>
+        <p:txBody>
+          <a:bodyPr rtlCol="0" anchor="ctr"/>
+          <a:lstStyle/>
+          <a:p>
+            <a:pPr algn="ctr"/>
+            <a:endParaRPr lang="en-US" sz="1600" b="1" dirty="0"/>
+          </a:p>
+        </p:txBody>
+      </p:sp>
+      <p:sp>
+        <p:nvSpPr>
+          <p:cNvPr id="69" name="Hexagon 68"/>
+          <p:cNvSpPr>
+            <a:spLocks noChangeAspect="1"/>
+          </p:cNvSpPr>
+          <p:nvPr/>
+        </p:nvSpPr>
+        <p:spPr>
+          <a:xfrm>
+            <a:off x="3268534" y="1588052"/>
+            <a:ext cx="632047" cy="544867"/>
+          </a:xfrm>
+          <a:prstGeom prst="hexagon">
+            <a:avLst/>
+          </a:prstGeom>
+        </p:spPr>
+        <p:style>
+          <a:lnRef idx="0">
+            <a:schemeClr val="accent2"/>
+          </a:lnRef>
+          <a:fillRef idx="3">
+            <a:schemeClr val="accent2"/>
+          </a:fillRef>
+          <a:effectRef idx="3">
+            <a:schemeClr val="accent2"/>
+          </a:effectRef>
+          <a:fontRef idx="minor">
+            <a:schemeClr val="lt1"/>
+          </a:fontRef>
+        </p:style>
+        <p:txBody>
+          <a:bodyPr rtlCol="0" anchor="ctr"/>
+          <a:lstStyle/>
+          <a:p>
+            <a:pPr algn="ctr"/>
+            <a:endParaRPr lang="en-US" sz="1600" b="1" dirty="0"/>
+          </a:p>
+        </p:txBody>
+      </p:sp>
+      <p:sp>
+        <p:nvSpPr>
+          <p:cNvPr id="79" name="Hexagon 78"/>
+          <p:cNvSpPr>
+            <a:spLocks noChangeAspect="1"/>
+          </p:cNvSpPr>
+          <p:nvPr/>
+        </p:nvSpPr>
+        <p:spPr>
+          <a:xfrm>
+            <a:off x="4053980" y="4312391"/>
+            <a:ext cx="632047" cy="544867"/>
+          </a:xfrm>
+          <a:prstGeom prst="hexagon">
+            <a:avLst/>
+          </a:prstGeom>
+        </p:spPr>
+        <p:style>
+          <a:lnRef idx="0">
+            <a:schemeClr val="accent6"/>
+          </a:lnRef>
+          <a:fillRef idx="3">
+            <a:schemeClr val="accent6"/>
+          </a:fillRef>
+          <a:effectRef idx="3">
+            <a:schemeClr val="accent6"/>
+          </a:effectRef>
+          <a:fontRef idx="minor">
+            <a:schemeClr val="lt1"/>
+          </a:fontRef>
+        </p:style>
+        <p:txBody>
+          <a:bodyPr rtlCol="0" anchor="ctr"/>
+          <a:lstStyle/>
+          <a:p>
+            <a:pPr algn="ctr"/>
+            <a:endParaRPr lang="en-US" sz="1600" b="1" dirty="0"/>
+          </a:p>
+        </p:txBody>
+      </p:sp>
+      <p:sp>
+        <p:nvSpPr>
+          <p:cNvPr id="80" name="Hexagon 79"/>
+          <p:cNvSpPr>
+            <a:spLocks noChangeAspect="1"/>
+          </p:cNvSpPr>
+          <p:nvPr/>
+        </p:nvSpPr>
+        <p:spPr>
+          <a:xfrm>
+            <a:off x="4053980" y="3767523"/>
+            <a:ext cx="632047" cy="544867"/>
+          </a:xfrm>
+          <a:prstGeom prst="hexagon">
+            <a:avLst/>
+          </a:prstGeom>
+        </p:spPr>
+        <p:style>
+          <a:lnRef idx="0">
+            <a:schemeClr val="accent6"/>
+          </a:lnRef>
+          <a:fillRef idx="3">
+            <a:schemeClr val="accent6"/>
+          </a:fillRef>
+          <a:effectRef idx="3">
+            <a:schemeClr val="accent6"/>
+          </a:effectRef>
+          <a:fontRef idx="minor">
+            <a:schemeClr val="lt1"/>
+          </a:fontRef>
+        </p:style>
+        <p:txBody>
+          <a:bodyPr rtlCol="0" anchor="ctr"/>
+          <a:lstStyle/>
+          <a:p>
+            <a:pPr algn="ctr"/>
+            <a:endParaRPr lang="en-US" sz="1600" b="1" dirty="0"/>
+          </a:p>
+        </p:txBody>
+      </p:sp>
+      <p:sp>
+        <p:nvSpPr>
+          <p:cNvPr id="81" name="Hexagon 80"/>
+          <p:cNvSpPr>
+            <a:spLocks noChangeAspect="1"/>
+          </p:cNvSpPr>
+          <p:nvPr/>
+        </p:nvSpPr>
+        <p:spPr>
+          <a:xfrm>
+            <a:off x="4053980" y="3222655"/>
+            <a:ext cx="632047" cy="544867"/>
+          </a:xfrm>
+          <a:prstGeom prst="hexagon">
+            <a:avLst/>
+          </a:prstGeom>
+        </p:spPr>
+        <p:style>
+          <a:lnRef idx="0">
+            <a:schemeClr val="accent6"/>
+          </a:lnRef>
+          <a:fillRef idx="3">
+            <a:schemeClr val="accent6"/>
+          </a:fillRef>
+          <a:effectRef idx="3">
+            <a:schemeClr val="accent6"/>
+          </a:effectRef>
+          <a:fontRef idx="minor">
+            <a:schemeClr val="lt1"/>
+          </a:fontRef>
+        </p:style>
+        <p:txBody>
+          <a:bodyPr rtlCol="0" anchor="ctr"/>
+          <a:lstStyle/>
+          <a:p>
+            <a:pPr algn="ctr"/>
+            <a:endParaRPr lang="en-US" sz="1600" b="1" dirty="0"/>
+          </a:p>
+        </p:txBody>
+      </p:sp>
+      <p:sp>
+        <p:nvSpPr>
+          <p:cNvPr id="82" name="Hexagon 81"/>
+          <p:cNvSpPr>
+            <a:spLocks noChangeAspect="1"/>
+          </p:cNvSpPr>
+          <p:nvPr/>
+        </p:nvSpPr>
+        <p:spPr>
+          <a:xfrm>
+            <a:off x="4053980" y="2677787"/>
+            <a:ext cx="632047" cy="544867"/>
+          </a:xfrm>
+          <a:prstGeom prst="hexagon">
+            <a:avLst/>
+          </a:prstGeom>
+        </p:spPr>
+        <p:style>
+          <a:lnRef idx="0">
+            <a:schemeClr val="accent6"/>
+          </a:lnRef>
+          <a:fillRef idx="3">
+            <a:schemeClr val="accent6"/>
+          </a:fillRef>
+          <a:effectRef idx="3">
+            <a:schemeClr val="accent6"/>
+          </a:effectRef>
+          <a:fontRef idx="minor">
+            <a:schemeClr val="lt1"/>
+          </a:fontRef>
+        </p:style>
+        <p:txBody>
+          <a:bodyPr rtlCol="0" anchor="ctr"/>
+          <a:lstStyle/>
+          <a:p>
+            <a:pPr algn="ctr"/>
+            <a:endParaRPr lang="en-US" sz="1600" b="1" dirty="0"/>
+          </a:p>
+        </p:txBody>
+      </p:sp>
+      <p:sp>
+        <p:nvSpPr>
+          <p:cNvPr id="83" name="Hexagon 82"/>
+          <p:cNvSpPr>
+            <a:spLocks noChangeAspect="1"/>
+          </p:cNvSpPr>
+          <p:nvPr/>
+        </p:nvSpPr>
+        <p:spPr>
+          <a:xfrm>
+            <a:off x="4053980" y="2132919"/>
+            <a:ext cx="632047" cy="544867"/>
+          </a:xfrm>
+          <a:prstGeom prst="hexagon">
+            <a:avLst/>
+          </a:prstGeom>
+        </p:spPr>
+        <p:style>
+          <a:lnRef idx="0">
+            <a:schemeClr val="accent6"/>
+          </a:lnRef>
+          <a:fillRef idx="3">
+            <a:schemeClr val="accent6"/>
+          </a:fillRef>
+          <a:effectRef idx="3">
+            <a:schemeClr val="accent6"/>
+          </a:effectRef>
+          <a:fontRef idx="minor">
+            <a:schemeClr val="lt1"/>
+          </a:fontRef>
+        </p:style>
+        <p:txBody>
+          <a:bodyPr rtlCol="0" anchor="ctr"/>
+          <a:lstStyle/>
+          <a:p>
+            <a:pPr algn="ctr"/>
+            <a:endParaRPr lang="en-US" sz="1600" b="1" dirty="0"/>
+          </a:p>
+        </p:txBody>
+      </p:sp>
+      <p:sp>
+        <p:nvSpPr>
+          <p:cNvPr id="84" name="Hexagon 83"/>
+          <p:cNvSpPr>
+            <a:spLocks noChangeAspect="1"/>
+          </p:cNvSpPr>
+          <p:nvPr/>
+        </p:nvSpPr>
+        <p:spPr>
+          <a:xfrm>
+            <a:off x="4053980" y="1588051"/>
+            <a:ext cx="632047" cy="544867"/>
+          </a:xfrm>
+          <a:prstGeom prst="hexagon">
+            <a:avLst/>
+          </a:prstGeom>
+        </p:spPr>
+        <p:style>
+          <a:lnRef idx="0">
+            <a:schemeClr val="accent6"/>
+          </a:lnRef>
+          <a:fillRef idx="3">
+            <a:schemeClr val="accent6"/>
+          </a:fillRef>
+          <a:effectRef idx="3">
+            <a:schemeClr val="accent6"/>
+          </a:effectRef>
+          <a:fontRef idx="minor">
+            <a:schemeClr val="lt1"/>
+          </a:fontRef>
+        </p:style>
+        <p:txBody>
+          <a:bodyPr rtlCol="0" anchor="ctr"/>
+          <a:lstStyle/>
+          <a:p>
+            <a:pPr algn="ctr"/>
+            <a:endParaRPr lang="en-US" sz="1600" b="1" dirty="0"/>
+          </a:p>
+        </p:txBody>
+      </p:sp>
+      <p:sp>
+        <p:nvSpPr>
+          <p:cNvPr id="86" name="Hexagon 85"/>
+          <p:cNvSpPr>
+            <a:spLocks noChangeAspect="1"/>
+          </p:cNvSpPr>
+          <p:nvPr/>
+        </p:nvSpPr>
+        <p:spPr>
+          <a:xfrm>
+            <a:off x="2483088" y="4312391"/>
+            <a:ext cx="632047" cy="544867"/>
+          </a:xfrm>
+          <a:prstGeom prst="hexagon">
+            <a:avLst/>
+          </a:prstGeom>
+        </p:spPr>
+        <p:style>
+          <a:lnRef idx="0">
+            <a:schemeClr val="accent1"/>
+          </a:lnRef>
+          <a:fillRef idx="3">
+            <a:schemeClr val="accent1"/>
+          </a:fillRef>
+          <a:effectRef idx="3">
+            <a:schemeClr val="accent1"/>
+          </a:effectRef>
+          <a:fontRef idx="minor">
+            <a:schemeClr val="lt1"/>
+          </a:fontRef>
+        </p:style>
+        <p:txBody>
+          <a:bodyPr rtlCol="0" anchor="ctr"/>
+          <a:lstStyle/>
+          <a:p>
+            <a:pPr algn="ctr"/>
+            <a:endParaRPr lang="en-US" sz="1600" b="1" dirty="0"/>
+          </a:p>
+        </p:txBody>
+      </p:sp>
+      <p:sp>
+        <p:nvSpPr>
+          <p:cNvPr id="87" name="Hexagon 86"/>
+          <p:cNvSpPr>
+            <a:spLocks noChangeAspect="1"/>
+          </p:cNvSpPr>
+          <p:nvPr/>
+        </p:nvSpPr>
+        <p:spPr>
+          <a:xfrm>
+            <a:off x="2483088" y="3767523"/>
+            <a:ext cx="632047" cy="544867"/>
+          </a:xfrm>
+          <a:prstGeom prst="hexagon">
+            <a:avLst/>
+          </a:prstGeom>
+        </p:spPr>
+        <p:style>
+          <a:lnRef idx="0">
+            <a:schemeClr val="accent1"/>
+          </a:lnRef>
+          <a:fillRef idx="3">
+            <a:schemeClr val="accent1"/>
+          </a:fillRef>
+          <a:effectRef idx="3">
+            <a:schemeClr val="accent1"/>
+          </a:effectRef>
+          <a:fontRef idx="minor">
+            <a:schemeClr val="lt1"/>
+          </a:fontRef>
+        </p:style>
+        <p:txBody>
+          <a:bodyPr rtlCol="0" anchor="ctr"/>
+          <a:lstStyle/>
+          <a:p>
+            <a:pPr algn="ctr"/>
+            <a:endParaRPr lang="en-US" sz="1600" b="1" dirty="0"/>
+          </a:p>
+        </p:txBody>
+      </p:sp>
+      <p:sp>
+        <p:nvSpPr>
+          <p:cNvPr id="88" name="Hexagon 87"/>
+          <p:cNvSpPr>
+            <a:spLocks noChangeAspect="1"/>
+          </p:cNvSpPr>
+          <p:nvPr/>
+        </p:nvSpPr>
+        <p:spPr>
+          <a:xfrm>
+            <a:off x="2483088" y="3222655"/>
+            <a:ext cx="632047" cy="544867"/>
+          </a:xfrm>
+          <a:prstGeom prst="hexagon">
+            <a:avLst/>
+          </a:prstGeom>
+        </p:spPr>
+        <p:style>
+          <a:lnRef idx="0">
+            <a:schemeClr val="accent1"/>
+          </a:lnRef>
+          <a:fillRef idx="3">
+            <a:schemeClr val="accent1"/>
+          </a:fillRef>
+          <a:effectRef idx="3">
+            <a:schemeClr val="accent1"/>
+          </a:effectRef>
+          <a:fontRef idx="minor">
+            <a:schemeClr val="lt1"/>
+          </a:fontRef>
+        </p:style>
+        <p:txBody>
+          <a:bodyPr rtlCol="0" anchor="ctr"/>
+          <a:lstStyle/>
+          <a:p>
+            <a:pPr algn="ctr"/>
+            <a:endParaRPr lang="en-US" sz="1600" b="1" dirty="0"/>
+          </a:p>
+        </p:txBody>
+      </p:sp>
+      <p:sp>
+        <p:nvSpPr>
+          <p:cNvPr id="89" name="Hexagon 88"/>
+          <p:cNvSpPr>
+            <a:spLocks noChangeAspect="1"/>
+          </p:cNvSpPr>
+          <p:nvPr/>
+        </p:nvSpPr>
+        <p:spPr>
+          <a:xfrm>
+            <a:off x="2483088" y="2677787"/>
+            <a:ext cx="632047" cy="544867"/>
+          </a:xfrm>
+          <a:prstGeom prst="hexagon">
+            <a:avLst/>
+          </a:prstGeom>
+        </p:spPr>
+        <p:style>
+          <a:lnRef idx="0">
+            <a:schemeClr val="accent1"/>
+          </a:lnRef>
+          <a:fillRef idx="3">
+            <a:schemeClr val="accent1"/>
+          </a:fillRef>
+          <a:effectRef idx="3">
+            <a:schemeClr val="accent1"/>
+          </a:effectRef>
+          <a:fontRef idx="minor">
+            <a:schemeClr val="lt1"/>
+          </a:fontRef>
+        </p:style>
+        <p:txBody>
+          <a:bodyPr rtlCol="0" anchor="ctr"/>
+          <a:lstStyle/>
+          <a:p>
+            <a:pPr algn="ctr"/>
+            <a:endParaRPr lang="en-US" sz="1600" b="1" dirty="0"/>
+          </a:p>
+        </p:txBody>
+      </p:sp>
+      <p:sp>
+        <p:nvSpPr>
+          <p:cNvPr id="90" name="Hexagon 89"/>
+          <p:cNvSpPr>
+            <a:spLocks noChangeAspect="1"/>
+          </p:cNvSpPr>
+          <p:nvPr/>
+        </p:nvSpPr>
+        <p:spPr>
+          <a:xfrm>
+            <a:off x="2483088" y="2132919"/>
+            <a:ext cx="632047" cy="544867"/>
+          </a:xfrm>
+          <a:prstGeom prst="hexagon">
+            <a:avLst/>
+          </a:prstGeom>
+        </p:spPr>
+        <p:style>
+          <a:lnRef idx="0">
+            <a:schemeClr val="accent1"/>
+          </a:lnRef>
+          <a:fillRef idx="3">
+            <a:schemeClr val="accent1"/>
+          </a:fillRef>
+          <a:effectRef idx="3">
+            <a:schemeClr val="accent1"/>
+          </a:effectRef>
+          <a:fontRef idx="minor">
+            <a:schemeClr val="lt1"/>
+          </a:fontRef>
+        </p:style>
+        <p:txBody>
+          <a:bodyPr rtlCol="0" anchor="ctr"/>
+          <a:lstStyle/>
+          <a:p>
+            <a:pPr algn="ctr"/>
+            <a:endParaRPr lang="en-US" sz="1600" b="1" dirty="0"/>
+          </a:p>
+        </p:txBody>
+      </p:sp>
+      <p:sp>
+        <p:nvSpPr>
+          <p:cNvPr id="91" name="Hexagon 90"/>
+          <p:cNvSpPr>
+            <a:spLocks noChangeAspect="1"/>
+          </p:cNvSpPr>
+          <p:nvPr/>
+        </p:nvSpPr>
+        <p:spPr>
+          <a:xfrm>
+            <a:off x="2483088" y="1588051"/>
+            <a:ext cx="632047" cy="544867"/>
+          </a:xfrm>
+          <a:prstGeom prst="hexagon">
+            <a:avLst/>
+          </a:prstGeom>
+        </p:spPr>
+        <p:style>
+          <a:lnRef idx="0">
+            <a:schemeClr val="accent1"/>
+          </a:lnRef>
+          <a:fillRef idx="3">
+            <a:schemeClr val="accent1"/>
+          </a:fillRef>
+          <a:effectRef idx="3">
+            <a:schemeClr val="accent1"/>
+          </a:effectRef>
+          <a:fontRef idx="minor">
+            <a:schemeClr val="lt1"/>
+          </a:fontRef>
+        </p:style>
+        <p:txBody>
+          <a:bodyPr rtlCol="0" anchor="ctr"/>
+          <a:lstStyle/>
+          <a:p>
+            <a:pPr algn="ctr"/>
+            <a:endParaRPr lang="en-US" sz="1600" b="1" dirty="0"/>
+          </a:p>
+        </p:txBody>
+      </p:sp>
+      <p:sp>
+        <p:nvSpPr>
+          <p:cNvPr id="93" name="Hexagon 92"/>
+          <p:cNvSpPr>
+            <a:spLocks noChangeAspect="1"/>
+          </p:cNvSpPr>
+          <p:nvPr/>
+        </p:nvSpPr>
+        <p:spPr>
+          <a:xfrm>
+            <a:off x="4839426" y="4312390"/>
+            <a:ext cx="632047" cy="544867"/>
+          </a:xfrm>
+          <a:prstGeom prst="hexagon">
+            <a:avLst/>
+          </a:prstGeom>
+        </p:spPr>
+        <p:style>
+          <a:lnRef idx="0">
+            <a:schemeClr val="accent4"/>
+          </a:lnRef>
+          <a:fillRef idx="3">
+            <a:schemeClr val="accent4"/>
+          </a:fillRef>
+          <a:effectRef idx="3">
+            <a:schemeClr val="accent4"/>
+          </a:effectRef>
+          <a:fontRef idx="minor">
+            <a:schemeClr val="lt1"/>
+          </a:fontRef>
+        </p:style>
+        <p:txBody>
+          <a:bodyPr rtlCol="0" anchor="ctr"/>
+          <a:lstStyle/>
+          <a:p>
+            <a:pPr algn="ctr"/>
+            <a:endParaRPr lang="en-US" sz="1600" b="1" dirty="0"/>
+          </a:p>
+        </p:txBody>
+      </p:sp>
+      <p:sp>
+        <p:nvSpPr>
+          <p:cNvPr id="94" name="Hexagon 93"/>
+          <p:cNvSpPr>
+            <a:spLocks noChangeAspect="1"/>
+          </p:cNvSpPr>
+          <p:nvPr/>
+        </p:nvSpPr>
+        <p:spPr>
+          <a:xfrm>
+            <a:off x="4839426" y="3767522"/>
+            <a:ext cx="632047" cy="544867"/>
+          </a:xfrm>
+          <a:prstGeom prst="hexagon">
+            <a:avLst/>
+          </a:prstGeom>
+        </p:spPr>
+        <p:style>
+          <a:lnRef idx="0">
+            <a:schemeClr val="accent4"/>
+          </a:lnRef>
+          <a:fillRef idx="3">
+            <a:schemeClr val="accent4"/>
+          </a:fillRef>
+          <a:effectRef idx="3">
+            <a:schemeClr val="accent4"/>
+          </a:effectRef>
+          <a:fontRef idx="minor">
+            <a:schemeClr val="lt1"/>
+          </a:fontRef>
+        </p:style>
+        <p:txBody>
+          <a:bodyPr rtlCol="0" anchor="ctr"/>
+          <a:lstStyle/>
+          <a:p>
+            <a:pPr algn="ctr"/>
+            <a:endParaRPr lang="en-US" sz="1600" b="1" dirty="0"/>
+          </a:p>
+        </p:txBody>
+      </p:sp>
+      <p:sp>
+        <p:nvSpPr>
+          <p:cNvPr id="95" name="Hexagon 94"/>
+          <p:cNvSpPr>
+            <a:spLocks noChangeAspect="1"/>
+          </p:cNvSpPr>
+          <p:nvPr/>
+        </p:nvSpPr>
+        <p:spPr>
+          <a:xfrm>
+            <a:off x="4839426" y="3222654"/>
+            <a:ext cx="632047" cy="544867"/>
+          </a:xfrm>
+          <a:prstGeom prst="hexagon">
+            <a:avLst/>
+          </a:prstGeom>
+        </p:spPr>
+        <p:style>
+          <a:lnRef idx="0">
+            <a:schemeClr val="accent4"/>
+          </a:lnRef>
+          <a:fillRef idx="3">
+            <a:schemeClr val="accent4"/>
+          </a:fillRef>
+          <a:effectRef idx="3">
+            <a:schemeClr val="accent4"/>
+          </a:effectRef>
+          <a:fontRef idx="minor">
+            <a:schemeClr val="lt1"/>
+          </a:fontRef>
+        </p:style>
+        <p:txBody>
+          <a:bodyPr rtlCol="0" anchor="ctr"/>
+          <a:lstStyle/>
+          <a:p>
+            <a:pPr algn="ctr"/>
+            <a:endParaRPr lang="en-US" sz="1600" b="1" dirty="0"/>
+          </a:p>
+        </p:txBody>
+      </p:sp>
+      <p:sp>
+        <p:nvSpPr>
+          <p:cNvPr id="96" name="Hexagon 95"/>
+          <p:cNvSpPr>
+            <a:spLocks noChangeAspect="1"/>
+          </p:cNvSpPr>
+          <p:nvPr/>
+        </p:nvSpPr>
+        <p:spPr>
+          <a:xfrm>
+            <a:off x="4839426" y="2677786"/>
+            <a:ext cx="632047" cy="544867"/>
+          </a:xfrm>
+          <a:prstGeom prst="hexagon">
+            <a:avLst/>
+          </a:prstGeom>
+        </p:spPr>
+        <p:style>
+          <a:lnRef idx="0">
+            <a:schemeClr val="accent4"/>
+          </a:lnRef>
+          <a:fillRef idx="3">
+            <a:schemeClr val="accent4"/>
+          </a:fillRef>
+          <a:effectRef idx="3">
+            <a:schemeClr val="accent4"/>
+          </a:effectRef>
+          <a:fontRef idx="minor">
+            <a:schemeClr val="lt1"/>
+          </a:fontRef>
+        </p:style>
+        <p:txBody>
+          <a:bodyPr rtlCol="0" anchor="ctr"/>
+          <a:lstStyle/>
+          <a:p>
+            <a:pPr algn="ctr"/>
+            <a:endParaRPr lang="en-US" sz="1600" b="1" dirty="0"/>
+          </a:p>
+        </p:txBody>
+      </p:sp>
+      <p:sp>
+        <p:nvSpPr>
+          <p:cNvPr id="97" name="Hexagon 96"/>
+          <p:cNvSpPr>
+            <a:spLocks noChangeAspect="1"/>
+          </p:cNvSpPr>
+          <p:nvPr/>
+        </p:nvSpPr>
+        <p:spPr>
+          <a:xfrm>
+            <a:off x="4839426" y="2132918"/>
+            <a:ext cx="632047" cy="544867"/>
+          </a:xfrm>
+          <a:prstGeom prst="hexagon">
+            <a:avLst/>
+          </a:prstGeom>
+        </p:spPr>
+        <p:style>
+          <a:lnRef idx="0">
+            <a:schemeClr val="accent4"/>
+          </a:lnRef>
+          <a:fillRef idx="3">
+            <a:schemeClr val="accent4"/>
+          </a:fillRef>
+          <a:effectRef idx="3">
+            <a:schemeClr val="accent4"/>
+          </a:effectRef>
+          <a:fontRef idx="minor">
+            <a:schemeClr val="lt1"/>
+          </a:fontRef>
+        </p:style>
+        <p:txBody>
+          <a:bodyPr rtlCol="0" anchor="ctr"/>
+          <a:lstStyle/>
+          <a:p>
+            <a:pPr algn="ctr"/>
+            <a:endParaRPr lang="en-US" sz="1600" b="1" dirty="0"/>
+          </a:p>
+        </p:txBody>
+      </p:sp>
+      <p:sp>
+        <p:nvSpPr>
+          <p:cNvPr id="98" name="Hexagon 97"/>
+          <p:cNvSpPr>
+            <a:spLocks noChangeAspect="1"/>
+          </p:cNvSpPr>
+          <p:nvPr/>
+        </p:nvSpPr>
+        <p:spPr>
+          <a:xfrm>
+            <a:off x="4839426" y="1588050"/>
+            <a:ext cx="632047" cy="544867"/>
+          </a:xfrm>
+          <a:prstGeom prst="hexagon">
+            <a:avLst/>
+          </a:prstGeom>
+        </p:spPr>
+        <p:style>
+          <a:lnRef idx="0">
+            <a:schemeClr val="accent4"/>
+          </a:lnRef>
+          <a:fillRef idx="3">
+            <a:schemeClr val="accent4"/>
+          </a:fillRef>
+          <a:effectRef idx="3">
+            <a:schemeClr val="accent4"/>
+          </a:effectRef>
+          <a:fontRef idx="minor">
+            <a:schemeClr val="lt1"/>
+          </a:fontRef>
+        </p:style>
+        <p:txBody>
+          <a:bodyPr rtlCol="0" anchor="ctr"/>
+          <a:lstStyle/>
+          <a:p>
+            <a:pPr algn="ctr"/>
+            <a:endParaRPr lang="en-US" sz="1600" b="1" dirty="0"/>
+          </a:p>
+        </p:txBody>
+      </p:sp>
+      <p:grpSp>
+        <p:nvGrpSpPr>
+          <p:cNvPr id="114" name="Group 113"/>
+          <p:cNvGrpSpPr/>
+          <p:nvPr/>
+        </p:nvGrpSpPr>
+        <p:grpSpPr>
+          <a:xfrm>
+            <a:off x="7942156" y="1588048"/>
+            <a:ext cx="632047" cy="3269207"/>
+            <a:chOff x="3617799" y="1588052"/>
+            <a:chExt cx="632047" cy="3269207"/>
+          </a:xfrm>
+        </p:grpSpPr>
+        <p:sp>
+          <p:nvSpPr>
+            <p:cNvPr id="115" name="Hexagon 114"/>
+            <p:cNvSpPr>
+              <a:spLocks noChangeAspect="1"/>
+            </p:cNvSpPr>
+            <p:nvPr/>
+          </p:nvSpPr>
+          <p:spPr>
+            <a:xfrm>
+              <a:off x="3617799" y="4312392"/>
+              <a:ext cx="632047" cy="544867"/>
+            </a:xfrm>
+            <a:prstGeom prst="hexagon">
+              <a:avLst/>
+            </a:prstGeom>
+          </p:spPr>
+          <p:style>
+            <a:lnRef idx="0">
+              <a:schemeClr val="accent6"/>
+            </a:lnRef>
+            <a:fillRef idx="3">
+              <a:schemeClr val="accent6"/>
+            </a:fillRef>
+            <a:effectRef idx="3">
+              <a:schemeClr val="accent6"/>
+            </a:effectRef>
+            <a:fontRef idx="minor">
+              <a:schemeClr val="lt1"/>
+            </a:fontRef>
+          </p:style>
+          <p:txBody>
+            <a:bodyPr rtlCol="0" anchor="ctr"/>
+            <a:lstStyle/>
+            <a:p>
+              <a:pPr algn="ctr"/>
+              <a:endParaRPr lang="en-US" sz="1600" b="1" dirty="0"/>
+            </a:p>
+          </p:txBody>
+        </p:sp>
+        <p:sp>
+          <p:nvSpPr>
+            <p:cNvPr id="116" name="Hexagon 115"/>
+            <p:cNvSpPr>
+              <a:spLocks noChangeAspect="1"/>
+            </p:cNvSpPr>
+            <p:nvPr/>
+          </p:nvSpPr>
+          <p:spPr>
+            <a:xfrm>
+              <a:off x="3617799" y="3767524"/>
+              <a:ext cx="632047" cy="544867"/>
+            </a:xfrm>
+            <a:prstGeom prst="hexagon">
+              <a:avLst/>
+            </a:prstGeom>
+          </p:spPr>
+          <p:style>
+            <a:lnRef idx="0">
+              <a:schemeClr val="accent6"/>
+            </a:lnRef>
+            <a:fillRef idx="3">
+              <a:schemeClr val="accent6"/>
+            </a:fillRef>
+            <a:effectRef idx="3">
+              <a:schemeClr val="accent6"/>
+            </a:effectRef>
+            <a:fontRef idx="minor">
+              <a:schemeClr val="lt1"/>
+            </a:fontRef>
+          </p:style>
+          <p:txBody>
+            <a:bodyPr rtlCol="0" anchor="ctr"/>
+            <a:lstStyle/>
+            <a:p>
+              <a:pPr algn="ctr"/>
+              <a:endParaRPr lang="en-US" sz="1600" b="1" dirty="0"/>
+            </a:p>
+          </p:txBody>
+        </p:sp>
+        <p:sp>
+          <p:nvSpPr>
+            <p:cNvPr id="117" name="Hexagon 116"/>
+            <p:cNvSpPr>
+              <a:spLocks noChangeAspect="1"/>
+            </p:cNvSpPr>
+            <p:nvPr/>
+          </p:nvSpPr>
+          <p:spPr>
+            <a:xfrm>
+              <a:off x="3617799" y="3222656"/>
+              <a:ext cx="632047" cy="544867"/>
+            </a:xfrm>
+            <a:prstGeom prst="hexagon">
+              <a:avLst/>
+            </a:prstGeom>
+          </p:spPr>
+          <p:style>
+            <a:lnRef idx="0">
+              <a:schemeClr val="accent6"/>
+            </a:lnRef>
+            <a:fillRef idx="3">
+              <a:schemeClr val="accent6"/>
+            </a:fillRef>
+            <a:effectRef idx="3">
+              <a:schemeClr val="accent6"/>
+            </a:effectRef>
+            <a:fontRef idx="minor">
+              <a:schemeClr val="lt1"/>
+            </a:fontRef>
+          </p:style>
+          <p:txBody>
+            <a:bodyPr rtlCol="0" anchor="ctr"/>
+            <a:lstStyle/>
+            <a:p>
+              <a:pPr algn="ctr"/>
+              <a:endParaRPr lang="en-US" sz="1600" b="1" dirty="0"/>
+            </a:p>
+          </p:txBody>
+        </p:sp>
+        <p:sp>
+          <p:nvSpPr>
+            <p:cNvPr id="118" name="Hexagon 117"/>
+            <p:cNvSpPr>
+              <a:spLocks noChangeAspect="1"/>
+            </p:cNvSpPr>
+            <p:nvPr/>
+          </p:nvSpPr>
+          <p:spPr>
+            <a:xfrm>
+              <a:off x="3617799" y="2677788"/>
+              <a:ext cx="632047" cy="544867"/>
+            </a:xfrm>
+            <a:prstGeom prst="hexagon">
+              <a:avLst/>
+            </a:prstGeom>
+          </p:spPr>
+          <p:style>
+            <a:lnRef idx="0">
+              <a:schemeClr val="accent6"/>
+            </a:lnRef>
+            <a:fillRef idx="3">
+              <a:schemeClr val="accent6"/>
+            </a:fillRef>
+            <a:effectRef idx="3">
+              <a:schemeClr val="accent6"/>
+            </a:effectRef>
+            <a:fontRef idx="minor">
+              <a:schemeClr val="lt1"/>
+            </a:fontRef>
+          </p:style>
+          <p:txBody>
+            <a:bodyPr rtlCol="0" anchor="ctr"/>
+            <a:lstStyle/>
+            <a:p>
+              <a:pPr algn="ctr"/>
+              <a:endParaRPr lang="en-US" sz="1600" b="1" dirty="0"/>
+            </a:p>
+          </p:txBody>
+        </p:sp>
+        <p:sp>
+          <p:nvSpPr>
+            <p:cNvPr id="119" name="Hexagon 118"/>
+            <p:cNvSpPr>
+              <a:spLocks noChangeAspect="1"/>
+            </p:cNvSpPr>
+            <p:nvPr/>
+          </p:nvSpPr>
+          <p:spPr>
+            <a:xfrm>
+              <a:off x="3617799" y="2132920"/>
+              <a:ext cx="632047" cy="544867"/>
+            </a:xfrm>
+            <a:prstGeom prst="hexagon">
+              <a:avLst/>
+            </a:prstGeom>
+          </p:spPr>
+          <p:style>
+            <a:lnRef idx="0">
+              <a:schemeClr val="accent6"/>
+            </a:lnRef>
+            <a:fillRef idx="3">
+              <a:schemeClr val="accent6"/>
+            </a:fillRef>
+            <a:effectRef idx="3">
+              <a:schemeClr val="accent6"/>
+            </a:effectRef>
+            <a:fontRef idx="minor">
+              <a:schemeClr val="lt1"/>
+            </a:fontRef>
+          </p:style>
+          <p:txBody>
+            <a:bodyPr rtlCol="0" anchor="ctr"/>
+            <a:lstStyle/>
+            <a:p>
+              <a:pPr algn="ctr"/>
+              <a:endParaRPr lang="en-US" sz="1600" b="1" dirty="0"/>
+            </a:p>
+          </p:txBody>
+        </p:sp>
+        <p:sp>
+          <p:nvSpPr>
+            <p:cNvPr id="120" name="Hexagon 119"/>
+            <p:cNvSpPr>
+              <a:spLocks noChangeAspect="1"/>
+            </p:cNvSpPr>
+            <p:nvPr/>
+          </p:nvSpPr>
+          <p:spPr>
+            <a:xfrm>
+              <a:off x="3617799" y="1588052"/>
+              <a:ext cx="632047" cy="544867"/>
+            </a:xfrm>
+            <a:prstGeom prst="hexagon">
+              <a:avLst/>
+            </a:prstGeom>
+          </p:spPr>
+          <p:style>
+            <a:lnRef idx="0">
+              <a:schemeClr val="accent6"/>
+            </a:lnRef>
+            <a:fillRef idx="3">
+              <a:schemeClr val="accent6"/>
+            </a:fillRef>
+            <a:effectRef idx="3">
+              <a:schemeClr val="accent6"/>
+            </a:effectRef>
+            <a:fontRef idx="minor">
+              <a:schemeClr val="lt1"/>
+            </a:fontRef>
+          </p:style>
+          <p:txBody>
+            <a:bodyPr rtlCol="0" anchor="ctr"/>
+            <a:lstStyle/>
+            <a:p>
+              <a:pPr algn="ctr"/>
+              <a:endParaRPr lang="en-US" sz="1600" b="1" dirty="0"/>
+            </a:p>
+          </p:txBody>
+        </p:sp>
+      </p:grpSp>
+    </p:spTree>
+    <p:extLst>
+      <p:ext uri="{BB962C8B-B14F-4D97-AF65-F5344CB8AC3E}">
+        <p14:creationId xmlns:p14="http://schemas.microsoft.com/office/powerpoint/2010/main" val="2358674118"/>
+      </p:ext>
+    </p:extLst>
+  </p:cSld>
+  <p:clrMapOvr>
+    <a:masterClrMapping/>
+  </p:clrMapOvr>
+  <p:timing>
+    <p:tnLst>
+      <p:par>
+        <p:cTn id="1" dur="indefinite" restart="never" nodeType="tmRoot"/>
+      </p:par>
+    </p:tnLst>
+  </p:timing>
+</p:sld>
+</file>
+
+<file path=ppt/slides/slide9.xml><?xml version="1.0" encoding="utf-8"?>
+<p:sld xmlns:a="http://schemas.openxmlformats.org/drawingml/2006/main" xmlns:r="http://schemas.openxmlformats.org/officeDocument/2006/relationships" xmlns:p="http://schemas.openxmlformats.org/presentationml/2006/main">
+  <p:cSld>
+    <p:spTree>
+      <p:nvGrpSpPr>
+        <p:cNvPr id="1" name=""/>
+        <p:cNvGrpSpPr/>
+        <p:nvPr/>
+      </p:nvGrpSpPr>
+      <p:grpSpPr>
+        <a:xfrm>
+          <a:off x="0" y="0"/>
+          <a:ext cx="0" cy="0"/>
+          <a:chOff x="0" y="0"/>
+          <a:chExt cx="0" cy="0"/>
+        </a:xfrm>
+      </p:grpSpPr>
+      <p:cxnSp>
+        <p:nvCxnSpPr>
+          <p:cNvPr id="23" name="Straight Arrow Connector 22"/>
+          <p:cNvCxnSpPr/>
+          <p:nvPr/>
+        </p:nvCxnSpPr>
+        <p:spPr>
+          <a:xfrm flipV="1">
+            <a:off x="1778030" y="1278497"/>
+            <a:ext cx="0" cy="3600000"/>
+          </a:xfrm>
+          <a:prstGeom prst="straightConnector1">
+            <a:avLst/>
+          </a:prstGeom>
+          <a:ln w="76200">
+            <a:tailEnd type="triangle"/>
+          </a:ln>
+        </p:spPr>
+        <p:style>
+          <a:lnRef idx="3">
+            <a:schemeClr val="dk1"/>
+          </a:lnRef>
+          <a:fillRef idx="0">
+            <a:schemeClr val="dk1"/>
+          </a:fillRef>
+          <a:effectRef idx="2">
+            <a:schemeClr val="dk1"/>
+          </a:effectRef>
+          <a:fontRef idx="minor">
+            <a:schemeClr val="tx1"/>
+          </a:fontRef>
+        </p:style>
+      </p:cxnSp>
+      <p:sp>
+        <p:nvSpPr>
+          <p:cNvPr id="24" name="TextBox 23"/>
+          <p:cNvSpPr txBox="1"/>
+          <p:nvPr/>
+        </p:nvSpPr>
+        <p:spPr>
+          <a:xfrm>
+            <a:off x="1032979" y="1451882"/>
+            <a:ext cx="615553" cy="2929617"/>
+          </a:xfrm>
+          <a:prstGeom prst="rect">
+            <a:avLst/>
+          </a:prstGeom>
+          <a:noFill/>
+        </p:spPr>
+        <p:txBody>
+          <a:bodyPr vert="vert270" wrap="square" rtlCol="0">
+            <a:spAutoFit/>
+          </a:bodyPr>
+          <a:lstStyle/>
+          <a:p>
+            <a:pPr algn="ctr"/>
+            <a:r>
+              <a:rPr lang="en-US" sz="2800" dirty="0" smtClean="0"/>
+              <a:t>Progress</a:t>
+            </a:r>
+            <a:endParaRPr lang="en-US" sz="2800" dirty="0"/>
+          </a:p>
+        </p:txBody>
+      </p:sp>
+      <p:sp>
+        <p:nvSpPr>
+          <p:cNvPr id="26" name="TextBox 25"/>
+          <p:cNvSpPr txBox="1"/>
+          <p:nvPr/>
+        </p:nvSpPr>
+        <p:spPr>
+          <a:xfrm rot="5400000">
+            <a:off x="5788223" y="1214583"/>
+            <a:ext cx="615553" cy="7924356"/>
+          </a:xfrm>
+          <a:prstGeom prst="rect">
+            <a:avLst/>
+          </a:prstGeom>
+          <a:noFill/>
+        </p:spPr>
+        <p:txBody>
+          <a:bodyPr vert="vert270" wrap="square" rtlCol="0">
+            <a:spAutoFit/>
+          </a:bodyPr>
+          <a:lstStyle/>
+          <a:p>
+            <a:pPr algn="ctr"/>
+            <a:r>
+              <a:rPr lang="en-US" sz="2800" dirty="0" smtClean="0"/>
+              <a:t>Organizations</a:t>
+            </a:r>
+            <a:endParaRPr lang="en-US" sz="2800" dirty="0"/>
+          </a:p>
+        </p:txBody>
+      </p:sp>
+      <p:cxnSp>
+        <p:nvCxnSpPr>
+          <p:cNvPr id="56" name="Straight Connector 55"/>
+          <p:cNvCxnSpPr/>
+          <p:nvPr/>
+        </p:nvCxnSpPr>
+        <p:spPr>
+          <a:xfrm>
+            <a:off x="2177280" y="4868983"/>
+            <a:ext cx="3600000" cy="1"/>
+          </a:xfrm>
+          <a:prstGeom prst="line">
+            <a:avLst/>
+          </a:prstGeom>
+        </p:spPr>
+        <p:style>
+          <a:lnRef idx="3">
+            <a:schemeClr val="dk1"/>
+          </a:lnRef>
+          <a:fillRef idx="0">
+            <a:schemeClr val="dk1"/>
+          </a:fillRef>
+          <a:effectRef idx="2">
+            <a:schemeClr val="dk1"/>
+          </a:effectRef>
+          <a:fontRef idx="minor">
+            <a:schemeClr val="tx1"/>
+          </a:fontRef>
+        </p:style>
+      </p:cxnSp>
+      <p:cxnSp>
+        <p:nvCxnSpPr>
+          <p:cNvPr id="61" name="Straight Connector 60"/>
+          <p:cNvCxnSpPr/>
+          <p:nvPr/>
+        </p:nvCxnSpPr>
+        <p:spPr>
+          <a:xfrm>
+            <a:off x="6458179" y="4868983"/>
+            <a:ext cx="3600000" cy="1"/>
+          </a:xfrm>
+          <a:prstGeom prst="line">
+            <a:avLst/>
+          </a:prstGeom>
+        </p:spPr>
+        <p:style>
+          <a:lnRef idx="3">
+            <a:schemeClr val="dk1"/>
+          </a:lnRef>
+          <a:fillRef idx="0">
+            <a:schemeClr val="dk1"/>
+          </a:fillRef>
+          <a:effectRef idx="2">
+            <a:schemeClr val="dk1"/>
+          </a:effectRef>
+          <a:fontRef idx="minor">
+            <a:schemeClr val="tx1"/>
+          </a:fontRef>
+        </p:style>
+      </p:cxnSp>
+      <p:sp>
+        <p:nvSpPr>
+          <p:cNvPr id="70" name="TextBox 69"/>
+          <p:cNvSpPr txBox="1"/>
+          <p:nvPr/>
+        </p:nvSpPr>
+        <p:spPr>
+          <a:xfrm rot="5400000">
+            <a:off x="5788222" y="-2991457"/>
+            <a:ext cx="615553" cy="7924356"/>
+          </a:xfrm>
+          <a:prstGeom prst="rect">
+            <a:avLst/>
+          </a:prstGeom>
+          <a:noFill/>
+        </p:spPr>
+        <p:txBody>
+          <a:bodyPr vert="vert270" wrap="square" rtlCol="0">
+            <a:spAutoFit/>
+          </a:bodyPr>
+          <a:lstStyle/>
+          <a:p>
+            <a:pPr algn="ctr"/>
+            <a:r>
+              <a:rPr lang="en-US" sz="2800" dirty="0" smtClean="0"/>
+              <a:t>Sustainable Development Goals</a:t>
+            </a:r>
+            <a:endParaRPr lang="en-US" sz="2800" dirty="0"/>
+          </a:p>
+        </p:txBody>
+      </p:sp>
+      <p:sp>
+        <p:nvSpPr>
+          <p:cNvPr id="63" name="Hexagon 62"/>
+          <p:cNvSpPr>
+            <a:spLocks noChangeAspect="1"/>
+          </p:cNvSpPr>
+          <p:nvPr/>
+        </p:nvSpPr>
+        <p:spPr>
+          <a:xfrm>
+            <a:off x="3268534" y="4312392"/>
+            <a:ext cx="632047" cy="544867"/>
+          </a:xfrm>
+          <a:prstGeom prst="hexagon">
+            <a:avLst/>
+          </a:prstGeom>
+        </p:spPr>
+        <p:style>
+          <a:lnRef idx="0">
+            <a:schemeClr val="accent2"/>
+          </a:lnRef>
+          <a:fillRef idx="3">
+            <a:schemeClr val="accent2"/>
+          </a:fillRef>
+          <a:effectRef idx="3">
+            <a:schemeClr val="accent2"/>
+          </a:effectRef>
+          <a:fontRef idx="minor">
+            <a:schemeClr val="lt1"/>
+          </a:fontRef>
+        </p:style>
+        <p:txBody>
+          <a:bodyPr rtlCol="0" anchor="ctr"/>
+          <a:lstStyle/>
+          <a:p>
+            <a:pPr algn="ctr"/>
+            <a:endParaRPr lang="en-US" sz="1600" b="1" dirty="0"/>
+          </a:p>
+        </p:txBody>
+      </p:sp>
+      <p:sp>
+        <p:nvSpPr>
+          <p:cNvPr id="64" name="Hexagon 63"/>
+          <p:cNvSpPr>
+            <a:spLocks noChangeAspect="1"/>
+          </p:cNvSpPr>
+          <p:nvPr/>
+        </p:nvSpPr>
+        <p:spPr>
+          <a:xfrm>
+            <a:off x="3268534" y="3767524"/>
+            <a:ext cx="632047" cy="544867"/>
+          </a:xfrm>
+          <a:prstGeom prst="hexagon">
+            <a:avLst/>
+          </a:prstGeom>
+        </p:spPr>
+        <p:style>
+          <a:lnRef idx="0">
+            <a:schemeClr val="accent2"/>
+          </a:lnRef>
+          <a:fillRef idx="3">
+            <a:schemeClr val="accent2"/>
+          </a:fillRef>
+          <a:effectRef idx="3">
+            <a:schemeClr val="accent2"/>
+          </a:effectRef>
+          <a:fontRef idx="minor">
+            <a:schemeClr val="lt1"/>
+          </a:fontRef>
+        </p:style>
+        <p:txBody>
+          <a:bodyPr rtlCol="0" anchor="ctr"/>
+          <a:lstStyle/>
+          <a:p>
+            <a:pPr algn="ctr"/>
+            <a:endParaRPr lang="en-US" sz="1600" b="1" dirty="0"/>
+          </a:p>
+        </p:txBody>
+      </p:sp>
+      <p:sp>
+        <p:nvSpPr>
+          <p:cNvPr id="79" name="Hexagon 78"/>
+          <p:cNvSpPr>
+            <a:spLocks noChangeAspect="1"/>
+          </p:cNvSpPr>
+          <p:nvPr/>
+        </p:nvSpPr>
+        <p:spPr>
+          <a:xfrm>
+            <a:off x="4053980" y="4312391"/>
+            <a:ext cx="632047" cy="544867"/>
+          </a:xfrm>
+          <a:prstGeom prst="hexagon">
+            <a:avLst/>
+          </a:prstGeom>
+        </p:spPr>
+        <p:style>
+          <a:lnRef idx="0">
+            <a:schemeClr val="accent6"/>
+          </a:lnRef>
+          <a:fillRef idx="3">
+            <a:schemeClr val="accent6"/>
+          </a:fillRef>
+          <a:effectRef idx="3">
+            <a:schemeClr val="accent6"/>
+          </a:effectRef>
+          <a:fontRef idx="minor">
+            <a:schemeClr val="lt1"/>
+          </a:fontRef>
+        </p:style>
+        <p:txBody>
+          <a:bodyPr rtlCol="0" anchor="ctr"/>
+          <a:lstStyle/>
+          <a:p>
+            <a:pPr algn="ctr"/>
+            <a:endParaRPr lang="en-US" sz="1600" b="1" dirty="0"/>
+          </a:p>
+        </p:txBody>
+      </p:sp>
+      <p:sp>
+        <p:nvSpPr>
+          <p:cNvPr id="80" name="Hexagon 79"/>
+          <p:cNvSpPr>
+            <a:spLocks noChangeAspect="1"/>
+          </p:cNvSpPr>
+          <p:nvPr/>
+        </p:nvSpPr>
+        <p:spPr>
+          <a:xfrm>
+            <a:off x="4053980" y="3767523"/>
+            <a:ext cx="632047" cy="544867"/>
+          </a:xfrm>
+          <a:prstGeom prst="hexagon">
+            <a:avLst/>
+          </a:prstGeom>
+        </p:spPr>
+        <p:style>
+          <a:lnRef idx="0">
+            <a:schemeClr val="accent6"/>
+          </a:lnRef>
+          <a:fillRef idx="3">
+            <a:schemeClr val="accent6"/>
+          </a:fillRef>
+          <a:effectRef idx="3">
+            <a:schemeClr val="accent6"/>
+          </a:effectRef>
+          <a:fontRef idx="minor">
+            <a:schemeClr val="lt1"/>
+          </a:fontRef>
+        </p:style>
+        <p:txBody>
+          <a:bodyPr rtlCol="0" anchor="ctr"/>
+          <a:lstStyle/>
+          <a:p>
+            <a:pPr algn="ctr"/>
+            <a:endParaRPr lang="en-US" sz="1600" b="1" dirty="0"/>
+          </a:p>
+        </p:txBody>
+      </p:sp>
+      <p:sp>
+        <p:nvSpPr>
+          <p:cNvPr id="81" name="Hexagon 80"/>
+          <p:cNvSpPr>
+            <a:spLocks noChangeAspect="1"/>
+          </p:cNvSpPr>
+          <p:nvPr/>
+        </p:nvSpPr>
+        <p:spPr>
+          <a:xfrm>
+            <a:off x="4053980" y="3222655"/>
+            <a:ext cx="632047" cy="544867"/>
+          </a:xfrm>
+          <a:prstGeom prst="hexagon">
+            <a:avLst/>
+          </a:prstGeom>
+        </p:spPr>
+        <p:style>
+          <a:lnRef idx="0">
+            <a:schemeClr val="accent6"/>
+          </a:lnRef>
+          <a:fillRef idx="3">
+            <a:schemeClr val="accent6"/>
+          </a:fillRef>
+          <a:effectRef idx="3">
+            <a:schemeClr val="accent6"/>
+          </a:effectRef>
+          <a:fontRef idx="minor">
+            <a:schemeClr val="lt1"/>
+          </a:fontRef>
+        </p:style>
+        <p:txBody>
+          <a:bodyPr rtlCol="0" anchor="ctr"/>
+          <a:lstStyle/>
+          <a:p>
+            <a:pPr algn="ctr"/>
+            <a:endParaRPr lang="en-US" sz="1600" b="1" dirty="0"/>
+          </a:p>
+        </p:txBody>
+      </p:sp>
+      <p:sp>
+        <p:nvSpPr>
+          <p:cNvPr id="86" name="Hexagon 85"/>
+          <p:cNvSpPr>
+            <a:spLocks noChangeAspect="1"/>
+          </p:cNvSpPr>
+          <p:nvPr/>
+        </p:nvSpPr>
+        <p:spPr>
+          <a:xfrm>
+            <a:off x="2483088" y="4312391"/>
+            <a:ext cx="632047" cy="544867"/>
+          </a:xfrm>
+          <a:prstGeom prst="hexagon">
+            <a:avLst/>
+          </a:prstGeom>
+        </p:spPr>
+        <p:style>
+          <a:lnRef idx="0">
+            <a:schemeClr val="accent1"/>
+          </a:lnRef>
+          <a:fillRef idx="3">
+            <a:schemeClr val="accent1"/>
+          </a:fillRef>
+          <a:effectRef idx="3">
+            <a:schemeClr val="accent1"/>
+          </a:effectRef>
+          <a:fontRef idx="minor">
+            <a:schemeClr val="lt1"/>
+          </a:fontRef>
+        </p:style>
+        <p:txBody>
+          <a:bodyPr rtlCol="0" anchor="ctr"/>
+          <a:lstStyle/>
+          <a:p>
+            <a:pPr algn="ctr"/>
+            <a:endParaRPr lang="en-US" sz="1600" b="1" dirty="0"/>
+          </a:p>
+        </p:txBody>
+      </p:sp>
+      <p:sp>
+        <p:nvSpPr>
+          <p:cNvPr id="87" name="Hexagon 86"/>
+          <p:cNvSpPr>
+            <a:spLocks noChangeAspect="1"/>
+          </p:cNvSpPr>
+          <p:nvPr/>
+        </p:nvSpPr>
+        <p:spPr>
+          <a:xfrm>
+            <a:off x="2483088" y="3767523"/>
+            <a:ext cx="632047" cy="544867"/>
+          </a:xfrm>
+          <a:prstGeom prst="hexagon">
+            <a:avLst/>
+          </a:prstGeom>
+        </p:spPr>
+        <p:style>
+          <a:lnRef idx="0">
+            <a:schemeClr val="accent1"/>
+          </a:lnRef>
+          <a:fillRef idx="3">
+            <a:schemeClr val="accent1"/>
+          </a:fillRef>
+          <a:effectRef idx="3">
+            <a:schemeClr val="accent1"/>
+          </a:effectRef>
+          <a:fontRef idx="minor">
+            <a:schemeClr val="lt1"/>
+          </a:fontRef>
+        </p:style>
+        <p:txBody>
+          <a:bodyPr rtlCol="0" anchor="ctr"/>
+          <a:lstStyle/>
+          <a:p>
+            <a:pPr algn="ctr"/>
+            <a:endParaRPr lang="en-US" sz="1600" b="1" dirty="0"/>
+          </a:p>
+        </p:txBody>
+      </p:sp>
+      <p:sp>
+        <p:nvSpPr>
+          <p:cNvPr id="93" name="Hexagon 92"/>
+          <p:cNvSpPr>
+            <a:spLocks noChangeAspect="1"/>
+          </p:cNvSpPr>
+          <p:nvPr/>
+        </p:nvSpPr>
+        <p:spPr>
+          <a:xfrm>
+            <a:off x="4839426" y="4312390"/>
+            <a:ext cx="632047" cy="544867"/>
+          </a:xfrm>
+          <a:prstGeom prst="hexagon">
+            <a:avLst/>
+          </a:prstGeom>
+        </p:spPr>
+        <p:style>
+          <a:lnRef idx="0">
+            <a:schemeClr val="accent4"/>
+          </a:lnRef>
+          <a:fillRef idx="3">
+            <a:schemeClr val="accent4"/>
+          </a:fillRef>
+          <a:effectRef idx="3">
+            <a:schemeClr val="accent4"/>
+          </a:effectRef>
+          <a:fontRef idx="minor">
+            <a:schemeClr val="lt1"/>
+          </a:fontRef>
+        </p:style>
+        <p:txBody>
+          <a:bodyPr rtlCol="0" anchor="ctr"/>
+          <a:lstStyle/>
+          <a:p>
+            <a:pPr algn="ctr"/>
+            <a:endParaRPr lang="en-US" sz="1600" b="1" dirty="0"/>
+          </a:p>
+        </p:txBody>
+      </p:sp>
+      <p:sp>
+        <p:nvSpPr>
+          <p:cNvPr id="94" name="Hexagon 93"/>
+          <p:cNvSpPr>
+            <a:spLocks noChangeAspect="1"/>
+          </p:cNvSpPr>
+          <p:nvPr/>
+        </p:nvSpPr>
+        <p:spPr>
+          <a:xfrm>
+            <a:off x="4839426" y="3767522"/>
+            <a:ext cx="632047" cy="544867"/>
+          </a:xfrm>
+          <a:prstGeom prst="hexagon">
+            <a:avLst/>
+          </a:prstGeom>
+        </p:spPr>
+        <p:style>
+          <a:lnRef idx="0">
+            <a:schemeClr val="accent4"/>
+          </a:lnRef>
+          <a:fillRef idx="3">
+            <a:schemeClr val="accent4"/>
+          </a:fillRef>
+          <a:effectRef idx="3">
+            <a:schemeClr val="accent4"/>
+          </a:effectRef>
+          <a:fontRef idx="minor">
+            <a:schemeClr val="lt1"/>
+          </a:fontRef>
+        </p:style>
+        <p:txBody>
+          <a:bodyPr rtlCol="0" anchor="ctr"/>
+          <a:lstStyle/>
+          <a:p>
+            <a:pPr algn="ctr"/>
+            <a:endParaRPr lang="en-US" sz="1600" b="1" dirty="0"/>
+          </a:p>
+        </p:txBody>
+      </p:sp>
+      <p:sp>
+        <p:nvSpPr>
+          <p:cNvPr id="95" name="Hexagon 94"/>
+          <p:cNvSpPr>
+            <a:spLocks noChangeAspect="1"/>
+          </p:cNvSpPr>
+          <p:nvPr/>
+        </p:nvSpPr>
+        <p:spPr>
+          <a:xfrm>
+            <a:off x="4839426" y="3222654"/>
+            <a:ext cx="632047" cy="544867"/>
+          </a:xfrm>
+          <a:prstGeom prst="hexagon">
+            <a:avLst/>
+          </a:prstGeom>
+        </p:spPr>
+        <p:style>
+          <a:lnRef idx="0">
+            <a:schemeClr val="accent4"/>
+          </a:lnRef>
+          <a:fillRef idx="3">
+            <a:schemeClr val="accent4"/>
+          </a:fillRef>
+          <a:effectRef idx="3">
+            <a:schemeClr val="accent4"/>
+          </a:effectRef>
+          <a:fontRef idx="minor">
+            <a:schemeClr val="lt1"/>
+          </a:fontRef>
+        </p:style>
+        <p:txBody>
+          <a:bodyPr rtlCol="0" anchor="ctr"/>
+          <a:lstStyle/>
+          <a:p>
+            <a:pPr algn="ctr"/>
+            <a:endParaRPr lang="en-US" sz="1600" b="1" dirty="0"/>
+          </a:p>
+        </p:txBody>
+      </p:sp>
+      <p:sp>
+        <p:nvSpPr>
+          <p:cNvPr id="48" name="Hexagon 47"/>
+          <p:cNvSpPr>
+            <a:spLocks noChangeAspect="1"/>
+          </p:cNvSpPr>
+          <p:nvPr/>
+        </p:nvSpPr>
+        <p:spPr>
+          <a:xfrm>
+            <a:off x="7942156" y="4312388"/>
+            <a:ext cx="632047" cy="544867"/>
+          </a:xfrm>
+          <a:prstGeom prst="hexagon">
+            <a:avLst/>
+          </a:prstGeom>
+        </p:spPr>
+        <p:style>
+          <a:lnRef idx="0">
+            <a:schemeClr val="accent6"/>
+          </a:lnRef>
+          <a:fillRef idx="3">
+            <a:schemeClr val="accent6"/>
+          </a:fillRef>
+          <a:effectRef idx="3">
+            <a:schemeClr val="accent6"/>
+          </a:effectRef>
+          <a:fontRef idx="minor">
+            <a:schemeClr val="lt1"/>
+          </a:fontRef>
+        </p:style>
+        <p:txBody>
+          <a:bodyPr rtlCol="0" anchor="ctr"/>
+          <a:lstStyle/>
+          <a:p>
+            <a:pPr algn="ctr"/>
+            <a:endParaRPr lang="en-US" sz="1600" b="1" dirty="0"/>
+          </a:p>
+        </p:txBody>
+      </p:sp>
+      <p:sp>
+        <p:nvSpPr>
+          <p:cNvPr id="49" name="Hexagon 48"/>
+          <p:cNvSpPr>
+            <a:spLocks noChangeAspect="1"/>
+          </p:cNvSpPr>
+          <p:nvPr/>
+        </p:nvSpPr>
+        <p:spPr>
+          <a:xfrm>
+            <a:off x="7339188" y="3980995"/>
+            <a:ext cx="632047" cy="544867"/>
+          </a:xfrm>
+          <a:prstGeom prst="hexagon">
+            <a:avLst/>
+          </a:prstGeom>
+        </p:spPr>
+        <p:style>
+          <a:lnRef idx="0">
+            <a:schemeClr val="accent2"/>
+          </a:lnRef>
+          <a:fillRef idx="3">
+            <a:schemeClr val="accent2"/>
+          </a:fillRef>
+          <a:effectRef idx="3">
+            <a:schemeClr val="accent2"/>
+          </a:effectRef>
+          <a:fontRef idx="minor">
+            <a:schemeClr val="lt1"/>
+          </a:fontRef>
+        </p:style>
+        <p:txBody>
+          <a:bodyPr rtlCol="0" anchor="ctr"/>
+          <a:lstStyle/>
+          <a:p>
+            <a:pPr algn="ctr"/>
+            <a:endParaRPr lang="en-US" sz="1600" b="1" dirty="0"/>
+          </a:p>
+        </p:txBody>
+      </p:sp>
+      <p:sp>
+        <p:nvSpPr>
+          <p:cNvPr id="50" name="Hexagon 49"/>
+          <p:cNvSpPr>
+            <a:spLocks noChangeAspect="1"/>
+          </p:cNvSpPr>
+          <p:nvPr/>
+        </p:nvSpPr>
+        <p:spPr>
+          <a:xfrm>
+            <a:off x="7942155" y="3649602"/>
+            <a:ext cx="632047" cy="544867"/>
+          </a:xfrm>
+          <a:prstGeom prst="hexagon">
+            <a:avLst/>
+          </a:prstGeom>
+        </p:spPr>
+        <p:style>
+          <a:lnRef idx="0">
+            <a:schemeClr val="accent1"/>
+          </a:lnRef>
+          <a:fillRef idx="3">
+            <a:schemeClr val="accent1"/>
+          </a:fillRef>
+          <a:effectRef idx="3">
+            <a:schemeClr val="accent1"/>
+          </a:effectRef>
+          <a:fontRef idx="minor">
+            <a:schemeClr val="lt1"/>
+          </a:fontRef>
+        </p:style>
+        <p:txBody>
+          <a:bodyPr rtlCol="0" anchor="ctr"/>
+          <a:lstStyle/>
+          <a:p>
+            <a:pPr algn="ctr"/>
+            <a:endParaRPr lang="en-US" sz="1600" b="1" dirty="0"/>
+          </a:p>
+        </p:txBody>
+      </p:sp>
+      <p:sp>
+        <p:nvSpPr>
+          <p:cNvPr id="51" name="Hexagon 50"/>
+          <p:cNvSpPr>
+            <a:spLocks noChangeAspect="1"/>
+          </p:cNvSpPr>
+          <p:nvPr/>
+        </p:nvSpPr>
+        <p:spPr>
+          <a:xfrm>
+            <a:off x="8545122" y="3323527"/>
+            <a:ext cx="632047" cy="544867"/>
+          </a:xfrm>
+          <a:prstGeom prst="hexagon">
+            <a:avLst/>
+          </a:prstGeom>
+        </p:spPr>
+        <p:style>
+          <a:lnRef idx="0">
+            <a:schemeClr val="accent6"/>
+          </a:lnRef>
+          <a:fillRef idx="3">
+            <a:schemeClr val="accent6"/>
+          </a:fillRef>
+          <a:effectRef idx="3">
+            <a:schemeClr val="accent6"/>
+          </a:effectRef>
+          <a:fontRef idx="minor">
+            <a:schemeClr val="lt1"/>
+          </a:fontRef>
+        </p:style>
+        <p:txBody>
+          <a:bodyPr rtlCol="0" anchor="ctr"/>
+          <a:lstStyle/>
+          <a:p>
+            <a:pPr algn="ctr"/>
+            <a:endParaRPr lang="en-US" sz="1600" b="1" dirty="0"/>
+          </a:p>
+        </p:txBody>
+      </p:sp>
+      <p:sp>
+        <p:nvSpPr>
+          <p:cNvPr id="52" name="Hexagon 51"/>
+          <p:cNvSpPr>
+            <a:spLocks noChangeAspect="1"/>
+          </p:cNvSpPr>
+          <p:nvPr/>
+        </p:nvSpPr>
+        <p:spPr>
+          <a:xfrm>
+            <a:off x="7927615" y="2986816"/>
+            <a:ext cx="632047" cy="544867"/>
+          </a:xfrm>
+          <a:prstGeom prst="hexagon">
+            <a:avLst/>
+          </a:prstGeom>
+        </p:spPr>
+        <p:style>
+          <a:lnRef idx="0">
+            <a:schemeClr val="accent4"/>
+          </a:lnRef>
+          <a:fillRef idx="3">
+            <a:schemeClr val="accent4"/>
+          </a:fillRef>
+          <a:effectRef idx="3">
+            <a:schemeClr val="accent4"/>
+          </a:effectRef>
+          <a:fontRef idx="minor">
+            <a:schemeClr val="lt1"/>
+          </a:fontRef>
+        </p:style>
+        <p:txBody>
+          <a:bodyPr rtlCol="0" anchor="ctr"/>
+          <a:lstStyle/>
+          <a:p>
+            <a:pPr algn="ctr"/>
+            <a:endParaRPr lang="en-US" sz="1600" b="1" dirty="0"/>
+          </a:p>
+        </p:txBody>
+      </p:sp>
+      <p:sp>
+        <p:nvSpPr>
+          <p:cNvPr id="53" name="Hexagon 52"/>
+          <p:cNvSpPr>
+            <a:spLocks noChangeAspect="1"/>
+          </p:cNvSpPr>
+          <p:nvPr/>
+        </p:nvSpPr>
+        <p:spPr>
+          <a:xfrm>
+            <a:off x="7339188" y="2655148"/>
+            <a:ext cx="632047" cy="544867"/>
+          </a:xfrm>
+          <a:prstGeom prst="hexagon">
+            <a:avLst/>
+          </a:prstGeom>
+        </p:spPr>
+        <p:style>
+          <a:lnRef idx="0">
+            <a:schemeClr val="accent2"/>
+          </a:lnRef>
+          <a:fillRef idx="3">
+            <a:schemeClr val="accent2"/>
+          </a:fillRef>
+          <a:effectRef idx="3">
+            <a:schemeClr val="accent2"/>
+          </a:effectRef>
+          <a:fontRef idx="minor">
+            <a:schemeClr val="lt1"/>
+          </a:fontRef>
+        </p:style>
+        <p:txBody>
+          <a:bodyPr rtlCol="0" anchor="ctr"/>
+          <a:lstStyle/>
+          <a:p>
+            <a:pPr algn="ctr"/>
+            <a:endParaRPr lang="en-US" sz="1600" b="1" dirty="0"/>
+          </a:p>
+        </p:txBody>
+      </p:sp>
+      <p:sp>
+        <p:nvSpPr>
+          <p:cNvPr id="54" name="Hexagon 53"/>
+          <p:cNvSpPr>
+            <a:spLocks noChangeAspect="1"/>
+          </p:cNvSpPr>
+          <p:nvPr/>
+        </p:nvSpPr>
+        <p:spPr>
+          <a:xfrm>
+            <a:off x="7927614" y="2324030"/>
+            <a:ext cx="632047" cy="544867"/>
+          </a:xfrm>
+          <a:prstGeom prst="hexagon">
+            <a:avLst/>
+          </a:prstGeom>
+        </p:spPr>
+        <p:style>
+          <a:lnRef idx="0">
+            <a:schemeClr val="accent4"/>
+          </a:lnRef>
+          <a:fillRef idx="3">
+            <a:schemeClr val="accent4"/>
+          </a:fillRef>
+          <a:effectRef idx="3">
+            <a:schemeClr val="accent4"/>
+          </a:effectRef>
+          <a:fontRef idx="minor">
+            <a:schemeClr val="lt1"/>
+          </a:fontRef>
+        </p:style>
+        <p:txBody>
+          <a:bodyPr rtlCol="0" anchor="ctr"/>
+          <a:lstStyle/>
+          <a:p>
+            <a:pPr algn="ctr"/>
+            <a:endParaRPr lang="en-US" sz="1600" b="1" dirty="0"/>
+          </a:p>
+        </p:txBody>
+      </p:sp>
+      <p:sp>
+        <p:nvSpPr>
+          <p:cNvPr id="55" name="Hexagon 54"/>
+          <p:cNvSpPr>
+            <a:spLocks noChangeAspect="1"/>
+          </p:cNvSpPr>
+          <p:nvPr/>
+        </p:nvSpPr>
+        <p:spPr>
+          <a:xfrm>
+            <a:off x="8508452" y="1992637"/>
+            <a:ext cx="632047" cy="544867"/>
+          </a:xfrm>
+          <a:prstGeom prst="hexagon">
+            <a:avLst/>
+          </a:prstGeom>
+        </p:spPr>
+        <p:style>
+          <a:lnRef idx="0">
+            <a:schemeClr val="accent6"/>
+          </a:lnRef>
+          <a:fillRef idx="3">
+            <a:schemeClr val="accent6"/>
+          </a:fillRef>
+          <a:effectRef idx="3">
+            <a:schemeClr val="accent6"/>
+          </a:effectRef>
+          <a:fontRef idx="minor">
+            <a:schemeClr val="lt1"/>
+          </a:fontRef>
+        </p:style>
+        <p:txBody>
+          <a:bodyPr rtlCol="0" anchor="ctr"/>
+          <a:lstStyle/>
+          <a:p>
+            <a:pPr algn="ctr"/>
+            <a:endParaRPr lang="en-US" sz="1600" b="1" dirty="0"/>
+          </a:p>
+        </p:txBody>
+      </p:sp>
+      <p:sp>
+        <p:nvSpPr>
+          <p:cNvPr id="57" name="Hexagon 56"/>
+          <p:cNvSpPr>
+            <a:spLocks noChangeAspect="1"/>
+          </p:cNvSpPr>
+          <p:nvPr/>
+        </p:nvSpPr>
+        <p:spPr>
+          <a:xfrm>
+            <a:off x="7927613" y="1649516"/>
+            <a:ext cx="632047" cy="544867"/>
+          </a:xfrm>
+          <a:prstGeom prst="hexagon">
+            <a:avLst/>
+          </a:prstGeom>
+        </p:spPr>
+        <p:style>
+          <a:lnRef idx="0">
+            <a:schemeClr val="accent1"/>
+          </a:lnRef>
+          <a:fillRef idx="3">
+            <a:schemeClr val="accent1"/>
+          </a:fillRef>
+          <a:effectRef idx="3">
+            <a:schemeClr val="accent1"/>
+          </a:effectRef>
+          <a:fontRef idx="minor">
+            <a:schemeClr val="lt1"/>
+          </a:fontRef>
+        </p:style>
+        <p:txBody>
+          <a:bodyPr rtlCol="0" anchor="ctr"/>
+          <a:lstStyle/>
+          <a:p>
+            <a:pPr algn="ctr"/>
+            <a:endParaRPr lang="en-US" sz="1600" b="1" dirty="0"/>
+          </a:p>
+        </p:txBody>
+      </p:sp>
+      <p:sp>
+        <p:nvSpPr>
+          <p:cNvPr id="58" name="Hexagon 57"/>
+          <p:cNvSpPr>
+            <a:spLocks noChangeAspect="1"/>
+          </p:cNvSpPr>
+          <p:nvPr/>
+        </p:nvSpPr>
+        <p:spPr>
+          <a:xfrm>
+            <a:off x="7339187" y="1322531"/>
+            <a:ext cx="632047" cy="544867"/>
+          </a:xfrm>
+          <a:prstGeom prst="hexagon">
+            <a:avLst/>
+          </a:prstGeom>
+        </p:spPr>
+        <p:style>
+          <a:lnRef idx="0">
+            <a:schemeClr val="accent4"/>
+          </a:lnRef>
+          <a:fillRef idx="3">
+            <a:schemeClr val="accent4"/>
+          </a:fillRef>
+          <a:effectRef idx="3">
+            <a:schemeClr val="accent4"/>
+          </a:effectRef>
+          <a:fontRef idx="minor">
+            <a:schemeClr val="lt1"/>
+          </a:fontRef>
+        </p:style>
+        <p:txBody>
+          <a:bodyPr rtlCol="0" anchor="ctr"/>
+          <a:lstStyle/>
+          <a:p>
+            <a:pPr algn="ctr"/>
+            <a:endParaRPr lang="en-US" sz="1600" b="1" dirty="0"/>
+          </a:p>
+        </p:txBody>
+      </p:sp>
+    </p:spTree>
+    <p:extLst>
+      <p:ext uri="{BB962C8B-B14F-4D97-AF65-F5344CB8AC3E}">
+        <p14:creationId xmlns:p14="http://schemas.microsoft.com/office/powerpoint/2010/main" val="3753924166"/>
+      </p:ext>
+    </p:extLst>
+  </p:cSld>
+  <p:clrMapOvr>
+    <a:masterClrMapping/>
+  </p:clrMapOvr>
+  <p:timing>
+    <p:tnLst>
+      <p:par>
+        <p:cTn id="1" dur="indefinite" restart="never" nodeType="tmRoot"/>
+      </p:par>
+    </p:tnLst>
+  </p:timing>
+</p:sld>
+</file>
+
 <file path=ppt/theme/theme1.xml><?xml version="1.0" encoding="utf-8"?>
 <a:theme xmlns:a="http://schemas.openxmlformats.org/drawingml/2006/main" name="Office Theme">
   <a:themeElements>
